--- a/chapter_02_getting_started_with_architecture_of_the_transformer_model/screenshots/Transformer.pptx
+++ b/chapter_02_getting_started_with_architecture_of_the_transformer_model/screenshots/Transformer.pptx
@@ -5,12 +5,14 @@
     <p:sldMasterId id="2147483696" r:id="rId1"/>
   </p:sldMasterIdLst>
   <p:notesMasterIdLst>
-    <p:notesMasterId r:id="rId5"/>
+    <p:notesMasterId r:id="rId7"/>
   </p:notesMasterIdLst>
   <p:sldIdLst>
     <p:sldId id="257" r:id="rId2"/>
     <p:sldId id="256" r:id="rId3"/>
     <p:sldId id="258" r:id="rId4"/>
+    <p:sldId id="259" r:id="rId5"/>
+    <p:sldId id="260" r:id="rId6"/>
   </p:sldIdLst>
   <p:sldSz cx="8320088" cy="7199313"/>
   <p:notesSz cx="6858000" cy="9144000"/>
@@ -199,7 +201,7 @@
           <a:p>
             <a:fld id="{D646931A-662F-4D52-BAC8-0F3D70F047E4}" type="datetimeFigureOut">
               <a:rPr lang="zh-CN" altLang="en-US" smtClean="0"/>
-              <a:t>2024/3/20</a:t>
+              <a:t>2024/3/21</a:t>
             </a:fld>
             <a:endParaRPr lang="zh-CN" altLang="en-US"/>
           </a:p>
@@ -775,7 +777,7 @@
           <a:p>
             <a:fld id="{A46C9027-9366-464F-8641-95A7D15B2284}" type="datetimeFigureOut">
               <a:rPr lang="zh-CN" altLang="en-US" smtClean="0"/>
-              <a:t>2024/3/20</a:t>
+              <a:t>2024/3/21</a:t>
             </a:fld>
             <a:endParaRPr lang="zh-CN" altLang="en-US"/>
           </a:p>
@@ -945,7 +947,7 @@
           <a:p>
             <a:fld id="{A46C9027-9366-464F-8641-95A7D15B2284}" type="datetimeFigureOut">
               <a:rPr lang="zh-CN" altLang="en-US" smtClean="0"/>
-              <a:t>2024/3/20</a:t>
+              <a:t>2024/3/21</a:t>
             </a:fld>
             <a:endParaRPr lang="zh-CN" altLang="en-US"/>
           </a:p>
@@ -1125,7 +1127,7 @@
           <a:p>
             <a:fld id="{A46C9027-9366-464F-8641-95A7D15B2284}" type="datetimeFigureOut">
               <a:rPr lang="zh-CN" altLang="en-US" smtClean="0"/>
-              <a:t>2024/3/20</a:t>
+              <a:t>2024/3/21</a:t>
             </a:fld>
             <a:endParaRPr lang="zh-CN" altLang="en-US"/>
           </a:p>
@@ -1295,7 +1297,7 @@
           <a:p>
             <a:fld id="{A46C9027-9366-464F-8641-95A7D15B2284}" type="datetimeFigureOut">
               <a:rPr lang="zh-CN" altLang="en-US" smtClean="0"/>
-              <a:t>2024/3/20</a:t>
+              <a:t>2024/3/21</a:t>
             </a:fld>
             <a:endParaRPr lang="zh-CN" altLang="en-US"/>
           </a:p>
@@ -1539,7 +1541,7 @@
           <a:p>
             <a:fld id="{A46C9027-9366-464F-8641-95A7D15B2284}" type="datetimeFigureOut">
               <a:rPr lang="zh-CN" altLang="en-US" smtClean="0"/>
-              <a:t>2024/3/20</a:t>
+              <a:t>2024/3/21</a:t>
             </a:fld>
             <a:endParaRPr lang="zh-CN" altLang="en-US"/>
           </a:p>
@@ -1771,7 +1773,7 @@
           <a:p>
             <a:fld id="{A46C9027-9366-464F-8641-95A7D15B2284}" type="datetimeFigureOut">
               <a:rPr lang="zh-CN" altLang="en-US" smtClean="0"/>
-              <a:t>2024/3/20</a:t>
+              <a:t>2024/3/21</a:t>
             </a:fld>
             <a:endParaRPr lang="zh-CN" altLang="en-US"/>
           </a:p>
@@ -2138,7 +2140,7 @@
           <a:p>
             <a:fld id="{A46C9027-9366-464F-8641-95A7D15B2284}" type="datetimeFigureOut">
               <a:rPr lang="zh-CN" altLang="en-US" smtClean="0"/>
-              <a:t>2024/3/20</a:t>
+              <a:t>2024/3/21</a:t>
             </a:fld>
             <a:endParaRPr lang="zh-CN" altLang="en-US"/>
           </a:p>
@@ -2256,7 +2258,7 @@
           <a:p>
             <a:fld id="{A46C9027-9366-464F-8641-95A7D15B2284}" type="datetimeFigureOut">
               <a:rPr lang="zh-CN" altLang="en-US" smtClean="0"/>
-              <a:t>2024/3/20</a:t>
+              <a:t>2024/3/21</a:t>
             </a:fld>
             <a:endParaRPr lang="zh-CN" altLang="en-US"/>
           </a:p>
@@ -2351,7 +2353,7 @@
           <a:p>
             <a:fld id="{A46C9027-9366-464F-8641-95A7D15B2284}" type="datetimeFigureOut">
               <a:rPr lang="zh-CN" altLang="en-US" smtClean="0"/>
-              <a:t>2024/3/20</a:t>
+              <a:t>2024/3/21</a:t>
             </a:fld>
             <a:endParaRPr lang="zh-CN" altLang="en-US"/>
           </a:p>
@@ -2628,7 +2630,7 @@
           <a:p>
             <a:fld id="{A46C9027-9366-464F-8641-95A7D15B2284}" type="datetimeFigureOut">
               <a:rPr lang="zh-CN" altLang="en-US" smtClean="0"/>
-              <a:t>2024/3/20</a:t>
+              <a:t>2024/3/21</a:t>
             </a:fld>
             <a:endParaRPr lang="zh-CN" altLang="en-US"/>
           </a:p>
@@ -2885,7 +2887,7 @@
           <a:p>
             <a:fld id="{A46C9027-9366-464F-8641-95A7D15B2284}" type="datetimeFigureOut">
               <a:rPr lang="zh-CN" altLang="en-US" smtClean="0"/>
-              <a:t>2024/3/20</a:t>
+              <a:t>2024/3/21</a:t>
             </a:fld>
             <a:endParaRPr lang="zh-CN" altLang="en-US"/>
           </a:p>
@@ -3098,7 +3100,7 @@
           <a:p>
             <a:fld id="{A46C9027-9366-464F-8641-95A7D15B2284}" type="datetimeFigureOut">
               <a:rPr lang="zh-CN" altLang="en-US" smtClean="0"/>
-              <a:t>2024/3/20</a:t>
+              <a:t>2024/3/21</a:t>
             </a:fld>
             <a:endParaRPr lang="zh-CN" altLang="en-US"/>
           </a:p>
@@ -4084,8 +4086,8 @@
             <a:effectLst/>
           </p:spPr>
         </p:cxnSp>
-        <mc:AlternateContent xmlns:mc="http://schemas.openxmlformats.org/markup-compatibility/2006">
-          <mc:Choice xmlns:a14="http://schemas.microsoft.com/office/drawing/2010/main" Requires="a14">
+        <mc:AlternateContent xmlns:mc="http://schemas.openxmlformats.org/markup-compatibility/2006" xmlns:a14="http://schemas.microsoft.com/office/drawing/2010/main">
+          <mc:Choice Requires="a14">
             <p:sp>
               <p:nvSpPr>
                 <p:cNvPr id="16" name="文本框 15">
@@ -4176,7 +4178,7 @@
               </p:txBody>
             </p:sp>
           </mc:Choice>
-          <mc:Fallback>
+          <mc:Fallback xmlns="">
             <p:sp>
               <p:nvSpPr>
                 <p:cNvPr id="16" name="文本框 15">
@@ -4221,8 +4223,8 @@
             </p:sp>
           </mc:Fallback>
         </mc:AlternateContent>
-        <mc:AlternateContent xmlns:mc="http://schemas.openxmlformats.org/markup-compatibility/2006">
-          <mc:Choice xmlns:a14="http://schemas.microsoft.com/office/drawing/2010/main" Requires="a14">
+        <mc:AlternateContent xmlns:mc="http://schemas.openxmlformats.org/markup-compatibility/2006" xmlns:a14="http://schemas.microsoft.com/office/drawing/2010/main">
+          <mc:Choice Requires="a14">
             <p:sp>
               <p:nvSpPr>
                 <p:cNvPr id="17" name="文本框 16">
@@ -4311,7 +4313,7 @@
               </p:txBody>
             </p:sp>
           </mc:Choice>
-          <mc:Fallback>
+          <mc:Fallback xmlns="">
             <p:sp>
               <p:nvSpPr>
                 <p:cNvPr id="17" name="文本框 16">
@@ -4599,8 +4601,8 @@
             </a:p>
           </p:txBody>
         </p:sp>
-        <mc:AlternateContent xmlns:mc="http://schemas.openxmlformats.org/markup-compatibility/2006">
-          <mc:Choice xmlns:a14="http://schemas.microsoft.com/office/drawing/2010/main" Requires="a14">
+        <mc:AlternateContent xmlns:mc="http://schemas.openxmlformats.org/markup-compatibility/2006" xmlns:a14="http://schemas.microsoft.com/office/drawing/2010/main">
+          <mc:Choice Requires="a14">
             <p:sp>
               <p:nvSpPr>
                 <p:cNvPr id="38" name="文本框 37">
@@ -4659,7 +4661,7 @@
               </p:txBody>
             </p:sp>
           </mc:Choice>
-          <mc:Fallback>
+          <mc:Fallback xmlns="">
             <p:sp>
               <p:nvSpPr>
                 <p:cNvPr id="38" name="文本框 37">
@@ -6203,8 +6205,8 @@
             </a:p>
           </p:txBody>
         </p:sp>
-        <mc:AlternateContent xmlns:mc="http://schemas.openxmlformats.org/markup-compatibility/2006">
-          <mc:Choice xmlns:a14="http://schemas.microsoft.com/office/drawing/2010/main" Requires="a14">
+        <mc:AlternateContent xmlns:mc="http://schemas.openxmlformats.org/markup-compatibility/2006" xmlns:a14="http://schemas.microsoft.com/office/drawing/2010/main">
+          <mc:Choice Requires="a14">
             <p:sp>
               <p:nvSpPr>
                 <p:cNvPr id="133" name="文本框 132">
@@ -6288,7 +6290,7 @@
               </p:txBody>
             </p:sp>
           </mc:Choice>
-          <mc:Fallback>
+          <mc:Fallback xmlns="">
             <p:sp>
               <p:nvSpPr>
                 <p:cNvPr id="133" name="文本框 132">
@@ -6333,8 +6335,8 @@
             </p:sp>
           </mc:Fallback>
         </mc:AlternateContent>
-        <mc:AlternateContent xmlns:mc="http://schemas.openxmlformats.org/markup-compatibility/2006">
-          <mc:Choice xmlns:a14="http://schemas.microsoft.com/office/drawing/2010/main" Requires="a14">
+        <mc:AlternateContent xmlns:mc="http://schemas.openxmlformats.org/markup-compatibility/2006" xmlns:a14="http://schemas.microsoft.com/office/drawing/2010/main">
+          <mc:Choice Requires="a14">
             <p:sp>
               <p:nvSpPr>
                 <p:cNvPr id="136" name="文本框 135">
@@ -6402,7 +6404,7 @@
               </p:txBody>
             </p:sp>
           </mc:Choice>
-          <mc:Fallback>
+          <mc:Fallback xmlns="">
             <p:sp>
               <p:nvSpPr>
                 <p:cNvPr id="136" name="文本框 135">
@@ -6447,8 +6449,8 @@
             </p:sp>
           </mc:Fallback>
         </mc:AlternateContent>
-        <mc:AlternateContent xmlns:mc="http://schemas.openxmlformats.org/markup-compatibility/2006">
-          <mc:Choice xmlns:a14="http://schemas.microsoft.com/office/drawing/2010/main" Requires="a14">
+        <mc:AlternateContent xmlns:mc="http://schemas.openxmlformats.org/markup-compatibility/2006" xmlns:a14="http://schemas.microsoft.com/office/drawing/2010/main">
+          <mc:Choice Requires="a14">
             <p:sp>
               <p:nvSpPr>
                 <p:cNvPr id="138" name="文本框 137">
@@ -6530,7 +6532,7 @@
               </p:txBody>
             </p:sp>
           </mc:Choice>
-          <mc:Fallback>
+          <mc:Fallback xmlns="">
             <p:sp>
               <p:nvSpPr>
                 <p:cNvPr id="138" name="文本框 137">
@@ -6575,8 +6577,8 @@
             </p:sp>
           </mc:Fallback>
         </mc:AlternateContent>
-        <mc:AlternateContent xmlns:mc="http://schemas.openxmlformats.org/markup-compatibility/2006">
-          <mc:Choice xmlns:a14="http://schemas.microsoft.com/office/drawing/2010/main" Requires="a14">
+        <mc:AlternateContent xmlns:mc="http://schemas.openxmlformats.org/markup-compatibility/2006" xmlns:a14="http://schemas.microsoft.com/office/drawing/2010/main">
+          <mc:Choice Requires="a14">
             <p:sp>
               <p:nvSpPr>
                 <p:cNvPr id="139" name="文本框 138">
@@ -6644,7 +6646,7 @@
               </p:txBody>
             </p:sp>
           </mc:Choice>
-          <mc:Fallback>
+          <mc:Fallback xmlns="">
             <p:sp>
               <p:nvSpPr>
                 <p:cNvPr id="139" name="文本框 138">
@@ -7071,8 +7073,8 @@
             </a:p>
           </p:txBody>
         </p:sp>
-        <mc:AlternateContent xmlns:mc="http://schemas.openxmlformats.org/markup-compatibility/2006">
-          <mc:Choice xmlns:a14="http://schemas.microsoft.com/office/drawing/2010/main" Requires="a14">
+        <mc:AlternateContent xmlns:mc="http://schemas.openxmlformats.org/markup-compatibility/2006" xmlns:a14="http://schemas.microsoft.com/office/drawing/2010/main">
+          <mc:Choice Requires="a14">
             <p:sp>
               <p:nvSpPr>
                 <p:cNvPr id="118" name="文本框 117">
@@ -7131,7 +7133,7 @@
               </p:txBody>
             </p:sp>
           </mc:Choice>
-          <mc:Fallback>
+          <mc:Fallback xmlns="">
             <p:sp>
               <p:nvSpPr>
                 <p:cNvPr id="118" name="文本框 117">
@@ -8096,8 +8098,8 @@
             </a:p>
           </p:txBody>
         </p:sp>
-        <mc:AlternateContent xmlns:mc="http://schemas.openxmlformats.org/markup-compatibility/2006">
-          <mc:Choice xmlns:a14="http://schemas.microsoft.com/office/drawing/2010/main" Requires="a14">
+        <mc:AlternateContent xmlns:mc="http://schemas.openxmlformats.org/markup-compatibility/2006" xmlns:a14="http://schemas.microsoft.com/office/drawing/2010/main">
+          <mc:Choice Requires="a14">
             <p:sp>
               <p:nvSpPr>
                 <p:cNvPr id="124" name="文本框 123">
@@ -8156,7 +8158,7 @@
               </p:txBody>
             </p:sp>
           </mc:Choice>
-          <mc:Fallback>
+          <mc:Fallback xmlns="">
             <p:sp>
               <p:nvSpPr>
                 <p:cNvPr id="124" name="文本框 123">
@@ -9747,7 +9749,7 @@
         </p:nvGrpSpPr>
         <p:grpSpPr>
           <a:xfrm>
-            <a:off x="1231897" y="2359332"/>
+            <a:off x="1407740" y="332006"/>
             <a:ext cx="1101611" cy="1100176"/>
             <a:chOff x="1445257" y="4485312"/>
             <a:chExt cx="1101611" cy="1100176"/>
@@ -9953,7 +9955,7 @@
         </p:nvGrpSpPr>
         <p:grpSpPr>
           <a:xfrm>
-            <a:off x="3854920" y="1916493"/>
+            <a:off x="296999" y="2189937"/>
             <a:ext cx="2212352" cy="1543015"/>
             <a:chOff x="3854920" y="1916493"/>
             <a:chExt cx="2212352" cy="1543015"/>
@@ -10479,10 +10481,5938 @@
           </p:style>
         </p:cxnSp>
       </p:grpSp>
+      <p:grpSp>
+        <p:nvGrpSpPr>
+          <p:cNvPr id="78" name="组合 77">
+            <a:extLst>
+              <a:ext uri="{FF2B5EF4-FFF2-40B4-BE49-F238E27FC236}">
+                <a16:creationId xmlns:a16="http://schemas.microsoft.com/office/drawing/2014/main" id="{F1B2B548-6D0A-79D9-157D-FCD154CE612D}"/>
+              </a:ext>
+            </a:extLst>
+          </p:cNvPr>
+          <p:cNvGrpSpPr/>
+          <p:nvPr/>
+        </p:nvGrpSpPr>
+        <p:grpSpPr>
+          <a:xfrm>
+            <a:off x="1132264" y="4185143"/>
+            <a:ext cx="1652562" cy="1921455"/>
+            <a:chOff x="4829311" y="3306372"/>
+            <a:chExt cx="1652562" cy="1921455"/>
+          </a:xfrm>
+        </p:grpSpPr>
+        <p:sp>
+          <p:nvSpPr>
+            <p:cNvPr id="9" name="矩形 8">
+              <a:extLst>
+                <a:ext uri="{FF2B5EF4-FFF2-40B4-BE49-F238E27FC236}">
+                  <a16:creationId xmlns:a16="http://schemas.microsoft.com/office/drawing/2014/main" id="{A6B22D72-E1D6-2108-3DC3-D902FAC231EF}"/>
+                </a:ext>
+              </a:extLst>
+            </p:cNvPr>
+            <p:cNvSpPr/>
+            <p:nvPr/>
+          </p:nvSpPr>
+          <p:spPr>
+            <a:xfrm>
+              <a:off x="5068420" y="4212212"/>
+              <a:ext cx="1180278" cy="516809"/>
+            </a:xfrm>
+            <a:prstGeom prst="rect">
+              <a:avLst/>
+            </a:prstGeom>
+            <a:solidFill>
+              <a:srgbClr val="FFE2BB"/>
+            </a:solidFill>
+            <a:ln w="19050" cap="flat" cmpd="sng" algn="ctr">
+              <a:solidFill>
+                <a:schemeClr val="tx1"/>
+              </a:solidFill>
+              <a:prstDash val="solid"/>
+              <a:miter lim="800000"/>
+            </a:ln>
+            <a:effectLst/>
+          </p:spPr>
+          <p:txBody>
+            <a:bodyPr rtlCol="0" anchor="ctr"/>
+            <a:lstStyle/>
+            <a:p>
+              <a:pPr algn="ctr" defTabSz="914511"/>
+              <a:r>
+                <a:rPr lang="en-US" altLang="zh-CN" sz="1400" kern="0" dirty="0">
+                  <a:latin typeface="Times New Roman"/>
+                  <a:ea typeface="宋体"/>
+                </a:rPr>
+                <a:t>Multi-Head</a:t>
+              </a:r>
+            </a:p>
+            <a:p>
+              <a:pPr algn="ctr" defTabSz="914511"/>
+              <a:r>
+                <a:rPr lang="en-US" altLang="zh-CN" sz="1400" kern="0" dirty="0">
+                  <a:latin typeface="Times New Roman"/>
+                  <a:ea typeface="宋体"/>
+                </a:rPr>
+                <a:t>Attention</a:t>
+              </a:r>
+              <a:endParaRPr lang="zh-CN" altLang="en-US" sz="1400" kern="0" dirty="0">
+                <a:latin typeface="Times New Roman"/>
+                <a:ea typeface="宋体"/>
+              </a:endParaRPr>
+            </a:p>
+          </p:txBody>
+        </p:sp>
+        <p:cxnSp>
+          <p:nvCxnSpPr>
+            <p:cNvPr id="11" name="直接箭头连接符 10">
+              <a:extLst>
+                <a:ext uri="{FF2B5EF4-FFF2-40B4-BE49-F238E27FC236}">
+                  <a16:creationId xmlns:a16="http://schemas.microsoft.com/office/drawing/2014/main" id="{F77D0956-FF7C-DB91-BFD5-68A02DFFFCC6}"/>
+                </a:ext>
+              </a:extLst>
+            </p:cNvPr>
+            <p:cNvCxnSpPr>
+              <a:cxnSpLocks/>
+              <a:stCxn id="9" idx="0"/>
+              <a:endCxn id="64" idx="2"/>
+            </p:cNvCxnSpPr>
+            <p:nvPr/>
+          </p:nvCxnSpPr>
+          <p:spPr>
+            <a:xfrm flipH="1" flipV="1">
+              <a:off x="5655592" y="3614149"/>
+              <a:ext cx="2967" cy="598063"/>
+            </a:xfrm>
+            <a:prstGeom prst="straightConnector1">
+              <a:avLst/>
+            </a:prstGeom>
+            <a:noFill/>
+            <a:ln w="19050" cap="flat" cmpd="sng" algn="ctr">
+              <a:solidFill>
+                <a:sysClr val="windowText" lastClr="000000"/>
+              </a:solidFill>
+              <a:prstDash val="solid"/>
+              <a:miter lim="800000"/>
+              <a:tailEnd type="triangle"/>
+            </a:ln>
+            <a:effectLst/>
+          </p:spPr>
+        </p:cxnSp>
+        <p:sp>
+          <p:nvSpPr>
+            <p:cNvPr id="15" name="矩形 14">
+              <a:extLst>
+                <a:ext uri="{FF2B5EF4-FFF2-40B4-BE49-F238E27FC236}">
+                  <a16:creationId xmlns:a16="http://schemas.microsoft.com/office/drawing/2014/main" id="{3AA8C14F-FC26-C466-5E98-445BC71A3E65}"/>
+                </a:ext>
+              </a:extLst>
+            </p:cNvPr>
+            <p:cNvSpPr/>
+            <p:nvPr/>
+          </p:nvSpPr>
+          <p:spPr>
+            <a:xfrm>
+              <a:off x="5068420" y="3855811"/>
+              <a:ext cx="1180278" cy="305173"/>
+            </a:xfrm>
+            <a:prstGeom prst="rect">
+              <a:avLst/>
+            </a:prstGeom>
+            <a:solidFill>
+              <a:srgbClr val="CCE7CF"/>
+            </a:solidFill>
+            <a:ln w="19050" cap="flat" cmpd="sng" algn="ctr">
+              <a:solidFill>
+                <a:schemeClr val="tx1"/>
+              </a:solidFill>
+              <a:prstDash val="solid"/>
+              <a:miter lim="800000"/>
+            </a:ln>
+            <a:effectLst/>
+          </p:spPr>
+          <p:txBody>
+            <a:bodyPr rtlCol="0" anchor="t"/>
+            <a:lstStyle/>
+            <a:p>
+              <a:pPr algn="ctr" defTabSz="914511"/>
+              <a:r>
+                <a:rPr lang="en-US" altLang="zh-CN" sz="1400" kern="0" dirty="0">
+                  <a:latin typeface="Times New Roman"/>
+                  <a:ea typeface="宋体"/>
+                </a:rPr>
+                <a:t>Add &amp; Norm</a:t>
+              </a:r>
+              <a:endParaRPr lang="zh-CN" altLang="en-US" sz="1400" kern="0" dirty="0">
+                <a:latin typeface="Times New Roman"/>
+                <a:ea typeface="宋体"/>
+              </a:endParaRPr>
+            </a:p>
+          </p:txBody>
+        </p:sp>
+        <p:cxnSp>
+          <p:nvCxnSpPr>
+            <p:cNvPr id="20" name="直接箭头连接符 19">
+              <a:extLst>
+                <a:ext uri="{FF2B5EF4-FFF2-40B4-BE49-F238E27FC236}">
+                  <a16:creationId xmlns:a16="http://schemas.microsoft.com/office/drawing/2014/main" id="{1B3EC79A-34DD-340A-4C75-C6E26C42A36E}"/>
+                </a:ext>
+              </a:extLst>
+            </p:cNvPr>
+            <p:cNvCxnSpPr>
+              <a:cxnSpLocks/>
+              <a:endCxn id="9" idx="2"/>
+            </p:cNvCxnSpPr>
+            <p:nvPr/>
+          </p:nvCxnSpPr>
+          <p:spPr>
+            <a:xfrm flipV="1">
+              <a:off x="5655592" y="4729021"/>
+              <a:ext cx="2967" cy="498806"/>
+            </a:xfrm>
+            <a:prstGeom prst="straightConnector1">
+              <a:avLst/>
+            </a:prstGeom>
+            <a:ln w="19050">
+              <a:solidFill>
+                <a:schemeClr val="tx1"/>
+              </a:solidFill>
+              <a:tailEnd type="triangle"/>
+            </a:ln>
+          </p:spPr>
+          <p:style>
+            <a:lnRef idx="1">
+              <a:schemeClr val="accent1"/>
+            </a:lnRef>
+            <a:fillRef idx="0">
+              <a:schemeClr val="accent1"/>
+            </a:fillRef>
+            <a:effectRef idx="0">
+              <a:schemeClr val="accent1"/>
+            </a:effectRef>
+            <a:fontRef idx="minor">
+              <a:schemeClr val="tx1"/>
+            </a:fontRef>
+          </p:style>
+        </p:cxnSp>
+        <p:cxnSp>
+          <p:nvCxnSpPr>
+            <p:cNvPr id="21" name="连接符: 肘形 20">
+              <a:extLst>
+                <a:ext uri="{FF2B5EF4-FFF2-40B4-BE49-F238E27FC236}">
+                  <a16:creationId xmlns:a16="http://schemas.microsoft.com/office/drawing/2014/main" id="{335E1E1E-201C-AB9F-6D80-F6D654EAED8D}"/>
+                </a:ext>
+              </a:extLst>
+            </p:cNvPr>
+            <p:cNvCxnSpPr>
+              <a:cxnSpLocks/>
+            </p:cNvCxnSpPr>
+            <p:nvPr/>
+          </p:nvCxnSpPr>
+          <p:spPr>
+            <a:xfrm rot="16200000" flipV="1">
+              <a:off x="5312550" y="4884784"/>
+              <a:ext cx="503420" cy="182665"/>
+            </a:xfrm>
+            <a:prstGeom prst="bentConnector3">
+              <a:avLst>
+                <a:gd name="adj1" fmla="val 73177"/>
+              </a:avLst>
+            </a:prstGeom>
+            <a:ln w="19050">
+              <a:solidFill>
+                <a:schemeClr val="tx1"/>
+              </a:solidFill>
+              <a:tailEnd type="triangle"/>
+            </a:ln>
+          </p:spPr>
+          <p:style>
+            <a:lnRef idx="1">
+              <a:schemeClr val="accent1"/>
+            </a:lnRef>
+            <a:fillRef idx="0">
+              <a:schemeClr val="accent1"/>
+            </a:fillRef>
+            <a:effectRef idx="0">
+              <a:schemeClr val="accent1"/>
+            </a:effectRef>
+            <a:fontRef idx="minor">
+              <a:schemeClr val="tx1"/>
+            </a:fontRef>
+          </p:style>
+        </p:cxnSp>
+        <p:cxnSp>
+          <p:nvCxnSpPr>
+            <p:cNvPr id="22" name="连接符: 肘形 21">
+              <a:extLst>
+                <a:ext uri="{FF2B5EF4-FFF2-40B4-BE49-F238E27FC236}">
+                  <a16:creationId xmlns:a16="http://schemas.microsoft.com/office/drawing/2014/main" id="{153DFC25-2060-76DB-5841-82822DBB15A3}"/>
+                </a:ext>
+              </a:extLst>
+            </p:cNvPr>
+            <p:cNvCxnSpPr>
+              <a:cxnSpLocks/>
+            </p:cNvCxnSpPr>
+            <p:nvPr/>
+          </p:nvCxnSpPr>
+          <p:spPr>
+            <a:xfrm rot="5400000" flipH="1" flipV="1">
+              <a:off x="5493882" y="4886117"/>
+              <a:ext cx="503420" cy="180000"/>
+            </a:xfrm>
+            <a:prstGeom prst="bentConnector3">
+              <a:avLst>
+                <a:gd name="adj1" fmla="val 73178"/>
+              </a:avLst>
+            </a:prstGeom>
+            <a:ln w="19050">
+              <a:solidFill>
+                <a:schemeClr val="tx1"/>
+              </a:solidFill>
+              <a:tailEnd type="triangle"/>
+            </a:ln>
+          </p:spPr>
+          <p:style>
+            <a:lnRef idx="1">
+              <a:schemeClr val="accent1"/>
+            </a:lnRef>
+            <a:fillRef idx="0">
+              <a:schemeClr val="accent1"/>
+            </a:fillRef>
+            <a:effectRef idx="0">
+              <a:schemeClr val="accent1"/>
+            </a:effectRef>
+            <a:fontRef idx="minor">
+              <a:schemeClr val="tx1"/>
+            </a:fontRef>
+          </p:style>
+        </p:cxnSp>
+        <p:cxnSp>
+          <p:nvCxnSpPr>
+            <p:cNvPr id="23" name="连接符: 肘形 22">
+              <a:extLst>
+                <a:ext uri="{FF2B5EF4-FFF2-40B4-BE49-F238E27FC236}">
+                  <a16:creationId xmlns:a16="http://schemas.microsoft.com/office/drawing/2014/main" id="{71087F2B-D823-ED90-63BA-F96DE0F1A8DC}"/>
+                </a:ext>
+              </a:extLst>
+            </p:cNvPr>
+            <p:cNvCxnSpPr>
+              <a:cxnSpLocks/>
+              <a:endCxn id="15" idx="1"/>
+            </p:cNvCxnSpPr>
+            <p:nvPr/>
+          </p:nvCxnSpPr>
+          <p:spPr>
+            <a:xfrm rot="10800000">
+              <a:off x="5068420" y="4008399"/>
+              <a:ext cx="589434" cy="1068309"/>
+            </a:xfrm>
+            <a:prstGeom prst="bentConnector3">
+              <a:avLst>
+                <a:gd name="adj1" fmla="val 138783"/>
+              </a:avLst>
+            </a:prstGeom>
+            <a:ln w="19050">
+              <a:solidFill>
+                <a:schemeClr val="tx1"/>
+              </a:solidFill>
+              <a:tailEnd type="triangle"/>
+            </a:ln>
+          </p:spPr>
+          <p:style>
+            <a:lnRef idx="1">
+              <a:schemeClr val="accent1"/>
+            </a:lnRef>
+            <a:fillRef idx="0">
+              <a:schemeClr val="accent1"/>
+            </a:fillRef>
+            <a:effectRef idx="0">
+              <a:schemeClr val="accent1"/>
+            </a:effectRef>
+            <a:fontRef idx="minor">
+              <a:schemeClr val="tx1"/>
+            </a:fontRef>
+          </p:style>
+        </p:cxnSp>
+        <p:sp>
+          <p:nvSpPr>
+            <p:cNvPr id="64" name="文本框 63">
+              <a:extLst>
+                <a:ext uri="{FF2B5EF4-FFF2-40B4-BE49-F238E27FC236}">
+                  <a16:creationId xmlns:a16="http://schemas.microsoft.com/office/drawing/2014/main" id="{CF160203-EE76-65D4-9D68-80AE8D50053B}"/>
+                </a:ext>
+              </a:extLst>
+            </p:cNvPr>
+            <p:cNvSpPr txBox="1"/>
+            <p:nvPr/>
+          </p:nvSpPr>
+          <p:spPr>
+            <a:xfrm>
+              <a:off x="4829311" y="3306372"/>
+              <a:ext cx="1652562" cy="307777"/>
+            </a:xfrm>
+            <a:prstGeom prst="rect">
+              <a:avLst/>
+            </a:prstGeom>
+            <a:noFill/>
+          </p:spPr>
+          <p:txBody>
+            <a:bodyPr wrap="square" rtlCol="0">
+              <a:spAutoFit/>
+            </a:bodyPr>
+            <a:lstStyle/>
+            <a:p>
+              <a:pPr algn="ctr"/>
+              <a:r>
+                <a:rPr lang="en-US" altLang="zh-CN" sz="1400" dirty="0">
+                  <a:latin typeface="Times New Roman" panose="02020603050405020304" pitchFamily="18" charset="0"/>
+                  <a:cs typeface="Times New Roman" panose="02020603050405020304" pitchFamily="18" charset="0"/>
+                </a:rPr>
+                <a:t>Feedforward Layer</a:t>
+              </a:r>
+              <a:endParaRPr lang="zh-CN" altLang="en-US" sz="1400" dirty="0">
+                <a:latin typeface="Times New Roman" panose="02020603050405020304" pitchFamily="18" charset="0"/>
+                <a:cs typeface="Times New Roman" panose="02020603050405020304" pitchFamily="18" charset="0"/>
+              </a:endParaRPr>
+            </a:p>
+          </p:txBody>
+        </p:sp>
+      </p:grpSp>
     </p:spTree>
     <p:extLst>
       <p:ext uri="{BB962C8B-B14F-4D97-AF65-F5344CB8AC3E}">
         <p14:creationId xmlns:p14="http://schemas.microsoft.com/office/powerpoint/2010/main" val="2078926119"/>
+      </p:ext>
+    </p:extLst>
+  </p:cSld>
+  <p:clrMapOvr>
+    <a:masterClrMapping/>
+  </p:clrMapOvr>
+</p:sld>
+</file>
+
+<file path=ppt/slides/slide4.xml><?xml version="1.0" encoding="utf-8"?>
+<p:sld xmlns:a="http://schemas.openxmlformats.org/drawingml/2006/main" xmlns:r="http://schemas.openxmlformats.org/officeDocument/2006/relationships" xmlns:p="http://schemas.openxmlformats.org/presentationml/2006/main">
+  <p:cSld>
+    <p:spTree>
+      <p:nvGrpSpPr>
+        <p:cNvPr id="1" name=""/>
+        <p:cNvGrpSpPr/>
+        <p:nvPr/>
+      </p:nvGrpSpPr>
+      <p:grpSpPr>
+        <a:xfrm>
+          <a:off x="0" y="0"/>
+          <a:ext cx="0" cy="0"/>
+          <a:chOff x="0" y="0"/>
+          <a:chExt cx="0" cy="0"/>
+        </a:xfrm>
+      </p:grpSpPr>
+      <p:grpSp>
+        <p:nvGrpSpPr>
+          <p:cNvPr id="545" name="组合 544">
+            <a:extLst>
+              <a:ext uri="{FF2B5EF4-FFF2-40B4-BE49-F238E27FC236}">
+                <a16:creationId xmlns:a16="http://schemas.microsoft.com/office/drawing/2014/main" id="{5AD5CFC3-AE06-B9D5-5AA5-E6B75B0DA4F6}"/>
+              </a:ext>
+            </a:extLst>
+          </p:cNvPr>
+          <p:cNvGrpSpPr/>
+          <p:nvPr/>
+        </p:nvGrpSpPr>
+        <p:grpSpPr>
+          <a:xfrm>
+            <a:off x="366510" y="1296669"/>
+            <a:ext cx="7398195" cy="4088907"/>
+            <a:chOff x="366510" y="1296669"/>
+            <a:chExt cx="7398195" cy="4088907"/>
+          </a:xfrm>
+        </p:grpSpPr>
+        <p:sp>
+          <p:nvSpPr>
+            <p:cNvPr id="5" name="矩形 4">
+              <a:extLst>
+                <a:ext uri="{FF2B5EF4-FFF2-40B4-BE49-F238E27FC236}">
+                  <a16:creationId xmlns:a16="http://schemas.microsoft.com/office/drawing/2014/main" id="{71CBF649-F5AD-784C-5D44-BBF3ED5B9A9E}"/>
+                </a:ext>
+              </a:extLst>
+            </p:cNvPr>
+            <p:cNvSpPr/>
+            <p:nvPr/>
+          </p:nvSpPr>
+          <p:spPr>
+            <a:xfrm>
+              <a:off x="1477251" y="4371241"/>
+              <a:ext cx="1101611" cy="424050"/>
+            </a:xfrm>
+            <a:prstGeom prst="rect">
+              <a:avLst/>
+            </a:prstGeom>
+            <a:solidFill>
+              <a:srgbClr val="FCE0E1"/>
+            </a:solidFill>
+            <a:ln w="19050" cap="flat" cmpd="sng" algn="ctr">
+              <a:solidFill>
+                <a:schemeClr val="tx1"/>
+              </a:solidFill>
+              <a:prstDash val="solid"/>
+              <a:miter lim="800000"/>
+            </a:ln>
+            <a:effectLst/>
+          </p:spPr>
+          <p:txBody>
+            <a:bodyPr rtlCol="0" anchor="ctr"/>
+            <a:lstStyle/>
+            <a:p>
+              <a:pPr algn="ctr" defTabSz="914511"/>
+              <a:r>
+                <a:rPr lang="en-US" altLang="zh-CN" sz="1400" kern="0" dirty="0">
+                  <a:latin typeface="Times New Roman"/>
+                  <a:ea typeface="宋体"/>
+                </a:rPr>
+                <a:t>Input Embedding</a:t>
+              </a:r>
+              <a:endParaRPr lang="zh-CN" altLang="en-US" sz="1400" kern="0" dirty="0">
+                <a:latin typeface="Times New Roman"/>
+                <a:ea typeface="宋体"/>
+              </a:endParaRPr>
+            </a:p>
+          </p:txBody>
+        </p:sp>
+        <p:sp>
+          <p:nvSpPr>
+            <p:cNvPr id="6" name="椭圆 5">
+              <a:extLst>
+                <a:ext uri="{FF2B5EF4-FFF2-40B4-BE49-F238E27FC236}">
+                  <a16:creationId xmlns:a16="http://schemas.microsoft.com/office/drawing/2014/main" id="{37743E29-7AD8-D3FF-2F95-9BB02B46F53A}"/>
+                </a:ext>
+              </a:extLst>
+            </p:cNvPr>
+            <p:cNvSpPr/>
+            <p:nvPr/>
+          </p:nvSpPr>
+          <p:spPr>
+            <a:xfrm>
+              <a:off x="1895614" y="3888916"/>
+              <a:ext cx="270000" cy="270000"/>
+            </a:xfrm>
+            <a:prstGeom prst="ellipse">
+              <a:avLst/>
+            </a:prstGeom>
+            <a:solidFill>
+              <a:schemeClr val="bg1"/>
+            </a:solidFill>
+            <a:ln>
+              <a:solidFill>
+                <a:schemeClr val="tx1"/>
+              </a:solidFill>
+            </a:ln>
+          </p:spPr>
+          <p:style>
+            <a:lnRef idx="2">
+              <a:schemeClr val="accent1">
+                <a:shade val="15000"/>
+              </a:schemeClr>
+            </a:lnRef>
+            <a:fillRef idx="1">
+              <a:schemeClr val="accent1"/>
+            </a:fillRef>
+            <a:effectRef idx="0">
+              <a:schemeClr val="accent1"/>
+            </a:effectRef>
+            <a:fontRef idx="minor">
+              <a:schemeClr val="lt1"/>
+            </a:fontRef>
+          </p:style>
+          <p:txBody>
+            <a:bodyPr lIns="0" tIns="0" rIns="0" bIns="21600" rtlCol="0" anchor="ctr"/>
+            <a:lstStyle/>
+            <a:p>
+              <a:pPr algn="ctr"/>
+              <a:r>
+                <a:rPr lang="en-US" altLang="zh-CN" dirty="0">
+                  <a:solidFill>
+                    <a:schemeClr val="tx1"/>
+                  </a:solidFill>
+                </a:rPr>
+                <a:t>+</a:t>
+              </a:r>
+              <a:endParaRPr lang="zh-CN" altLang="en-US" dirty="0">
+                <a:solidFill>
+                  <a:schemeClr val="tx1"/>
+                </a:solidFill>
+              </a:endParaRPr>
+            </a:p>
+          </p:txBody>
+        </p:sp>
+        <p:grpSp>
+          <p:nvGrpSpPr>
+            <p:cNvPr id="7" name="组合 6">
+              <a:extLst>
+                <a:ext uri="{FF2B5EF4-FFF2-40B4-BE49-F238E27FC236}">
+                  <a16:creationId xmlns:a16="http://schemas.microsoft.com/office/drawing/2014/main" id="{A21DD8BE-538A-2D78-08BD-B1CA99CF2723}"/>
+                </a:ext>
+              </a:extLst>
+            </p:cNvPr>
+            <p:cNvGrpSpPr/>
+            <p:nvPr/>
+          </p:nvGrpSpPr>
+          <p:grpSpPr>
+            <a:xfrm>
+              <a:off x="1290297" y="3893917"/>
+              <a:ext cx="270001" cy="270000"/>
+              <a:chOff x="2523906" y="3238949"/>
+              <a:chExt cx="270001" cy="270000"/>
+            </a:xfrm>
+          </p:grpSpPr>
+          <p:sp>
+            <p:nvSpPr>
+              <p:cNvPr id="13" name="椭圆 12">
+                <a:extLst>
+                  <a:ext uri="{FF2B5EF4-FFF2-40B4-BE49-F238E27FC236}">
+                    <a16:creationId xmlns:a16="http://schemas.microsoft.com/office/drawing/2014/main" id="{409F4AA6-F247-8E2A-24E3-C104C7CD1174}"/>
+                  </a:ext>
+                </a:extLst>
+              </p:cNvPr>
+              <p:cNvSpPr/>
+              <p:nvPr/>
+            </p:nvSpPr>
+            <p:spPr>
+              <a:xfrm>
+                <a:off x="2523906" y="3238949"/>
+                <a:ext cx="270000" cy="270000"/>
+              </a:xfrm>
+              <a:prstGeom prst="ellipse">
+                <a:avLst/>
+              </a:prstGeom>
+              <a:solidFill>
+                <a:schemeClr val="bg1"/>
+              </a:solidFill>
+              <a:ln>
+                <a:solidFill>
+                  <a:schemeClr val="tx1"/>
+                </a:solidFill>
+              </a:ln>
+            </p:spPr>
+            <p:style>
+              <a:lnRef idx="2">
+                <a:schemeClr val="accent1">
+                  <a:shade val="15000"/>
+                </a:schemeClr>
+              </a:lnRef>
+              <a:fillRef idx="1">
+                <a:schemeClr val="accent1"/>
+              </a:fillRef>
+              <a:effectRef idx="0">
+                <a:schemeClr val="accent1"/>
+              </a:effectRef>
+              <a:fontRef idx="minor">
+                <a:schemeClr val="lt1"/>
+              </a:fontRef>
+            </p:style>
+            <p:txBody>
+              <a:bodyPr lIns="0" tIns="0" rIns="0" bIns="21600" rtlCol="0" anchor="ctr"/>
+              <a:lstStyle/>
+              <a:p>
+                <a:pPr algn="ctr"/>
+                <a:endParaRPr lang="zh-CN" altLang="en-US" dirty="0">
+                  <a:solidFill>
+                    <a:schemeClr val="tx1"/>
+                  </a:solidFill>
+                </a:endParaRPr>
+              </a:p>
+            </p:txBody>
+          </p:sp>
+          <p:sp>
+            <p:nvSpPr>
+              <p:cNvPr id="14" name="任意多边形: 形状 13">
+                <a:extLst>
+                  <a:ext uri="{FF2B5EF4-FFF2-40B4-BE49-F238E27FC236}">
+                    <a16:creationId xmlns:a16="http://schemas.microsoft.com/office/drawing/2014/main" id="{73F9F0B1-0CC9-8245-5270-39606AC87309}"/>
+                  </a:ext>
+                </a:extLst>
+              </p:cNvPr>
+              <p:cNvSpPr/>
+              <p:nvPr/>
+            </p:nvSpPr>
+            <p:spPr>
+              <a:xfrm>
+                <a:off x="2523907" y="3325985"/>
+                <a:ext cx="270000" cy="95927"/>
+              </a:xfrm>
+              <a:custGeom>
+                <a:avLst/>
+                <a:gdLst>
+                  <a:gd name="connsiteX0" fmla="*/ 0 w 278607"/>
+                  <a:gd name="connsiteY0" fmla="*/ 42279 h 95927"/>
+                  <a:gd name="connsiteX1" fmla="*/ 90488 w 278607"/>
+                  <a:gd name="connsiteY1" fmla="*/ 1798 h 95927"/>
+                  <a:gd name="connsiteX2" fmla="*/ 192882 w 278607"/>
+                  <a:gd name="connsiteY2" fmla="*/ 94666 h 95927"/>
+                  <a:gd name="connsiteX3" fmla="*/ 278607 w 278607"/>
+                  <a:gd name="connsiteY3" fmla="*/ 47041 h 95927"/>
+                </a:gdLst>
+                <a:ahLst/>
+                <a:cxnLst>
+                  <a:cxn ang="0">
+                    <a:pos x="connsiteX0" y="connsiteY0"/>
+                  </a:cxn>
+                  <a:cxn ang="0">
+                    <a:pos x="connsiteX1" y="connsiteY1"/>
+                  </a:cxn>
+                  <a:cxn ang="0">
+                    <a:pos x="connsiteX2" y="connsiteY2"/>
+                  </a:cxn>
+                  <a:cxn ang="0">
+                    <a:pos x="connsiteX3" y="connsiteY3"/>
+                  </a:cxn>
+                </a:cxnLst>
+                <a:rect l="l" t="t" r="r" b="b"/>
+                <a:pathLst>
+                  <a:path w="278607" h="95927">
+                    <a:moveTo>
+                      <a:pt x="0" y="42279"/>
+                    </a:moveTo>
+                    <a:cubicBezTo>
+                      <a:pt x="29170" y="17673"/>
+                      <a:pt x="58341" y="-6933"/>
+                      <a:pt x="90488" y="1798"/>
+                    </a:cubicBezTo>
+                    <a:cubicBezTo>
+                      <a:pt x="122635" y="10529"/>
+                      <a:pt x="161529" y="87126"/>
+                      <a:pt x="192882" y="94666"/>
+                    </a:cubicBezTo>
+                    <a:cubicBezTo>
+                      <a:pt x="224235" y="102206"/>
+                      <a:pt x="251421" y="74623"/>
+                      <a:pt x="278607" y="47041"/>
+                    </a:cubicBezTo>
+                  </a:path>
+                </a:pathLst>
+              </a:custGeom>
+              <a:noFill/>
+              <a:ln>
+                <a:solidFill>
+                  <a:schemeClr val="tx1"/>
+                </a:solidFill>
+              </a:ln>
+            </p:spPr>
+            <p:style>
+              <a:lnRef idx="2">
+                <a:schemeClr val="accent1">
+                  <a:shade val="15000"/>
+                </a:schemeClr>
+              </a:lnRef>
+              <a:fillRef idx="1">
+                <a:schemeClr val="accent1"/>
+              </a:fillRef>
+              <a:effectRef idx="0">
+                <a:schemeClr val="accent1"/>
+              </a:effectRef>
+              <a:fontRef idx="minor">
+                <a:schemeClr val="lt1"/>
+              </a:fontRef>
+            </p:style>
+            <p:txBody>
+              <a:bodyPr rtlCol="0" anchor="ctr"/>
+              <a:lstStyle/>
+              <a:p>
+                <a:pPr algn="ctr"/>
+                <a:endParaRPr lang="zh-CN" altLang="en-US"/>
+              </a:p>
+            </p:txBody>
+          </p:sp>
+        </p:grpSp>
+        <p:cxnSp>
+          <p:nvCxnSpPr>
+            <p:cNvPr id="8" name="直接连接符 7">
+              <a:extLst>
+                <a:ext uri="{FF2B5EF4-FFF2-40B4-BE49-F238E27FC236}">
+                  <a16:creationId xmlns:a16="http://schemas.microsoft.com/office/drawing/2014/main" id="{18EB5703-5590-B683-50B5-87E266DD7FB7}"/>
+                </a:ext>
+              </a:extLst>
+            </p:cNvPr>
+            <p:cNvCxnSpPr>
+              <a:cxnSpLocks/>
+              <a:stCxn id="13" idx="6"/>
+              <a:endCxn id="6" idx="2"/>
+            </p:cNvCxnSpPr>
+            <p:nvPr/>
+          </p:nvCxnSpPr>
+          <p:spPr>
+            <a:xfrm flipV="1">
+              <a:off x="1560297" y="4023916"/>
+              <a:ext cx="335317" cy="5001"/>
+            </a:xfrm>
+            <a:prstGeom prst="line">
+              <a:avLst/>
+            </a:prstGeom>
+            <a:ln w="19050">
+              <a:solidFill>
+                <a:schemeClr val="tx1"/>
+              </a:solidFill>
+            </a:ln>
+          </p:spPr>
+          <p:style>
+            <a:lnRef idx="1">
+              <a:schemeClr val="accent1"/>
+            </a:lnRef>
+            <a:fillRef idx="0">
+              <a:schemeClr val="accent1"/>
+            </a:fillRef>
+            <a:effectRef idx="0">
+              <a:schemeClr val="accent1"/>
+            </a:effectRef>
+            <a:fontRef idx="minor">
+              <a:schemeClr val="tx1"/>
+            </a:fontRef>
+          </p:style>
+        </p:cxnSp>
+        <p:sp>
+          <p:nvSpPr>
+            <p:cNvPr id="9" name="文本框 8">
+              <a:extLst>
+                <a:ext uri="{FF2B5EF4-FFF2-40B4-BE49-F238E27FC236}">
+                  <a16:creationId xmlns:a16="http://schemas.microsoft.com/office/drawing/2014/main" id="{27A3BD1A-AC1A-846C-817B-42C7D66898C4}"/>
+                </a:ext>
+              </a:extLst>
+            </p:cNvPr>
+            <p:cNvSpPr txBox="1"/>
+            <p:nvPr/>
+          </p:nvSpPr>
+          <p:spPr>
+            <a:xfrm>
+              <a:off x="366510" y="3716077"/>
+              <a:ext cx="940231" cy="523220"/>
+            </a:xfrm>
+            <a:prstGeom prst="rect">
+              <a:avLst/>
+            </a:prstGeom>
+            <a:noFill/>
+          </p:spPr>
+          <p:txBody>
+            <a:bodyPr wrap="square" rtlCol="0">
+              <a:spAutoFit/>
+            </a:bodyPr>
+            <a:lstStyle/>
+            <a:p>
+              <a:pPr algn="ctr"/>
+              <a:r>
+                <a:rPr lang="en-US" altLang="zh-CN" sz="1400" dirty="0">
+                  <a:latin typeface="Times New Roman" panose="02020603050405020304" pitchFamily="18" charset="0"/>
+                  <a:cs typeface="Times New Roman" panose="02020603050405020304" pitchFamily="18" charset="0"/>
+                </a:rPr>
+                <a:t>Positional Encoding</a:t>
+              </a:r>
+              <a:endParaRPr lang="zh-CN" altLang="en-US" sz="1400" dirty="0">
+                <a:latin typeface="Times New Roman" panose="02020603050405020304" pitchFamily="18" charset="0"/>
+                <a:cs typeface="Times New Roman" panose="02020603050405020304" pitchFamily="18" charset="0"/>
+              </a:endParaRPr>
+            </a:p>
+          </p:txBody>
+        </p:sp>
+        <p:cxnSp>
+          <p:nvCxnSpPr>
+            <p:cNvPr id="10" name="直接箭头连接符 9">
+              <a:extLst>
+                <a:ext uri="{FF2B5EF4-FFF2-40B4-BE49-F238E27FC236}">
+                  <a16:creationId xmlns:a16="http://schemas.microsoft.com/office/drawing/2014/main" id="{A3046C0B-6216-77C8-D891-00B13C4ED4A7}"/>
+                </a:ext>
+              </a:extLst>
+            </p:cNvPr>
+            <p:cNvCxnSpPr>
+              <a:cxnSpLocks/>
+              <a:stCxn id="5" idx="0"/>
+              <a:endCxn id="6" idx="4"/>
+            </p:cNvCxnSpPr>
+            <p:nvPr/>
+          </p:nvCxnSpPr>
+          <p:spPr>
+            <a:xfrm flipV="1">
+              <a:off x="2028057" y="4158916"/>
+              <a:ext cx="2557" cy="212325"/>
+            </a:xfrm>
+            <a:prstGeom prst="straightConnector1">
+              <a:avLst/>
+            </a:prstGeom>
+            <a:ln w="19050">
+              <a:solidFill>
+                <a:schemeClr val="tx1"/>
+              </a:solidFill>
+              <a:tailEnd type="triangle"/>
+            </a:ln>
+          </p:spPr>
+          <p:style>
+            <a:lnRef idx="1">
+              <a:schemeClr val="accent1"/>
+            </a:lnRef>
+            <a:fillRef idx="0">
+              <a:schemeClr val="accent1"/>
+            </a:fillRef>
+            <a:effectRef idx="0">
+              <a:schemeClr val="accent1"/>
+            </a:effectRef>
+            <a:fontRef idx="minor">
+              <a:schemeClr val="tx1"/>
+            </a:fontRef>
+          </p:style>
+        </p:cxnSp>
+        <mc:AlternateContent xmlns:mc="http://schemas.openxmlformats.org/markup-compatibility/2006">
+          <mc:Choice xmlns:a14="http://schemas.microsoft.com/office/drawing/2010/main" Requires="a14">
+            <p:sp>
+              <p:nvSpPr>
+                <p:cNvPr id="11" name="文本框 10">
+                  <a:extLst>
+                    <a:ext uri="{FF2B5EF4-FFF2-40B4-BE49-F238E27FC236}">
+                      <a16:creationId xmlns:a16="http://schemas.microsoft.com/office/drawing/2014/main" id="{1E9B6ED2-580E-D750-8215-119753A03035}"/>
+                    </a:ext>
+                  </a:extLst>
+                </p:cNvPr>
+                <p:cNvSpPr txBox="1"/>
+                <p:nvPr/>
+              </p:nvSpPr>
+              <p:spPr>
+                <a:xfrm>
+                  <a:off x="1557941" y="5043648"/>
+                  <a:ext cx="940231" cy="215444"/>
+                </a:xfrm>
+                <a:prstGeom prst="rect">
+                  <a:avLst/>
+                </a:prstGeom>
+                <a:noFill/>
+              </p:spPr>
+              <p:txBody>
+                <a:bodyPr wrap="square" lIns="0" tIns="0" rIns="0" bIns="0" rtlCol="0">
+                  <a:spAutoFit/>
+                </a:bodyPr>
+                <a:lstStyle/>
+                <a:p>
+                  <a:pPr algn="ctr"/>
+                  <a14:m>
+                    <m:oMathPara xmlns:m="http://schemas.openxmlformats.org/officeDocument/2006/math">
+                      <m:oMathParaPr>
+                        <m:jc m:val="centerGroup"/>
+                      </m:oMathParaPr>
+                      <m:oMath xmlns:m="http://schemas.openxmlformats.org/officeDocument/2006/math">
+                        <m:r>
+                          <a:rPr lang="en-US" altLang="zh-CN" sz="1400" b="1" i="0" smtClean="0">
+                            <a:latin typeface="Cambria Math" panose="02040503050406030204" pitchFamily="18" charset="0"/>
+                            <a:cs typeface="Times New Roman" panose="02020603050405020304" pitchFamily="18" charset="0"/>
+                          </a:rPr>
+                          <m:t>𝐱</m:t>
+                        </m:r>
+                      </m:oMath>
+                    </m:oMathPara>
+                  </a14:m>
+                  <a:endParaRPr lang="zh-CN" altLang="en-US" sz="1400" b="1" dirty="0">
+                    <a:latin typeface="Times New Roman" panose="02020603050405020304" pitchFamily="18" charset="0"/>
+                    <a:cs typeface="Times New Roman" panose="02020603050405020304" pitchFamily="18" charset="0"/>
+                  </a:endParaRPr>
+                </a:p>
+              </p:txBody>
+            </p:sp>
+          </mc:Choice>
+          <mc:Fallback>
+            <p:sp>
+              <p:nvSpPr>
+                <p:cNvPr id="11" name="文本框 10">
+                  <a:extLst>
+                    <a:ext uri="{FF2B5EF4-FFF2-40B4-BE49-F238E27FC236}">
+                      <a16:creationId xmlns:a16="http://schemas.microsoft.com/office/drawing/2014/main" id="{1E9B6ED2-580E-D750-8215-119753A03035}"/>
+                    </a:ext>
+                  </a:extLst>
+                </p:cNvPr>
+                <p:cNvSpPr txBox="1">
+                  <a:spLocks noRot="1" noChangeAspect="1" noMove="1" noResize="1" noEditPoints="1" noAdjustHandles="1" noChangeArrowheads="1" noChangeShapeType="1" noTextEdit="1"/>
+                </p:cNvSpPr>
+                <p:nvPr/>
+              </p:nvSpPr>
+              <p:spPr>
+                <a:xfrm>
+                  <a:off x="1557941" y="5043648"/>
+                  <a:ext cx="940231" cy="215444"/>
+                </a:xfrm>
+                <a:prstGeom prst="rect">
+                  <a:avLst/>
+                </a:prstGeom>
+                <a:blipFill>
+                  <a:blip r:embed="rId2"/>
+                  <a:stretch>
+                    <a:fillRect/>
+                  </a:stretch>
+                </a:blipFill>
+              </p:spPr>
+              <p:txBody>
+                <a:bodyPr/>
+                <a:lstStyle/>
+                <a:p>
+                  <a:r>
+                    <a:rPr lang="zh-CN" altLang="en-US">
+                      <a:noFill/>
+                    </a:rPr>
+                    <a:t> </a:t>
+                  </a:r>
+                </a:p>
+              </p:txBody>
+            </p:sp>
+          </mc:Fallback>
+        </mc:AlternateContent>
+        <p:cxnSp>
+          <p:nvCxnSpPr>
+            <p:cNvPr id="12" name="直接箭头连接符 11">
+              <a:extLst>
+                <a:ext uri="{FF2B5EF4-FFF2-40B4-BE49-F238E27FC236}">
+                  <a16:creationId xmlns:a16="http://schemas.microsoft.com/office/drawing/2014/main" id="{473EB52E-A6A3-3659-C9F4-43F576AE4C59}"/>
+                </a:ext>
+              </a:extLst>
+            </p:cNvPr>
+            <p:cNvCxnSpPr>
+              <a:cxnSpLocks/>
+              <a:stCxn id="11" idx="0"/>
+              <a:endCxn id="5" idx="2"/>
+            </p:cNvCxnSpPr>
+            <p:nvPr/>
+          </p:nvCxnSpPr>
+          <p:spPr>
+            <a:xfrm flipV="1">
+              <a:off x="2028057" y="4795291"/>
+              <a:ext cx="0" cy="248357"/>
+            </a:xfrm>
+            <a:prstGeom prst="straightConnector1">
+              <a:avLst/>
+            </a:prstGeom>
+            <a:ln w="19050">
+              <a:solidFill>
+                <a:schemeClr val="tx1"/>
+              </a:solidFill>
+              <a:tailEnd type="triangle"/>
+            </a:ln>
+          </p:spPr>
+          <p:style>
+            <a:lnRef idx="1">
+              <a:schemeClr val="accent1"/>
+            </a:lnRef>
+            <a:fillRef idx="0">
+              <a:schemeClr val="accent1"/>
+            </a:fillRef>
+            <a:effectRef idx="0">
+              <a:schemeClr val="accent1"/>
+            </a:effectRef>
+            <a:fontRef idx="minor">
+              <a:schemeClr val="tx1"/>
+            </a:fontRef>
+          </p:style>
+        </p:cxnSp>
+        <p:cxnSp>
+          <p:nvCxnSpPr>
+            <p:cNvPr id="16" name="直接箭头连接符 15">
+              <a:extLst>
+                <a:ext uri="{FF2B5EF4-FFF2-40B4-BE49-F238E27FC236}">
+                  <a16:creationId xmlns:a16="http://schemas.microsoft.com/office/drawing/2014/main" id="{20DABBED-A46F-B255-ED9D-FCEF802C98F0}"/>
+                </a:ext>
+              </a:extLst>
+            </p:cNvPr>
+            <p:cNvCxnSpPr>
+              <a:cxnSpLocks/>
+              <a:stCxn id="6" idx="0"/>
+              <a:endCxn id="20" idx="2"/>
+            </p:cNvCxnSpPr>
+            <p:nvPr/>
+          </p:nvCxnSpPr>
+          <p:spPr>
+            <a:xfrm flipH="1" flipV="1">
+              <a:off x="2028056" y="3683103"/>
+              <a:ext cx="2558" cy="205813"/>
+            </a:xfrm>
+            <a:prstGeom prst="straightConnector1">
+              <a:avLst/>
+            </a:prstGeom>
+            <a:ln w="19050">
+              <a:solidFill>
+                <a:schemeClr val="tx1"/>
+              </a:solidFill>
+              <a:tailEnd type="triangle"/>
+            </a:ln>
+          </p:spPr>
+          <p:style>
+            <a:lnRef idx="1">
+              <a:schemeClr val="accent1"/>
+            </a:lnRef>
+            <a:fillRef idx="0">
+              <a:schemeClr val="accent1"/>
+            </a:fillRef>
+            <a:effectRef idx="0">
+              <a:schemeClr val="accent1"/>
+            </a:effectRef>
+            <a:fontRef idx="minor">
+              <a:schemeClr val="tx1"/>
+            </a:fontRef>
+          </p:style>
+        </p:cxnSp>
+        <p:sp>
+          <p:nvSpPr>
+            <p:cNvPr id="19" name="矩形 18">
+              <a:extLst>
+                <a:ext uri="{FF2B5EF4-FFF2-40B4-BE49-F238E27FC236}">
+                  <a16:creationId xmlns:a16="http://schemas.microsoft.com/office/drawing/2014/main" id="{820A1170-B0DC-86E9-D9AE-1B4F13A2C78D}"/>
+                </a:ext>
+              </a:extLst>
+            </p:cNvPr>
+            <p:cNvSpPr/>
+            <p:nvPr/>
+          </p:nvSpPr>
+          <p:spPr>
+            <a:xfrm>
+              <a:off x="3046621" y="1296669"/>
+              <a:ext cx="2374901" cy="4088907"/>
+            </a:xfrm>
+            <a:prstGeom prst="rect">
+              <a:avLst/>
+            </a:prstGeom>
+            <a:solidFill>
+              <a:srgbClr val="FFE2BB"/>
+            </a:solidFill>
+            <a:ln w="19050" cap="flat" cmpd="sng" algn="ctr">
+              <a:solidFill>
+                <a:schemeClr val="tx1"/>
+              </a:solidFill>
+              <a:prstDash val="solid"/>
+              <a:miter lim="800000"/>
+            </a:ln>
+            <a:effectLst/>
+          </p:spPr>
+          <p:txBody>
+            <a:bodyPr rtlCol="0" anchor="t"/>
+            <a:lstStyle/>
+            <a:p>
+              <a:pPr algn="ctr" defTabSz="914511"/>
+              <a:r>
+                <a:rPr lang="en-US" altLang="zh-CN" sz="1400" kern="0" dirty="0">
+                  <a:latin typeface="Times New Roman"/>
+                  <a:ea typeface="宋体"/>
+                </a:rPr>
+                <a:t>Multi-Head Attention</a:t>
+              </a:r>
+              <a:endParaRPr lang="zh-CN" altLang="en-US" sz="1400" kern="0" dirty="0">
+                <a:latin typeface="Times New Roman"/>
+                <a:ea typeface="宋体"/>
+              </a:endParaRPr>
+            </a:p>
+          </p:txBody>
+        </p:sp>
+        <mc:AlternateContent xmlns:mc="http://schemas.openxmlformats.org/markup-compatibility/2006">
+          <mc:Choice xmlns:a14="http://schemas.microsoft.com/office/drawing/2010/main" Requires="a14">
+            <p:sp>
+              <p:nvSpPr>
+                <p:cNvPr id="20" name="文本框 19">
+                  <a:extLst>
+                    <a:ext uri="{FF2B5EF4-FFF2-40B4-BE49-F238E27FC236}">
+                      <a16:creationId xmlns:a16="http://schemas.microsoft.com/office/drawing/2014/main" id="{47CD838F-5FE9-2F1B-2B2C-B546A74EC300}"/>
+                    </a:ext>
+                  </a:extLst>
+                </p:cNvPr>
+                <p:cNvSpPr txBox="1"/>
+                <p:nvPr/>
+              </p:nvSpPr>
+              <p:spPr>
+                <a:xfrm>
+                  <a:off x="1802910" y="3467659"/>
+                  <a:ext cx="450291" cy="215444"/>
+                </a:xfrm>
+                <a:prstGeom prst="rect">
+                  <a:avLst/>
+                </a:prstGeom>
+                <a:noFill/>
+              </p:spPr>
+              <p:txBody>
+                <a:bodyPr wrap="square" lIns="0" tIns="0" rIns="0" bIns="0" rtlCol="0">
+                  <a:spAutoFit/>
+                </a:bodyPr>
+                <a:lstStyle/>
+                <a:p>
+                  <a:pPr algn="ctr"/>
+                  <a14:m>
+                    <m:oMathPara xmlns:m="http://schemas.openxmlformats.org/officeDocument/2006/math">
+                      <m:oMathParaPr>
+                        <m:jc m:val="centerGroup"/>
+                      </m:oMathParaPr>
+                      <m:oMath xmlns:m="http://schemas.openxmlformats.org/officeDocument/2006/math">
+                        <m:r>
+                          <a:rPr lang="en-US" altLang="zh-CN" sz="1400" b="1" i="1" smtClean="0">
+                            <a:latin typeface="Cambria Math" panose="02040503050406030204" pitchFamily="18" charset="0"/>
+                            <a:cs typeface="Times New Roman" panose="02020603050405020304" pitchFamily="18" charset="0"/>
+                          </a:rPr>
+                          <m:t>𝑿</m:t>
+                        </m:r>
+                      </m:oMath>
+                    </m:oMathPara>
+                  </a14:m>
+                  <a:endParaRPr lang="zh-CN" altLang="en-US" sz="1400" b="1" dirty="0">
+                    <a:latin typeface="Times New Roman" panose="02020603050405020304" pitchFamily="18" charset="0"/>
+                    <a:cs typeface="Times New Roman" panose="02020603050405020304" pitchFamily="18" charset="0"/>
+                  </a:endParaRPr>
+                </a:p>
+              </p:txBody>
+            </p:sp>
+          </mc:Choice>
+          <mc:Fallback>
+            <p:sp>
+              <p:nvSpPr>
+                <p:cNvPr id="20" name="文本框 19">
+                  <a:extLst>
+                    <a:ext uri="{FF2B5EF4-FFF2-40B4-BE49-F238E27FC236}">
+                      <a16:creationId xmlns:a16="http://schemas.microsoft.com/office/drawing/2014/main" id="{47CD838F-5FE9-2F1B-2B2C-B546A74EC300}"/>
+                    </a:ext>
+                  </a:extLst>
+                </p:cNvPr>
+                <p:cNvSpPr txBox="1">
+                  <a:spLocks noRot="1" noChangeAspect="1" noMove="1" noResize="1" noEditPoints="1" noAdjustHandles="1" noChangeArrowheads="1" noChangeShapeType="1" noTextEdit="1"/>
+                </p:cNvSpPr>
+                <p:nvPr/>
+              </p:nvSpPr>
+              <p:spPr>
+                <a:xfrm>
+                  <a:off x="1802910" y="3467659"/>
+                  <a:ext cx="450291" cy="215444"/>
+                </a:xfrm>
+                <a:prstGeom prst="rect">
+                  <a:avLst/>
+                </a:prstGeom>
+                <a:blipFill>
+                  <a:blip r:embed="rId3"/>
+                  <a:stretch>
+                    <a:fillRect b="-8571"/>
+                  </a:stretch>
+                </a:blipFill>
+              </p:spPr>
+              <p:txBody>
+                <a:bodyPr/>
+                <a:lstStyle/>
+                <a:p>
+                  <a:r>
+                    <a:rPr lang="zh-CN" altLang="en-US">
+                      <a:noFill/>
+                    </a:rPr>
+                    <a:t> </a:t>
+                  </a:r>
+                </a:p>
+              </p:txBody>
+            </p:sp>
+          </mc:Fallback>
+        </mc:AlternateContent>
+        <mc:AlternateContent xmlns:mc="http://schemas.openxmlformats.org/markup-compatibility/2006">
+          <mc:Choice xmlns:a14="http://schemas.microsoft.com/office/drawing/2010/main" Requires="a14">
+            <p:sp>
+              <p:nvSpPr>
+                <p:cNvPr id="215" name="文本框 214">
+                  <a:extLst>
+                    <a:ext uri="{FF2B5EF4-FFF2-40B4-BE49-F238E27FC236}">
+                      <a16:creationId xmlns:a16="http://schemas.microsoft.com/office/drawing/2014/main" id="{17ED685B-9013-C727-A976-0A69C14341AA}"/>
+                    </a:ext>
+                  </a:extLst>
+                </p:cNvPr>
+                <p:cNvSpPr txBox="1"/>
+                <p:nvPr/>
+              </p:nvSpPr>
+              <p:spPr>
+                <a:xfrm>
+                  <a:off x="4813441" y="1904909"/>
+                  <a:ext cx="469103" cy="369332"/>
+                </a:xfrm>
+                <a:prstGeom prst="rect">
+                  <a:avLst/>
+                </a:prstGeom>
+                <a:noFill/>
+              </p:spPr>
+              <p:txBody>
+                <a:bodyPr wrap="square" rtlCol="0">
+                  <a:spAutoFit/>
+                </a:bodyPr>
+                <a:lstStyle/>
+                <a:p>
+                  <a14:m>
+                    <m:oMathPara xmlns:m="http://schemas.openxmlformats.org/officeDocument/2006/math">
+                      <m:oMathParaPr>
+                        <m:jc m:val="centerGroup"/>
+                      </m:oMathParaPr>
+                      <m:oMath xmlns:m="http://schemas.openxmlformats.org/officeDocument/2006/math">
+                        <m:sSub>
+                          <m:sSubPr>
+                            <m:ctrlPr>
+                              <a:rPr lang="en-US" altLang="zh-CN" b="0" i="1" smtClean="0">
+                                <a:latin typeface="Cambria Math" panose="02040503050406030204" pitchFamily="18" charset="0"/>
+                              </a:rPr>
+                            </m:ctrlPr>
+                          </m:sSubPr>
+                          <m:e>
+                            <m:r>
+                              <a:rPr lang="en-US" altLang="zh-CN" b="1" i="1" smtClean="0">
+                                <a:latin typeface="Cambria Math" panose="02040503050406030204" pitchFamily="18" charset="0"/>
+                              </a:rPr>
+                              <m:t>𝒁</m:t>
+                            </m:r>
+                          </m:e>
+                          <m:sub>
+                            <m:r>
+                              <a:rPr lang="en-US" altLang="zh-CN" b="0" i="1" smtClean="0">
+                                <a:latin typeface="Cambria Math" panose="02040503050406030204" pitchFamily="18" charset="0"/>
+                              </a:rPr>
+                              <m:t>1</m:t>
+                            </m:r>
+                          </m:sub>
+                        </m:sSub>
+                      </m:oMath>
+                    </m:oMathPara>
+                  </a14:m>
+                  <a:endParaRPr lang="zh-CN" altLang="en-US" dirty="0"/>
+                </a:p>
+              </p:txBody>
+            </p:sp>
+          </mc:Choice>
+          <mc:Fallback>
+            <p:sp>
+              <p:nvSpPr>
+                <p:cNvPr id="215" name="文本框 214">
+                  <a:extLst>
+                    <a:ext uri="{FF2B5EF4-FFF2-40B4-BE49-F238E27FC236}">
+                      <a16:creationId xmlns:a16="http://schemas.microsoft.com/office/drawing/2014/main" id="{17ED685B-9013-C727-A976-0A69C14341AA}"/>
+                    </a:ext>
+                  </a:extLst>
+                </p:cNvPr>
+                <p:cNvSpPr txBox="1">
+                  <a:spLocks noRot="1" noChangeAspect="1" noMove="1" noResize="1" noEditPoints="1" noAdjustHandles="1" noChangeArrowheads="1" noChangeShapeType="1" noTextEdit="1"/>
+                </p:cNvSpPr>
+                <p:nvPr/>
+              </p:nvSpPr>
+              <p:spPr>
+                <a:xfrm>
+                  <a:off x="4813441" y="1904909"/>
+                  <a:ext cx="469103" cy="369332"/>
+                </a:xfrm>
+                <a:prstGeom prst="rect">
+                  <a:avLst/>
+                </a:prstGeom>
+                <a:blipFill>
+                  <a:blip r:embed="rId4"/>
+                  <a:stretch>
+                    <a:fillRect/>
+                  </a:stretch>
+                </a:blipFill>
+              </p:spPr>
+              <p:txBody>
+                <a:bodyPr/>
+                <a:lstStyle/>
+                <a:p>
+                  <a:r>
+                    <a:rPr lang="zh-CN" altLang="en-US">
+                      <a:noFill/>
+                    </a:rPr>
+                    <a:t> </a:t>
+                  </a:r>
+                </a:p>
+              </p:txBody>
+            </p:sp>
+          </mc:Fallback>
+        </mc:AlternateContent>
+        <mc:AlternateContent xmlns:mc="http://schemas.openxmlformats.org/markup-compatibility/2006">
+          <mc:Choice xmlns:a14="http://schemas.microsoft.com/office/drawing/2010/main" Requires="a14">
+            <p:sp>
+              <p:nvSpPr>
+                <p:cNvPr id="216" name="文本框 215">
+                  <a:extLst>
+                    <a:ext uri="{FF2B5EF4-FFF2-40B4-BE49-F238E27FC236}">
+                      <a16:creationId xmlns:a16="http://schemas.microsoft.com/office/drawing/2014/main" id="{828FFF6C-2B9D-118E-F5CE-827148BFC6EC}"/>
+                    </a:ext>
+                  </a:extLst>
+                </p:cNvPr>
+                <p:cNvSpPr txBox="1"/>
+                <p:nvPr/>
+              </p:nvSpPr>
+              <p:spPr>
+                <a:xfrm>
+                  <a:off x="4816665" y="2339021"/>
+                  <a:ext cx="474424" cy="369332"/>
+                </a:xfrm>
+                <a:prstGeom prst="rect">
+                  <a:avLst/>
+                </a:prstGeom>
+                <a:noFill/>
+              </p:spPr>
+              <p:txBody>
+                <a:bodyPr wrap="square" rtlCol="0">
+                  <a:spAutoFit/>
+                </a:bodyPr>
+                <a:lstStyle/>
+                <a:p>
+                  <a14:m>
+                    <m:oMathPara xmlns:m="http://schemas.openxmlformats.org/officeDocument/2006/math">
+                      <m:oMathParaPr>
+                        <m:jc m:val="centerGroup"/>
+                      </m:oMathParaPr>
+                      <m:oMath xmlns:m="http://schemas.openxmlformats.org/officeDocument/2006/math">
+                        <m:sSub>
+                          <m:sSubPr>
+                            <m:ctrlPr>
+                              <a:rPr lang="en-US" altLang="zh-CN" b="0" i="1" smtClean="0">
+                                <a:latin typeface="Cambria Math" panose="02040503050406030204" pitchFamily="18" charset="0"/>
+                              </a:rPr>
+                            </m:ctrlPr>
+                          </m:sSubPr>
+                          <m:e>
+                            <m:r>
+                              <a:rPr lang="en-US" altLang="zh-CN" b="1" i="1" smtClean="0">
+                                <a:latin typeface="Cambria Math" panose="02040503050406030204" pitchFamily="18" charset="0"/>
+                              </a:rPr>
+                              <m:t>𝒁</m:t>
+                            </m:r>
+                          </m:e>
+                          <m:sub>
+                            <m:r>
+                              <a:rPr lang="en-US" altLang="zh-CN" b="0" i="1" smtClean="0">
+                                <a:latin typeface="Cambria Math" panose="02040503050406030204" pitchFamily="18" charset="0"/>
+                              </a:rPr>
+                              <m:t>2</m:t>
+                            </m:r>
+                          </m:sub>
+                        </m:sSub>
+                      </m:oMath>
+                    </m:oMathPara>
+                  </a14:m>
+                  <a:endParaRPr lang="zh-CN" altLang="en-US" dirty="0"/>
+                </a:p>
+              </p:txBody>
+            </p:sp>
+          </mc:Choice>
+          <mc:Fallback>
+            <p:sp>
+              <p:nvSpPr>
+                <p:cNvPr id="216" name="文本框 215">
+                  <a:extLst>
+                    <a:ext uri="{FF2B5EF4-FFF2-40B4-BE49-F238E27FC236}">
+                      <a16:creationId xmlns:a16="http://schemas.microsoft.com/office/drawing/2014/main" id="{828FFF6C-2B9D-118E-F5CE-827148BFC6EC}"/>
+                    </a:ext>
+                  </a:extLst>
+                </p:cNvPr>
+                <p:cNvSpPr txBox="1">
+                  <a:spLocks noRot="1" noChangeAspect="1" noMove="1" noResize="1" noEditPoints="1" noAdjustHandles="1" noChangeArrowheads="1" noChangeShapeType="1" noTextEdit="1"/>
+                </p:cNvSpPr>
+                <p:nvPr/>
+              </p:nvSpPr>
+              <p:spPr>
+                <a:xfrm>
+                  <a:off x="4816665" y="2339021"/>
+                  <a:ext cx="474424" cy="369332"/>
+                </a:xfrm>
+                <a:prstGeom prst="rect">
+                  <a:avLst/>
+                </a:prstGeom>
+                <a:blipFill>
+                  <a:blip r:embed="rId5"/>
+                  <a:stretch>
+                    <a:fillRect/>
+                  </a:stretch>
+                </a:blipFill>
+              </p:spPr>
+              <p:txBody>
+                <a:bodyPr/>
+                <a:lstStyle/>
+                <a:p>
+                  <a:r>
+                    <a:rPr lang="zh-CN" altLang="en-US">
+                      <a:noFill/>
+                    </a:rPr>
+                    <a:t> </a:t>
+                  </a:r>
+                </a:p>
+              </p:txBody>
+            </p:sp>
+          </mc:Fallback>
+        </mc:AlternateContent>
+        <mc:AlternateContent xmlns:mc="http://schemas.openxmlformats.org/markup-compatibility/2006">
+          <mc:Choice xmlns:a14="http://schemas.microsoft.com/office/drawing/2010/main" Requires="a14">
+            <p:sp>
+              <p:nvSpPr>
+                <p:cNvPr id="217" name="文本框 216">
+                  <a:extLst>
+                    <a:ext uri="{FF2B5EF4-FFF2-40B4-BE49-F238E27FC236}">
+                      <a16:creationId xmlns:a16="http://schemas.microsoft.com/office/drawing/2014/main" id="{A7A72549-D05C-D2A3-10A5-D358D5568986}"/>
+                    </a:ext>
+                  </a:extLst>
+                </p:cNvPr>
+                <p:cNvSpPr txBox="1"/>
+                <p:nvPr/>
+              </p:nvSpPr>
+              <p:spPr>
+                <a:xfrm>
+                  <a:off x="4814005" y="2757476"/>
+                  <a:ext cx="474424" cy="369332"/>
+                </a:xfrm>
+                <a:prstGeom prst="rect">
+                  <a:avLst/>
+                </a:prstGeom>
+                <a:noFill/>
+              </p:spPr>
+              <p:txBody>
+                <a:bodyPr wrap="square" rtlCol="0">
+                  <a:spAutoFit/>
+                </a:bodyPr>
+                <a:lstStyle/>
+                <a:p>
+                  <a14:m>
+                    <m:oMathPara xmlns:m="http://schemas.openxmlformats.org/officeDocument/2006/math">
+                      <m:oMathParaPr>
+                        <m:jc m:val="centerGroup"/>
+                      </m:oMathParaPr>
+                      <m:oMath xmlns:m="http://schemas.openxmlformats.org/officeDocument/2006/math">
+                        <m:sSub>
+                          <m:sSubPr>
+                            <m:ctrlPr>
+                              <a:rPr lang="en-US" altLang="zh-CN" b="0" i="1" smtClean="0">
+                                <a:latin typeface="Cambria Math" panose="02040503050406030204" pitchFamily="18" charset="0"/>
+                              </a:rPr>
+                            </m:ctrlPr>
+                          </m:sSubPr>
+                          <m:e>
+                            <m:r>
+                              <a:rPr lang="en-US" altLang="zh-CN" b="1" i="1" smtClean="0">
+                                <a:latin typeface="Cambria Math" panose="02040503050406030204" pitchFamily="18" charset="0"/>
+                              </a:rPr>
+                              <m:t>𝒁</m:t>
+                            </m:r>
+                          </m:e>
+                          <m:sub>
+                            <m:r>
+                              <a:rPr lang="en-US" altLang="zh-CN" b="0" i="1" smtClean="0">
+                                <a:latin typeface="Cambria Math" panose="02040503050406030204" pitchFamily="18" charset="0"/>
+                              </a:rPr>
+                              <m:t>3</m:t>
+                            </m:r>
+                          </m:sub>
+                        </m:sSub>
+                      </m:oMath>
+                    </m:oMathPara>
+                  </a14:m>
+                  <a:endParaRPr lang="zh-CN" altLang="en-US" dirty="0"/>
+                </a:p>
+              </p:txBody>
+            </p:sp>
+          </mc:Choice>
+          <mc:Fallback>
+            <p:sp>
+              <p:nvSpPr>
+                <p:cNvPr id="217" name="文本框 216">
+                  <a:extLst>
+                    <a:ext uri="{FF2B5EF4-FFF2-40B4-BE49-F238E27FC236}">
+                      <a16:creationId xmlns:a16="http://schemas.microsoft.com/office/drawing/2014/main" id="{A7A72549-D05C-D2A3-10A5-D358D5568986}"/>
+                    </a:ext>
+                  </a:extLst>
+                </p:cNvPr>
+                <p:cNvSpPr txBox="1">
+                  <a:spLocks noRot="1" noChangeAspect="1" noMove="1" noResize="1" noEditPoints="1" noAdjustHandles="1" noChangeArrowheads="1" noChangeShapeType="1" noTextEdit="1"/>
+                </p:cNvSpPr>
+                <p:nvPr/>
+              </p:nvSpPr>
+              <p:spPr>
+                <a:xfrm>
+                  <a:off x="4814005" y="2757476"/>
+                  <a:ext cx="474424" cy="369332"/>
+                </a:xfrm>
+                <a:prstGeom prst="rect">
+                  <a:avLst/>
+                </a:prstGeom>
+                <a:blipFill>
+                  <a:blip r:embed="rId6"/>
+                  <a:stretch>
+                    <a:fillRect/>
+                  </a:stretch>
+                </a:blipFill>
+              </p:spPr>
+              <p:txBody>
+                <a:bodyPr/>
+                <a:lstStyle/>
+                <a:p>
+                  <a:r>
+                    <a:rPr lang="zh-CN" altLang="en-US">
+                      <a:noFill/>
+                    </a:rPr>
+                    <a:t> </a:t>
+                  </a:r>
+                </a:p>
+              </p:txBody>
+            </p:sp>
+          </mc:Fallback>
+        </mc:AlternateContent>
+        <mc:AlternateContent xmlns:mc="http://schemas.openxmlformats.org/markup-compatibility/2006">
+          <mc:Choice xmlns:a14="http://schemas.microsoft.com/office/drawing/2010/main" Requires="a14">
+            <p:sp>
+              <p:nvSpPr>
+                <p:cNvPr id="218" name="文本框 217">
+                  <a:extLst>
+                    <a:ext uri="{FF2B5EF4-FFF2-40B4-BE49-F238E27FC236}">
+                      <a16:creationId xmlns:a16="http://schemas.microsoft.com/office/drawing/2014/main" id="{6C2D5F53-ABB4-0526-5C00-3ACD3A9EB8BA}"/>
+                    </a:ext>
+                  </a:extLst>
+                </p:cNvPr>
+                <p:cNvSpPr txBox="1"/>
+                <p:nvPr/>
+              </p:nvSpPr>
+              <p:spPr>
+                <a:xfrm>
+                  <a:off x="4816665" y="3182325"/>
+                  <a:ext cx="474424" cy="369332"/>
+                </a:xfrm>
+                <a:prstGeom prst="rect">
+                  <a:avLst/>
+                </a:prstGeom>
+                <a:noFill/>
+              </p:spPr>
+              <p:txBody>
+                <a:bodyPr wrap="square" rtlCol="0">
+                  <a:spAutoFit/>
+                </a:bodyPr>
+                <a:lstStyle/>
+                <a:p>
+                  <a14:m>
+                    <m:oMathPara xmlns:m="http://schemas.openxmlformats.org/officeDocument/2006/math">
+                      <m:oMathParaPr>
+                        <m:jc m:val="centerGroup"/>
+                      </m:oMathParaPr>
+                      <m:oMath xmlns:m="http://schemas.openxmlformats.org/officeDocument/2006/math">
+                        <m:sSub>
+                          <m:sSubPr>
+                            <m:ctrlPr>
+                              <a:rPr lang="en-US" altLang="zh-CN" b="0" i="1" smtClean="0">
+                                <a:latin typeface="Cambria Math" panose="02040503050406030204" pitchFamily="18" charset="0"/>
+                              </a:rPr>
+                            </m:ctrlPr>
+                          </m:sSubPr>
+                          <m:e>
+                            <m:r>
+                              <a:rPr lang="en-US" altLang="zh-CN" b="1" i="1" smtClean="0">
+                                <a:latin typeface="Cambria Math" panose="02040503050406030204" pitchFamily="18" charset="0"/>
+                              </a:rPr>
+                              <m:t>𝒁</m:t>
+                            </m:r>
+                          </m:e>
+                          <m:sub>
+                            <m:r>
+                              <a:rPr lang="en-US" altLang="zh-CN" b="0" i="1" smtClean="0">
+                                <a:latin typeface="Cambria Math" panose="02040503050406030204" pitchFamily="18" charset="0"/>
+                              </a:rPr>
+                              <m:t>4</m:t>
+                            </m:r>
+                          </m:sub>
+                        </m:sSub>
+                      </m:oMath>
+                    </m:oMathPara>
+                  </a14:m>
+                  <a:endParaRPr lang="zh-CN" altLang="en-US" dirty="0"/>
+                </a:p>
+              </p:txBody>
+            </p:sp>
+          </mc:Choice>
+          <mc:Fallback>
+            <p:sp>
+              <p:nvSpPr>
+                <p:cNvPr id="218" name="文本框 217">
+                  <a:extLst>
+                    <a:ext uri="{FF2B5EF4-FFF2-40B4-BE49-F238E27FC236}">
+                      <a16:creationId xmlns:a16="http://schemas.microsoft.com/office/drawing/2014/main" id="{6C2D5F53-ABB4-0526-5C00-3ACD3A9EB8BA}"/>
+                    </a:ext>
+                  </a:extLst>
+                </p:cNvPr>
+                <p:cNvSpPr txBox="1">
+                  <a:spLocks noRot="1" noChangeAspect="1" noMove="1" noResize="1" noEditPoints="1" noAdjustHandles="1" noChangeArrowheads="1" noChangeShapeType="1" noTextEdit="1"/>
+                </p:cNvSpPr>
+                <p:nvPr/>
+              </p:nvSpPr>
+              <p:spPr>
+                <a:xfrm>
+                  <a:off x="4816665" y="3182325"/>
+                  <a:ext cx="474424" cy="369332"/>
+                </a:xfrm>
+                <a:prstGeom prst="rect">
+                  <a:avLst/>
+                </a:prstGeom>
+                <a:blipFill>
+                  <a:blip r:embed="rId7"/>
+                  <a:stretch>
+                    <a:fillRect/>
+                  </a:stretch>
+                </a:blipFill>
+              </p:spPr>
+              <p:txBody>
+                <a:bodyPr/>
+                <a:lstStyle/>
+                <a:p>
+                  <a:r>
+                    <a:rPr lang="zh-CN" altLang="en-US">
+                      <a:noFill/>
+                    </a:rPr>
+                    <a:t> </a:t>
+                  </a:r>
+                </a:p>
+              </p:txBody>
+            </p:sp>
+          </mc:Fallback>
+        </mc:AlternateContent>
+        <mc:AlternateContent xmlns:mc="http://schemas.openxmlformats.org/markup-compatibility/2006">
+          <mc:Choice xmlns:a14="http://schemas.microsoft.com/office/drawing/2010/main" Requires="a14">
+            <p:sp>
+              <p:nvSpPr>
+                <p:cNvPr id="219" name="文本框 218">
+                  <a:extLst>
+                    <a:ext uri="{FF2B5EF4-FFF2-40B4-BE49-F238E27FC236}">
+                      <a16:creationId xmlns:a16="http://schemas.microsoft.com/office/drawing/2014/main" id="{7DA4A428-191A-063C-D5C8-7FA50588DA83}"/>
+                    </a:ext>
+                  </a:extLst>
+                </p:cNvPr>
+                <p:cNvSpPr txBox="1"/>
+                <p:nvPr/>
+              </p:nvSpPr>
+              <p:spPr>
+                <a:xfrm>
+                  <a:off x="4816665" y="3604783"/>
+                  <a:ext cx="474424" cy="369332"/>
+                </a:xfrm>
+                <a:prstGeom prst="rect">
+                  <a:avLst/>
+                </a:prstGeom>
+                <a:noFill/>
+              </p:spPr>
+              <p:txBody>
+                <a:bodyPr wrap="square" rtlCol="0">
+                  <a:spAutoFit/>
+                </a:bodyPr>
+                <a:lstStyle/>
+                <a:p>
+                  <a14:m>
+                    <m:oMathPara xmlns:m="http://schemas.openxmlformats.org/officeDocument/2006/math">
+                      <m:oMathParaPr>
+                        <m:jc m:val="centerGroup"/>
+                      </m:oMathParaPr>
+                      <m:oMath xmlns:m="http://schemas.openxmlformats.org/officeDocument/2006/math">
+                        <m:sSub>
+                          <m:sSubPr>
+                            <m:ctrlPr>
+                              <a:rPr lang="en-US" altLang="zh-CN" b="0" i="1" smtClean="0">
+                                <a:latin typeface="Cambria Math" panose="02040503050406030204" pitchFamily="18" charset="0"/>
+                              </a:rPr>
+                            </m:ctrlPr>
+                          </m:sSubPr>
+                          <m:e>
+                            <m:r>
+                              <a:rPr lang="en-US" altLang="zh-CN" b="1" i="1" smtClean="0">
+                                <a:latin typeface="Cambria Math" panose="02040503050406030204" pitchFamily="18" charset="0"/>
+                              </a:rPr>
+                              <m:t>𝒁</m:t>
+                            </m:r>
+                          </m:e>
+                          <m:sub>
+                            <m:r>
+                              <a:rPr lang="en-US" altLang="zh-CN" b="0" i="1" smtClean="0">
+                                <a:latin typeface="Cambria Math" panose="02040503050406030204" pitchFamily="18" charset="0"/>
+                              </a:rPr>
+                              <m:t>5</m:t>
+                            </m:r>
+                          </m:sub>
+                        </m:sSub>
+                      </m:oMath>
+                    </m:oMathPara>
+                  </a14:m>
+                  <a:endParaRPr lang="zh-CN" altLang="en-US" dirty="0"/>
+                </a:p>
+              </p:txBody>
+            </p:sp>
+          </mc:Choice>
+          <mc:Fallback>
+            <p:sp>
+              <p:nvSpPr>
+                <p:cNvPr id="219" name="文本框 218">
+                  <a:extLst>
+                    <a:ext uri="{FF2B5EF4-FFF2-40B4-BE49-F238E27FC236}">
+                      <a16:creationId xmlns:a16="http://schemas.microsoft.com/office/drawing/2014/main" id="{7DA4A428-191A-063C-D5C8-7FA50588DA83}"/>
+                    </a:ext>
+                  </a:extLst>
+                </p:cNvPr>
+                <p:cNvSpPr txBox="1">
+                  <a:spLocks noRot="1" noChangeAspect="1" noMove="1" noResize="1" noEditPoints="1" noAdjustHandles="1" noChangeArrowheads="1" noChangeShapeType="1" noTextEdit="1"/>
+                </p:cNvSpPr>
+                <p:nvPr/>
+              </p:nvSpPr>
+              <p:spPr>
+                <a:xfrm>
+                  <a:off x="4816665" y="3604783"/>
+                  <a:ext cx="474424" cy="369332"/>
+                </a:xfrm>
+                <a:prstGeom prst="rect">
+                  <a:avLst/>
+                </a:prstGeom>
+                <a:blipFill>
+                  <a:blip r:embed="rId8"/>
+                  <a:stretch>
+                    <a:fillRect/>
+                  </a:stretch>
+                </a:blipFill>
+              </p:spPr>
+              <p:txBody>
+                <a:bodyPr/>
+                <a:lstStyle/>
+                <a:p>
+                  <a:r>
+                    <a:rPr lang="zh-CN" altLang="en-US">
+                      <a:noFill/>
+                    </a:rPr>
+                    <a:t> </a:t>
+                  </a:r>
+                </a:p>
+              </p:txBody>
+            </p:sp>
+          </mc:Fallback>
+        </mc:AlternateContent>
+        <mc:AlternateContent xmlns:mc="http://schemas.openxmlformats.org/markup-compatibility/2006">
+          <mc:Choice xmlns:a14="http://schemas.microsoft.com/office/drawing/2010/main" Requires="a14">
+            <p:sp>
+              <p:nvSpPr>
+                <p:cNvPr id="220" name="文本框 219">
+                  <a:extLst>
+                    <a:ext uri="{FF2B5EF4-FFF2-40B4-BE49-F238E27FC236}">
+                      <a16:creationId xmlns:a16="http://schemas.microsoft.com/office/drawing/2014/main" id="{833FD50F-0E4E-B703-DC5D-6FEF5FD69C75}"/>
+                    </a:ext>
+                  </a:extLst>
+                </p:cNvPr>
+                <p:cNvSpPr txBox="1"/>
+                <p:nvPr/>
+              </p:nvSpPr>
+              <p:spPr>
+                <a:xfrm>
+                  <a:off x="4816665" y="4039933"/>
+                  <a:ext cx="474424" cy="369332"/>
+                </a:xfrm>
+                <a:prstGeom prst="rect">
+                  <a:avLst/>
+                </a:prstGeom>
+                <a:noFill/>
+              </p:spPr>
+              <p:txBody>
+                <a:bodyPr wrap="square" rtlCol="0">
+                  <a:spAutoFit/>
+                </a:bodyPr>
+                <a:lstStyle/>
+                <a:p>
+                  <a14:m>
+                    <m:oMathPara xmlns:m="http://schemas.openxmlformats.org/officeDocument/2006/math">
+                      <m:oMathParaPr>
+                        <m:jc m:val="centerGroup"/>
+                      </m:oMathParaPr>
+                      <m:oMath xmlns:m="http://schemas.openxmlformats.org/officeDocument/2006/math">
+                        <m:sSub>
+                          <m:sSubPr>
+                            <m:ctrlPr>
+                              <a:rPr lang="en-US" altLang="zh-CN" b="0" i="1" smtClean="0">
+                                <a:latin typeface="Cambria Math" panose="02040503050406030204" pitchFamily="18" charset="0"/>
+                              </a:rPr>
+                            </m:ctrlPr>
+                          </m:sSubPr>
+                          <m:e>
+                            <m:r>
+                              <a:rPr lang="en-US" altLang="zh-CN" b="1" i="1" smtClean="0">
+                                <a:latin typeface="Cambria Math" panose="02040503050406030204" pitchFamily="18" charset="0"/>
+                              </a:rPr>
+                              <m:t>𝒁</m:t>
+                            </m:r>
+                          </m:e>
+                          <m:sub>
+                            <m:r>
+                              <a:rPr lang="en-US" altLang="zh-CN" b="0" i="1" smtClean="0">
+                                <a:latin typeface="Cambria Math" panose="02040503050406030204" pitchFamily="18" charset="0"/>
+                              </a:rPr>
+                              <m:t>6</m:t>
+                            </m:r>
+                          </m:sub>
+                        </m:sSub>
+                      </m:oMath>
+                    </m:oMathPara>
+                  </a14:m>
+                  <a:endParaRPr lang="zh-CN" altLang="en-US" dirty="0"/>
+                </a:p>
+              </p:txBody>
+            </p:sp>
+          </mc:Choice>
+          <mc:Fallback>
+            <p:sp>
+              <p:nvSpPr>
+                <p:cNvPr id="220" name="文本框 219">
+                  <a:extLst>
+                    <a:ext uri="{FF2B5EF4-FFF2-40B4-BE49-F238E27FC236}">
+                      <a16:creationId xmlns:a16="http://schemas.microsoft.com/office/drawing/2014/main" id="{833FD50F-0E4E-B703-DC5D-6FEF5FD69C75}"/>
+                    </a:ext>
+                  </a:extLst>
+                </p:cNvPr>
+                <p:cNvSpPr txBox="1">
+                  <a:spLocks noRot="1" noChangeAspect="1" noMove="1" noResize="1" noEditPoints="1" noAdjustHandles="1" noChangeArrowheads="1" noChangeShapeType="1" noTextEdit="1"/>
+                </p:cNvSpPr>
+                <p:nvPr/>
+              </p:nvSpPr>
+              <p:spPr>
+                <a:xfrm>
+                  <a:off x="4816665" y="4039933"/>
+                  <a:ext cx="474424" cy="369332"/>
+                </a:xfrm>
+                <a:prstGeom prst="rect">
+                  <a:avLst/>
+                </a:prstGeom>
+                <a:blipFill>
+                  <a:blip r:embed="rId9"/>
+                  <a:stretch>
+                    <a:fillRect/>
+                  </a:stretch>
+                </a:blipFill>
+              </p:spPr>
+              <p:txBody>
+                <a:bodyPr/>
+                <a:lstStyle/>
+                <a:p>
+                  <a:r>
+                    <a:rPr lang="zh-CN" altLang="en-US">
+                      <a:noFill/>
+                    </a:rPr>
+                    <a:t> </a:t>
+                  </a:r>
+                </a:p>
+              </p:txBody>
+            </p:sp>
+          </mc:Fallback>
+        </mc:AlternateContent>
+        <mc:AlternateContent xmlns:mc="http://schemas.openxmlformats.org/markup-compatibility/2006">
+          <mc:Choice xmlns:a14="http://schemas.microsoft.com/office/drawing/2010/main" Requires="a14">
+            <p:sp>
+              <p:nvSpPr>
+                <p:cNvPr id="221" name="文本框 220">
+                  <a:extLst>
+                    <a:ext uri="{FF2B5EF4-FFF2-40B4-BE49-F238E27FC236}">
+                      <a16:creationId xmlns:a16="http://schemas.microsoft.com/office/drawing/2014/main" id="{D4B821BE-DDC3-AD91-9A52-CD5D9857EAB8}"/>
+                    </a:ext>
+                  </a:extLst>
+                </p:cNvPr>
+                <p:cNvSpPr txBox="1"/>
+                <p:nvPr/>
+              </p:nvSpPr>
+              <p:spPr>
+                <a:xfrm>
+                  <a:off x="4808120" y="4456841"/>
+                  <a:ext cx="474424" cy="369332"/>
+                </a:xfrm>
+                <a:prstGeom prst="rect">
+                  <a:avLst/>
+                </a:prstGeom>
+                <a:noFill/>
+              </p:spPr>
+              <p:txBody>
+                <a:bodyPr wrap="square" rtlCol="0">
+                  <a:spAutoFit/>
+                </a:bodyPr>
+                <a:lstStyle/>
+                <a:p>
+                  <a14:m>
+                    <m:oMathPara xmlns:m="http://schemas.openxmlformats.org/officeDocument/2006/math">
+                      <m:oMathParaPr>
+                        <m:jc m:val="centerGroup"/>
+                      </m:oMathParaPr>
+                      <m:oMath xmlns:m="http://schemas.openxmlformats.org/officeDocument/2006/math">
+                        <m:sSub>
+                          <m:sSubPr>
+                            <m:ctrlPr>
+                              <a:rPr lang="en-US" altLang="zh-CN" b="0" i="1" smtClean="0">
+                                <a:latin typeface="Cambria Math" panose="02040503050406030204" pitchFamily="18" charset="0"/>
+                              </a:rPr>
+                            </m:ctrlPr>
+                          </m:sSubPr>
+                          <m:e>
+                            <m:r>
+                              <a:rPr lang="en-US" altLang="zh-CN" b="1" i="1" smtClean="0">
+                                <a:latin typeface="Cambria Math" panose="02040503050406030204" pitchFamily="18" charset="0"/>
+                              </a:rPr>
+                              <m:t>𝒁</m:t>
+                            </m:r>
+                          </m:e>
+                          <m:sub>
+                            <m:r>
+                              <a:rPr lang="en-US" altLang="zh-CN" b="0" i="1" smtClean="0">
+                                <a:latin typeface="Cambria Math" panose="02040503050406030204" pitchFamily="18" charset="0"/>
+                              </a:rPr>
+                              <m:t>7</m:t>
+                            </m:r>
+                          </m:sub>
+                        </m:sSub>
+                      </m:oMath>
+                    </m:oMathPara>
+                  </a14:m>
+                  <a:endParaRPr lang="zh-CN" altLang="en-US" dirty="0"/>
+                </a:p>
+              </p:txBody>
+            </p:sp>
+          </mc:Choice>
+          <mc:Fallback>
+            <p:sp>
+              <p:nvSpPr>
+                <p:cNvPr id="221" name="文本框 220">
+                  <a:extLst>
+                    <a:ext uri="{FF2B5EF4-FFF2-40B4-BE49-F238E27FC236}">
+                      <a16:creationId xmlns:a16="http://schemas.microsoft.com/office/drawing/2014/main" id="{D4B821BE-DDC3-AD91-9A52-CD5D9857EAB8}"/>
+                    </a:ext>
+                  </a:extLst>
+                </p:cNvPr>
+                <p:cNvSpPr txBox="1">
+                  <a:spLocks noRot="1" noChangeAspect="1" noMove="1" noResize="1" noEditPoints="1" noAdjustHandles="1" noChangeArrowheads="1" noChangeShapeType="1" noTextEdit="1"/>
+                </p:cNvSpPr>
+                <p:nvPr/>
+              </p:nvSpPr>
+              <p:spPr>
+                <a:xfrm>
+                  <a:off x="4808120" y="4456841"/>
+                  <a:ext cx="474424" cy="369332"/>
+                </a:xfrm>
+                <a:prstGeom prst="rect">
+                  <a:avLst/>
+                </a:prstGeom>
+                <a:blipFill>
+                  <a:blip r:embed="rId10"/>
+                  <a:stretch>
+                    <a:fillRect/>
+                  </a:stretch>
+                </a:blipFill>
+              </p:spPr>
+              <p:txBody>
+                <a:bodyPr/>
+                <a:lstStyle/>
+                <a:p>
+                  <a:r>
+                    <a:rPr lang="zh-CN" altLang="en-US">
+                      <a:noFill/>
+                    </a:rPr>
+                    <a:t> </a:t>
+                  </a:r>
+                </a:p>
+              </p:txBody>
+            </p:sp>
+          </mc:Fallback>
+        </mc:AlternateContent>
+        <mc:AlternateContent xmlns:mc="http://schemas.openxmlformats.org/markup-compatibility/2006">
+          <mc:Choice xmlns:a14="http://schemas.microsoft.com/office/drawing/2010/main" Requires="a14">
+            <p:sp>
+              <p:nvSpPr>
+                <p:cNvPr id="222" name="文本框 221">
+                  <a:extLst>
+                    <a:ext uri="{FF2B5EF4-FFF2-40B4-BE49-F238E27FC236}">
+                      <a16:creationId xmlns:a16="http://schemas.microsoft.com/office/drawing/2014/main" id="{F4B56B38-1209-286B-8750-2B73083C0DC2}"/>
+                    </a:ext>
+                  </a:extLst>
+                </p:cNvPr>
+                <p:cNvSpPr txBox="1"/>
+                <p:nvPr/>
+              </p:nvSpPr>
+              <p:spPr>
+                <a:xfrm>
+                  <a:off x="4808120" y="4865851"/>
+                  <a:ext cx="474424" cy="369332"/>
+                </a:xfrm>
+                <a:prstGeom prst="rect">
+                  <a:avLst/>
+                </a:prstGeom>
+                <a:noFill/>
+              </p:spPr>
+              <p:txBody>
+                <a:bodyPr wrap="square" rtlCol="0">
+                  <a:spAutoFit/>
+                </a:bodyPr>
+                <a:lstStyle/>
+                <a:p>
+                  <a14:m>
+                    <m:oMathPara xmlns:m="http://schemas.openxmlformats.org/officeDocument/2006/math">
+                      <m:oMathParaPr>
+                        <m:jc m:val="centerGroup"/>
+                      </m:oMathParaPr>
+                      <m:oMath xmlns:m="http://schemas.openxmlformats.org/officeDocument/2006/math">
+                        <m:sSub>
+                          <m:sSubPr>
+                            <m:ctrlPr>
+                              <a:rPr lang="en-US" altLang="zh-CN" b="0" i="1" smtClean="0">
+                                <a:latin typeface="Cambria Math" panose="02040503050406030204" pitchFamily="18" charset="0"/>
+                              </a:rPr>
+                            </m:ctrlPr>
+                          </m:sSubPr>
+                          <m:e>
+                            <m:r>
+                              <a:rPr lang="en-US" altLang="zh-CN" b="1" i="1" smtClean="0">
+                                <a:latin typeface="Cambria Math" panose="02040503050406030204" pitchFamily="18" charset="0"/>
+                              </a:rPr>
+                              <m:t>𝒁</m:t>
+                            </m:r>
+                          </m:e>
+                          <m:sub>
+                            <m:r>
+                              <a:rPr lang="en-US" altLang="zh-CN" b="0" i="1" smtClean="0">
+                                <a:latin typeface="Cambria Math" panose="02040503050406030204" pitchFamily="18" charset="0"/>
+                              </a:rPr>
+                              <m:t>8</m:t>
+                            </m:r>
+                          </m:sub>
+                        </m:sSub>
+                      </m:oMath>
+                    </m:oMathPara>
+                  </a14:m>
+                  <a:endParaRPr lang="zh-CN" altLang="en-US" dirty="0"/>
+                </a:p>
+              </p:txBody>
+            </p:sp>
+          </mc:Choice>
+          <mc:Fallback>
+            <p:sp>
+              <p:nvSpPr>
+                <p:cNvPr id="222" name="文本框 221">
+                  <a:extLst>
+                    <a:ext uri="{FF2B5EF4-FFF2-40B4-BE49-F238E27FC236}">
+                      <a16:creationId xmlns:a16="http://schemas.microsoft.com/office/drawing/2014/main" id="{F4B56B38-1209-286B-8750-2B73083C0DC2}"/>
+                    </a:ext>
+                  </a:extLst>
+                </p:cNvPr>
+                <p:cNvSpPr txBox="1">
+                  <a:spLocks noRot="1" noChangeAspect="1" noMove="1" noResize="1" noEditPoints="1" noAdjustHandles="1" noChangeArrowheads="1" noChangeShapeType="1" noTextEdit="1"/>
+                </p:cNvSpPr>
+                <p:nvPr/>
+              </p:nvSpPr>
+              <p:spPr>
+                <a:xfrm>
+                  <a:off x="4808120" y="4865851"/>
+                  <a:ext cx="474424" cy="369332"/>
+                </a:xfrm>
+                <a:prstGeom prst="rect">
+                  <a:avLst/>
+                </a:prstGeom>
+                <a:blipFill>
+                  <a:blip r:embed="rId11"/>
+                  <a:stretch>
+                    <a:fillRect/>
+                  </a:stretch>
+                </a:blipFill>
+              </p:spPr>
+              <p:txBody>
+                <a:bodyPr/>
+                <a:lstStyle/>
+                <a:p>
+                  <a:r>
+                    <a:rPr lang="zh-CN" altLang="en-US">
+                      <a:noFill/>
+                    </a:rPr>
+                    <a:t> </a:t>
+                  </a:r>
+                </a:p>
+              </p:txBody>
+            </p:sp>
+          </mc:Fallback>
+        </mc:AlternateContent>
+        <mc:AlternateContent xmlns:mc="http://schemas.openxmlformats.org/markup-compatibility/2006">
+          <mc:Choice xmlns:a14="http://schemas.microsoft.com/office/drawing/2010/main" Requires="a14">
+            <p:sp>
+              <p:nvSpPr>
+                <p:cNvPr id="300" name="文本框 299">
+                  <a:extLst>
+                    <a:ext uri="{FF2B5EF4-FFF2-40B4-BE49-F238E27FC236}">
+                      <a16:creationId xmlns:a16="http://schemas.microsoft.com/office/drawing/2014/main" id="{FB0D3CCE-EAEE-6721-2936-6CB901F018FC}"/>
+                    </a:ext>
+                  </a:extLst>
+                </p:cNvPr>
+                <p:cNvSpPr txBox="1"/>
+                <p:nvPr/>
+              </p:nvSpPr>
+              <p:spPr>
+                <a:xfrm>
+                  <a:off x="5897283" y="3388219"/>
+                  <a:ext cx="383438" cy="369332"/>
+                </a:xfrm>
+                <a:prstGeom prst="rect">
+                  <a:avLst/>
+                </a:prstGeom>
+                <a:noFill/>
+              </p:spPr>
+              <p:txBody>
+                <a:bodyPr wrap="square" rtlCol="0">
+                  <a:spAutoFit/>
+                </a:bodyPr>
+                <a:lstStyle/>
+                <a:p>
+                  <a14:m>
+                    <m:oMathPara xmlns:m="http://schemas.openxmlformats.org/officeDocument/2006/math">
+                      <m:oMathParaPr>
+                        <m:jc m:val="centerGroup"/>
+                      </m:oMathParaPr>
+                      <m:oMath xmlns:m="http://schemas.openxmlformats.org/officeDocument/2006/math">
+                        <m:r>
+                          <a:rPr lang="en-US" altLang="zh-CN" b="1" i="1" smtClean="0">
+                            <a:latin typeface="Cambria Math" panose="02040503050406030204" pitchFamily="18" charset="0"/>
+                          </a:rPr>
+                          <m:t>𝒁</m:t>
+                        </m:r>
+                      </m:oMath>
+                    </m:oMathPara>
+                  </a14:m>
+                  <a:endParaRPr lang="zh-CN" altLang="en-US" b="1" dirty="0"/>
+                </a:p>
+              </p:txBody>
+            </p:sp>
+          </mc:Choice>
+          <mc:Fallback>
+            <p:sp>
+              <p:nvSpPr>
+                <p:cNvPr id="300" name="文本框 299">
+                  <a:extLst>
+                    <a:ext uri="{FF2B5EF4-FFF2-40B4-BE49-F238E27FC236}">
+                      <a16:creationId xmlns:a16="http://schemas.microsoft.com/office/drawing/2014/main" id="{FB0D3CCE-EAEE-6721-2936-6CB901F018FC}"/>
+                    </a:ext>
+                  </a:extLst>
+                </p:cNvPr>
+                <p:cNvSpPr txBox="1">
+                  <a:spLocks noRot="1" noChangeAspect="1" noMove="1" noResize="1" noEditPoints="1" noAdjustHandles="1" noChangeArrowheads="1" noChangeShapeType="1" noTextEdit="1"/>
+                </p:cNvSpPr>
+                <p:nvPr/>
+              </p:nvSpPr>
+              <p:spPr>
+                <a:xfrm>
+                  <a:off x="5897283" y="3388219"/>
+                  <a:ext cx="383438" cy="369332"/>
+                </a:xfrm>
+                <a:prstGeom prst="rect">
+                  <a:avLst/>
+                </a:prstGeom>
+                <a:blipFill>
+                  <a:blip r:embed="rId12"/>
+                  <a:stretch>
+                    <a:fillRect/>
+                  </a:stretch>
+                </a:blipFill>
+              </p:spPr>
+              <p:txBody>
+                <a:bodyPr/>
+                <a:lstStyle/>
+                <a:p>
+                  <a:r>
+                    <a:rPr lang="zh-CN" altLang="en-US">
+                      <a:noFill/>
+                    </a:rPr>
+                    <a:t> </a:t>
+                  </a:r>
+                </a:p>
+              </p:txBody>
+            </p:sp>
+          </mc:Fallback>
+        </mc:AlternateContent>
+        <p:sp>
+          <p:nvSpPr>
+            <p:cNvPr id="331" name="矩形 330">
+              <a:extLst>
+                <a:ext uri="{FF2B5EF4-FFF2-40B4-BE49-F238E27FC236}">
+                  <a16:creationId xmlns:a16="http://schemas.microsoft.com/office/drawing/2014/main" id="{F6A0722B-8610-17A7-E42C-F88092D2068B}"/>
+                </a:ext>
+              </a:extLst>
+            </p:cNvPr>
+            <p:cNvSpPr/>
+            <p:nvPr/>
+          </p:nvSpPr>
+          <p:spPr>
+            <a:xfrm>
+              <a:off x="3268573" y="1620520"/>
+              <a:ext cx="1361961" cy="3648737"/>
+            </a:xfrm>
+            <a:prstGeom prst="rect">
+              <a:avLst/>
+            </a:prstGeom>
+            <a:solidFill>
+              <a:srgbClr val="C2E8F7"/>
+            </a:solidFill>
+            <a:ln w="19050" cap="flat" cmpd="sng" algn="ctr">
+              <a:solidFill>
+                <a:schemeClr val="tx1"/>
+              </a:solidFill>
+              <a:prstDash val="solid"/>
+              <a:miter lim="800000"/>
+            </a:ln>
+            <a:effectLst/>
+          </p:spPr>
+          <p:txBody>
+            <a:bodyPr rtlCol="0" anchor="t"/>
+            <a:lstStyle/>
+            <a:p>
+              <a:pPr algn="ctr" defTabSz="914511"/>
+              <a:r>
+                <a:rPr lang="en-US" altLang="zh-CN" sz="1400" kern="0" dirty="0">
+                  <a:latin typeface="Times New Roman"/>
+                  <a:ea typeface="宋体"/>
+                </a:rPr>
+                <a:t>Attention Heads</a:t>
+              </a:r>
+              <a:endParaRPr lang="zh-CN" altLang="en-US" sz="1400" kern="0" dirty="0">
+                <a:latin typeface="Times New Roman"/>
+                <a:ea typeface="宋体"/>
+              </a:endParaRPr>
+            </a:p>
+          </p:txBody>
+        </p:sp>
+        <p:sp>
+          <p:nvSpPr>
+            <p:cNvPr id="429" name="矩形 428">
+              <a:extLst>
+                <a:ext uri="{FF2B5EF4-FFF2-40B4-BE49-F238E27FC236}">
+                  <a16:creationId xmlns:a16="http://schemas.microsoft.com/office/drawing/2014/main" id="{A88E1086-FD25-A717-1862-3768F4A4510D}"/>
+                </a:ext>
+              </a:extLst>
+            </p:cNvPr>
+            <p:cNvSpPr/>
+            <p:nvPr/>
+          </p:nvSpPr>
+          <p:spPr>
+            <a:xfrm>
+              <a:off x="3447565" y="1934840"/>
+              <a:ext cx="1003975" cy="308638"/>
+            </a:xfrm>
+            <a:prstGeom prst="rect">
+              <a:avLst/>
+            </a:prstGeom>
+            <a:solidFill>
+              <a:schemeClr val="accent5">
+                <a:lumMod val="60000"/>
+                <a:lumOff val="40000"/>
+              </a:schemeClr>
+            </a:solidFill>
+            <a:ln w="19050" cap="flat" cmpd="sng" algn="ctr">
+              <a:solidFill>
+                <a:schemeClr val="tx1"/>
+              </a:solidFill>
+              <a:prstDash val="solid"/>
+              <a:miter lim="800000"/>
+            </a:ln>
+            <a:effectLst/>
+          </p:spPr>
+          <p:txBody>
+            <a:bodyPr rtlCol="0" anchor="t"/>
+            <a:lstStyle/>
+            <a:p>
+              <a:pPr algn="ctr" defTabSz="914511"/>
+              <a:r>
+                <a:rPr lang="en-US" altLang="zh-CN" sz="1400" kern="0" dirty="0">
+                  <a:latin typeface="Times New Roman"/>
+                  <a:ea typeface="宋体"/>
+                </a:rPr>
+                <a:t>Head 1</a:t>
+              </a:r>
+              <a:endParaRPr lang="zh-CN" altLang="en-US" sz="1400" kern="0" dirty="0">
+                <a:latin typeface="Times New Roman"/>
+                <a:ea typeface="宋体"/>
+              </a:endParaRPr>
+            </a:p>
+          </p:txBody>
+        </p:sp>
+        <p:sp>
+          <p:nvSpPr>
+            <p:cNvPr id="430" name="矩形 429">
+              <a:extLst>
+                <a:ext uri="{FF2B5EF4-FFF2-40B4-BE49-F238E27FC236}">
+                  <a16:creationId xmlns:a16="http://schemas.microsoft.com/office/drawing/2014/main" id="{9B8C9736-8988-A416-1800-412B3262AC4F}"/>
+                </a:ext>
+              </a:extLst>
+            </p:cNvPr>
+            <p:cNvSpPr/>
+            <p:nvPr/>
+          </p:nvSpPr>
+          <p:spPr>
+            <a:xfrm>
+              <a:off x="3447565" y="2369368"/>
+              <a:ext cx="1003975" cy="308638"/>
+            </a:xfrm>
+            <a:prstGeom prst="rect">
+              <a:avLst/>
+            </a:prstGeom>
+            <a:solidFill>
+              <a:schemeClr val="accent5">
+                <a:lumMod val="60000"/>
+                <a:lumOff val="40000"/>
+              </a:schemeClr>
+            </a:solidFill>
+            <a:ln w="19050" cap="flat" cmpd="sng" algn="ctr">
+              <a:solidFill>
+                <a:schemeClr val="tx1"/>
+              </a:solidFill>
+              <a:prstDash val="solid"/>
+              <a:miter lim="800000"/>
+            </a:ln>
+            <a:effectLst/>
+          </p:spPr>
+          <p:txBody>
+            <a:bodyPr rtlCol="0" anchor="t"/>
+            <a:lstStyle/>
+            <a:p>
+              <a:pPr algn="ctr" defTabSz="914511"/>
+              <a:r>
+                <a:rPr lang="en-US" altLang="zh-CN" sz="1400" kern="0" dirty="0">
+                  <a:latin typeface="Times New Roman"/>
+                  <a:ea typeface="宋体"/>
+                </a:rPr>
+                <a:t>Head 2</a:t>
+              </a:r>
+              <a:endParaRPr lang="zh-CN" altLang="en-US" sz="1400" kern="0" dirty="0">
+                <a:latin typeface="Times New Roman"/>
+                <a:ea typeface="宋体"/>
+              </a:endParaRPr>
+            </a:p>
+          </p:txBody>
+        </p:sp>
+        <p:sp>
+          <p:nvSpPr>
+            <p:cNvPr id="434" name="矩形 433">
+              <a:extLst>
+                <a:ext uri="{FF2B5EF4-FFF2-40B4-BE49-F238E27FC236}">
+                  <a16:creationId xmlns:a16="http://schemas.microsoft.com/office/drawing/2014/main" id="{1E6301E2-DAFD-1E5C-5004-B75650F905FD}"/>
+                </a:ext>
+              </a:extLst>
+            </p:cNvPr>
+            <p:cNvSpPr/>
+            <p:nvPr/>
+          </p:nvSpPr>
+          <p:spPr>
+            <a:xfrm>
+              <a:off x="3447565" y="2787810"/>
+              <a:ext cx="1003975" cy="308638"/>
+            </a:xfrm>
+            <a:prstGeom prst="rect">
+              <a:avLst/>
+            </a:prstGeom>
+            <a:solidFill>
+              <a:schemeClr val="accent5">
+                <a:lumMod val="60000"/>
+                <a:lumOff val="40000"/>
+              </a:schemeClr>
+            </a:solidFill>
+            <a:ln w="19050" cap="flat" cmpd="sng" algn="ctr">
+              <a:solidFill>
+                <a:schemeClr val="tx1"/>
+              </a:solidFill>
+              <a:prstDash val="solid"/>
+              <a:miter lim="800000"/>
+            </a:ln>
+            <a:effectLst/>
+          </p:spPr>
+          <p:txBody>
+            <a:bodyPr rtlCol="0" anchor="t"/>
+            <a:lstStyle/>
+            <a:p>
+              <a:pPr algn="ctr" defTabSz="914511"/>
+              <a:r>
+                <a:rPr lang="en-US" altLang="zh-CN" sz="1400" kern="0" dirty="0">
+                  <a:latin typeface="Times New Roman"/>
+                  <a:ea typeface="宋体"/>
+                </a:rPr>
+                <a:t>Head 3</a:t>
+              </a:r>
+              <a:endParaRPr lang="zh-CN" altLang="en-US" sz="1400" kern="0" dirty="0">
+                <a:latin typeface="Times New Roman"/>
+                <a:ea typeface="宋体"/>
+              </a:endParaRPr>
+            </a:p>
+          </p:txBody>
+        </p:sp>
+        <p:sp>
+          <p:nvSpPr>
+            <p:cNvPr id="435" name="矩形 434">
+              <a:extLst>
+                <a:ext uri="{FF2B5EF4-FFF2-40B4-BE49-F238E27FC236}">
+                  <a16:creationId xmlns:a16="http://schemas.microsoft.com/office/drawing/2014/main" id="{43A73109-DF55-6135-C1C0-643ADB5CAD5D}"/>
+                </a:ext>
+              </a:extLst>
+            </p:cNvPr>
+            <p:cNvSpPr/>
+            <p:nvPr/>
+          </p:nvSpPr>
+          <p:spPr>
+            <a:xfrm>
+              <a:off x="3447565" y="3213261"/>
+              <a:ext cx="1003975" cy="308638"/>
+            </a:xfrm>
+            <a:prstGeom prst="rect">
+              <a:avLst/>
+            </a:prstGeom>
+            <a:solidFill>
+              <a:schemeClr val="accent5">
+                <a:lumMod val="60000"/>
+                <a:lumOff val="40000"/>
+              </a:schemeClr>
+            </a:solidFill>
+            <a:ln w="19050" cap="flat" cmpd="sng" algn="ctr">
+              <a:solidFill>
+                <a:schemeClr val="tx1"/>
+              </a:solidFill>
+              <a:prstDash val="solid"/>
+              <a:miter lim="800000"/>
+            </a:ln>
+            <a:effectLst/>
+          </p:spPr>
+          <p:txBody>
+            <a:bodyPr rtlCol="0" anchor="t"/>
+            <a:lstStyle/>
+            <a:p>
+              <a:pPr algn="ctr" defTabSz="914511"/>
+              <a:r>
+                <a:rPr lang="en-US" altLang="zh-CN" sz="1400" kern="0" dirty="0">
+                  <a:latin typeface="Times New Roman"/>
+                  <a:ea typeface="宋体"/>
+                </a:rPr>
+                <a:t>Head 4</a:t>
+              </a:r>
+              <a:endParaRPr lang="zh-CN" altLang="en-US" sz="1400" kern="0" dirty="0">
+                <a:latin typeface="Times New Roman"/>
+                <a:ea typeface="宋体"/>
+              </a:endParaRPr>
+            </a:p>
+          </p:txBody>
+        </p:sp>
+        <p:sp>
+          <p:nvSpPr>
+            <p:cNvPr id="436" name="矩形 435">
+              <a:extLst>
+                <a:ext uri="{FF2B5EF4-FFF2-40B4-BE49-F238E27FC236}">
+                  <a16:creationId xmlns:a16="http://schemas.microsoft.com/office/drawing/2014/main" id="{6F9497B9-A17B-680A-C6E0-04316CACA128}"/>
+                </a:ext>
+              </a:extLst>
+            </p:cNvPr>
+            <p:cNvSpPr/>
+            <p:nvPr/>
+          </p:nvSpPr>
+          <p:spPr>
+            <a:xfrm>
+              <a:off x="3447565" y="3637950"/>
+              <a:ext cx="1003975" cy="308638"/>
+            </a:xfrm>
+            <a:prstGeom prst="rect">
+              <a:avLst/>
+            </a:prstGeom>
+            <a:solidFill>
+              <a:schemeClr val="accent5">
+                <a:lumMod val="60000"/>
+                <a:lumOff val="40000"/>
+              </a:schemeClr>
+            </a:solidFill>
+            <a:ln w="19050" cap="flat" cmpd="sng" algn="ctr">
+              <a:solidFill>
+                <a:schemeClr val="tx1"/>
+              </a:solidFill>
+              <a:prstDash val="solid"/>
+              <a:miter lim="800000"/>
+            </a:ln>
+            <a:effectLst/>
+          </p:spPr>
+          <p:txBody>
+            <a:bodyPr rtlCol="0" anchor="t"/>
+            <a:lstStyle/>
+            <a:p>
+              <a:pPr algn="ctr" defTabSz="914511"/>
+              <a:r>
+                <a:rPr lang="en-US" altLang="zh-CN" sz="1400" kern="0" dirty="0">
+                  <a:latin typeface="Times New Roman"/>
+                  <a:ea typeface="宋体"/>
+                </a:rPr>
+                <a:t>Head 5</a:t>
+              </a:r>
+              <a:endParaRPr lang="zh-CN" altLang="en-US" sz="1400" kern="0" dirty="0">
+                <a:latin typeface="Times New Roman"/>
+                <a:ea typeface="宋体"/>
+              </a:endParaRPr>
+            </a:p>
+          </p:txBody>
+        </p:sp>
+        <p:sp>
+          <p:nvSpPr>
+            <p:cNvPr id="437" name="矩形 436">
+              <a:extLst>
+                <a:ext uri="{FF2B5EF4-FFF2-40B4-BE49-F238E27FC236}">
+                  <a16:creationId xmlns:a16="http://schemas.microsoft.com/office/drawing/2014/main" id="{D090535A-E26B-C094-2115-47A0CFA5660C}"/>
+                </a:ext>
+              </a:extLst>
+            </p:cNvPr>
+            <p:cNvSpPr/>
+            <p:nvPr/>
+          </p:nvSpPr>
+          <p:spPr>
+            <a:xfrm>
+              <a:off x="3447564" y="4070280"/>
+              <a:ext cx="1003975" cy="308638"/>
+            </a:xfrm>
+            <a:prstGeom prst="rect">
+              <a:avLst/>
+            </a:prstGeom>
+            <a:solidFill>
+              <a:schemeClr val="accent5">
+                <a:lumMod val="60000"/>
+                <a:lumOff val="40000"/>
+              </a:schemeClr>
+            </a:solidFill>
+            <a:ln w="19050" cap="flat" cmpd="sng" algn="ctr">
+              <a:solidFill>
+                <a:schemeClr val="tx1"/>
+              </a:solidFill>
+              <a:prstDash val="solid"/>
+              <a:miter lim="800000"/>
+            </a:ln>
+            <a:effectLst/>
+          </p:spPr>
+          <p:txBody>
+            <a:bodyPr rtlCol="0" anchor="t"/>
+            <a:lstStyle/>
+            <a:p>
+              <a:pPr algn="ctr" defTabSz="914511"/>
+              <a:r>
+                <a:rPr lang="en-US" altLang="zh-CN" sz="1400" kern="0" dirty="0">
+                  <a:latin typeface="Times New Roman"/>
+                  <a:ea typeface="宋体"/>
+                </a:rPr>
+                <a:t>Head 6</a:t>
+              </a:r>
+              <a:endParaRPr lang="zh-CN" altLang="en-US" sz="1400" kern="0" dirty="0">
+                <a:latin typeface="Times New Roman"/>
+                <a:ea typeface="宋体"/>
+              </a:endParaRPr>
+            </a:p>
+          </p:txBody>
+        </p:sp>
+        <p:sp>
+          <p:nvSpPr>
+            <p:cNvPr id="438" name="矩形 437">
+              <a:extLst>
+                <a:ext uri="{FF2B5EF4-FFF2-40B4-BE49-F238E27FC236}">
+                  <a16:creationId xmlns:a16="http://schemas.microsoft.com/office/drawing/2014/main" id="{B4490518-496E-1B4F-2B1D-80757258F09B}"/>
+                </a:ext>
+              </a:extLst>
+            </p:cNvPr>
+            <p:cNvSpPr/>
+            <p:nvPr/>
+          </p:nvSpPr>
+          <p:spPr>
+            <a:xfrm>
+              <a:off x="3447111" y="4489879"/>
+              <a:ext cx="1003975" cy="308638"/>
+            </a:xfrm>
+            <a:prstGeom prst="rect">
+              <a:avLst/>
+            </a:prstGeom>
+            <a:solidFill>
+              <a:schemeClr val="accent5">
+                <a:lumMod val="60000"/>
+                <a:lumOff val="40000"/>
+              </a:schemeClr>
+            </a:solidFill>
+            <a:ln w="19050" cap="flat" cmpd="sng" algn="ctr">
+              <a:solidFill>
+                <a:schemeClr val="tx1"/>
+              </a:solidFill>
+              <a:prstDash val="solid"/>
+              <a:miter lim="800000"/>
+            </a:ln>
+            <a:effectLst/>
+          </p:spPr>
+          <p:txBody>
+            <a:bodyPr rtlCol="0" anchor="t"/>
+            <a:lstStyle/>
+            <a:p>
+              <a:pPr algn="ctr" defTabSz="914511"/>
+              <a:r>
+                <a:rPr lang="en-US" altLang="zh-CN" sz="1400" kern="0" dirty="0">
+                  <a:latin typeface="Times New Roman"/>
+                  <a:ea typeface="宋体"/>
+                </a:rPr>
+                <a:t>Head 7</a:t>
+              </a:r>
+              <a:endParaRPr lang="zh-CN" altLang="en-US" sz="1400" kern="0" dirty="0">
+                <a:latin typeface="Times New Roman"/>
+                <a:ea typeface="宋体"/>
+              </a:endParaRPr>
+            </a:p>
+          </p:txBody>
+        </p:sp>
+        <p:sp>
+          <p:nvSpPr>
+            <p:cNvPr id="439" name="矩形 438">
+              <a:extLst>
+                <a:ext uri="{FF2B5EF4-FFF2-40B4-BE49-F238E27FC236}">
+                  <a16:creationId xmlns:a16="http://schemas.microsoft.com/office/drawing/2014/main" id="{44E56FDF-7FE1-33EC-F169-20061BA1C46F}"/>
+                </a:ext>
+              </a:extLst>
+            </p:cNvPr>
+            <p:cNvSpPr/>
+            <p:nvPr/>
+          </p:nvSpPr>
+          <p:spPr>
+            <a:xfrm>
+              <a:off x="3448870" y="4896685"/>
+              <a:ext cx="1003975" cy="308638"/>
+            </a:xfrm>
+            <a:prstGeom prst="rect">
+              <a:avLst/>
+            </a:prstGeom>
+            <a:solidFill>
+              <a:schemeClr val="accent5">
+                <a:lumMod val="60000"/>
+                <a:lumOff val="40000"/>
+              </a:schemeClr>
+            </a:solidFill>
+            <a:ln w="19050" cap="flat" cmpd="sng" algn="ctr">
+              <a:solidFill>
+                <a:schemeClr val="tx1"/>
+              </a:solidFill>
+              <a:prstDash val="solid"/>
+              <a:miter lim="800000"/>
+            </a:ln>
+            <a:effectLst/>
+          </p:spPr>
+          <p:txBody>
+            <a:bodyPr rtlCol="0" anchor="t"/>
+            <a:lstStyle/>
+            <a:p>
+              <a:pPr algn="ctr" defTabSz="914511"/>
+              <a:r>
+                <a:rPr lang="en-US" altLang="zh-CN" sz="1400" kern="0" dirty="0">
+                  <a:latin typeface="Times New Roman"/>
+                  <a:ea typeface="宋体"/>
+                </a:rPr>
+                <a:t>Head 8</a:t>
+              </a:r>
+              <a:endParaRPr lang="zh-CN" altLang="en-US" sz="1400" kern="0" dirty="0">
+                <a:latin typeface="Times New Roman"/>
+                <a:ea typeface="宋体"/>
+              </a:endParaRPr>
+            </a:p>
+          </p:txBody>
+        </p:sp>
+        <p:cxnSp>
+          <p:nvCxnSpPr>
+            <p:cNvPr id="463" name="连接符: 肘形 462">
+              <a:extLst>
+                <a:ext uri="{FF2B5EF4-FFF2-40B4-BE49-F238E27FC236}">
+                  <a16:creationId xmlns:a16="http://schemas.microsoft.com/office/drawing/2014/main" id="{6E56F10D-5963-AACB-F54B-F841C4ABD5A5}"/>
+                </a:ext>
+              </a:extLst>
+            </p:cNvPr>
+            <p:cNvCxnSpPr>
+              <a:stCxn id="20" idx="3"/>
+              <a:endCxn id="429" idx="1"/>
+            </p:cNvCxnSpPr>
+            <p:nvPr/>
+          </p:nvCxnSpPr>
+          <p:spPr>
+            <a:xfrm flipV="1">
+              <a:off x="2253201" y="2089159"/>
+              <a:ext cx="1194364" cy="1486222"/>
+            </a:xfrm>
+            <a:prstGeom prst="bentConnector3">
+              <a:avLst/>
+            </a:prstGeom>
+            <a:ln w="19050">
+              <a:solidFill>
+                <a:schemeClr val="tx1"/>
+              </a:solidFill>
+              <a:tailEnd type="triangle"/>
+            </a:ln>
+          </p:spPr>
+          <p:style>
+            <a:lnRef idx="1">
+              <a:schemeClr val="accent1"/>
+            </a:lnRef>
+            <a:fillRef idx="0">
+              <a:schemeClr val="accent1"/>
+            </a:fillRef>
+            <a:effectRef idx="0">
+              <a:schemeClr val="accent1"/>
+            </a:effectRef>
+            <a:fontRef idx="minor">
+              <a:schemeClr val="tx1"/>
+            </a:fontRef>
+          </p:style>
+        </p:cxnSp>
+        <p:cxnSp>
+          <p:nvCxnSpPr>
+            <p:cNvPr id="465" name="连接符: 肘形 464">
+              <a:extLst>
+                <a:ext uri="{FF2B5EF4-FFF2-40B4-BE49-F238E27FC236}">
+                  <a16:creationId xmlns:a16="http://schemas.microsoft.com/office/drawing/2014/main" id="{1F22D178-69D7-0C21-389E-452D5EF9DFEB}"/>
+                </a:ext>
+              </a:extLst>
+            </p:cNvPr>
+            <p:cNvCxnSpPr>
+              <a:stCxn id="20" idx="3"/>
+              <a:endCxn id="430" idx="1"/>
+            </p:cNvCxnSpPr>
+            <p:nvPr/>
+          </p:nvCxnSpPr>
+          <p:spPr>
+            <a:xfrm flipV="1">
+              <a:off x="2253201" y="2523687"/>
+              <a:ext cx="1194364" cy="1051694"/>
+            </a:xfrm>
+            <a:prstGeom prst="bentConnector3">
+              <a:avLst/>
+            </a:prstGeom>
+            <a:ln w="19050">
+              <a:solidFill>
+                <a:schemeClr val="tx1"/>
+              </a:solidFill>
+              <a:tailEnd type="triangle"/>
+            </a:ln>
+          </p:spPr>
+          <p:style>
+            <a:lnRef idx="1">
+              <a:schemeClr val="accent1"/>
+            </a:lnRef>
+            <a:fillRef idx="0">
+              <a:schemeClr val="accent1"/>
+            </a:fillRef>
+            <a:effectRef idx="0">
+              <a:schemeClr val="accent1"/>
+            </a:effectRef>
+            <a:fontRef idx="minor">
+              <a:schemeClr val="tx1"/>
+            </a:fontRef>
+          </p:style>
+        </p:cxnSp>
+        <p:cxnSp>
+          <p:nvCxnSpPr>
+            <p:cNvPr id="467" name="连接符: 肘形 466">
+              <a:extLst>
+                <a:ext uri="{FF2B5EF4-FFF2-40B4-BE49-F238E27FC236}">
+                  <a16:creationId xmlns:a16="http://schemas.microsoft.com/office/drawing/2014/main" id="{A56F445A-8785-C3F2-3AE7-9B255E2D89F1}"/>
+                </a:ext>
+              </a:extLst>
+            </p:cNvPr>
+            <p:cNvCxnSpPr>
+              <a:stCxn id="20" idx="3"/>
+              <a:endCxn id="434" idx="1"/>
+            </p:cNvCxnSpPr>
+            <p:nvPr/>
+          </p:nvCxnSpPr>
+          <p:spPr>
+            <a:xfrm flipV="1">
+              <a:off x="2253201" y="2942129"/>
+              <a:ext cx="1194364" cy="633252"/>
+            </a:xfrm>
+            <a:prstGeom prst="bentConnector3">
+              <a:avLst/>
+            </a:prstGeom>
+            <a:ln w="19050">
+              <a:solidFill>
+                <a:schemeClr val="tx1"/>
+              </a:solidFill>
+              <a:tailEnd type="triangle"/>
+            </a:ln>
+          </p:spPr>
+          <p:style>
+            <a:lnRef idx="1">
+              <a:schemeClr val="accent1"/>
+            </a:lnRef>
+            <a:fillRef idx="0">
+              <a:schemeClr val="accent1"/>
+            </a:fillRef>
+            <a:effectRef idx="0">
+              <a:schemeClr val="accent1"/>
+            </a:effectRef>
+            <a:fontRef idx="minor">
+              <a:schemeClr val="tx1"/>
+            </a:fontRef>
+          </p:style>
+        </p:cxnSp>
+        <p:cxnSp>
+          <p:nvCxnSpPr>
+            <p:cNvPr id="469" name="连接符: 肘形 468">
+              <a:extLst>
+                <a:ext uri="{FF2B5EF4-FFF2-40B4-BE49-F238E27FC236}">
+                  <a16:creationId xmlns:a16="http://schemas.microsoft.com/office/drawing/2014/main" id="{DABD6C85-2EAB-6964-0261-7254A62DBE27}"/>
+                </a:ext>
+              </a:extLst>
+            </p:cNvPr>
+            <p:cNvCxnSpPr>
+              <a:stCxn id="20" idx="3"/>
+              <a:endCxn id="435" idx="1"/>
+            </p:cNvCxnSpPr>
+            <p:nvPr/>
+          </p:nvCxnSpPr>
+          <p:spPr>
+            <a:xfrm flipV="1">
+              <a:off x="2253201" y="3367580"/>
+              <a:ext cx="1194364" cy="207801"/>
+            </a:xfrm>
+            <a:prstGeom prst="bentConnector3">
+              <a:avLst/>
+            </a:prstGeom>
+            <a:ln w="19050">
+              <a:solidFill>
+                <a:schemeClr val="tx1"/>
+              </a:solidFill>
+              <a:tailEnd type="triangle"/>
+            </a:ln>
+          </p:spPr>
+          <p:style>
+            <a:lnRef idx="1">
+              <a:schemeClr val="accent1"/>
+            </a:lnRef>
+            <a:fillRef idx="0">
+              <a:schemeClr val="accent1"/>
+            </a:fillRef>
+            <a:effectRef idx="0">
+              <a:schemeClr val="accent1"/>
+            </a:effectRef>
+            <a:fontRef idx="minor">
+              <a:schemeClr val="tx1"/>
+            </a:fontRef>
+          </p:style>
+        </p:cxnSp>
+        <p:cxnSp>
+          <p:nvCxnSpPr>
+            <p:cNvPr id="471" name="连接符: 肘形 470">
+              <a:extLst>
+                <a:ext uri="{FF2B5EF4-FFF2-40B4-BE49-F238E27FC236}">
+                  <a16:creationId xmlns:a16="http://schemas.microsoft.com/office/drawing/2014/main" id="{B04EDD16-ED00-E861-88ED-1995DF3E382D}"/>
+                </a:ext>
+              </a:extLst>
+            </p:cNvPr>
+            <p:cNvCxnSpPr>
+              <a:stCxn id="20" idx="3"/>
+              <a:endCxn id="436" idx="1"/>
+            </p:cNvCxnSpPr>
+            <p:nvPr/>
+          </p:nvCxnSpPr>
+          <p:spPr>
+            <a:xfrm>
+              <a:off x="2253201" y="3575381"/>
+              <a:ext cx="1194364" cy="216888"/>
+            </a:xfrm>
+            <a:prstGeom prst="bentConnector3">
+              <a:avLst/>
+            </a:prstGeom>
+            <a:ln w="19050">
+              <a:solidFill>
+                <a:schemeClr val="tx1"/>
+              </a:solidFill>
+              <a:tailEnd type="triangle"/>
+            </a:ln>
+          </p:spPr>
+          <p:style>
+            <a:lnRef idx="1">
+              <a:schemeClr val="accent1"/>
+            </a:lnRef>
+            <a:fillRef idx="0">
+              <a:schemeClr val="accent1"/>
+            </a:fillRef>
+            <a:effectRef idx="0">
+              <a:schemeClr val="accent1"/>
+            </a:effectRef>
+            <a:fontRef idx="minor">
+              <a:schemeClr val="tx1"/>
+            </a:fontRef>
+          </p:style>
+        </p:cxnSp>
+        <p:cxnSp>
+          <p:nvCxnSpPr>
+            <p:cNvPr id="473" name="连接符: 肘形 472">
+              <a:extLst>
+                <a:ext uri="{FF2B5EF4-FFF2-40B4-BE49-F238E27FC236}">
+                  <a16:creationId xmlns:a16="http://schemas.microsoft.com/office/drawing/2014/main" id="{3A1EE8DF-C314-F544-20A9-2BE0A91D1113}"/>
+                </a:ext>
+              </a:extLst>
+            </p:cNvPr>
+            <p:cNvCxnSpPr>
+              <a:stCxn id="20" idx="3"/>
+              <a:endCxn id="437" idx="1"/>
+            </p:cNvCxnSpPr>
+            <p:nvPr/>
+          </p:nvCxnSpPr>
+          <p:spPr>
+            <a:xfrm>
+              <a:off x="2253201" y="3575381"/>
+              <a:ext cx="1194363" cy="649218"/>
+            </a:xfrm>
+            <a:prstGeom prst="bentConnector3">
+              <a:avLst/>
+            </a:prstGeom>
+            <a:ln w="19050">
+              <a:solidFill>
+                <a:schemeClr val="tx1"/>
+              </a:solidFill>
+              <a:tailEnd type="triangle"/>
+            </a:ln>
+          </p:spPr>
+          <p:style>
+            <a:lnRef idx="1">
+              <a:schemeClr val="accent1"/>
+            </a:lnRef>
+            <a:fillRef idx="0">
+              <a:schemeClr val="accent1"/>
+            </a:fillRef>
+            <a:effectRef idx="0">
+              <a:schemeClr val="accent1"/>
+            </a:effectRef>
+            <a:fontRef idx="minor">
+              <a:schemeClr val="tx1"/>
+            </a:fontRef>
+          </p:style>
+        </p:cxnSp>
+        <p:cxnSp>
+          <p:nvCxnSpPr>
+            <p:cNvPr id="475" name="连接符: 肘形 474">
+              <a:extLst>
+                <a:ext uri="{FF2B5EF4-FFF2-40B4-BE49-F238E27FC236}">
+                  <a16:creationId xmlns:a16="http://schemas.microsoft.com/office/drawing/2014/main" id="{3E7CE475-ABD8-5FDC-F9E8-56C449A84960}"/>
+                </a:ext>
+              </a:extLst>
+            </p:cNvPr>
+            <p:cNvCxnSpPr>
+              <a:stCxn id="20" idx="3"/>
+              <a:endCxn id="438" idx="1"/>
+            </p:cNvCxnSpPr>
+            <p:nvPr/>
+          </p:nvCxnSpPr>
+          <p:spPr>
+            <a:xfrm>
+              <a:off x="2253201" y="3575381"/>
+              <a:ext cx="1193910" cy="1068817"/>
+            </a:xfrm>
+            <a:prstGeom prst="bentConnector3">
+              <a:avLst/>
+            </a:prstGeom>
+            <a:ln w="19050">
+              <a:solidFill>
+                <a:schemeClr val="tx1"/>
+              </a:solidFill>
+              <a:tailEnd type="triangle"/>
+            </a:ln>
+          </p:spPr>
+          <p:style>
+            <a:lnRef idx="1">
+              <a:schemeClr val="accent1"/>
+            </a:lnRef>
+            <a:fillRef idx="0">
+              <a:schemeClr val="accent1"/>
+            </a:fillRef>
+            <a:effectRef idx="0">
+              <a:schemeClr val="accent1"/>
+            </a:effectRef>
+            <a:fontRef idx="minor">
+              <a:schemeClr val="tx1"/>
+            </a:fontRef>
+          </p:style>
+        </p:cxnSp>
+        <p:cxnSp>
+          <p:nvCxnSpPr>
+            <p:cNvPr id="477" name="连接符: 肘形 476">
+              <a:extLst>
+                <a:ext uri="{FF2B5EF4-FFF2-40B4-BE49-F238E27FC236}">
+                  <a16:creationId xmlns:a16="http://schemas.microsoft.com/office/drawing/2014/main" id="{1D873C34-07CD-6F9F-FF13-8C54205A849A}"/>
+                </a:ext>
+              </a:extLst>
+            </p:cNvPr>
+            <p:cNvCxnSpPr>
+              <a:stCxn id="20" idx="3"/>
+              <a:endCxn id="439" idx="1"/>
+            </p:cNvCxnSpPr>
+            <p:nvPr/>
+          </p:nvCxnSpPr>
+          <p:spPr>
+            <a:xfrm>
+              <a:off x="2253201" y="3575381"/>
+              <a:ext cx="1195669" cy="1475623"/>
+            </a:xfrm>
+            <a:prstGeom prst="bentConnector3">
+              <a:avLst/>
+            </a:prstGeom>
+            <a:ln w="19050">
+              <a:solidFill>
+                <a:schemeClr val="tx1"/>
+              </a:solidFill>
+              <a:tailEnd type="triangle"/>
+            </a:ln>
+          </p:spPr>
+          <p:style>
+            <a:lnRef idx="1">
+              <a:schemeClr val="accent1"/>
+            </a:lnRef>
+            <a:fillRef idx="0">
+              <a:schemeClr val="accent1"/>
+            </a:fillRef>
+            <a:effectRef idx="0">
+              <a:schemeClr val="accent1"/>
+            </a:effectRef>
+            <a:fontRef idx="minor">
+              <a:schemeClr val="tx1"/>
+            </a:fontRef>
+          </p:style>
+        </p:cxnSp>
+        <p:cxnSp>
+          <p:nvCxnSpPr>
+            <p:cNvPr id="479" name="直接箭头连接符 478">
+              <a:extLst>
+                <a:ext uri="{FF2B5EF4-FFF2-40B4-BE49-F238E27FC236}">
+                  <a16:creationId xmlns:a16="http://schemas.microsoft.com/office/drawing/2014/main" id="{A972F029-1616-B8F9-57CE-92419A9475A9}"/>
+                </a:ext>
+              </a:extLst>
+            </p:cNvPr>
+            <p:cNvCxnSpPr>
+              <a:stCxn id="429" idx="3"/>
+              <a:endCxn id="215" idx="1"/>
+            </p:cNvCxnSpPr>
+            <p:nvPr/>
+          </p:nvCxnSpPr>
+          <p:spPr>
+            <a:xfrm>
+              <a:off x="4451540" y="2089159"/>
+              <a:ext cx="361901" cy="416"/>
+            </a:xfrm>
+            <a:prstGeom prst="straightConnector1">
+              <a:avLst/>
+            </a:prstGeom>
+            <a:ln w="19050">
+              <a:solidFill>
+                <a:schemeClr val="tx1"/>
+              </a:solidFill>
+              <a:tailEnd type="triangle"/>
+            </a:ln>
+          </p:spPr>
+          <p:style>
+            <a:lnRef idx="1">
+              <a:schemeClr val="accent1"/>
+            </a:lnRef>
+            <a:fillRef idx="0">
+              <a:schemeClr val="accent1"/>
+            </a:fillRef>
+            <a:effectRef idx="0">
+              <a:schemeClr val="accent1"/>
+            </a:effectRef>
+            <a:fontRef idx="minor">
+              <a:schemeClr val="tx1"/>
+            </a:fontRef>
+          </p:style>
+        </p:cxnSp>
+        <p:cxnSp>
+          <p:nvCxnSpPr>
+            <p:cNvPr id="481" name="直接箭头连接符 480">
+              <a:extLst>
+                <a:ext uri="{FF2B5EF4-FFF2-40B4-BE49-F238E27FC236}">
+                  <a16:creationId xmlns:a16="http://schemas.microsoft.com/office/drawing/2014/main" id="{0FCF0213-9690-0220-9584-1D78FDC5E904}"/>
+                </a:ext>
+              </a:extLst>
+            </p:cNvPr>
+            <p:cNvCxnSpPr>
+              <a:cxnSpLocks/>
+              <a:stCxn id="430" idx="3"/>
+              <a:endCxn id="216" idx="1"/>
+            </p:cNvCxnSpPr>
+            <p:nvPr/>
+          </p:nvCxnSpPr>
+          <p:spPr>
+            <a:xfrm>
+              <a:off x="4451540" y="2523687"/>
+              <a:ext cx="365125" cy="0"/>
+            </a:xfrm>
+            <a:prstGeom prst="straightConnector1">
+              <a:avLst/>
+            </a:prstGeom>
+            <a:ln w="19050">
+              <a:solidFill>
+                <a:schemeClr val="tx1"/>
+              </a:solidFill>
+              <a:tailEnd type="triangle"/>
+            </a:ln>
+          </p:spPr>
+          <p:style>
+            <a:lnRef idx="1">
+              <a:schemeClr val="accent1"/>
+            </a:lnRef>
+            <a:fillRef idx="0">
+              <a:schemeClr val="accent1"/>
+            </a:fillRef>
+            <a:effectRef idx="0">
+              <a:schemeClr val="accent1"/>
+            </a:effectRef>
+            <a:fontRef idx="minor">
+              <a:schemeClr val="tx1"/>
+            </a:fontRef>
+          </p:style>
+        </p:cxnSp>
+        <p:cxnSp>
+          <p:nvCxnSpPr>
+            <p:cNvPr id="483" name="直接箭头连接符 482">
+              <a:extLst>
+                <a:ext uri="{FF2B5EF4-FFF2-40B4-BE49-F238E27FC236}">
+                  <a16:creationId xmlns:a16="http://schemas.microsoft.com/office/drawing/2014/main" id="{F06FA13F-E92B-F732-F6D1-3C3E35B3CAD0}"/>
+                </a:ext>
+              </a:extLst>
+            </p:cNvPr>
+            <p:cNvCxnSpPr>
+              <a:stCxn id="434" idx="3"/>
+              <a:endCxn id="217" idx="1"/>
+            </p:cNvCxnSpPr>
+            <p:nvPr/>
+          </p:nvCxnSpPr>
+          <p:spPr>
+            <a:xfrm>
+              <a:off x="4451540" y="2942129"/>
+              <a:ext cx="362465" cy="13"/>
+            </a:xfrm>
+            <a:prstGeom prst="straightConnector1">
+              <a:avLst/>
+            </a:prstGeom>
+            <a:ln w="19050">
+              <a:solidFill>
+                <a:schemeClr val="tx1"/>
+              </a:solidFill>
+              <a:tailEnd type="triangle"/>
+            </a:ln>
+          </p:spPr>
+          <p:style>
+            <a:lnRef idx="1">
+              <a:schemeClr val="accent1"/>
+            </a:lnRef>
+            <a:fillRef idx="0">
+              <a:schemeClr val="accent1"/>
+            </a:fillRef>
+            <a:effectRef idx="0">
+              <a:schemeClr val="accent1"/>
+            </a:effectRef>
+            <a:fontRef idx="minor">
+              <a:schemeClr val="tx1"/>
+            </a:fontRef>
+          </p:style>
+        </p:cxnSp>
+        <p:cxnSp>
+          <p:nvCxnSpPr>
+            <p:cNvPr id="485" name="直接箭头连接符 484">
+              <a:extLst>
+                <a:ext uri="{FF2B5EF4-FFF2-40B4-BE49-F238E27FC236}">
+                  <a16:creationId xmlns:a16="http://schemas.microsoft.com/office/drawing/2014/main" id="{7B862E37-FD21-14EB-1ECD-4CEBD896C5D1}"/>
+                </a:ext>
+              </a:extLst>
+            </p:cNvPr>
+            <p:cNvCxnSpPr>
+              <a:stCxn id="435" idx="3"/>
+              <a:endCxn id="218" idx="1"/>
+            </p:cNvCxnSpPr>
+            <p:nvPr/>
+          </p:nvCxnSpPr>
+          <p:spPr>
+            <a:xfrm flipV="1">
+              <a:off x="4451540" y="3366991"/>
+              <a:ext cx="365125" cy="589"/>
+            </a:xfrm>
+            <a:prstGeom prst="straightConnector1">
+              <a:avLst/>
+            </a:prstGeom>
+            <a:ln w="19050">
+              <a:solidFill>
+                <a:schemeClr val="tx1"/>
+              </a:solidFill>
+              <a:tailEnd type="triangle"/>
+            </a:ln>
+          </p:spPr>
+          <p:style>
+            <a:lnRef idx="1">
+              <a:schemeClr val="accent1"/>
+            </a:lnRef>
+            <a:fillRef idx="0">
+              <a:schemeClr val="accent1"/>
+            </a:fillRef>
+            <a:effectRef idx="0">
+              <a:schemeClr val="accent1"/>
+            </a:effectRef>
+            <a:fontRef idx="minor">
+              <a:schemeClr val="tx1"/>
+            </a:fontRef>
+          </p:style>
+        </p:cxnSp>
+        <p:cxnSp>
+          <p:nvCxnSpPr>
+            <p:cNvPr id="487" name="直接箭头连接符 486">
+              <a:extLst>
+                <a:ext uri="{FF2B5EF4-FFF2-40B4-BE49-F238E27FC236}">
+                  <a16:creationId xmlns:a16="http://schemas.microsoft.com/office/drawing/2014/main" id="{87A77609-EE5E-1553-8305-EC5829721240}"/>
+                </a:ext>
+              </a:extLst>
+            </p:cNvPr>
+            <p:cNvCxnSpPr>
+              <a:stCxn id="436" idx="3"/>
+              <a:endCxn id="219" idx="1"/>
+            </p:cNvCxnSpPr>
+            <p:nvPr/>
+          </p:nvCxnSpPr>
+          <p:spPr>
+            <a:xfrm flipV="1">
+              <a:off x="4451540" y="3789449"/>
+              <a:ext cx="365125" cy="2820"/>
+            </a:xfrm>
+            <a:prstGeom prst="straightConnector1">
+              <a:avLst/>
+            </a:prstGeom>
+            <a:ln w="19050">
+              <a:solidFill>
+                <a:schemeClr val="tx1"/>
+              </a:solidFill>
+              <a:tailEnd type="triangle"/>
+            </a:ln>
+          </p:spPr>
+          <p:style>
+            <a:lnRef idx="1">
+              <a:schemeClr val="accent1"/>
+            </a:lnRef>
+            <a:fillRef idx="0">
+              <a:schemeClr val="accent1"/>
+            </a:fillRef>
+            <a:effectRef idx="0">
+              <a:schemeClr val="accent1"/>
+            </a:effectRef>
+            <a:fontRef idx="minor">
+              <a:schemeClr val="tx1"/>
+            </a:fontRef>
+          </p:style>
+        </p:cxnSp>
+        <p:cxnSp>
+          <p:nvCxnSpPr>
+            <p:cNvPr id="489" name="直接箭头连接符 488">
+              <a:extLst>
+                <a:ext uri="{FF2B5EF4-FFF2-40B4-BE49-F238E27FC236}">
+                  <a16:creationId xmlns:a16="http://schemas.microsoft.com/office/drawing/2014/main" id="{8188B09B-9585-3C6B-C0AA-466CE07956F0}"/>
+                </a:ext>
+              </a:extLst>
+            </p:cNvPr>
+            <p:cNvCxnSpPr>
+              <a:stCxn id="437" idx="3"/>
+              <a:endCxn id="220" idx="1"/>
+            </p:cNvCxnSpPr>
+            <p:nvPr/>
+          </p:nvCxnSpPr>
+          <p:spPr>
+            <a:xfrm>
+              <a:off x="4451539" y="4224599"/>
+              <a:ext cx="365126" cy="0"/>
+            </a:xfrm>
+            <a:prstGeom prst="straightConnector1">
+              <a:avLst/>
+            </a:prstGeom>
+            <a:ln w="19050">
+              <a:solidFill>
+                <a:schemeClr val="tx1"/>
+              </a:solidFill>
+              <a:tailEnd type="triangle"/>
+            </a:ln>
+          </p:spPr>
+          <p:style>
+            <a:lnRef idx="1">
+              <a:schemeClr val="accent1"/>
+            </a:lnRef>
+            <a:fillRef idx="0">
+              <a:schemeClr val="accent1"/>
+            </a:fillRef>
+            <a:effectRef idx="0">
+              <a:schemeClr val="accent1"/>
+            </a:effectRef>
+            <a:fontRef idx="minor">
+              <a:schemeClr val="tx1"/>
+            </a:fontRef>
+          </p:style>
+        </p:cxnSp>
+        <p:cxnSp>
+          <p:nvCxnSpPr>
+            <p:cNvPr id="491" name="直接箭头连接符 490">
+              <a:extLst>
+                <a:ext uri="{FF2B5EF4-FFF2-40B4-BE49-F238E27FC236}">
+                  <a16:creationId xmlns:a16="http://schemas.microsoft.com/office/drawing/2014/main" id="{E7805C55-B12A-F2CA-1B65-6E3040AA8679}"/>
+                </a:ext>
+              </a:extLst>
+            </p:cNvPr>
+            <p:cNvCxnSpPr>
+              <a:stCxn id="438" idx="3"/>
+              <a:endCxn id="221" idx="1"/>
+            </p:cNvCxnSpPr>
+            <p:nvPr/>
+          </p:nvCxnSpPr>
+          <p:spPr>
+            <a:xfrm flipV="1">
+              <a:off x="4451086" y="4641507"/>
+              <a:ext cx="357034" cy="2691"/>
+            </a:xfrm>
+            <a:prstGeom prst="straightConnector1">
+              <a:avLst/>
+            </a:prstGeom>
+            <a:ln w="19050">
+              <a:solidFill>
+                <a:schemeClr val="tx1"/>
+              </a:solidFill>
+              <a:tailEnd type="triangle"/>
+            </a:ln>
+          </p:spPr>
+          <p:style>
+            <a:lnRef idx="1">
+              <a:schemeClr val="accent1"/>
+            </a:lnRef>
+            <a:fillRef idx="0">
+              <a:schemeClr val="accent1"/>
+            </a:fillRef>
+            <a:effectRef idx="0">
+              <a:schemeClr val="accent1"/>
+            </a:effectRef>
+            <a:fontRef idx="minor">
+              <a:schemeClr val="tx1"/>
+            </a:fontRef>
+          </p:style>
+        </p:cxnSp>
+        <p:cxnSp>
+          <p:nvCxnSpPr>
+            <p:cNvPr id="493" name="直接箭头连接符 492">
+              <a:extLst>
+                <a:ext uri="{FF2B5EF4-FFF2-40B4-BE49-F238E27FC236}">
+                  <a16:creationId xmlns:a16="http://schemas.microsoft.com/office/drawing/2014/main" id="{23E309CA-EC4D-738D-4383-3270ACBD494F}"/>
+                </a:ext>
+              </a:extLst>
+            </p:cNvPr>
+            <p:cNvCxnSpPr>
+              <a:cxnSpLocks/>
+              <a:stCxn id="439" idx="3"/>
+              <a:endCxn id="222" idx="1"/>
+            </p:cNvCxnSpPr>
+            <p:nvPr/>
+          </p:nvCxnSpPr>
+          <p:spPr>
+            <a:xfrm flipV="1">
+              <a:off x="4452845" y="5050517"/>
+              <a:ext cx="355275" cy="487"/>
+            </a:xfrm>
+            <a:prstGeom prst="straightConnector1">
+              <a:avLst/>
+            </a:prstGeom>
+            <a:ln w="19050">
+              <a:solidFill>
+                <a:schemeClr val="tx1"/>
+              </a:solidFill>
+              <a:tailEnd type="triangle"/>
+            </a:ln>
+          </p:spPr>
+          <p:style>
+            <a:lnRef idx="1">
+              <a:schemeClr val="accent1"/>
+            </a:lnRef>
+            <a:fillRef idx="0">
+              <a:schemeClr val="accent1"/>
+            </a:fillRef>
+            <a:effectRef idx="0">
+              <a:schemeClr val="accent1"/>
+            </a:effectRef>
+            <a:fontRef idx="minor">
+              <a:schemeClr val="tx1"/>
+            </a:fontRef>
+          </p:style>
+        </p:cxnSp>
+        <p:cxnSp>
+          <p:nvCxnSpPr>
+            <p:cNvPr id="505" name="连接符: 肘形 504">
+              <a:extLst>
+                <a:ext uri="{FF2B5EF4-FFF2-40B4-BE49-F238E27FC236}">
+                  <a16:creationId xmlns:a16="http://schemas.microsoft.com/office/drawing/2014/main" id="{8EC2A032-F6AD-7F0F-1D60-2C7A83BA6294}"/>
+                </a:ext>
+              </a:extLst>
+            </p:cNvPr>
+            <p:cNvCxnSpPr>
+              <a:stCxn id="215" idx="3"/>
+              <a:endCxn id="300" idx="1"/>
+            </p:cNvCxnSpPr>
+            <p:nvPr/>
+          </p:nvCxnSpPr>
+          <p:spPr>
+            <a:xfrm>
+              <a:off x="5282544" y="2089575"/>
+              <a:ext cx="614739" cy="1483310"/>
+            </a:xfrm>
+            <a:prstGeom prst="bentConnector3">
+              <a:avLst/>
+            </a:prstGeom>
+            <a:ln w="19050">
+              <a:solidFill>
+                <a:schemeClr val="tx1"/>
+              </a:solidFill>
+              <a:tailEnd type="triangle"/>
+            </a:ln>
+          </p:spPr>
+          <p:style>
+            <a:lnRef idx="1">
+              <a:schemeClr val="accent1"/>
+            </a:lnRef>
+            <a:fillRef idx="0">
+              <a:schemeClr val="accent1"/>
+            </a:fillRef>
+            <a:effectRef idx="0">
+              <a:schemeClr val="accent1"/>
+            </a:effectRef>
+            <a:fontRef idx="minor">
+              <a:schemeClr val="tx1"/>
+            </a:fontRef>
+          </p:style>
+        </p:cxnSp>
+        <p:cxnSp>
+          <p:nvCxnSpPr>
+            <p:cNvPr id="507" name="连接符: 肘形 506">
+              <a:extLst>
+                <a:ext uri="{FF2B5EF4-FFF2-40B4-BE49-F238E27FC236}">
+                  <a16:creationId xmlns:a16="http://schemas.microsoft.com/office/drawing/2014/main" id="{7E347F08-E214-1902-C886-26898A851773}"/>
+                </a:ext>
+              </a:extLst>
+            </p:cNvPr>
+            <p:cNvCxnSpPr>
+              <a:stCxn id="216" idx="3"/>
+              <a:endCxn id="300" idx="1"/>
+            </p:cNvCxnSpPr>
+            <p:nvPr/>
+          </p:nvCxnSpPr>
+          <p:spPr>
+            <a:xfrm>
+              <a:off x="5291089" y="2523687"/>
+              <a:ext cx="606194" cy="1049198"/>
+            </a:xfrm>
+            <a:prstGeom prst="bentConnector3">
+              <a:avLst/>
+            </a:prstGeom>
+            <a:ln w="19050">
+              <a:solidFill>
+                <a:schemeClr val="tx1"/>
+              </a:solidFill>
+              <a:tailEnd type="triangle"/>
+            </a:ln>
+          </p:spPr>
+          <p:style>
+            <a:lnRef idx="1">
+              <a:schemeClr val="accent1"/>
+            </a:lnRef>
+            <a:fillRef idx="0">
+              <a:schemeClr val="accent1"/>
+            </a:fillRef>
+            <a:effectRef idx="0">
+              <a:schemeClr val="accent1"/>
+            </a:effectRef>
+            <a:fontRef idx="minor">
+              <a:schemeClr val="tx1"/>
+            </a:fontRef>
+          </p:style>
+        </p:cxnSp>
+        <p:cxnSp>
+          <p:nvCxnSpPr>
+            <p:cNvPr id="509" name="连接符: 肘形 508">
+              <a:extLst>
+                <a:ext uri="{FF2B5EF4-FFF2-40B4-BE49-F238E27FC236}">
+                  <a16:creationId xmlns:a16="http://schemas.microsoft.com/office/drawing/2014/main" id="{6EF8ADD3-F8E3-DC7C-ACFA-57771B684F39}"/>
+                </a:ext>
+              </a:extLst>
+            </p:cNvPr>
+            <p:cNvCxnSpPr>
+              <a:stCxn id="217" idx="3"/>
+              <a:endCxn id="300" idx="1"/>
+            </p:cNvCxnSpPr>
+            <p:nvPr/>
+          </p:nvCxnSpPr>
+          <p:spPr>
+            <a:xfrm>
+              <a:off x="5288429" y="2942142"/>
+              <a:ext cx="608854" cy="630743"/>
+            </a:xfrm>
+            <a:prstGeom prst="bentConnector3">
+              <a:avLst/>
+            </a:prstGeom>
+            <a:ln w="19050">
+              <a:solidFill>
+                <a:schemeClr val="tx1"/>
+              </a:solidFill>
+              <a:tailEnd type="triangle"/>
+            </a:ln>
+          </p:spPr>
+          <p:style>
+            <a:lnRef idx="1">
+              <a:schemeClr val="accent1"/>
+            </a:lnRef>
+            <a:fillRef idx="0">
+              <a:schemeClr val="accent1"/>
+            </a:fillRef>
+            <a:effectRef idx="0">
+              <a:schemeClr val="accent1"/>
+            </a:effectRef>
+            <a:fontRef idx="minor">
+              <a:schemeClr val="tx1"/>
+            </a:fontRef>
+          </p:style>
+        </p:cxnSp>
+        <p:cxnSp>
+          <p:nvCxnSpPr>
+            <p:cNvPr id="511" name="连接符: 肘形 510">
+              <a:extLst>
+                <a:ext uri="{FF2B5EF4-FFF2-40B4-BE49-F238E27FC236}">
+                  <a16:creationId xmlns:a16="http://schemas.microsoft.com/office/drawing/2014/main" id="{B73029BE-A96B-80F0-FBBF-3A2DA6A40E95}"/>
+                </a:ext>
+              </a:extLst>
+            </p:cNvPr>
+            <p:cNvCxnSpPr>
+              <a:stCxn id="218" idx="3"/>
+              <a:endCxn id="300" idx="1"/>
+            </p:cNvCxnSpPr>
+            <p:nvPr/>
+          </p:nvCxnSpPr>
+          <p:spPr>
+            <a:xfrm>
+              <a:off x="5291089" y="3366991"/>
+              <a:ext cx="606194" cy="205894"/>
+            </a:xfrm>
+            <a:prstGeom prst="bentConnector3">
+              <a:avLst/>
+            </a:prstGeom>
+            <a:ln w="19050">
+              <a:solidFill>
+                <a:schemeClr val="tx1"/>
+              </a:solidFill>
+              <a:tailEnd type="triangle"/>
+            </a:ln>
+          </p:spPr>
+          <p:style>
+            <a:lnRef idx="1">
+              <a:schemeClr val="accent1"/>
+            </a:lnRef>
+            <a:fillRef idx="0">
+              <a:schemeClr val="accent1"/>
+            </a:fillRef>
+            <a:effectRef idx="0">
+              <a:schemeClr val="accent1"/>
+            </a:effectRef>
+            <a:fontRef idx="minor">
+              <a:schemeClr val="tx1"/>
+            </a:fontRef>
+          </p:style>
+        </p:cxnSp>
+        <p:cxnSp>
+          <p:nvCxnSpPr>
+            <p:cNvPr id="513" name="连接符: 肘形 512">
+              <a:extLst>
+                <a:ext uri="{FF2B5EF4-FFF2-40B4-BE49-F238E27FC236}">
+                  <a16:creationId xmlns:a16="http://schemas.microsoft.com/office/drawing/2014/main" id="{E7505863-0DB6-4D23-DA53-8FB7D826AE60}"/>
+                </a:ext>
+              </a:extLst>
+            </p:cNvPr>
+            <p:cNvCxnSpPr>
+              <a:stCxn id="219" idx="3"/>
+              <a:endCxn id="300" idx="1"/>
+            </p:cNvCxnSpPr>
+            <p:nvPr/>
+          </p:nvCxnSpPr>
+          <p:spPr>
+            <a:xfrm flipV="1">
+              <a:off x="5291089" y="3572885"/>
+              <a:ext cx="606194" cy="216564"/>
+            </a:xfrm>
+            <a:prstGeom prst="bentConnector3">
+              <a:avLst/>
+            </a:prstGeom>
+            <a:ln w="19050">
+              <a:solidFill>
+                <a:schemeClr val="tx1"/>
+              </a:solidFill>
+              <a:tailEnd type="triangle"/>
+            </a:ln>
+          </p:spPr>
+          <p:style>
+            <a:lnRef idx="1">
+              <a:schemeClr val="accent1"/>
+            </a:lnRef>
+            <a:fillRef idx="0">
+              <a:schemeClr val="accent1"/>
+            </a:fillRef>
+            <a:effectRef idx="0">
+              <a:schemeClr val="accent1"/>
+            </a:effectRef>
+            <a:fontRef idx="minor">
+              <a:schemeClr val="tx1"/>
+            </a:fontRef>
+          </p:style>
+        </p:cxnSp>
+        <p:cxnSp>
+          <p:nvCxnSpPr>
+            <p:cNvPr id="515" name="连接符: 肘形 514">
+              <a:extLst>
+                <a:ext uri="{FF2B5EF4-FFF2-40B4-BE49-F238E27FC236}">
+                  <a16:creationId xmlns:a16="http://schemas.microsoft.com/office/drawing/2014/main" id="{E71BC75A-5203-C856-4061-8403BC15BBFE}"/>
+                </a:ext>
+              </a:extLst>
+            </p:cNvPr>
+            <p:cNvCxnSpPr>
+              <a:stCxn id="220" idx="3"/>
+              <a:endCxn id="300" idx="1"/>
+            </p:cNvCxnSpPr>
+            <p:nvPr/>
+          </p:nvCxnSpPr>
+          <p:spPr>
+            <a:xfrm flipV="1">
+              <a:off x="5291089" y="3572885"/>
+              <a:ext cx="606194" cy="651714"/>
+            </a:xfrm>
+            <a:prstGeom prst="bentConnector3">
+              <a:avLst/>
+            </a:prstGeom>
+            <a:ln w="19050">
+              <a:solidFill>
+                <a:schemeClr val="tx1"/>
+              </a:solidFill>
+              <a:tailEnd type="triangle"/>
+            </a:ln>
+          </p:spPr>
+          <p:style>
+            <a:lnRef idx="1">
+              <a:schemeClr val="accent1"/>
+            </a:lnRef>
+            <a:fillRef idx="0">
+              <a:schemeClr val="accent1"/>
+            </a:fillRef>
+            <a:effectRef idx="0">
+              <a:schemeClr val="accent1"/>
+            </a:effectRef>
+            <a:fontRef idx="minor">
+              <a:schemeClr val="tx1"/>
+            </a:fontRef>
+          </p:style>
+        </p:cxnSp>
+        <p:cxnSp>
+          <p:nvCxnSpPr>
+            <p:cNvPr id="517" name="连接符: 肘形 516">
+              <a:extLst>
+                <a:ext uri="{FF2B5EF4-FFF2-40B4-BE49-F238E27FC236}">
+                  <a16:creationId xmlns:a16="http://schemas.microsoft.com/office/drawing/2014/main" id="{8194F746-641B-E5ED-AA6B-B1BF79676C08}"/>
+                </a:ext>
+              </a:extLst>
+            </p:cNvPr>
+            <p:cNvCxnSpPr>
+              <a:stCxn id="221" idx="3"/>
+              <a:endCxn id="300" idx="1"/>
+            </p:cNvCxnSpPr>
+            <p:nvPr/>
+          </p:nvCxnSpPr>
+          <p:spPr>
+            <a:xfrm flipV="1">
+              <a:off x="5282544" y="3572885"/>
+              <a:ext cx="614739" cy="1068622"/>
+            </a:xfrm>
+            <a:prstGeom prst="bentConnector3">
+              <a:avLst/>
+            </a:prstGeom>
+            <a:ln w="19050">
+              <a:solidFill>
+                <a:schemeClr val="tx1"/>
+              </a:solidFill>
+              <a:tailEnd type="triangle"/>
+            </a:ln>
+          </p:spPr>
+          <p:style>
+            <a:lnRef idx="1">
+              <a:schemeClr val="accent1"/>
+            </a:lnRef>
+            <a:fillRef idx="0">
+              <a:schemeClr val="accent1"/>
+            </a:fillRef>
+            <a:effectRef idx="0">
+              <a:schemeClr val="accent1"/>
+            </a:effectRef>
+            <a:fontRef idx="minor">
+              <a:schemeClr val="tx1"/>
+            </a:fontRef>
+          </p:style>
+        </p:cxnSp>
+        <p:cxnSp>
+          <p:nvCxnSpPr>
+            <p:cNvPr id="519" name="连接符: 肘形 518">
+              <a:extLst>
+                <a:ext uri="{FF2B5EF4-FFF2-40B4-BE49-F238E27FC236}">
+                  <a16:creationId xmlns:a16="http://schemas.microsoft.com/office/drawing/2014/main" id="{43960E20-EE73-E448-E50A-2804B29898E1}"/>
+                </a:ext>
+              </a:extLst>
+            </p:cNvPr>
+            <p:cNvCxnSpPr>
+              <a:stCxn id="222" idx="3"/>
+              <a:endCxn id="300" idx="1"/>
+            </p:cNvCxnSpPr>
+            <p:nvPr/>
+          </p:nvCxnSpPr>
+          <p:spPr>
+            <a:xfrm flipV="1">
+              <a:off x="5282544" y="3572885"/>
+              <a:ext cx="614739" cy="1477632"/>
+            </a:xfrm>
+            <a:prstGeom prst="bentConnector3">
+              <a:avLst/>
+            </a:prstGeom>
+            <a:ln w="19050">
+              <a:solidFill>
+                <a:schemeClr val="tx1"/>
+              </a:solidFill>
+              <a:tailEnd type="triangle"/>
+            </a:ln>
+          </p:spPr>
+          <p:style>
+            <a:lnRef idx="1">
+              <a:schemeClr val="accent1"/>
+            </a:lnRef>
+            <a:fillRef idx="0">
+              <a:schemeClr val="accent1"/>
+            </a:fillRef>
+            <a:effectRef idx="0">
+              <a:schemeClr val="accent1"/>
+            </a:effectRef>
+            <a:fontRef idx="minor">
+              <a:schemeClr val="tx1"/>
+            </a:fontRef>
+          </p:style>
+        </p:cxnSp>
+        <p:sp>
+          <p:nvSpPr>
+            <p:cNvPr id="538" name="矩形 537">
+              <a:extLst>
+                <a:ext uri="{FF2B5EF4-FFF2-40B4-BE49-F238E27FC236}">
+                  <a16:creationId xmlns:a16="http://schemas.microsoft.com/office/drawing/2014/main" id="{EB87D747-68B4-CCD9-5E71-4CDD6DA13D56}"/>
+                </a:ext>
+              </a:extLst>
+            </p:cNvPr>
+            <p:cNvSpPr/>
+            <p:nvPr/>
+          </p:nvSpPr>
+          <p:spPr>
+            <a:xfrm>
+              <a:off x="6496625" y="3359371"/>
+              <a:ext cx="695878" cy="433495"/>
+            </a:xfrm>
+            <a:prstGeom prst="rect">
+              <a:avLst/>
+            </a:prstGeom>
+            <a:solidFill>
+              <a:schemeClr val="accent6">
+                <a:lumMod val="40000"/>
+                <a:lumOff val="60000"/>
+              </a:schemeClr>
+            </a:solidFill>
+            <a:ln w="19050" cap="flat" cmpd="sng" algn="ctr">
+              <a:solidFill>
+                <a:schemeClr val="tx1"/>
+              </a:solidFill>
+              <a:prstDash val="solid"/>
+              <a:miter lim="800000"/>
+            </a:ln>
+            <a:effectLst/>
+          </p:spPr>
+          <p:txBody>
+            <a:bodyPr rtlCol="0" anchor="ctr"/>
+            <a:lstStyle/>
+            <a:p>
+              <a:pPr algn="ctr" defTabSz="914511"/>
+              <a:r>
+                <a:rPr lang="en-US" altLang="zh-CN" sz="1400" kern="0" dirty="0">
+                  <a:latin typeface="Times New Roman"/>
+                  <a:ea typeface="宋体"/>
+                </a:rPr>
+                <a:t>Linear</a:t>
+              </a:r>
+              <a:endParaRPr lang="zh-CN" altLang="en-US" sz="1400" kern="0" dirty="0">
+                <a:latin typeface="Times New Roman"/>
+                <a:ea typeface="宋体"/>
+              </a:endParaRPr>
+            </a:p>
+          </p:txBody>
+        </p:sp>
+        <p:cxnSp>
+          <p:nvCxnSpPr>
+            <p:cNvPr id="540" name="直接箭头连接符 539">
+              <a:extLst>
+                <a:ext uri="{FF2B5EF4-FFF2-40B4-BE49-F238E27FC236}">
+                  <a16:creationId xmlns:a16="http://schemas.microsoft.com/office/drawing/2014/main" id="{58A008CE-ED7E-7DFE-296E-CD54C1684266}"/>
+                </a:ext>
+              </a:extLst>
+            </p:cNvPr>
+            <p:cNvCxnSpPr>
+              <a:cxnSpLocks/>
+              <a:stCxn id="300" idx="3"/>
+              <a:endCxn id="538" idx="1"/>
+            </p:cNvCxnSpPr>
+            <p:nvPr/>
+          </p:nvCxnSpPr>
+          <p:spPr>
+            <a:xfrm>
+              <a:off x="6280721" y="3572885"/>
+              <a:ext cx="215904" cy="3234"/>
+            </a:xfrm>
+            <a:prstGeom prst="straightConnector1">
+              <a:avLst/>
+            </a:prstGeom>
+            <a:ln w="19050">
+              <a:solidFill>
+                <a:schemeClr val="tx1"/>
+              </a:solidFill>
+              <a:tailEnd type="triangle"/>
+            </a:ln>
+          </p:spPr>
+          <p:style>
+            <a:lnRef idx="1">
+              <a:schemeClr val="accent1"/>
+            </a:lnRef>
+            <a:fillRef idx="0">
+              <a:schemeClr val="accent1"/>
+            </a:fillRef>
+            <a:effectRef idx="0">
+              <a:schemeClr val="accent1"/>
+            </a:effectRef>
+            <a:fontRef idx="minor">
+              <a:schemeClr val="tx1"/>
+            </a:fontRef>
+          </p:style>
+        </p:cxnSp>
+        <mc:AlternateContent xmlns:mc="http://schemas.openxmlformats.org/markup-compatibility/2006">
+          <mc:Choice xmlns:a14="http://schemas.microsoft.com/office/drawing/2010/main" Requires="a14">
+            <p:sp>
+              <p:nvSpPr>
+                <p:cNvPr id="542" name="文本框 541">
+                  <a:extLst>
+                    <a:ext uri="{FF2B5EF4-FFF2-40B4-BE49-F238E27FC236}">
+                      <a16:creationId xmlns:a16="http://schemas.microsoft.com/office/drawing/2014/main" id="{3DDC4458-92E8-2FE7-ACE8-4EF3CC0CE9FF}"/>
+                    </a:ext>
+                  </a:extLst>
+                </p:cNvPr>
+                <p:cNvSpPr txBox="1"/>
+                <p:nvPr/>
+              </p:nvSpPr>
+              <p:spPr>
+                <a:xfrm>
+                  <a:off x="7381267" y="3388219"/>
+                  <a:ext cx="383438" cy="369332"/>
+                </a:xfrm>
+                <a:prstGeom prst="rect">
+                  <a:avLst/>
+                </a:prstGeom>
+                <a:noFill/>
+              </p:spPr>
+              <p:txBody>
+                <a:bodyPr wrap="square" rtlCol="0">
+                  <a:spAutoFit/>
+                </a:bodyPr>
+                <a:lstStyle/>
+                <a:p>
+                  <a14:m>
+                    <m:oMathPara xmlns:m="http://schemas.openxmlformats.org/officeDocument/2006/math">
+                      <m:oMathParaPr>
+                        <m:jc m:val="centerGroup"/>
+                      </m:oMathParaPr>
+                      <m:oMath xmlns:m="http://schemas.openxmlformats.org/officeDocument/2006/math">
+                        <m:r>
+                          <a:rPr lang="en-US" altLang="zh-CN" b="1" i="1" smtClean="0">
+                            <a:latin typeface="Cambria Math" panose="02040503050406030204" pitchFamily="18" charset="0"/>
+                          </a:rPr>
+                          <m:t>𝑯</m:t>
+                        </m:r>
+                      </m:oMath>
+                    </m:oMathPara>
+                  </a14:m>
+                  <a:endParaRPr lang="zh-CN" altLang="en-US" b="1" dirty="0"/>
+                </a:p>
+              </p:txBody>
+            </p:sp>
+          </mc:Choice>
+          <mc:Fallback>
+            <p:sp>
+              <p:nvSpPr>
+                <p:cNvPr id="542" name="文本框 541">
+                  <a:extLst>
+                    <a:ext uri="{FF2B5EF4-FFF2-40B4-BE49-F238E27FC236}">
+                      <a16:creationId xmlns:a16="http://schemas.microsoft.com/office/drawing/2014/main" id="{3DDC4458-92E8-2FE7-ACE8-4EF3CC0CE9FF}"/>
+                    </a:ext>
+                  </a:extLst>
+                </p:cNvPr>
+                <p:cNvSpPr txBox="1">
+                  <a:spLocks noRot="1" noChangeAspect="1" noMove="1" noResize="1" noEditPoints="1" noAdjustHandles="1" noChangeArrowheads="1" noChangeShapeType="1" noTextEdit="1"/>
+                </p:cNvSpPr>
+                <p:nvPr/>
+              </p:nvSpPr>
+              <p:spPr>
+                <a:xfrm>
+                  <a:off x="7381267" y="3388219"/>
+                  <a:ext cx="383438" cy="369332"/>
+                </a:xfrm>
+                <a:prstGeom prst="rect">
+                  <a:avLst/>
+                </a:prstGeom>
+                <a:blipFill>
+                  <a:blip r:embed="rId13"/>
+                  <a:stretch>
+                    <a:fillRect/>
+                  </a:stretch>
+                </a:blipFill>
+              </p:spPr>
+              <p:txBody>
+                <a:bodyPr/>
+                <a:lstStyle/>
+                <a:p>
+                  <a:r>
+                    <a:rPr lang="zh-CN" altLang="en-US">
+                      <a:noFill/>
+                    </a:rPr>
+                    <a:t> </a:t>
+                  </a:r>
+                </a:p>
+              </p:txBody>
+            </p:sp>
+          </mc:Fallback>
+        </mc:AlternateContent>
+        <p:cxnSp>
+          <p:nvCxnSpPr>
+            <p:cNvPr id="544" name="直接箭头连接符 543">
+              <a:extLst>
+                <a:ext uri="{FF2B5EF4-FFF2-40B4-BE49-F238E27FC236}">
+                  <a16:creationId xmlns:a16="http://schemas.microsoft.com/office/drawing/2014/main" id="{1ADEA4C9-D566-C37B-C0D5-73C8CD904E52}"/>
+                </a:ext>
+              </a:extLst>
+            </p:cNvPr>
+            <p:cNvCxnSpPr>
+              <a:cxnSpLocks/>
+              <a:stCxn id="538" idx="3"/>
+              <a:endCxn id="542" idx="1"/>
+            </p:cNvCxnSpPr>
+            <p:nvPr/>
+          </p:nvCxnSpPr>
+          <p:spPr>
+            <a:xfrm flipV="1">
+              <a:off x="7192503" y="3572885"/>
+              <a:ext cx="188764" cy="3234"/>
+            </a:xfrm>
+            <a:prstGeom prst="straightConnector1">
+              <a:avLst/>
+            </a:prstGeom>
+            <a:ln w="19050">
+              <a:solidFill>
+                <a:schemeClr val="tx1"/>
+              </a:solidFill>
+              <a:tailEnd type="triangle"/>
+            </a:ln>
+          </p:spPr>
+          <p:style>
+            <a:lnRef idx="1">
+              <a:schemeClr val="accent1"/>
+            </a:lnRef>
+            <a:fillRef idx="0">
+              <a:schemeClr val="accent1"/>
+            </a:fillRef>
+            <a:effectRef idx="0">
+              <a:schemeClr val="accent1"/>
+            </a:effectRef>
+            <a:fontRef idx="minor">
+              <a:schemeClr val="tx1"/>
+            </a:fontRef>
+          </p:style>
+        </p:cxnSp>
+      </p:grpSp>
+    </p:spTree>
+    <p:extLst>
+      <p:ext uri="{BB962C8B-B14F-4D97-AF65-F5344CB8AC3E}">
+        <p14:creationId xmlns:p14="http://schemas.microsoft.com/office/powerpoint/2010/main" val="2653119576"/>
+      </p:ext>
+    </p:extLst>
+  </p:cSld>
+  <p:clrMapOvr>
+    <a:masterClrMapping/>
+  </p:clrMapOvr>
+</p:sld>
+</file>
+
+<file path=ppt/slides/slide5.xml><?xml version="1.0" encoding="utf-8"?>
+<p:sld xmlns:a="http://schemas.openxmlformats.org/drawingml/2006/main" xmlns:r="http://schemas.openxmlformats.org/officeDocument/2006/relationships" xmlns:p="http://schemas.openxmlformats.org/presentationml/2006/main">
+  <p:cSld>
+    <p:spTree>
+      <p:nvGrpSpPr>
+        <p:cNvPr id="1" name=""/>
+        <p:cNvGrpSpPr/>
+        <p:nvPr/>
+      </p:nvGrpSpPr>
+      <p:grpSpPr>
+        <a:xfrm>
+          <a:off x="0" y="0"/>
+          <a:ext cx="0" cy="0"/>
+          <a:chOff x="0" y="0"/>
+          <a:chExt cx="0" cy="0"/>
+        </a:xfrm>
+      </p:grpSpPr>
+      <p:grpSp>
+        <p:nvGrpSpPr>
+          <p:cNvPr id="99" name="组合 98">
+            <a:extLst>
+              <a:ext uri="{FF2B5EF4-FFF2-40B4-BE49-F238E27FC236}">
+                <a16:creationId xmlns:a16="http://schemas.microsoft.com/office/drawing/2014/main" id="{F8B9316D-46F2-1059-60C9-ED3F40C31CBB}"/>
+              </a:ext>
+            </a:extLst>
+          </p:cNvPr>
+          <p:cNvGrpSpPr/>
+          <p:nvPr/>
+        </p:nvGrpSpPr>
+        <p:grpSpPr>
+          <a:xfrm>
+            <a:off x="2788823" y="1122674"/>
+            <a:ext cx="3360518" cy="4222756"/>
+            <a:chOff x="2072543" y="1244594"/>
+            <a:chExt cx="3360518" cy="4222756"/>
+          </a:xfrm>
+        </p:grpSpPr>
+        <p:sp>
+          <p:nvSpPr>
+            <p:cNvPr id="4" name="矩形 3">
+              <a:extLst>
+                <a:ext uri="{FF2B5EF4-FFF2-40B4-BE49-F238E27FC236}">
+                  <a16:creationId xmlns:a16="http://schemas.microsoft.com/office/drawing/2014/main" id="{DE63E78B-F1F6-92E9-00D3-4D21176D2ED3}"/>
+                </a:ext>
+              </a:extLst>
+            </p:cNvPr>
+            <p:cNvSpPr/>
+            <p:nvPr/>
+          </p:nvSpPr>
+          <p:spPr>
+            <a:xfrm>
+              <a:off x="2467060" y="1244594"/>
+              <a:ext cx="2310680" cy="4222756"/>
+            </a:xfrm>
+            <a:prstGeom prst="rect">
+              <a:avLst/>
+            </a:prstGeom>
+            <a:solidFill>
+              <a:schemeClr val="accent5">
+                <a:lumMod val="60000"/>
+                <a:lumOff val="40000"/>
+              </a:schemeClr>
+            </a:solidFill>
+            <a:ln w="19050" cap="flat" cmpd="sng" algn="ctr">
+              <a:solidFill>
+                <a:schemeClr val="tx1"/>
+              </a:solidFill>
+              <a:prstDash val="solid"/>
+              <a:miter lim="800000"/>
+            </a:ln>
+            <a:effectLst/>
+          </p:spPr>
+          <p:txBody>
+            <a:bodyPr rtlCol="0" anchor="t"/>
+            <a:lstStyle/>
+            <a:p>
+              <a:pPr algn="ctr" defTabSz="914511"/>
+              <a:r>
+                <a:rPr lang="en-US" altLang="zh-CN" sz="1400" kern="0" dirty="0">
+                  <a:latin typeface="Times New Roman"/>
+                  <a:ea typeface="宋体"/>
+                </a:rPr>
+                <a:t>Head 1</a:t>
+              </a:r>
+              <a:endParaRPr lang="zh-CN" altLang="en-US" sz="1400" kern="0" dirty="0">
+                <a:latin typeface="Times New Roman"/>
+                <a:ea typeface="宋体"/>
+              </a:endParaRPr>
+            </a:p>
+          </p:txBody>
+        </p:sp>
+        <mc:AlternateContent xmlns:mc="http://schemas.openxmlformats.org/markup-compatibility/2006">
+          <mc:Choice xmlns:a14="http://schemas.microsoft.com/office/drawing/2010/main" Requires="a14">
+            <p:sp>
+              <p:nvSpPr>
+                <p:cNvPr id="5" name="文本框 4">
+                  <a:extLst>
+                    <a:ext uri="{FF2B5EF4-FFF2-40B4-BE49-F238E27FC236}">
+                      <a16:creationId xmlns:a16="http://schemas.microsoft.com/office/drawing/2014/main" id="{1400DA28-61EE-08EC-2221-36BF28C9CCDC}"/>
+                    </a:ext>
+                  </a:extLst>
+                </p:cNvPr>
+                <p:cNvSpPr txBox="1"/>
+                <p:nvPr/>
+              </p:nvSpPr>
+              <p:spPr>
+                <a:xfrm>
+                  <a:off x="2072543" y="4623230"/>
+                  <a:ext cx="269740" cy="215444"/>
+                </a:xfrm>
+                <a:prstGeom prst="rect">
+                  <a:avLst/>
+                </a:prstGeom>
+                <a:noFill/>
+              </p:spPr>
+              <p:txBody>
+                <a:bodyPr wrap="square" lIns="0" tIns="0" rIns="0" bIns="0" rtlCol="0">
+                  <a:spAutoFit/>
+                </a:bodyPr>
+                <a:lstStyle/>
+                <a:p>
+                  <a14:m>
+                    <m:oMathPara xmlns:m="http://schemas.openxmlformats.org/officeDocument/2006/math">
+                      <m:oMathParaPr>
+                        <m:jc m:val="centerGroup"/>
+                      </m:oMathParaPr>
+                      <m:oMath xmlns:m="http://schemas.openxmlformats.org/officeDocument/2006/math">
+                        <m:r>
+                          <a:rPr lang="en-US" altLang="zh-CN" sz="1400" b="1" i="1" smtClean="0">
+                            <a:latin typeface="Cambria Math" panose="02040503050406030204" pitchFamily="18" charset="0"/>
+                            <a:cs typeface="Times New Roman" panose="02020603050405020304" pitchFamily="18" charset="0"/>
+                          </a:rPr>
+                          <m:t>𝑿</m:t>
+                        </m:r>
+                      </m:oMath>
+                    </m:oMathPara>
+                  </a14:m>
+                  <a:endParaRPr lang="zh-CN" altLang="en-US" sz="1400" dirty="0">
+                    <a:latin typeface="Times New Roman" panose="02020603050405020304" pitchFamily="18" charset="0"/>
+                    <a:cs typeface="Times New Roman" panose="02020603050405020304" pitchFamily="18" charset="0"/>
+                  </a:endParaRPr>
+                </a:p>
+              </p:txBody>
+            </p:sp>
+          </mc:Choice>
+          <mc:Fallback>
+            <p:sp>
+              <p:nvSpPr>
+                <p:cNvPr id="5" name="文本框 4">
+                  <a:extLst>
+                    <a:ext uri="{FF2B5EF4-FFF2-40B4-BE49-F238E27FC236}">
+                      <a16:creationId xmlns:a16="http://schemas.microsoft.com/office/drawing/2014/main" id="{1400DA28-61EE-08EC-2221-36BF28C9CCDC}"/>
+                    </a:ext>
+                  </a:extLst>
+                </p:cNvPr>
+                <p:cNvSpPr txBox="1">
+                  <a:spLocks noRot="1" noChangeAspect="1" noMove="1" noResize="1" noEditPoints="1" noAdjustHandles="1" noChangeArrowheads="1" noChangeShapeType="1" noTextEdit="1"/>
+                </p:cNvSpPr>
+                <p:nvPr/>
+              </p:nvSpPr>
+              <p:spPr>
+                <a:xfrm>
+                  <a:off x="2072543" y="4623230"/>
+                  <a:ext cx="269740" cy="215444"/>
+                </a:xfrm>
+                <a:prstGeom prst="rect">
+                  <a:avLst/>
+                </a:prstGeom>
+                <a:blipFill>
+                  <a:blip r:embed="rId2"/>
+                  <a:stretch>
+                    <a:fillRect b="-5556"/>
+                  </a:stretch>
+                </a:blipFill>
+              </p:spPr>
+              <p:txBody>
+                <a:bodyPr/>
+                <a:lstStyle/>
+                <a:p>
+                  <a:r>
+                    <a:rPr lang="zh-CN" altLang="en-US">
+                      <a:noFill/>
+                    </a:rPr>
+                    <a:t> </a:t>
+                  </a:r>
+                </a:p>
+              </p:txBody>
+            </p:sp>
+          </mc:Fallback>
+        </mc:AlternateContent>
+        <mc:AlternateContent xmlns:mc="http://schemas.openxmlformats.org/markup-compatibility/2006">
+          <mc:Choice xmlns:a14="http://schemas.microsoft.com/office/drawing/2010/main" Requires="a14">
+            <p:sp>
+              <p:nvSpPr>
+                <p:cNvPr id="6" name="文本框 5">
+                  <a:extLst>
+                    <a:ext uri="{FF2B5EF4-FFF2-40B4-BE49-F238E27FC236}">
+                      <a16:creationId xmlns:a16="http://schemas.microsoft.com/office/drawing/2014/main" id="{5F052662-808C-D48A-68A9-08C5514C55E3}"/>
+                    </a:ext>
+                  </a:extLst>
+                </p:cNvPr>
+                <p:cNvSpPr txBox="1"/>
+                <p:nvPr/>
+              </p:nvSpPr>
+              <p:spPr>
+                <a:xfrm>
+                  <a:off x="2716821" y="4022992"/>
+                  <a:ext cx="381920" cy="215444"/>
+                </a:xfrm>
+                <a:prstGeom prst="rect">
+                  <a:avLst/>
+                </a:prstGeom>
+                <a:noFill/>
+              </p:spPr>
+              <p:txBody>
+                <a:bodyPr wrap="square" lIns="0" tIns="0" rIns="0" bIns="0" rtlCol="0">
+                  <a:spAutoFit/>
+                </a:bodyPr>
+                <a:lstStyle/>
+                <a:p>
+                  <a14:m>
+                    <m:oMathPara xmlns:m="http://schemas.openxmlformats.org/officeDocument/2006/math">
+                      <m:oMathParaPr>
+                        <m:jc m:val="centerGroup"/>
+                      </m:oMathParaPr>
+                      <m:oMath xmlns:m="http://schemas.openxmlformats.org/officeDocument/2006/math">
+                        <m:sSub>
+                          <m:sSubPr>
+                            <m:ctrlPr>
+                              <a:rPr lang="en-US" altLang="zh-CN" sz="1400" b="0" i="1" smtClean="0">
+                                <a:latin typeface="Cambria Math" panose="02040503050406030204" pitchFamily="18" charset="0"/>
+                                <a:cs typeface="Times New Roman" panose="02020603050405020304" pitchFamily="18" charset="0"/>
+                              </a:rPr>
+                            </m:ctrlPr>
+                          </m:sSubPr>
+                          <m:e>
+                            <m:r>
+                              <a:rPr lang="en-US" altLang="zh-CN" sz="1400" b="1" i="1" smtClean="0">
+                                <a:latin typeface="Cambria Math" panose="02040503050406030204" pitchFamily="18" charset="0"/>
+                                <a:cs typeface="Times New Roman" panose="02020603050405020304" pitchFamily="18" charset="0"/>
+                              </a:rPr>
+                              <m:t>𝑸</m:t>
+                            </m:r>
+                          </m:e>
+                          <m:sub>
+                            <m:r>
+                              <a:rPr lang="en-US" altLang="zh-CN" sz="1400" b="0" i="1" smtClean="0">
+                                <a:latin typeface="Cambria Math" panose="02040503050406030204" pitchFamily="18" charset="0"/>
+                                <a:cs typeface="Times New Roman" panose="02020603050405020304" pitchFamily="18" charset="0"/>
+                              </a:rPr>
+                              <m:t>1</m:t>
+                            </m:r>
+                          </m:sub>
+                        </m:sSub>
+                      </m:oMath>
+                    </m:oMathPara>
+                  </a14:m>
+                  <a:endParaRPr lang="zh-CN" altLang="en-US" sz="1400" dirty="0">
+                    <a:latin typeface="Times New Roman" panose="02020603050405020304" pitchFamily="18" charset="0"/>
+                    <a:cs typeface="Times New Roman" panose="02020603050405020304" pitchFamily="18" charset="0"/>
+                  </a:endParaRPr>
+                </a:p>
+              </p:txBody>
+            </p:sp>
+          </mc:Choice>
+          <mc:Fallback>
+            <p:sp>
+              <p:nvSpPr>
+                <p:cNvPr id="6" name="文本框 5">
+                  <a:extLst>
+                    <a:ext uri="{FF2B5EF4-FFF2-40B4-BE49-F238E27FC236}">
+                      <a16:creationId xmlns:a16="http://schemas.microsoft.com/office/drawing/2014/main" id="{5F052662-808C-D48A-68A9-08C5514C55E3}"/>
+                    </a:ext>
+                  </a:extLst>
+                </p:cNvPr>
+                <p:cNvSpPr txBox="1">
+                  <a:spLocks noRot="1" noChangeAspect="1" noMove="1" noResize="1" noEditPoints="1" noAdjustHandles="1" noChangeArrowheads="1" noChangeShapeType="1" noTextEdit="1"/>
+                </p:cNvSpPr>
+                <p:nvPr/>
+              </p:nvSpPr>
+              <p:spPr>
+                <a:xfrm>
+                  <a:off x="2716821" y="4022992"/>
+                  <a:ext cx="381920" cy="215444"/>
+                </a:xfrm>
+                <a:prstGeom prst="rect">
+                  <a:avLst/>
+                </a:prstGeom>
+                <a:blipFill>
+                  <a:blip r:embed="rId3"/>
+                  <a:stretch>
+                    <a:fillRect b="-34286"/>
+                  </a:stretch>
+                </a:blipFill>
+              </p:spPr>
+              <p:txBody>
+                <a:bodyPr/>
+                <a:lstStyle/>
+                <a:p>
+                  <a:r>
+                    <a:rPr lang="zh-CN" altLang="en-US">
+                      <a:noFill/>
+                    </a:rPr>
+                    <a:t> </a:t>
+                  </a:r>
+                </a:p>
+              </p:txBody>
+            </p:sp>
+          </mc:Fallback>
+        </mc:AlternateContent>
+        <mc:AlternateContent xmlns:mc="http://schemas.openxmlformats.org/markup-compatibility/2006">
+          <mc:Choice xmlns:a14="http://schemas.microsoft.com/office/drawing/2010/main" Requires="a14">
+            <p:sp>
+              <p:nvSpPr>
+                <p:cNvPr id="7" name="文本框 6">
+                  <a:extLst>
+                    <a:ext uri="{FF2B5EF4-FFF2-40B4-BE49-F238E27FC236}">
+                      <a16:creationId xmlns:a16="http://schemas.microsoft.com/office/drawing/2014/main" id="{D0A9BA59-49AC-907B-0598-0B6457733AB8}"/>
+                    </a:ext>
+                  </a:extLst>
+                </p:cNvPr>
+                <p:cNvSpPr txBox="1"/>
+                <p:nvPr/>
+              </p:nvSpPr>
+              <p:spPr>
+                <a:xfrm>
+                  <a:off x="3396962" y="4018039"/>
+                  <a:ext cx="381920" cy="215444"/>
+                </a:xfrm>
+                <a:prstGeom prst="rect">
+                  <a:avLst/>
+                </a:prstGeom>
+                <a:noFill/>
+              </p:spPr>
+              <p:txBody>
+                <a:bodyPr wrap="square" lIns="0" tIns="0" rIns="0" bIns="0" rtlCol="0">
+                  <a:spAutoFit/>
+                </a:bodyPr>
+                <a:lstStyle/>
+                <a:p>
+                  <a14:m>
+                    <m:oMathPara xmlns:m="http://schemas.openxmlformats.org/officeDocument/2006/math">
+                      <m:oMathParaPr>
+                        <m:jc m:val="centerGroup"/>
+                      </m:oMathParaPr>
+                      <m:oMath xmlns:m="http://schemas.openxmlformats.org/officeDocument/2006/math">
+                        <m:sSub>
+                          <m:sSubPr>
+                            <m:ctrlPr>
+                              <a:rPr lang="en-US" altLang="zh-CN" sz="1400" b="0" i="1" smtClean="0">
+                                <a:latin typeface="Cambria Math" panose="02040503050406030204" pitchFamily="18" charset="0"/>
+                                <a:cs typeface="Times New Roman" panose="02020603050405020304" pitchFamily="18" charset="0"/>
+                              </a:rPr>
+                            </m:ctrlPr>
+                          </m:sSubPr>
+                          <m:e>
+                            <m:r>
+                              <a:rPr lang="en-US" altLang="zh-CN" sz="1400" b="1" i="1" smtClean="0">
+                                <a:latin typeface="Cambria Math" panose="02040503050406030204" pitchFamily="18" charset="0"/>
+                                <a:cs typeface="Times New Roman" panose="02020603050405020304" pitchFamily="18" charset="0"/>
+                              </a:rPr>
+                              <m:t>𝑲</m:t>
+                            </m:r>
+                          </m:e>
+                          <m:sub>
+                            <m:r>
+                              <a:rPr lang="en-US" altLang="zh-CN" sz="1400" b="0" i="1" smtClean="0">
+                                <a:latin typeface="Cambria Math" panose="02040503050406030204" pitchFamily="18" charset="0"/>
+                                <a:cs typeface="Times New Roman" panose="02020603050405020304" pitchFamily="18" charset="0"/>
+                              </a:rPr>
+                              <m:t>1</m:t>
+                            </m:r>
+                          </m:sub>
+                        </m:sSub>
+                      </m:oMath>
+                    </m:oMathPara>
+                  </a14:m>
+                  <a:endParaRPr lang="zh-CN" altLang="en-US" sz="1400" dirty="0">
+                    <a:latin typeface="Times New Roman" panose="02020603050405020304" pitchFamily="18" charset="0"/>
+                    <a:cs typeface="Times New Roman" panose="02020603050405020304" pitchFamily="18" charset="0"/>
+                  </a:endParaRPr>
+                </a:p>
+              </p:txBody>
+            </p:sp>
+          </mc:Choice>
+          <mc:Fallback>
+            <p:sp>
+              <p:nvSpPr>
+                <p:cNvPr id="7" name="文本框 6">
+                  <a:extLst>
+                    <a:ext uri="{FF2B5EF4-FFF2-40B4-BE49-F238E27FC236}">
+                      <a16:creationId xmlns:a16="http://schemas.microsoft.com/office/drawing/2014/main" id="{D0A9BA59-49AC-907B-0598-0B6457733AB8}"/>
+                    </a:ext>
+                  </a:extLst>
+                </p:cNvPr>
+                <p:cNvSpPr txBox="1">
+                  <a:spLocks noRot="1" noChangeAspect="1" noMove="1" noResize="1" noEditPoints="1" noAdjustHandles="1" noChangeArrowheads="1" noChangeShapeType="1" noTextEdit="1"/>
+                </p:cNvSpPr>
+                <p:nvPr/>
+              </p:nvSpPr>
+              <p:spPr>
+                <a:xfrm>
+                  <a:off x="3396962" y="4018039"/>
+                  <a:ext cx="381920" cy="215444"/>
+                </a:xfrm>
+                <a:prstGeom prst="rect">
+                  <a:avLst/>
+                </a:prstGeom>
+                <a:blipFill>
+                  <a:blip r:embed="rId4"/>
+                  <a:stretch>
+                    <a:fillRect b="-17143"/>
+                  </a:stretch>
+                </a:blipFill>
+              </p:spPr>
+              <p:txBody>
+                <a:bodyPr/>
+                <a:lstStyle/>
+                <a:p>
+                  <a:r>
+                    <a:rPr lang="zh-CN" altLang="en-US">
+                      <a:noFill/>
+                    </a:rPr>
+                    <a:t> </a:t>
+                  </a:r>
+                </a:p>
+              </p:txBody>
+            </p:sp>
+          </mc:Fallback>
+        </mc:AlternateContent>
+        <mc:AlternateContent xmlns:mc="http://schemas.openxmlformats.org/markup-compatibility/2006">
+          <mc:Choice xmlns:a14="http://schemas.microsoft.com/office/drawing/2010/main" Requires="a14">
+            <p:sp>
+              <p:nvSpPr>
+                <p:cNvPr id="8" name="文本框 7">
+                  <a:extLst>
+                    <a:ext uri="{FF2B5EF4-FFF2-40B4-BE49-F238E27FC236}">
+                      <a16:creationId xmlns:a16="http://schemas.microsoft.com/office/drawing/2014/main" id="{A46ECD5F-2B0B-C293-10A6-DC7E8550E1BF}"/>
+                    </a:ext>
+                  </a:extLst>
+                </p:cNvPr>
+                <p:cNvSpPr txBox="1"/>
+                <p:nvPr/>
+              </p:nvSpPr>
+              <p:spPr>
+                <a:xfrm>
+                  <a:off x="4074742" y="4018039"/>
+                  <a:ext cx="381920" cy="215444"/>
+                </a:xfrm>
+                <a:prstGeom prst="rect">
+                  <a:avLst/>
+                </a:prstGeom>
+                <a:noFill/>
+              </p:spPr>
+              <p:txBody>
+                <a:bodyPr wrap="square" lIns="0" tIns="0" rIns="0" bIns="0" rtlCol="0">
+                  <a:spAutoFit/>
+                </a:bodyPr>
+                <a:lstStyle/>
+                <a:p>
+                  <a14:m>
+                    <m:oMathPara xmlns:m="http://schemas.openxmlformats.org/officeDocument/2006/math">
+                      <m:oMathParaPr>
+                        <m:jc m:val="centerGroup"/>
+                      </m:oMathParaPr>
+                      <m:oMath xmlns:m="http://schemas.openxmlformats.org/officeDocument/2006/math">
+                        <m:sSub>
+                          <m:sSubPr>
+                            <m:ctrlPr>
+                              <a:rPr lang="en-US" altLang="zh-CN" sz="1400" b="0" i="1" smtClean="0">
+                                <a:latin typeface="Cambria Math" panose="02040503050406030204" pitchFamily="18" charset="0"/>
+                                <a:cs typeface="Times New Roman" panose="02020603050405020304" pitchFamily="18" charset="0"/>
+                              </a:rPr>
+                            </m:ctrlPr>
+                          </m:sSubPr>
+                          <m:e>
+                            <m:r>
+                              <a:rPr lang="en-US" altLang="zh-CN" sz="1400" b="1" i="1" smtClean="0">
+                                <a:latin typeface="Cambria Math" panose="02040503050406030204" pitchFamily="18" charset="0"/>
+                                <a:cs typeface="Times New Roman" panose="02020603050405020304" pitchFamily="18" charset="0"/>
+                              </a:rPr>
+                              <m:t>𝑽</m:t>
+                            </m:r>
+                          </m:e>
+                          <m:sub>
+                            <m:r>
+                              <a:rPr lang="en-US" altLang="zh-CN" sz="1400" b="0" i="1" smtClean="0">
+                                <a:latin typeface="Cambria Math" panose="02040503050406030204" pitchFamily="18" charset="0"/>
+                                <a:cs typeface="Times New Roman" panose="02020603050405020304" pitchFamily="18" charset="0"/>
+                              </a:rPr>
+                              <m:t>1</m:t>
+                            </m:r>
+                          </m:sub>
+                        </m:sSub>
+                      </m:oMath>
+                    </m:oMathPara>
+                  </a14:m>
+                  <a:endParaRPr lang="zh-CN" altLang="en-US" sz="1400" dirty="0">
+                    <a:latin typeface="Times New Roman" panose="02020603050405020304" pitchFamily="18" charset="0"/>
+                    <a:cs typeface="Times New Roman" panose="02020603050405020304" pitchFamily="18" charset="0"/>
+                  </a:endParaRPr>
+                </a:p>
+              </p:txBody>
+            </p:sp>
+          </mc:Choice>
+          <mc:Fallback>
+            <p:sp>
+              <p:nvSpPr>
+                <p:cNvPr id="8" name="文本框 7">
+                  <a:extLst>
+                    <a:ext uri="{FF2B5EF4-FFF2-40B4-BE49-F238E27FC236}">
+                      <a16:creationId xmlns:a16="http://schemas.microsoft.com/office/drawing/2014/main" id="{A46ECD5F-2B0B-C293-10A6-DC7E8550E1BF}"/>
+                    </a:ext>
+                  </a:extLst>
+                </p:cNvPr>
+                <p:cNvSpPr txBox="1">
+                  <a:spLocks noRot="1" noChangeAspect="1" noMove="1" noResize="1" noEditPoints="1" noAdjustHandles="1" noChangeArrowheads="1" noChangeShapeType="1" noTextEdit="1"/>
+                </p:cNvSpPr>
+                <p:nvPr/>
+              </p:nvSpPr>
+              <p:spPr>
+                <a:xfrm>
+                  <a:off x="4074742" y="4018039"/>
+                  <a:ext cx="381920" cy="215444"/>
+                </a:xfrm>
+                <a:prstGeom prst="rect">
+                  <a:avLst/>
+                </a:prstGeom>
+                <a:blipFill>
+                  <a:blip r:embed="rId5"/>
+                  <a:stretch>
+                    <a:fillRect b="-17143"/>
+                  </a:stretch>
+                </a:blipFill>
+              </p:spPr>
+              <p:txBody>
+                <a:bodyPr/>
+                <a:lstStyle/>
+                <a:p>
+                  <a:r>
+                    <a:rPr lang="zh-CN" altLang="en-US">
+                      <a:noFill/>
+                    </a:rPr>
+                    <a:t> </a:t>
+                  </a:r>
+                </a:p>
+              </p:txBody>
+            </p:sp>
+          </mc:Fallback>
+        </mc:AlternateContent>
+        <p:sp>
+          <p:nvSpPr>
+            <p:cNvPr id="11" name="矩形 10">
+              <a:extLst>
+                <a:ext uri="{FF2B5EF4-FFF2-40B4-BE49-F238E27FC236}">
+                  <a16:creationId xmlns:a16="http://schemas.microsoft.com/office/drawing/2014/main" id="{C8D7A94B-9877-4949-B3D8-268FE713CA63}"/>
+                </a:ext>
+              </a:extLst>
+            </p:cNvPr>
+            <p:cNvSpPr/>
+            <p:nvPr/>
+          </p:nvSpPr>
+          <p:spPr>
+            <a:xfrm>
+              <a:off x="2681378" y="2404172"/>
+              <a:ext cx="1180278" cy="305173"/>
+            </a:xfrm>
+            <a:prstGeom prst="rect">
+              <a:avLst/>
+            </a:prstGeom>
+            <a:solidFill>
+              <a:srgbClr val="CCE7CF"/>
+            </a:solidFill>
+            <a:ln w="19050" cap="flat" cmpd="sng" algn="ctr">
+              <a:solidFill>
+                <a:schemeClr val="tx1"/>
+              </a:solidFill>
+              <a:prstDash val="solid"/>
+              <a:miter lim="800000"/>
+            </a:ln>
+            <a:effectLst/>
+          </p:spPr>
+          <p:txBody>
+            <a:bodyPr rtlCol="0" anchor="t"/>
+            <a:lstStyle/>
+            <a:p>
+              <a:pPr algn="ctr" defTabSz="914511"/>
+              <a:r>
+                <a:rPr lang="en-US" altLang="zh-CN" sz="1400" kern="0" dirty="0" err="1">
+                  <a:latin typeface="Times New Roman"/>
+                  <a:ea typeface="宋体"/>
+                </a:rPr>
+                <a:t>Softmax</a:t>
+              </a:r>
+              <a:endParaRPr lang="zh-CN" altLang="en-US" sz="1400" kern="0" dirty="0">
+                <a:latin typeface="Times New Roman"/>
+                <a:ea typeface="宋体"/>
+              </a:endParaRPr>
+            </a:p>
+          </p:txBody>
+        </p:sp>
+        <p:sp>
+          <p:nvSpPr>
+            <p:cNvPr id="12" name="矩形 11">
+              <a:extLst>
+                <a:ext uri="{FF2B5EF4-FFF2-40B4-BE49-F238E27FC236}">
+                  <a16:creationId xmlns:a16="http://schemas.microsoft.com/office/drawing/2014/main" id="{7092CBD0-D7DA-A5F3-AD44-A60C02408E0D}"/>
+                </a:ext>
+              </a:extLst>
+            </p:cNvPr>
+            <p:cNvSpPr/>
+            <p:nvPr/>
+          </p:nvSpPr>
+          <p:spPr>
+            <a:xfrm>
+              <a:off x="2681378" y="2943779"/>
+              <a:ext cx="1180278" cy="305173"/>
+            </a:xfrm>
+            <a:prstGeom prst="rect">
+              <a:avLst/>
+            </a:prstGeom>
+            <a:solidFill>
+              <a:schemeClr val="accent4">
+                <a:lumMod val="20000"/>
+                <a:lumOff val="80000"/>
+              </a:schemeClr>
+            </a:solidFill>
+            <a:ln w="19050" cap="flat" cmpd="sng" algn="ctr">
+              <a:solidFill>
+                <a:schemeClr val="tx1"/>
+              </a:solidFill>
+              <a:prstDash val="solid"/>
+              <a:miter lim="800000"/>
+            </a:ln>
+            <a:effectLst/>
+          </p:spPr>
+          <p:txBody>
+            <a:bodyPr rtlCol="0" anchor="t"/>
+            <a:lstStyle/>
+            <a:p>
+              <a:pPr algn="ctr" defTabSz="914511"/>
+              <a:r>
+                <a:rPr lang="en-US" altLang="zh-CN" sz="1400" kern="0" dirty="0">
+                  <a:latin typeface="Times New Roman"/>
+                  <a:ea typeface="宋体"/>
+                </a:rPr>
+                <a:t>Scale</a:t>
+              </a:r>
+              <a:endParaRPr lang="zh-CN" altLang="en-US" sz="1400" kern="0" dirty="0">
+                <a:latin typeface="Times New Roman"/>
+                <a:ea typeface="宋体"/>
+              </a:endParaRPr>
+            </a:p>
+          </p:txBody>
+        </p:sp>
+        <p:sp>
+          <p:nvSpPr>
+            <p:cNvPr id="15" name="矩形 14">
+              <a:extLst>
+                <a:ext uri="{FF2B5EF4-FFF2-40B4-BE49-F238E27FC236}">
+                  <a16:creationId xmlns:a16="http://schemas.microsoft.com/office/drawing/2014/main" id="{9F998351-CB10-5738-BDF1-F3A130EF16B4}"/>
+                </a:ext>
+              </a:extLst>
+            </p:cNvPr>
+            <p:cNvSpPr/>
+            <p:nvPr/>
+          </p:nvSpPr>
+          <p:spPr>
+            <a:xfrm>
+              <a:off x="2681378" y="3483386"/>
+              <a:ext cx="1180278" cy="305173"/>
+            </a:xfrm>
+            <a:prstGeom prst="rect">
+              <a:avLst/>
+            </a:prstGeom>
+            <a:solidFill>
+              <a:schemeClr val="accent1">
+                <a:lumMod val="20000"/>
+                <a:lumOff val="80000"/>
+              </a:schemeClr>
+            </a:solidFill>
+            <a:ln w="19050" cap="flat" cmpd="sng" algn="ctr">
+              <a:solidFill>
+                <a:schemeClr val="tx1"/>
+              </a:solidFill>
+              <a:prstDash val="solid"/>
+              <a:miter lim="800000"/>
+            </a:ln>
+            <a:effectLst/>
+          </p:spPr>
+          <p:txBody>
+            <a:bodyPr rtlCol="0" anchor="t"/>
+            <a:lstStyle/>
+            <a:p>
+              <a:pPr algn="ctr" defTabSz="914511"/>
+              <a:r>
+                <a:rPr lang="en-US" altLang="zh-CN" sz="1400" kern="0" dirty="0" err="1">
+                  <a:latin typeface="Times New Roman"/>
+                  <a:ea typeface="宋体"/>
+                </a:rPr>
+                <a:t>MatMul</a:t>
+              </a:r>
+              <a:endParaRPr lang="zh-CN" altLang="en-US" sz="1400" kern="0" dirty="0">
+                <a:latin typeface="Times New Roman"/>
+                <a:ea typeface="宋体"/>
+              </a:endParaRPr>
+            </a:p>
+          </p:txBody>
+        </p:sp>
+        <p:sp>
+          <p:nvSpPr>
+            <p:cNvPr id="45" name="矩形 44">
+              <a:extLst>
+                <a:ext uri="{FF2B5EF4-FFF2-40B4-BE49-F238E27FC236}">
+                  <a16:creationId xmlns:a16="http://schemas.microsoft.com/office/drawing/2014/main" id="{F7714B2A-331E-B838-26D6-2B61654C7133}"/>
+                </a:ext>
+              </a:extLst>
+            </p:cNvPr>
+            <p:cNvSpPr/>
+            <p:nvPr/>
+          </p:nvSpPr>
+          <p:spPr>
+            <a:xfrm>
+              <a:off x="3209653" y="1864565"/>
+              <a:ext cx="1180278" cy="305173"/>
+            </a:xfrm>
+            <a:prstGeom prst="rect">
+              <a:avLst/>
+            </a:prstGeom>
+            <a:solidFill>
+              <a:schemeClr val="accent1">
+                <a:lumMod val="20000"/>
+                <a:lumOff val="80000"/>
+              </a:schemeClr>
+            </a:solidFill>
+            <a:ln w="19050" cap="flat" cmpd="sng" algn="ctr">
+              <a:solidFill>
+                <a:schemeClr val="tx1"/>
+              </a:solidFill>
+              <a:prstDash val="solid"/>
+              <a:miter lim="800000"/>
+            </a:ln>
+            <a:effectLst/>
+          </p:spPr>
+          <p:txBody>
+            <a:bodyPr rtlCol="0" anchor="t"/>
+            <a:lstStyle/>
+            <a:p>
+              <a:pPr algn="ctr" defTabSz="914511"/>
+              <a:r>
+                <a:rPr lang="en-US" altLang="zh-CN" sz="1400" kern="0" dirty="0" err="1">
+                  <a:latin typeface="Times New Roman"/>
+                  <a:ea typeface="宋体"/>
+                </a:rPr>
+                <a:t>MatMul</a:t>
+              </a:r>
+              <a:endParaRPr lang="zh-CN" altLang="en-US" sz="1400" kern="0" dirty="0">
+                <a:latin typeface="Times New Roman"/>
+                <a:ea typeface="宋体"/>
+              </a:endParaRPr>
+            </a:p>
+          </p:txBody>
+        </p:sp>
+        <p:cxnSp>
+          <p:nvCxnSpPr>
+            <p:cNvPr id="52" name="直接箭头连接符 51">
+              <a:extLst>
+                <a:ext uri="{FF2B5EF4-FFF2-40B4-BE49-F238E27FC236}">
+                  <a16:creationId xmlns:a16="http://schemas.microsoft.com/office/drawing/2014/main" id="{D0DB7234-9419-488C-938D-ABE547528078}"/>
+                </a:ext>
+              </a:extLst>
+            </p:cNvPr>
+            <p:cNvCxnSpPr>
+              <a:cxnSpLocks/>
+              <a:stCxn id="6" idx="0"/>
+            </p:cNvCxnSpPr>
+            <p:nvPr/>
+          </p:nvCxnSpPr>
+          <p:spPr>
+            <a:xfrm flipV="1">
+              <a:off x="2907781" y="3788559"/>
+              <a:ext cx="0" cy="234433"/>
+            </a:xfrm>
+            <a:prstGeom prst="straightConnector1">
+              <a:avLst/>
+            </a:prstGeom>
+            <a:ln w="19050">
+              <a:solidFill>
+                <a:schemeClr val="tx1"/>
+              </a:solidFill>
+              <a:tailEnd type="triangle"/>
+            </a:ln>
+          </p:spPr>
+          <p:style>
+            <a:lnRef idx="1">
+              <a:schemeClr val="accent1"/>
+            </a:lnRef>
+            <a:fillRef idx="0">
+              <a:schemeClr val="accent1"/>
+            </a:fillRef>
+            <a:effectRef idx="0">
+              <a:schemeClr val="accent1"/>
+            </a:effectRef>
+            <a:fontRef idx="minor">
+              <a:schemeClr val="tx1"/>
+            </a:fontRef>
+          </p:style>
+        </p:cxnSp>
+        <p:cxnSp>
+          <p:nvCxnSpPr>
+            <p:cNvPr id="54" name="直接箭头连接符 53">
+              <a:extLst>
+                <a:ext uri="{FF2B5EF4-FFF2-40B4-BE49-F238E27FC236}">
+                  <a16:creationId xmlns:a16="http://schemas.microsoft.com/office/drawing/2014/main" id="{881380F0-B62F-990F-32A5-DB1CA68D2AFE}"/>
+                </a:ext>
+              </a:extLst>
+            </p:cNvPr>
+            <p:cNvCxnSpPr>
+              <a:cxnSpLocks/>
+              <a:stCxn id="7" idx="0"/>
+            </p:cNvCxnSpPr>
+            <p:nvPr/>
+          </p:nvCxnSpPr>
+          <p:spPr>
+            <a:xfrm flipV="1">
+              <a:off x="3587922" y="3783606"/>
+              <a:ext cx="0" cy="234433"/>
+            </a:xfrm>
+            <a:prstGeom prst="straightConnector1">
+              <a:avLst/>
+            </a:prstGeom>
+            <a:ln w="19050">
+              <a:solidFill>
+                <a:schemeClr val="tx1"/>
+              </a:solidFill>
+              <a:tailEnd type="triangle"/>
+            </a:ln>
+          </p:spPr>
+          <p:style>
+            <a:lnRef idx="1">
+              <a:schemeClr val="accent1"/>
+            </a:lnRef>
+            <a:fillRef idx="0">
+              <a:schemeClr val="accent1"/>
+            </a:fillRef>
+            <a:effectRef idx="0">
+              <a:schemeClr val="accent1"/>
+            </a:effectRef>
+            <a:fontRef idx="minor">
+              <a:schemeClr val="tx1"/>
+            </a:fontRef>
+          </p:style>
+        </p:cxnSp>
+        <p:cxnSp>
+          <p:nvCxnSpPr>
+            <p:cNvPr id="56" name="直接箭头连接符 55">
+              <a:extLst>
+                <a:ext uri="{FF2B5EF4-FFF2-40B4-BE49-F238E27FC236}">
+                  <a16:creationId xmlns:a16="http://schemas.microsoft.com/office/drawing/2014/main" id="{9F3627DB-AEDC-F538-F14A-5E8156368742}"/>
+                </a:ext>
+              </a:extLst>
+            </p:cNvPr>
+            <p:cNvCxnSpPr>
+              <a:cxnSpLocks/>
+              <a:stCxn id="15" idx="0"/>
+            </p:cNvCxnSpPr>
+            <p:nvPr/>
+          </p:nvCxnSpPr>
+          <p:spPr>
+            <a:xfrm flipV="1">
+              <a:off x="3271517" y="3248952"/>
+              <a:ext cx="0" cy="234434"/>
+            </a:xfrm>
+            <a:prstGeom prst="straightConnector1">
+              <a:avLst/>
+            </a:prstGeom>
+            <a:ln w="19050">
+              <a:solidFill>
+                <a:schemeClr val="tx1"/>
+              </a:solidFill>
+              <a:tailEnd type="triangle"/>
+            </a:ln>
+          </p:spPr>
+          <p:style>
+            <a:lnRef idx="1">
+              <a:schemeClr val="accent1"/>
+            </a:lnRef>
+            <a:fillRef idx="0">
+              <a:schemeClr val="accent1"/>
+            </a:fillRef>
+            <a:effectRef idx="0">
+              <a:schemeClr val="accent1"/>
+            </a:effectRef>
+            <a:fontRef idx="minor">
+              <a:schemeClr val="tx1"/>
+            </a:fontRef>
+          </p:style>
+        </p:cxnSp>
+        <p:cxnSp>
+          <p:nvCxnSpPr>
+            <p:cNvPr id="58" name="直接箭头连接符 57">
+              <a:extLst>
+                <a:ext uri="{FF2B5EF4-FFF2-40B4-BE49-F238E27FC236}">
+                  <a16:creationId xmlns:a16="http://schemas.microsoft.com/office/drawing/2014/main" id="{1CB040E9-311B-9854-5C46-1A63DE1ACE5D}"/>
+                </a:ext>
+              </a:extLst>
+            </p:cNvPr>
+            <p:cNvCxnSpPr>
+              <a:cxnSpLocks/>
+              <a:stCxn id="12" idx="0"/>
+            </p:cNvCxnSpPr>
+            <p:nvPr/>
+          </p:nvCxnSpPr>
+          <p:spPr>
+            <a:xfrm flipV="1">
+              <a:off x="3271517" y="2709345"/>
+              <a:ext cx="0" cy="234434"/>
+            </a:xfrm>
+            <a:prstGeom prst="straightConnector1">
+              <a:avLst/>
+            </a:prstGeom>
+            <a:ln w="19050">
+              <a:solidFill>
+                <a:schemeClr val="tx1"/>
+              </a:solidFill>
+              <a:tailEnd type="triangle"/>
+            </a:ln>
+          </p:spPr>
+          <p:style>
+            <a:lnRef idx="1">
+              <a:schemeClr val="accent1"/>
+            </a:lnRef>
+            <a:fillRef idx="0">
+              <a:schemeClr val="accent1"/>
+            </a:fillRef>
+            <a:effectRef idx="0">
+              <a:schemeClr val="accent1"/>
+            </a:effectRef>
+            <a:fontRef idx="minor">
+              <a:schemeClr val="tx1"/>
+            </a:fontRef>
+          </p:style>
+        </p:cxnSp>
+        <p:cxnSp>
+          <p:nvCxnSpPr>
+            <p:cNvPr id="60" name="直接箭头连接符 59">
+              <a:extLst>
+                <a:ext uri="{FF2B5EF4-FFF2-40B4-BE49-F238E27FC236}">
+                  <a16:creationId xmlns:a16="http://schemas.microsoft.com/office/drawing/2014/main" id="{78BF4B41-5858-D191-A0CD-3E68329ADB53}"/>
+                </a:ext>
+              </a:extLst>
+            </p:cNvPr>
+            <p:cNvCxnSpPr>
+              <a:cxnSpLocks/>
+              <a:stCxn id="11" idx="0"/>
+            </p:cNvCxnSpPr>
+            <p:nvPr/>
+          </p:nvCxnSpPr>
+          <p:spPr>
+            <a:xfrm flipV="1">
+              <a:off x="3271517" y="2169738"/>
+              <a:ext cx="0" cy="234434"/>
+            </a:xfrm>
+            <a:prstGeom prst="straightConnector1">
+              <a:avLst/>
+            </a:prstGeom>
+            <a:ln w="19050">
+              <a:solidFill>
+                <a:schemeClr val="tx1"/>
+              </a:solidFill>
+              <a:tailEnd type="triangle"/>
+            </a:ln>
+          </p:spPr>
+          <p:style>
+            <a:lnRef idx="1">
+              <a:schemeClr val="accent1"/>
+            </a:lnRef>
+            <a:fillRef idx="0">
+              <a:schemeClr val="accent1"/>
+            </a:fillRef>
+            <a:effectRef idx="0">
+              <a:schemeClr val="accent1"/>
+            </a:effectRef>
+            <a:fontRef idx="minor">
+              <a:schemeClr val="tx1"/>
+            </a:fontRef>
+          </p:style>
+        </p:cxnSp>
+        <p:cxnSp>
+          <p:nvCxnSpPr>
+            <p:cNvPr id="67" name="直接箭头连接符 66">
+              <a:extLst>
+                <a:ext uri="{FF2B5EF4-FFF2-40B4-BE49-F238E27FC236}">
+                  <a16:creationId xmlns:a16="http://schemas.microsoft.com/office/drawing/2014/main" id="{CB62E7E9-7168-C564-7F9B-8BD536725BF5}"/>
+                </a:ext>
+              </a:extLst>
+            </p:cNvPr>
+            <p:cNvCxnSpPr>
+              <a:cxnSpLocks/>
+              <a:stCxn id="8" idx="0"/>
+            </p:cNvCxnSpPr>
+            <p:nvPr/>
+          </p:nvCxnSpPr>
+          <p:spPr>
+            <a:xfrm flipV="1">
+              <a:off x="4265702" y="2164785"/>
+              <a:ext cx="0" cy="1853254"/>
+            </a:xfrm>
+            <a:prstGeom prst="straightConnector1">
+              <a:avLst/>
+            </a:prstGeom>
+            <a:ln w="19050">
+              <a:solidFill>
+                <a:schemeClr val="tx1"/>
+              </a:solidFill>
+              <a:tailEnd type="triangle"/>
+            </a:ln>
+          </p:spPr>
+          <p:style>
+            <a:lnRef idx="1">
+              <a:schemeClr val="accent1"/>
+            </a:lnRef>
+            <a:fillRef idx="0">
+              <a:schemeClr val="accent1"/>
+            </a:fillRef>
+            <a:effectRef idx="0">
+              <a:schemeClr val="accent1"/>
+            </a:effectRef>
+            <a:fontRef idx="minor">
+              <a:schemeClr val="tx1"/>
+            </a:fontRef>
+          </p:style>
+        </p:cxnSp>
+        <mc:AlternateContent xmlns:mc="http://schemas.openxmlformats.org/markup-compatibility/2006">
+          <mc:Choice xmlns:a14="http://schemas.microsoft.com/office/drawing/2010/main" Requires="a14">
+            <p:sp>
+              <p:nvSpPr>
+                <p:cNvPr id="75" name="文本框 74">
+                  <a:extLst>
+                    <a:ext uri="{FF2B5EF4-FFF2-40B4-BE49-F238E27FC236}">
+                      <a16:creationId xmlns:a16="http://schemas.microsoft.com/office/drawing/2014/main" id="{95635090-E8C9-8C10-9FED-37E30D97239F}"/>
+                    </a:ext>
+                  </a:extLst>
+                </p:cNvPr>
+                <p:cNvSpPr txBox="1"/>
+                <p:nvPr/>
+              </p:nvSpPr>
+              <p:spPr>
+                <a:xfrm>
+                  <a:off x="5072239" y="1479741"/>
+                  <a:ext cx="360822" cy="215444"/>
+                </a:xfrm>
+                <a:prstGeom prst="rect">
+                  <a:avLst/>
+                </a:prstGeom>
+                <a:noFill/>
+              </p:spPr>
+              <p:txBody>
+                <a:bodyPr wrap="square" lIns="0" tIns="0" rIns="0" bIns="0" rtlCol="0">
+                  <a:spAutoFit/>
+                </a:bodyPr>
+                <a:lstStyle/>
+                <a:p>
+                  <a14:m>
+                    <m:oMathPara xmlns:m="http://schemas.openxmlformats.org/officeDocument/2006/math">
+                      <m:oMathParaPr>
+                        <m:jc m:val="centerGroup"/>
+                      </m:oMathParaPr>
+                      <m:oMath xmlns:m="http://schemas.openxmlformats.org/officeDocument/2006/math">
+                        <m:sSub>
+                          <m:sSubPr>
+                            <m:ctrlPr>
+                              <a:rPr lang="en-US" altLang="zh-CN" sz="1400" b="0" i="1" smtClean="0">
+                                <a:latin typeface="Cambria Math" panose="02040503050406030204" pitchFamily="18" charset="0"/>
+                                <a:cs typeface="Times New Roman" panose="02020603050405020304" pitchFamily="18" charset="0"/>
+                              </a:rPr>
+                            </m:ctrlPr>
+                          </m:sSubPr>
+                          <m:e>
+                            <m:r>
+                              <a:rPr lang="en-US" altLang="zh-CN" sz="1400" b="1" i="1" smtClean="0">
+                                <a:latin typeface="Cambria Math" panose="02040503050406030204" pitchFamily="18" charset="0"/>
+                                <a:cs typeface="Times New Roman" panose="02020603050405020304" pitchFamily="18" charset="0"/>
+                              </a:rPr>
+                              <m:t>𝒁</m:t>
+                            </m:r>
+                          </m:e>
+                          <m:sub>
+                            <m:r>
+                              <a:rPr lang="en-US" altLang="zh-CN" sz="1400" b="0" i="1" smtClean="0">
+                                <a:latin typeface="Cambria Math" panose="02040503050406030204" pitchFamily="18" charset="0"/>
+                                <a:cs typeface="Times New Roman" panose="02020603050405020304" pitchFamily="18" charset="0"/>
+                              </a:rPr>
+                              <m:t>1</m:t>
+                            </m:r>
+                          </m:sub>
+                        </m:sSub>
+                      </m:oMath>
+                    </m:oMathPara>
+                  </a14:m>
+                  <a:endParaRPr lang="zh-CN" altLang="en-US" sz="1400" dirty="0">
+                    <a:latin typeface="Times New Roman" panose="02020603050405020304" pitchFamily="18" charset="0"/>
+                    <a:cs typeface="Times New Roman" panose="02020603050405020304" pitchFamily="18" charset="0"/>
+                  </a:endParaRPr>
+                </a:p>
+              </p:txBody>
+            </p:sp>
+          </mc:Choice>
+          <mc:Fallback>
+            <p:sp>
+              <p:nvSpPr>
+                <p:cNvPr id="75" name="文本框 74">
+                  <a:extLst>
+                    <a:ext uri="{FF2B5EF4-FFF2-40B4-BE49-F238E27FC236}">
+                      <a16:creationId xmlns:a16="http://schemas.microsoft.com/office/drawing/2014/main" id="{95635090-E8C9-8C10-9FED-37E30D97239F}"/>
+                    </a:ext>
+                  </a:extLst>
+                </p:cNvPr>
+                <p:cNvSpPr txBox="1">
+                  <a:spLocks noRot="1" noChangeAspect="1" noMove="1" noResize="1" noEditPoints="1" noAdjustHandles="1" noChangeArrowheads="1" noChangeShapeType="1" noTextEdit="1"/>
+                </p:cNvSpPr>
+                <p:nvPr/>
+              </p:nvSpPr>
+              <p:spPr>
+                <a:xfrm>
+                  <a:off x="5072239" y="1479741"/>
+                  <a:ext cx="360822" cy="215444"/>
+                </a:xfrm>
+                <a:prstGeom prst="rect">
+                  <a:avLst/>
+                </a:prstGeom>
+                <a:blipFill>
+                  <a:blip r:embed="rId6"/>
+                  <a:stretch>
+                    <a:fillRect b="-17143"/>
+                  </a:stretch>
+                </a:blipFill>
+              </p:spPr>
+              <p:txBody>
+                <a:bodyPr/>
+                <a:lstStyle/>
+                <a:p>
+                  <a:r>
+                    <a:rPr lang="zh-CN" altLang="en-US">
+                      <a:noFill/>
+                    </a:rPr>
+                    <a:t> </a:t>
+                  </a:r>
+                </a:p>
+              </p:txBody>
+            </p:sp>
+          </mc:Fallback>
+        </mc:AlternateContent>
+        <p:cxnSp>
+          <p:nvCxnSpPr>
+            <p:cNvPr id="77" name="连接符: 肘形 76">
+              <a:extLst>
+                <a:ext uri="{FF2B5EF4-FFF2-40B4-BE49-F238E27FC236}">
+                  <a16:creationId xmlns:a16="http://schemas.microsoft.com/office/drawing/2014/main" id="{B6016A36-B878-28CC-9922-792D4A2F354A}"/>
+                </a:ext>
+              </a:extLst>
+            </p:cNvPr>
+            <p:cNvCxnSpPr>
+              <a:cxnSpLocks/>
+              <a:stCxn id="45" idx="0"/>
+              <a:endCxn id="75" idx="1"/>
+            </p:cNvCxnSpPr>
+            <p:nvPr/>
+          </p:nvCxnSpPr>
+          <p:spPr>
+            <a:xfrm rot="5400000" flipH="1" flipV="1">
+              <a:off x="4297464" y="1089791"/>
+              <a:ext cx="277102" cy="1272447"/>
+            </a:xfrm>
+            <a:prstGeom prst="bentConnector2">
+              <a:avLst/>
+            </a:prstGeom>
+            <a:ln w="19050">
+              <a:solidFill>
+                <a:schemeClr val="tx1"/>
+              </a:solidFill>
+              <a:tailEnd type="triangle"/>
+            </a:ln>
+          </p:spPr>
+          <p:style>
+            <a:lnRef idx="1">
+              <a:schemeClr val="accent1"/>
+            </a:lnRef>
+            <a:fillRef idx="0">
+              <a:schemeClr val="accent1"/>
+            </a:fillRef>
+            <a:effectRef idx="0">
+              <a:schemeClr val="accent1"/>
+            </a:effectRef>
+            <a:fontRef idx="minor">
+              <a:schemeClr val="tx1"/>
+            </a:fontRef>
+          </p:style>
+        </p:cxnSp>
+        <p:sp>
+          <p:nvSpPr>
+            <p:cNvPr id="81" name="矩形 80">
+              <a:extLst>
+                <a:ext uri="{FF2B5EF4-FFF2-40B4-BE49-F238E27FC236}">
+                  <a16:creationId xmlns:a16="http://schemas.microsoft.com/office/drawing/2014/main" id="{1480582F-DCFE-850C-7739-4F3680ADFC32}"/>
+                </a:ext>
+              </a:extLst>
+            </p:cNvPr>
+            <p:cNvSpPr/>
+            <p:nvPr/>
+          </p:nvSpPr>
+          <p:spPr>
+            <a:xfrm>
+              <a:off x="2538413" y="4425705"/>
+              <a:ext cx="2114550" cy="854375"/>
+            </a:xfrm>
+            <a:prstGeom prst="rect">
+              <a:avLst/>
+            </a:prstGeom>
+            <a:solidFill>
+              <a:schemeClr val="accent1">
+                <a:lumMod val="20000"/>
+                <a:lumOff val="80000"/>
+              </a:schemeClr>
+            </a:solidFill>
+            <a:ln w="19050" cap="flat" cmpd="sng" algn="ctr">
+              <a:solidFill>
+                <a:schemeClr val="tx1"/>
+              </a:solidFill>
+              <a:prstDash val="solid"/>
+              <a:miter lim="800000"/>
+            </a:ln>
+            <a:effectLst/>
+          </p:spPr>
+          <p:txBody>
+            <a:bodyPr rtlCol="0" anchor="b"/>
+            <a:lstStyle/>
+            <a:p>
+              <a:pPr algn="ctr" defTabSz="914511"/>
+              <a:r>
+                <a:rPr lang="en-US" altLang="zh-CN" sz="1400" kern="0" dirty="0">
+                  <a:latin typeface="Times New Roman"/>
+                  <a:ea typeface="宋体"/>
+                </a:rPr>
+                <a:t>Linear Transformations</a:t>
+              </a:r>
+              <a:endParaRPr lang="zh-CN" altLang="en-US" sz="1400" kern="0" dirty="0">
+                <a:latin typeface="Times New Roman"/>
+                <a:ea typeface="宋体"/>
+              </a:endParaRPr>
+            </a:p>
+          </p:txBody>
+        </p:sp>
+        <p:cxnSp>
+          <p:nvCxnSpPr>
+            <p:cNvPr id="86" name="直接箭头连接符 85">
+              <a:extLst>
+                <a:ext uri="{FF2B5EF4-FFF2-40B4-BE49-F238E27FC236}">
+                  <a16:creationId xmlns:a16="http://schemas.microsoft.com/office/drawing/2014/main" id="{0EFC7762-24D8-0758-AE66-84EA55B82B0C}"/>
+                </a:ext>
+              </a:extLst>
+            </p:cNvPr>
+            <p:cNvCxnSpPr>
+              <a:cxnSpLocks/>
+              <a:stCxn id="5" idx="3"/>
+              <a:endCxn id="84" idx="1"/>
+            </p:cNvCxnSpPr>
+            <p:nvPr/>
+          </p:nvCxnSpPr>
+          <p:spPr>
+            <a:xfrm>
+              <a:off x="2342283" y="4730952"/>
+              <a:ext cx="1645114" cy="0"/>
+            </a:xfrm>
+            <a:prstGeom prst="straightConnector1">
+              <a:avLst/>
+            </a:prstGeom>
+            <a:ln w="19050">
+              <a:solidFill>
+                <a:schemeClr val="tx1"/>
+              </a:solidFill>
+              <a:tailEnd type="triangle"/>
+            </a:ln>
+          </p:spPr>
+          <p:style>
+            <a:lnRef idx="1">
+              <a:schemeClr val="accent1"/>
+            </a:lnRef>
+            <a:fillRef idx="0">
+              <a:schemeClr val="accent1"/>
+            </a:fillRef>
+            <a:effectRef idx="0">
+              <a:schemeClr val="accent1"/>
+            </a:effectRef>
+            <a:fontRef idx="minor">
+              <a:schemeClr val="tx1"/>
+            </a:fontRef>
+          </p:style>
+        </p:cxnSp>
+        <mc:AlternateContent xmlns:mc="http://schemas.openxmlformats.org/markup-compatibility/2006">
+          <mc:Choice xmlns:a14="http://schemas.microsoft.com/office/drawing/2010/main" Requires="a14">
+            <p:sp>
+              <p:nvSpPr>
+                <p:cNvPr id="82" name="矩形 81">
+                  <a:extLst>
+                    <a:ext uri="{FF2B5EF4-FFF2-40B4-BE49-F238E27FC236}">
+                      <a16:creationId xmlns:a16="http://schemas.microsoft.com/office/drawing/2014/main" id="{BB41ED0C-2D64-324E-45E0-83B8A1E53339}"/>
+                    </a:ext>
+                  </a:extLst>
+                </p:cNvPr>
+                <p:cNvSpPr/>
+                <p:nvPr/>
+              </p:nvSpPr>
+              <p:spPr>
+                <a:xfrm>
+                  <a:off x="2629890" y="4514129"/>
+                  <a:ext cx="560504" cy="433495"/>
+                </a:xfrm>
+                <a:prstGeom prst="rect">
+                  <a:avLst/>
+                </a:prstGeom>
+                <a:solidFill>
+                  <a:schemeClr val="accent2">
+                    <a:lumMod val="20000"/>
+                    <a:lumOff val="80000"/>
+                  </a:schemeClr>
+                </a:solidFill>
+                <a:ln w="19050" cap="flat" cmpd="sng" algn="ctr">
+                  <a:solidFill>
+                    <a:schemeClr val="tx1"/>
+                  </a:solidFill>
+                  <a:prstDash val="solid"/>
+                  <a:miter lim="800000"/>
+                </a:ln>
+                <a:effectLst/>
+              </p:spPr>
+              <p:txBody>
+                <a:bodyPr rtlCol="0" anchor="ctr"/>
+                <a:lstStyle/>
+                <a:p>
+                  <a:pPr algn="ctr" defTabSz="914511"/>
+                  <a14:m>
+                    <m:oMathPara xmlns:m="http://schemas.openxmlformats.org/officeDocument/2006/math">
+                      <m:oMathParaPr>
+                        <m:jc m:val="centerGroup"/>
+                      </m:oMathParaPr>
+                      <m:oMath xmlns:m="http://schemas.openxmlformats.org/officeDocument/2006/math">
+                        <m:sSubSup>
+                          <m:sSubSupPr>
+                            <m:ctrlPr>
+                              <a:rPr lang="en-US" altLang="zh-CN" sz="1400" b="0" i="1" kern="0" smtClean="0">
+                                <a:latin typeface="Cambria Math" panose="02040503050406030204" pitchFamily="18" charset="0"/>
+                                <a:ea typeface="宋体"/>
+                              </a:rPr>
+                            </m:ctrlPr>
+                          </m:sSubSupPr>
+                          <m:e>
+                            <m:r>
+                              <a:rPr lang="en-US" altLang="zh-CN" sz="1400" b="1" i="1" kern="0" smtClean="0">
+                                <a:latin typeface="Cambria Math" panose="02040503050406030204" pitchFamily="18" charset="0"/>
+                                <a:ea typeface="宋体"/>
+                              </a:rPr>
+                              <m:t>𝑾</m:t>
+                            </m:r>
+                          </m:e>
+                          <m:sub>
+                            <m:r>
+                              <a:rPr lang="en-US" altLang="zh-CN" sz="1400" b="0" i="1" kern="0" smtClean="0">
+                                <a:latin typeface="Cambria Math" panose="02040503050406030204" pitchFamily="18" charset="0"/>
+                                <a:ea typeface="宋体"/>
+                              </a:rPr>
+                              <m:t>1</m:t>
+                            </m:r>
+                          </m:sub>
+                          <m:sup>
+                            <m:r>
+                              <a:rPr lang="en-US" altLang="zh-CN" sz="1400" b="0" i="1" kern="0" smtClean="0">
+                                <a:latin typeface="Cambria Math" panose="02040503050406030204" pitchFamily="18" charset="0"/>
+                                <a:ea typeface="宋体"/>
+                              </a:rPr>
+                              <m:t>𝑄</m:t>
+                            </m:r>
+                          </m:sup>
+                        </m:sSubSup>
+                      </m:oMath>
+                    </m:oMathPara>
+                  </a14:m>
+                  <a:endParaRPr lang="zh-CN" altLang="en-US" sz="1400" kern="0" dirty="0">
+                    <a:latin typeface="Times New Roman"/>
+                    <a:ea typeface="宋体"/>
+                  </a:endParaRPr>
+                </a:p>
+              </p:txBody>
+            </p:sp>
+          </mc:Choice>
+          <mc:Fallback>
+            <p:sp>
+              <p:nvSpPr>
+                <p:cNvPr id="82" name="矩形 81">
+                  <a:extLst>
+                    <a:ext uri="{FF2B5EF4-FFF2-40B4-BE49-F238E27FC236}">
+                      <a16:creationId xmlns:a16="http://schemas.microsoft.com/office/drawing/2014/main" id="{BB41ED0C-2D64-324E-45E0-83B8A1E53339}"/>
+                    </a:ext>
+                  </a:extLst>
+                </p:cNvPr>
+                <p:cNvSpPr>
+                  <a:spLocks noRot="1" noChangeAspect="1" noMove="1" noResize="1" noEditPoints="1" noAdjustHandles="1" noChangeArrowheads="1" noChangeShapeType="1" noTextEdit="1"/>
+                </p:cNvSpPr>
+                <p:nvPr/>
+              </p:nvSpPr>
+              <p:spPr>
+                <a:xfrm>
+                  <a:off x="2629890" y="4514129"/>
+                  <a:ext cx="560504" cy="433495"/>
+                </a:xfrm>
+                <a:prstGeom prst="rect">
+                  <a:avLst/>
+                </a:prstGeom>
+                <a:blipFill>
+                  <a:blip r:embed="rId7"/>
+                  <a:stretch>
+                    <a:fillRect/>
+                  </a:stretch>
+                </a:blipFill>
+                <a:ln w="19050" cap="flat" cmpd="sng" algn="ctr">
+                  <a:solidFill>
+                    <a:schemeClr val="tx1"/>
+                  </a:solidFill>
+                  <a:prstDash val="solid"/>
+                  <a:miter lim="800000"/>
+                </a:ln>
+                <a:effectLst/>
+              </p:spPr>
+              <p:txBody>
+                <a:bodyPr/>
+                <a:lstStyle/>
+                <a:p>
+                  <a:r>
+                    <a:rPr lang="zh-CN" altLang="en-US">
+                      <a:noFill/>
+                    </a:rPr>
+                    <a:t> </a:t>
+                  </a:r>
+                </a:p>
+              </p:txBody>
+            </p:sp>
+          </mc:Fallback>
+        </mc:AlternateContent>
+        <mc:AlternateContent xmlns:mc="http://schemas.openxmlformats.org/markup-compatibility/2006">
+          <mc:Choice xmlns:a14="http://schemas.microsoft.com/office/drawing/2010/main" Requires="a14">
+            <p:sp>
+              <p:nvSpPr>
+                <p:cNvPr id="83" name="矩形 82">
+                  <a:extLst>
+                    <a:ext uri="{FF2B5EF4-FFF2-40B4-BE49-F238E27FC236}">
+                      <a16:creationId xmlns:a16="http://schemas.microsoft.com/office/drawing/2014/main" id="{878BE651-37D8-1FD7-9DEA-71C7674AD089}"/>
+                    </a:ext>
+                  </a:extLst>
+                </p:cNvPr>
+                <p:cNvSpPr/>
+                <p:nvPr/>
+              </p:nvSpPr>
+              <p:spPr>
+                <a:xfrm>
+                  <a:off x="3310681" y="4514129"/>
+                  <a:ext cx="560504" cy="433495"/>
+                </a:xfrm>
+                <a:prstGeom prst="rect">
+                  <a:avLst/>
+                </a:prstGeom>
+                <a:solidFill>
+                  <a:schemeClr val="accent4">
+                    <a:lumMod val="40000"/>
+                    <a:lumOff val="60000"/>
+                  </a:schemeClr>
+                </a:solidFill>
+                <a:ln w="19050" cap="flat" cmpd="sng" algn="ctr">
+                  <a:solidFill>
+                    <a:schemeClr val="tx1"/>
+                  </a:solidFill>
+                  <a:prstDash val="solid"/>
+                  <a:miter lim="800000"/>
+                </a:ln>
+                <a:effectLst/>
+              </p:spPr>
+              <p:txBody>
+                <a:bodyPr rtlCol="0" anchor="ctr"/>
+                <a:lstStyle/>
+                <a:p>
+                  <a:pPr algn="ctr" defTabSz="914511"/>
+                  <a14:m>
+                    <m:oMathPara xmlns:m="http://schemas.openxmlformats.org/officeDocument/2006/math">
+                      <m:oMathParaPr>
+                        <m:jc m:val="centerGroup"/>
+                      </m:oMathParaPr>
+                      <m:oMath xmlns:m="http://schemas.openxmlformats.org/officeDocument/2006/math">
+                        <m:sSubSup>
+                          <m:sSubSupPr>
+                            <m:ctrlPr>
+                              <a:rPr lang="en-US" altLang="zh-CN" sz="1400" b="0" i="1" kern="0" smtClean="0">
+                                <a:latin typeface="Cambria Math" panose="02040503050406030204" pitchFamily="18" charset="0"/>
+                                <a:ea typeface="宋体"/>
+                              </a:rPr>
+                            </m:ctrlPr>
+                          </m:sSubSupPr>
+                          <m:e>
+                            <m:r>
+                              <a:rPr lang="en-US" altLang="zh-CN" sz="1400" b="1" i="1" kern="0" smtClean="0">
+                                <a:latin typeface="Cambria Math" panose="02040503050406030204" pitchFamily="18" charset="0"/>
+                                <a:ea typeface="宋体"/>
+                              </a:rPr>
+                              <m:t>𝑾</m:t>
+                            </m:r>
+                          </m:e>
+                          <m:sub>
+                            <m:r>
+                              <a:rPr lang="en-US" altLang="zh-CN" sz="1400" b="0" i="1" kern="0" smtClean="0">
+                                <a:latin typeface="Cambria Math" panose="02040503050406030204" pitchFamily="18" charset="0"/>
+                                <a:ea typeface="宋体"/>
+                              </a:rPr>
+                              <m:t>1</m:t>
+                            </m:r>
+                          </m:sub>
+                          <m:sup>
+                            <m:r>
+                              <a:rPr lang="en-US" altLang="zh-CN" sz="1400" b="0" i="1" kern="0" smtClean="0">
+                                <a:latin typeface="Cambria Math" panose="02040503050406030204" pitchFamily="18" charset="0"/>
+                                <a:ea typeface="宋体"/>
+                              </a:rPr>
+                              <m:t>𝐾</m:t>
+                            </m:r>
+                          </m:sup>
+                        </m:sSubSup>
+                      </m:oMath>
+                    </m:oMathPara>
+                  </a14:m>
+                  <a:endParaRPr lang="zh-CN" altLang="en-US" sz="1400" kern="0" dirty="0">
+                    <a:latin typeface="Times New Roman"/>
+                    <a:ea typeface="宋体"/>
+                  </a:endParaRPr>
+                </a:p>
+              </p:txBody>
+            </p:sp>
+          </mc:Choice>
+          <mc:Fallback>
+            <p:sp>
+              <p:nvSpPr>
+                <p:cNvPr id="83" name="矩形 82">
+                  <a:extLst>
+                    <a:ext uri="{FF2B5EF4-FFF2-40B4-BE49-F238E27FC236}">
+                      <a16:creationId xmlns:a16="http://schemas.microsoft.com/office/drawing/2014/main" id="{878BE651-37D8-1FD7-9DEA-71C7674AD089}"/>
+                    </a:ext>
+                  </a:extLst>
+                </p:cNvPr>
+                <p:cNvSpPr>
+                  <a:spLocks noRot="1" noChangeAspect="1" noMove="1" noResize="1" noEditPoints="1" noAdjustHandles="1" noChangeArrowheads="1" noChangeShapeType="1" noTextEdit="1"/>
+                </p:cNvSpPr>
+                <p:nvPr/>
+              </p:nvSpPr>
+              <p:spPr>
+                <a:xfrm>
+                  <a:off x="3310681" y="4514129"/>
+                  <a:ext cx="560504" cy="433495"/>
+                </a:xfrm>
+                <a:prstGeom prst="rect">
+                  <a:avLst/>
+                </a:prstGeom>
+                <a:blipFill>
+                  <a:blip r:embed="rId8"/>
+                  <a:stretch>
+                    <a:fillRect/>
+                  </a:stretch>
+                </a:blipFill>
+                <a:ln w="19050" cap="flat" cmpd="sng" algn="ctr">
+                  <a:solidFill>
+                    <a:schemeClr val="tx1"/>
+                  </a:solidFill>
+                  <a:prstDash val="solid"/>
+                  <a:miter lim="800000"/>
+                </a:ln>
+                <a:effectLst/>
+              </p:spPr>
+              <p:txBody>
+                <a:bodyPr/>
+                <a:lstStyle/>
+                <a:p>
+                  <a:r>
+                    <a:rPr lang="zh-CN" altLang="en-US">
+                      <a:noFill/>
+                    </a:rPr>
+                    <a:t> </a:t>
+                  </a:r>
+                </a:p>
+              </p:txBody>
+            </p:sp>
+          </mc:Fallback>
+        </mc:AlternateContent>
+        <mc:AlternateContent xmlns:mc="http://schemas.openxmlformats.org/markup-compatibility/2006">
+          <mc:Choice xmlns:a14="http://schemas.microsoft.com/office/drawing/2010/main" Requires="a14">
+            <p:sp>
+              <p:nvSpPr>
+                <p:cNvPr id="84" name="矩形 83">
+                  <a:extLst>
+                    <a:ext uri="{FF2B5EF4-FFF2-40B4-BE49-F238E27FC236}">
+                      <a16:creationId xmlns:a16="http://schemas.microsoft.com/office/drawing/2014/main" id="{7DDBE3AC-6902-58E0-3DD3-81868F01565B}"/>
+                    </a:ext>
+                  </a:extLst>
+                </p:cNvPr>
+                <p:cNvSpPr/>
+                <p:nvPr/>
+              </p:nvSpPr>
+              <p:spPr>
+                <a:xfrm>
+                  <a:off x="3987397" y="4514204"/>
+                  <a:ext cx="560504" cy="433495"/>
+                </a:xfrm>
+                <a:prstGeom prst="rect">
+                  <a:avLst/>
+                </a:prstGeom>
+                <a:solidFill>
+                  <a:schemeClr val="accent6">
+                    <a:lumMod val="40000"/>
+                    <a:lumOff val="60000"/>
+                  </a:schemeClr>
+                </a:solidFill>
+                <a:ln w="19050" cap="flat" cmpd="sng" algn="ctr">
+                  <a:solidFill>
+                    <a:schemeClr val="tx1"/>
+                  </a:solidFill>
+                  <a:prstDash val="solid"/>
+                  <a:miter lim="800000"/>
+                </a:ln>
+                <a:effectLst/>
+              </p:spPr>
+              <p:txBody>
+                <a:bodyPr rtlCol="0" anchor="ctr"/>
+                <a:lstStyle/>
+                <a:p>
+                  <a:pPr algn="ctr" defTabSz="914511"/>
+                  <a14:m>
+                    <m:oMathPara xmlns:m="http://schemas.openxmlformats.org/officeDocument/2006/math">
+                      <m:oMathParaPr>
+                        <m:jc m:val="centerGroup"/>
+                      </m:oMathParaPr>
+                      <m:oMath xmlns:m="http://schemas.openxmlformats.org/officeDocument/2006/math">
+                        <m:sSubSup>
+                          <m:sSubSupPr>
+                            <m:ctrlPr>
+                              <a:rPr lang="en-US" altLang="zh-CN" sz="1400" b="0" i="1" kern="0" smtClean="0">
+                                <a:latin typeface="Cambria Math" panose="02040503050406030204" pitchFamily="18" charset="0"/>
+                                <a:ea typeface="宋体"/>
+                              </a:rPr>
+                            </m:ctrlPr>
+                          </m:sSubSupPr>
+                          <m:e>
+                            <m:r>
+                              <a:rPr lang="en-US" altLang="zh-CN" sz="1400" b="1" i="1" kern="0" smtClean="0">
+                                <a:latin typeface="Cambria Math" panose="02040503050406030204" pitchFamily="18" charset="0"/>
+                                <a:ea typeface="宋体"/>
+                              </a:rPr>
+                              <m:t>𝑾</m:t>
+                            </m:r>
+                          </m:e>
+                          <m:sub>
+                            <m:r>
+                              <a:rPr lang="en-US" altLang="zh-CN" sz="1400" b="0" i="1" kern="0" smtClean="0">
+                                <a:latin typeface="Cambria Math" panose="02040503050406030204" pitchFamily="18" charset="0"/>
+                                <a:ea typeface="宋体"/>
+                              </a:rPr>
+                              <m:t>1</m:t>
+                            </m:r>
+                          </m:sub>
+                          <m:sup>
+                            <m:r>
+                              <a:rPr lang="en-US" altLang="zh-CN" sz="1400" b="0" i="1" kern="0" smtClean="0">
+                                <a:latin typeface="Cambria Math" panose="02040503050406030204" pitchFamily="18" charset="0"/>
+                                <a:ea typeface="宋体"/>
+                              </a:rPr>
+                              <m:t>𝑉</m:t>
+                            </m:r>
+                          </m:sup>
+                        </m:sSubSup>
+                      </m:oMath>
+                    </m:oMathPara>
+                  </a14:m>
+                  <a:endParaRPr lang="zh-CN" altLang="en-US" sz="1400" kern="0" dirty="0">
+                    <a:latin typeface="Times New Roman"/>
+                    <a:ea typeface="宋体"/>
+                  </a:endParaRPr>
+                </a:p>
+              </p:txBody>
+            </p:sp>
+          </mc:Choice>
+          <mc:Fallback>
+            <p:sp>
+              <p:nvSpPr>
+                <p:cNvPr id="84" name="矩形 83">
+                  <a:extLst>
+                    <a:ext uri="{FF2B5EF4-FFF2-40B4-BE49-F238E27FC236}">
+                      <a16:creationId xmlns:a16="http://schemas.microsoft.com/office/drawing/2014/main" id="{7DDBE3AC-6902-58E0-3DD3-81868F01565B}"/>
+                    </a:ext>
+                  </a:extLst>
+                </p:cNvPr>
+                <p:cNvSpPr>
+                  <a:spLocks noRot="1" noChangeAspect="1" noMove="1" noResize="1" noEditPoints="1" noAdjustHandles="1" noChangeArrowheads="1" noChangeShapeType="1" noTextEdit="1"/>
+                </p:cNvSpPr>
+                <p:nvPr/>
+              </p:nvSpPr>
+              <p:spPr>
+                <a:xfrm>
+                  <a:off x="3987397" y="4514204"/>
+                  <a:ext cx="560504" cy="433495"/>
+                </a:xfrm>
+                <a:prstGeom prst="rect">
+                  <a:avLst/>
+                </a:prstGeom>
+                <a:blipFill>
+                  <a:blip r:embed="rId9"/>
+                  <a:stretch>
+                    <a:fillRect/>
+                  </a:stretch>
+                </a:blipFill>
+                <a:ln w="19050" cap="flat" cmpd="sng" algn="ctr">
+                  <a:solidFill>
+                    <a:schemeClr val="tx1"/>
+                  </a:solidFill>
+                  <a:prstDash val="solid"/>
+                  <a:miter lim="800000"/>
+                </a:ln>
+                <a:effectLst/>
+              </p:spPr>
+              <p:txBody>
+                <a:bodyPr/>
+                <a:lstStyle/>
+                <a:p>
+                  <a:r>
+                    <a:rPr lang="zh-CN" altLang="en-US">
+                      <a:noFill/>
+                    </a:rPr>
+                    <a:t> </a:t>
+                  </a:r>
+                </a:p>
+              </p:txBody>
+            </p:sp>
+          </mc:Fallback>
+        </mc:AlternateContent>
+        <p:cxnSp>
+          <p:nvCxnSpPr>
+            <p:cNvPr id="89" name="直接箭头连接符 88">
+              <a:extLst>
+                <a:ext uri="{FF2B5EF4-FFF2-40B4-BE49-F238E27FC236}">
+                  <a16:creationId xmlns:a16="http://schemas.microsoft.com/office/drawing/2014/main" id="{B571A202-1012-A7AF-CB91-59DCC4929763}"/>
+                </a:ext>
+              </a:extLst>
+            </p:cNvPr>
+            <p:cNvCxnSpPr>
+              <a:stCxn id="82" idx="0"/>
+              <a:endCxn id="6" idx="2"/>
+            </p:cNvCxnSpPr>
+            <p:nvPr/>
+          </p:nvCxnSpPr>
+          <p:spPr>
+            <a:xfrm flipH="1" flipV="1">
+              <a:off x="2907781" y="4238436"/>
+              <a:ext cx="2361" cy="275693"/>
+            </a:xfrm>
+            <a:prstGeom prst="straightConnector1">
+              <a:avLst/>
+            </a:prstGeom>
+            <a:ln w="19050">
+              <a:solidFill>
+                <a:schemeClr val="tx1"/>
+              </a:solidFill>
+              <a:tailEnd type="triangle"/>
+            </a:ln>
+          </p:spPr>
+          <p:style>
+            <a:lnRef idx="1">
+              <a:schemeClr val="accent1"/>
+            </a:lnRef>
+            <a:fillRef idx="0">
+              <a:schemeClr val="accent1"/>
+            </a:fillRef>
+            <a:effectRef idx="0">
+              <a:schemeClr val="accent1"/>
+            </a:effectRef>
+            <a:fontRef idx="minor">
+              <a:schemeClr val="tx1"/>
+            </a:fontRef>
+          </p:style>
+        </p:cxnSp>
+        <p:cxnSp>
+          <p:nvCxnSpPr>
+            <p:cNvPr id="91" name="直接箭头连接符 90">
+              <a:extLst>
+                <a:ext uri="{FF2B5EF4-FFF2-40B4-BE49-F238E27FC236}">
+                  <a16:creationId xmlns:a16="http://schemas.microsoft.com/office/drawing/2014/main" id="{1FF88FDE-670C-E1BD-363A-9B8D515AC9B5}"/>
+                </a:ext>
+              </a:extLst>
+            </p:cNvPr>
+            <p:cNvCxnSpPr>
+              <a:stCxn id="83" idx="0"/>
+              <a:endCxn id="7" idx="2"/>
+            </p:cNvCxnSpPr>
+            <p:nvPr/>
+          </p:nvCxnSpPr>
+          <p:spPr>
+            <a:xfrm flipH="1" flipV="1">
+              <a:off x="3587922" y="4233483"/>
+              <a:ext cx="3011" cy="280646"/>
+            </a:xfrm>
+            <a:prstGeom prst="straightConnector1">
+              <a:avLst/>
+            </a:prstGeom>
+            <a:ln w="19050">
+              <a:solidFill>
+                <a:schemeClr val="tx1"/>
+              </a:solidFill>
+              <a:tailEnd type="triangle"/>
+            </a:ln>
+          </p:spPr>
+          <p:style>
+            <a:lnRef idx="1">
+              <a:schemeClr val="accent1"/>
+            </a:lnRef>
+            <a:fillRef idx="0">
+              <a:schemeClr val="accent1"/>
+            </a:fillRef>
+            <a:effectRef idx="0">
+              <a:schemeClr val="accent1"/>
+            </a:effectRef>
+            <a:fontRef idx="minor">
+              <a:schemeClr val="tx1"/>
+            </a:fontRef>
+          </p:style>
+        </p:cxnSp>
+        <p:cxnSp>
+          <p:nvCxnSpPr>
+            <p:cNvPr id="93" name="直接箭头连接符 92">
+              <a:extLst>
+                <a:ext uri="{FF2B5EF4-FFF2-40B4-BE49-F238E27FC236}">
+                  <a16:creationId xmlns:a16="http://schemas.microsoft.com/office/drawing/2014/main" id="{6F6FD348-4753-9A39-75DE-AC553FD04CE3}"/>
+                </a:ext>
+              </a:extLst>
+            </p:cNvPr>
+            <p:cNvCxnSpPr>
+              <a:stCxn id="84" idx="0"/>
+              <a:endCxn id="8" idx="2"/>
+            </p:cNvCxnSpPr>
+            <p:nvPr/>
+          </p:nvCxnSpPr>
+          <p:spPr>
+            <a:xfrm flipH="1" flipV="1">
+              <a:off x="4265702" y="4233483"/>
+              <a:ext cx="1947" cy="280721"/>
+            </a:xfrm>
+            <a:prstGeom prst="straightConnector1">
+              <a:avLst/>
+            </a:prstGeom>
+            <a:ln w="19050">
+              <a:solidFill>
+                <a:schemeClr val="tx1"/>
+              </a:solidFill>
+              <a:tailEnd type="triangle"/>
+            </a:ln>
+          </p:spPr>
+          <p:style>
+            <a:lnRef idx="1">
+              <a:schemeClr val="accent1"/>
+            </a:lnRef>
+            <a:fillRef idx="0">
+              <a:schemeClr val="accent1"/>
+            </a:fillRef>
+            <a:effectRef idx="0">
+              <a:schemeClr val="accent1"/>
+            </a:effectRef>
+            <a:fontRef idx="minor">
+              <a:schemeClr val="tx1"/>
+            </a:fontRef>
+          </p:style>
+        </p:cxnSp>
+      </p:grpSp>
+    </p:spTree>
+    <p:extLst>
+      <p:ext uri="{BB962C8B-B14F-4D97-AF65-F5344CB8AC3E}">
+        <p14:creationId xmlns:p14="http://schemas.microsoft.com/office/powerpoint/2010/main" val="129288926"/>
       </p:ext>
     </p:extLst>
   </p:cSld>
@@ -10743,7 +16673,34 @@
       </a:bgFillStyleLst>
     </a:fmtScheme>
   </a:themeElements>
-  <a:objectDefaults/>
+  <a:objectDefaults>
+    <a:lnDef>
+      <a:spPr>
+        <a:ln w="19050">
+          <a:solidFill>
+            <a:schemeClr val="tx1"/>
+          </a:solidFill>
+          <a:tailEnd type="triangle"/>
+        </a:ln>
+      </a:spPr>
+      <a:bodyPr/>
+      <a:lstStyle/>
+      <a:style>
+        <a:lnRef idx="1">
+          <a:schemeClr val="accent1"/>
+        </a:lnRef>
+        <a:fillRef idx="0">
+          <a:schemeClr val="accent1"/>
+        </a:fillRef>
+        <a:effectRef idx="0">
+          <a:schemeClr val="accent1"/>
+        </a:effectRef>
+        <a:fontRef idx="minor">
+          <a:schemeClr val="tx1"/>
+        </a:fontRef>
+      </a:style>
+    </a:lnDef>
+  </a:objectDefaults>
   <a:extraClrSchemeLst/>
   <a:extLst>
     <a:ext uri="{05A4C25C-085E-4340-85A3-A5531E510DB2}">

--- a/chapter_02_getting_started_with_architecture_of_the_transformer_model/screenshots/Transformer.pptx
+++ b/chapter_02_getting_started_with_architecture_of_the_transformer_model/screenshots/Transformer.pptx
@@ -5,7 +5,7 @@
     <p:sldMasterId id="2147483696" r:id="rId1"/>
   </p:sldMasterIdLst>
   <p:notesMasterIdLst>
-    <p:notesMasterId r:id="rId7"/>
+    <p:notesMasterId r:id="rId8"/>
   </p:notesMasterIdLst>
   <p:sldIdLst>
     <p:sldId id="257" r:id="rId2"/>
@@ -13,6 +13,7 @@
     <p:sldId id="258" r:id="rId4"/>
     <p:sldId id="259" r:id="rId5"/>
     <p:sldId id="260" r:id="rId6"/>
+    <p:sldId id="261" r:id="rId7"/>
   </p:sldIdLst>
   <p:sldSz cx="8320088" cy="7199313"/>
   <p:notesSz cx="6858000" cy="9144000"/>
@@ -201,7 +202,7 @@
           <a:p>
             <a:fld id="{D646931A-662F-4D52-BAC8-0F3D70F047E4}" type="datetimeFigureOut">
               <a:rPr lang="zh-CN" altLang="en-US" smtClean="0"/>
-              <a:t>2024/3/21</a:t>
+              <a:t>2024/3/27</a:t>
             </a:fld>
             <a:endParaRPr lang="zh-CN" altLang="en-US"/>
           </a:p>
@@ -777,7 +778,7 @@
           <a:p>
             <a:fld id="{A46C9027-9366-464F-8641-95A7D15B2284}" type="datetimeFigureOut">
               <a:rPr lang="zh-CN" altLang="en-US" smtClean="0"/>
-              <a:t>2024/3/21</a:t>
+              <a:t>2024/3/27</a:t>
             </a:fld>
             <a:endParaRPr lang="zh-CN" altLang="en-US"/>
           </a:p>
@@ -947,7 +948,7 @@
           <a:p>
             <a:fld id="{A46C9027-9366-464F-8641-95A7D15B2284}" type="datetimeFigureOut">
               <a:rPr lang="zh-CN" altLang="en-US" smtClean="0"/>
-              <a:t>2024/3/21</a:t>
+              <a:t>2024/3/27</a:t>
             </a:fld>
             <a:endParaRPr lang="zh-CN" altLang="en-US"/>
           </a:p>
@@ -1127,7 +1128,7 @@
           <a:p>
             <a:fld id="{A46C9027-9366-464F-8641-95A7D15B2284}" type="datetimeFigureOut">
               <a:rPr lang="zh-CN" altLang="en-US" smtClean="0"/>
-              <a:t>2024/3/21</a:t>
+              <a:t>2024/3/27</a:t>
             </a:fld>
             <a:endParaRPr lang="zh-CN" altLang="en-US"/>
           </a:p>
@@ -1297,7 +1298,7 @@
           <a:p>
             <a:fld id="{A46C9027-9366-464F-8641-95A7D15B2284}" type="datetimeFigureOut">
               <a:rPr lang="zh-CN" altLang="en-US" smtClean="0"/>
-              <a:t>2024/3/21</a:t>
+              <a:t>2024/3/27</a:t>
             </a:fld>
             <a:endParaRPr lang="zh-CN" altLang="en-US"/>
           </a:p>
@@ -1541,7 +1542,7 @@
           <a:p>
             <a:fld id="{A46C9027-9366-464F-8641-95A7D15B2284}" type="datetimeFigureOut">
               <a:rPr lang="zh-CN" altLang="en-US" smtClean="0"/>
-              <a:t>2024/3/21</a:t>
+              <a:t>2024/3/27</a:t>
             </a:fld>
             <a:endParaRPr lang="zh-CN" altLang="en-US"/>
           </a:p>
@@ -1773,7 +1774,7 @@
           <a:p>
             <a:fld id="{A46C9027-9366-464F-8641-95A7D15B2284}" type="datetimeFigureOut">
               <a:rPr lang="zh-CN" altLang="en-US" smtClean="0"/>
-              <a:t>2024/3/21</a:t>
+              <a:t>2024/3/27</a:t>
             </a:fld>
             <a:endParaRPr lang="zh-CN" altLang="en-US"/>
           </a:p>
@@ -2140,7 +2141,7 @@
           <a:p>
             <a:fld id="{A46C9027-9366-464F-8641-95A7D15B2284}" type="datetimeFigureOut">
               <a:rPr lang="zh-CN" altLang="en-US" smtClean="0"/>
-              <a:t>2024/3/21</a:t>
+              <a:t>2024/3/27</a:t>
             </a:fld>
             <a:endParaRPr lang="zh-CN" altLang="en-US"/>
           </a:p>
@@ -2258,7 +2259,7 @@
           <a:p>
             <a:fld id="{A46C9027-9366-464F-8641-95A7D15B2284}" type="datetimeFigureOut">
               <a:rPr lang="zh-CN" altLang="en-US" smtClean="0"/>
-              <a:t>2024/3/21</a:t>
+              <a:t>2024/3/27</a:t>
             </a:fld>
             <a:endParaRPr lang="zh-CN" altLang="en-US"/>
           </a:p>
@@ -2353,7 +2354,7 @@
           <a:p>
             <a:fld id="{A46C9027-9366-464F-8641-95A7D15B2284}" type="datetimeFigureOut">
               <a:rPr lang="zh-CN" altLang="en-US" smtClean="0"/>
-              <a:t>2024/3/21</a:t>
+              <a:t>2024/3/27</a:t>
             </a:fld>
             <a:endParaRPr lang="zh-CN" altLang="en-US"/>
           </a:p>
@@ -2630,7 +2631,7 @@
           <a:p>
             <a:fld id="{A46C9027-9366-464F-8641-95A7D15B2284}" type="datetimeFigureOut">
               <a:rPr lang="zh-CN" altLang="en-US" smtClean="0"/>
-              <a:t>2024/3/21</a:t>
+              <a:t>2024/3/27</a:t>
             </a:fld>
             <a:endParaRPr lang="zh-CN" altLang="en-US"/>
           </a:p>
@@ -2887,7 +2888,7 @@
           <a:p>
             <a:fld id="{A46C9027-9366-464F-8641-95A7D15B2284}" type="datetimeFigureOut">
               <a:rPr lang="zh-CN" altLang="en-US" smtClean="0"/>
-              <a:t>2024/3/21</a:t>
+              <a:t>2024/3/27</a:t>
             </a:fld>
             <a:endParaRPr lang="zh-CN" altLang="en-US"/>
           </a:p>
@@ -3100,7 +3101,7 @@
           <a:p>
             <a:fld id="{A46C9027-9366-464F-8641-95A7D15B2284}" type="datetimeFigureOut">
               <a:rPr lang="zh-CN" altLang="en-US" smtClean="0"/>
-              <a:t>2024/3/21</a:t>
+              <a:t>2024/3/27</a:t>
             </a:fld>
             <a:endParaRPr lang="zh-CN" altLang="en-US"/>
           </a:p>
@@ -10495,7 +10496,7 @@
         </p:nvGrpSpPr>
         <p:grpSpPr>
           <a:xfrm>
-            <a:off x="1132264" y="4185143"/>
+            <a:off x="1220786" y="4061120"/>
             <a:ext cx="1652562" cy="1921455"/>
             <a:chOff x="4829311" y="3306372"/>
             <a:chExt cx="1652562" cy="1921455"/>
@@ -10876,6 +10877,409 @@
             </a:p>
           </p:txBody>
         </p:sp>
+      </p:grpSp>
+      <p:grpSp>
+        <p:nvGrpSpPr>
+          <p:cNvPr id="28" name="组合 27">
+            <a:extLst>
+              <a:ext uri="{FF2B5EF4-FFF2-40B4-BE49-F238E27FC236}">
+                <a16:creationId xmlns:a16="http://schemas.microsoft.com/office/drawing/2014/main" id="{44BA014A-C07A-7CCA-41D4-58A052A021D7}"/>
+              </a:ext>
+            </a:extLst>
+          </p:cNvPr>
+          <p:cNvGrpSpPr/>
+          <p:nvPr/>
+        </p:nvGrpSpPr>
+        <p:grpSpPr>
+          <a:xfrm>
+            <a:off x="3699629" y="3846803"/>
+            <a:ext cx="1180278" cy="2135772"/>
+            <a:chOff x="3277855" y="3852088"/>
+            <a:chExt cx="1180278" cy="2135772"/>
+          </a:xfrm>
+        </p:grpSpPr>
+        <p:sp>
+          <p:nvSpPr>
+            <p:cNvPr id="16" name="矩形 15">
+              <a:extLst>
+                <a:ext uri="{FF2B5EF4-FFF2-40B4-BE49-F238E27FC236}">
+                  <a16:creationId xmlns:a16="http://schemas.microsoft.com/office/drawing/2014/main" id="{36F84560-210E-C376-42EF-6E4EB329A157}"/>
+                </a:ext>
+              </a:extLst>
+            </p:cNvPr>
+            <p:cNvSpPr/>
+            <p:nvPr/>
+          </p:nvSpPr>
+          <p:spPr>
+            <a:xfrm>
+              <a:off x="3277855" y="4972245"/>
+              <a:ext cx="1180278" cy="516809"/>
+            </a:xfrm>
+            <a:prstGeom prst="rect">
+              <a:avLst/>
+            </a:prstGeom>
+            <a:solidFill>
+              <a:srgbClr val="FFE2BB"/>
+            </a:solidFill>
+            <a:ln w="19050" cap="flat" cmpd="sng" algn="ctr">
+              <a:solidFill>
+                <a:schemeClr val="tx1"/>
+              </a:solidFill>
+              <a:prstDash val="solid"/>
+              <a:miter lim="800000"/>
+            </a:ln>
+            <a:effectLst/>
+          </p:spPr>
+          <p:txBody>
+            <a:bodyPr rtlCol="0" anchor="ctr"/>
+            <a:lstStyle/>
+            <a:p>
+              <a:pPr algn="ctr" defTabSz="914511"/>
+              <a:r>
+                <a:rPr lang="en-US" altLang="zh-CN" sz="1400" kern="0" dirty="0">
+                  <a:latin typeface="Times New Roman"/>
+                  <a:ea typeface="宋体"/>
+                </a:rPr>
+                <a:t>Multi-Head</a:t>
+              </a:r>
+            </a:p>
+            <a:p>
+              <a:pPr algn="ctr" defTabSz="914511"/>
+              <a:r>
+                <a:rPr lang="en-US" altLang="zh-CN" sz="1400" kern="0" dirty="0">
+                  <a:latin typeface="Times New Roman"/>
+                  <a:ea typeface="宋体"/>
+                </a:rPr>
+                <a:t>Attention</a:t>
+              </a:r>
+              <a:endParaRPr lang="zh-CN" altLang="en-US" sz="1400" kern="0" dirty="0">
+                <a:latin typeface="Times New Roman"/>
+                <a:ea typeface="宋体"/>
+              </a:endParaRPr>
+            </a:p>
+          </p:txBody>
+        </p:sp>
+        <p:sp>
+          <p:nvSpPr>
+            <p:cNvPr id="17" name="矩形 16">
+              <a:extLst>
+                <a:ext uri="{FF2B5EF4-FFF2-40B4-BE49-F238E27FC236}">
+                  <a16:creationId xmlns:a16="http://schemas.microsoft.com/office/drawing/2014/main" id="{A3E278D1-27C4-39F5-07C1-DCF64E5CDC51}"/>
+                </a:ext>
+              </a:extLst>
+            </p:cNvPr>
+            <p:cNvSpPr/>
+            <p:nvPr/>
+          </p:nvSpPr>
+          <p:spPr>
+            <a:xfrm>
+              <a:off x="3277855" y="3852088"/>
+              <a:ext cx="1180278" cy="516809"/>
+            </a:xfrm>
+            <a:prstGeom prst="rect">
+              <a:avLst/>
+            </a:prstGeom>
+            <a:solidFill>
+              <a:srgbClr val="C2E8F7"/>
+            </a:solidFill>
+            <a:ln w="19050" cap="flat" cmpd="sng" algn="ctr">
+              <a:solidFill>
+                <a:schemeClr val="tx1"/>
+              </a:solidFill>
+              <a:prstDash val="solid"/>
+              <a:miter lim="800000"/>
+            </a:ln>
+            <a:effectLst/>
+          </p:spPr>
+          <p:txBody>
+            <a:bodyPr rtlCol="0" anchor="ctr"/>
+            <a:lstStyle/>
+            <a:p>
+              <a:pPr algn="ctr" defTabSz="914511"/>
+              <a:r>
+                <a:rPr lang="en-US" altLang="zh-CN" sz="1400" kern="0" dirty="0">
+                  <a:latin typeface="Times New Roman"/>
+                  <a:ea typeface="宋体"/>
+                </a:rPr>
+                <a:t>Feedforward</a:t>
+              </a:r>
+              <a:endParaRPr lang="zh-CN" altLang="en-US" sz="1400" kern="0" dirty="0">
+                <a:latin typeface="Times New Roman"/>
+                <a:ea typeface="宋体"/>
+              </a:endParaRPr>
+            </a:p>
+          </p:txBody>
+        </p:sp>
+        <p:cxnSp>
+          <p:nvCxnSpPr>
+            <p:cNvPr id="18" name="直接箭头连接符 17">
+              <a:extLst>
+                <a:ext uri="{FF2B5EF4-FFF2-40B4-BE49-F238E27FC236}">
+                  <a16:creationId xmlns:a16="http://schemas.microsoft.com/office/drawing/2014/main" id="{126981B3-808C-8A70-C545-6C6533DCDFA4}"/>
+                </a:ext>
+              </a:extLst>
+            </p:cNvPr>
+            <p:cNvCxnSpPr>
+              <a:cxnSpLocks/>
+              <a:stCxn id="16" idx="0"/>
+              <a:endCxn id="17" idx="2"/>
+            </p:cNvCxnSpPr>
+            <p:nvPr/>
+          </p:nvCxnSpPr>
+          <p:spPr>
+            <a:xfrm flipV="1">
+              <a:off x="3867994" y="4368896"/>
+              <a:ext cx="0" cy="603349"/>
+            </a:xfrm>
+            <a:prstGeom prst="straightConnector1">
+              <a:avLst/>
+            </a:prstGeom>
+            <a:noFill/>
+            <a:ln w="19050" cap="flat" cmpd="sng" algn="ctr">
+              <a:solidFill>
+                <a:sysClr val="windowText" lastClr="000000"/>
+              </a:solidFill>
+              <a:prstDash val="solid"/>
+              <a:miter lim="800000"/>
+              <a:tailEnd type="triangle"/>
+            </a:ln>
+            <a:effectLst/>
+          </p:spPr>
+        </p:cxnSp>
+        <p:sp>
+          <p:nvSpPr>
+            <p:cNvPr id="19" name="矩形 18">
+              <a:extLst>
+                <a:ext uri="{FF2B5EF4-FFF2-40B4-BE49-F238E27FC236}">
+                  <a16:creationId xmlns:a16="http://schemas.microsoft.com/office/drawing/2014/main" id="{14C12C04-1FE5-FA0A-7DDB-755DE84D1019}"/>
+                </a:ext>
+              </a:extLst>
+            </p:cNvPr>
+            <p:cNvSpPr/>
+            <p:nvPr/>
+          </p:nvSpPr>
+          <p:spPr>
+            <a:xfrm>
+              <a:off x="3277855" y="4615844"/>
+              <a:ext cx="1180278" cy="305173"/>
+            </a:xfrm>
+            <a:prstGeom prst="rect">
+              <a:avLst/>
+            </a:prstGeom>
+            <a:solidFill>
+              <a:srgbClr val="CCE7CF"/>
+            </a:solidFill>
+            <a:ln w="19050" cap="flat" cmpd="sng" algn="ctr">
+              <a:solidFill>
+                <a:schemeClr val="tx1"/>
+              </a:solidFill>
+              <a:prstDash val="solid"/>
+              <a:miter lim="800000"/>
+            </a:ln>
+            <a:effectLst/>
+          </p:spPr>
+          <p:txBody>
+            <a:bodyPr rtlCol="0" anchor="t"/>
+            <a:lstStyle/>
+            <a:p>
+              <a:pPr algn="ctr" defTabSz="914511"/>
+              <a:r>
+                <a:rPr lang="en-US" altLang="zh-CN" sz="1400" kern="0" dirty="0">
+                  <a:latin typeface="Times New Roman"/>
+                  <a:ea typeface="宋体"/>
+                </a:rPr>
+                <a:t>Add &amp; Norm</a:t>
+              </a:r>
+              <a:endParaRPr lang="zh-CN" altLang="en-US" sz="1400" kern="0" dirty="0">
+                <a:latin typeface="Times New Roman"/>
+                <a:ea typeface="宋体"/>
+              </a:endParaRPr>
+            </a:p>
+          </p:txBody>
+        </p:sp>
+        <p:cxnSp>
+          <p:nvCxnSpPr>
+            <p:cNvPr id="24" name="直接箭头连接符 23">
+              <a:extLst>
+                <a:ext uri="{FF2B5EF4-FFF2-40B4-BE49-F238E27FC236}">
+                  <a16:creationId xmlns:a16="http://schemas.microsoft.com/office/drawing/2014/main" id="{8247D04A-05C7-FD84-7B52-B13210B1B9F6}"/>
+                </a:ext>
+              </a:extLst>
+            </p:cNvPr>
+            <p:cNvCxnSpPr>
+              <a:endCxn id="16" idx="2"/>
+            </p:cNvCxnSpPr>
+            <p:nvPr/>
+          </p:nvCxnSpPr>
+          <p:spPr>
+            <a:xfrm flipV="1">
+              <a:off x="3865027" y="5489054"/>
+              <a:ext cx="2967" cy="498806"/>
+            </a:xfrm>
+            <a:prstGeom prst="straightConnector1">
+              <a:avLst/>
+            </a:prstGeom>
+            <a:ln w="19050">
+              <a:solidFill>
+                <a:schemeClr val="tx1"/>
+              </a:solidFill>
+              <a:tailEnd type="triangle"/>
+            </a:ln>
+          </p:spPr>
+          <p:style>
+            <a:lnRef idx="1">
+              <a:schemeClr val="accent1"/>
+            </a:lnRef>
+            <a:fillRef idx="0">
+              <a:schemeClr val="accent1"/>
+            </a:fillRef>
+            <a:effectRef idx="0">
+              <a:schemeClr val="accent1"/>
+            </a:effectRef>
+            <a:fontRef idx="minor">
+              <a:schemeClr val="tx1"/>
+            </a:fontRef>
+          </p:style>
+        </p:cxnSp>
+        <p:cxnSp>
+          <p:nvCxnSpPr>
+            <p:cNvPr id="25" name="连接符: 肘形 24">
+              <a:extLst>
+                <a:ext uri="{FF2B5EF4-FFF2-40B4-BE49-F238E27FC236}">
+                  <a16:creationId xmlns:a16="http://schemas.microsoft.com/office/drawing/2014/main" id="{9C133D98-118D-60AC-54F8-16EC2FFEEA30}"/>
+                </a:ext>
+              </a:extLst>
+            </p:cNvPr>
+            <p:cNvCxnSpPr>
+              <a:cxnSpLocks/>
+            </p:cNvCxnSpPr>
+            <p:nvPr/>
+          </p:nvCxnSpPr>
+          <p:spPr>
+            <a:xfrm rot="16200000" flipV="1">
+              <a:off x="3521985" y="5644817"/>
+              <a:ext cx="503420" cy="182665"/>
+            </a:xfrm>
+            <a:prstGeom prst="bentConnector3">
+              <a:avLst>
+                <a:gd name="adj1" fmla="val 73177"/>
+              </a:avLst>
+            </a:prstGeom>
+            <a:ln w="19050">
+              <a:solidFill>
+                <a:schemeClr val="tx1"/>
+              </a:solidFill>
+              <a:tailEnd type="triangle"/>
+            </a:ln>
+          </p:spPr>
+          <p:style>
+            <a:lnRef idx="1">
+              <a:schemeClr val="accent1"/>
+            </a:lnRef>
+            <a:fillRef idx="0">
+              <a:schemeClr val="accent1"/>
+            </a:fillRef>
+            <a:effectRef idx="0">
+              <a:schemeClr val="accent1"/>
+            </a:effectRef>
+            <a:fontRef idx="minor">
+              <a:schemeClr val="tx1"/>
+            </a:fontRef>
+          </p:style>
+        </p:cxnSp>
+        <p:cxnSp>
+          <p:nvCxnSpPr>
+            <p:cNvPr id="26" name="连接符: 肘形 25">
+              <a:extLst>
+                <a:ext uri="{FF2B5EF4-FFF2-40B4-BE49-F238E27FC236}">
+                  <a16:creationId xmlns:a16="http://schemas.microsoft.com/office/drawing/2014/main" id="{DD178960-E381-3E4A-FEB0-7D96C6911A86}"/>
+                </a:ext>
+              </a:extLst>
+            </p:cNvPr>
+            <p:cNvCxnSpPr>
+              <a:cxnSpLocks/>
+            </p:cNvCxnSpPr>
+            <p:nvPr/>
+          </p:nvCxnSpPr>
+          <p:spPr>
+            <a:xfrm rot="5400000" flipH="1" flipV="1">
+              <a:off x="3703317" y="5646150"/>
+              <a:ext cx="503420" cy="180000"/>
+            </a:xfrm>
+            <a:prstGeom prst="bentConnector3">
+              <a:avLst>
+                <a:gd name="adj1" fmla="val 73178"/>
+              </a:avLst>
+            </a:prstGeom>
+            <a:ln w="19050">
+              <a:solidFill>
+                <a:schemeClr val="tx1"/>
+              </a:solidFill>
+              <a:tailEnd type="triangle"/>
+            </a:ln>
+          </p:spPr>
+          <p:style>
+            <a:lnRef idx="1">
+              <a:schemeClr val="accent1"/>
+            </a:lnRef>
+            <a:fillRef idx="0">
+              <a:schemeClr val="accent1"/>
+            </a:fillRef>
+            <a:effectRef idx="0">
+              <a:schemeClr val="accent1"/>
+            </a:effectRef>
+            <a:fontRef idx="minor">
+              <a:schemeClr val="tx1"/>
+            </a:fontRef>
+          </p:style>
+        </p:cxnSp>
+        <p:cxnSp>
+          <p:nvCxnSpPr>
+            <p:cNvPr id="27" name="连接符: 肘形 26">
+              <a:extLst>
+                <a:ext uri="{FF2B5EF4-FFF2-40B4-BE49-F238E27FC236}">
+                  <a16:creationId xmlns:a16="http://schemas.microsoft.com/office/drawing/2014/main" id="{57E5E958-1AC1-2A44-303A-FB11388EA31C}"/>
+                </a:ext>
+              </a:extLst>
+            </p:cNvPr>
+            <p:cNvCxnSpPr>
+              <a:cxnSpLocks/>
+              <a:endCxn id="19" idx="1"/>
+            </p:cNvCxnSpPr>
+            <p:nvPr/>
+          </p:nvCxnSpPr>
+          <p:spPr>
+            <a:xfrm rot="10800000">
+              <a:off x="3277855" y="4768432"/>
+              <a:ext cx="589434" cy="1068309"/>
+            </a:xfrm>
+            <a:prstGeom prst="bentConnector3">
+              <a:avLst>
+                <a:gd name="adj1" fmla="val 138783"/>
+              </a:avLst>
+            </a:prstGeom>
+            <a:ln w="19050">
+              <a:solidFill>
+                <a:schemeClr val="tx1"/>
+              </a:solidFill>
+              <a:tailEnd type="triangle"/>
+            </a:ln>
+          </p:spPr>
+          <p:style>
+            <a:lnRef idx="1">
+              <a:schemeClr val="accent1"/>
+            </a:lnRef>
+            <a:fillRef idx="0">
+              <a:schemeClr val="accent1"/>
+            </a:fillRef>
+            <a:effectRef idx="0">
+              <a:schemeClr val="accent1"/>
+            </a:effectRef>
+            <a:fontRef idx="minor">
+              <a:schemeClr val="tx1"/>
+            </a:fontRef>
+          </p:style>
+        </p:cxnSp>
       </p:grpSp>
     </p:spTree>
     <p:extLst>
@@ -11357,8 +11761,8 @@
             </a:fontRef>
           </p:style>
         </p:cxnSp>
-        <mc:AlternateContent xmlns:mc="http://schemas.openxmlformats.org/markup-compatibility/2006">
-          <mc:Choice xmlns:a14="http://schemas.microsoft.com/office/drawing/2010/main" Requires="a14">
+        <mc:AlternateContent xmlns:mc="http://schemas.openxmlformats.org/markup-compatibility/2006" xmlns:a14="http://schemas.microsoft.com/office/drawing/2010/main">
+          <mc:Choice Requires="a14">
             <p:sp>
               <p:nvSpPr>
                 <p:cNvPr id="11" name="文本框 10">
@@ -11412,7 +11816,7 @@
               </p:txBody>
             </p:sp>
           </mc:Choice>
-          <mc:Fallback>
+          <mc:Fallback xmlns="">
             <p:sp>
               <p:nvSpPr>
                 <p:cNvPr id="11" name="文本框 10">
@@ -11600,8 +12004,8 @@
             </a:p>
           </p:txBody>
         </p:sp>
-        <mc:AlternateContent xmlns:mc="http://schemas.openxmlformats.org/markup-compatibility/2006">
-          <mc:Choice xmlns:a14="http://schemas.microsoft.com/office/drawing/2010/main" Requires="a14">
+        <mc:AlternateContent xmlns:mc="http://schemas.openxmlformats.org/markup-compatibility/2006" xmlns:a14="http://schemas.microsoft.com/office/drawing/2010/main">
+          <mc:Choice Requires="a14">
             <p:sp>
               <p:nvSpPr>
                 <p:cNvPr id="20" name="文本框 19">
@@ -11655,7 +12059,7 @@
               </p:txBody>
             </p:sp>
           </mc:Choice>
-          <mc:Fallback>
+          <mc:Fallback xmlns="">
             <p:sp>
               <p:nvSpPr>
                 <p:cNvPr id="20" name="文本框 19">
@@ -11700,8 +12104,8 @@
             </p:sp>
           </mc:Fallback>
         </mc:AlternateContent>
-        <mc:AlternateContent xmlns:mc="http://schemas.openxmlformats.org/markup-compatibility/2006">
-          <mc:Choice xmlns:a14="http://schemas.microsoft.com/office/drawing/2010/main" Requires="a14">
+        <mc:AlternateContent xmlns:mc="http://schemas.openxmlformats.org/markup-compatibility/2006" xmlns:a14="http://schemas.microsoft.com/office/drawing/2010/main">
+          <mc:Choice Requires="a14">
             <p:sp>
               <p:nvSpPr>
                 <p:cNvPr id="215" name="文本框 214">
@@ -11730,6 +12134,7 @@
                 </a:bodyPr>
                 <a:lstStyle/>
                 <a:p>
+                  <a:pPr/>
                   <a14:m>
                     <m:oMathPara xmlns:m="http://schemas.openxmlformats.org/officeDocument/2006/math">
                       <m:oMathParaPr>
@@ -11769,7 +12174,7 @@
               </p:txBody>
             </p:sp>
           </mc:Choice>
-          <mc:Fallback>
+          <mc:Fallback xmlns="">
             <p:sp>
               <p:nvSpPr>
                 <p:cNvPr id="215" name="文本框 214">
@@ -11814,8 +12219,8 @@
             </p:sp>
           </mc:Fallback>
         </mc:AlternateContent>
-        <mc:AlternateContent xmlns:mc="http://schemas.openxmlformats.org/markup-compatibility/2006">
-          <mc:Choice xmlns:a14="http://schemas.microsoft.com/office/drawing/2010/main" Requires="a14">
+        <mc:AlternateContent xmlns:mc="http://schemas.openxmlformats.org/markup-compatibility/2006" xmlns:a14="http://schemas.microsoft.com/office/drawing/2010/main">
+          <mc:Choice Requires="a14">
             <p:sp>
               <p:nvSpPr>
                 <p:cNvPr id="216" name="文本框 215">
@@ -11844,6 +12249,7 @@
                 </a:bodyPr>
                 <a:lstStyle/>
                 <a:p>
+                  <a:pPr/>
                   <a14:m>
                     <m:oMathPara xmlns:m="http://schemas.openxmlformats.org/officeDocument/2006/math">
                       <m:oMathParaPr>
@@ -11883,7 +12289,7 @@
               </p:txBody>
             </p:sp>
           </mc:Choice>
-          <mc:Fallback>
+          <mc:Fallback xmlns="">
             <p:sp>
               <p:nvSpPr>
                 <p:cNvPr id="216" name="文本框 215">
@@ -11928,8 +12334,8 @@
             </p:sp>
           </mc:Fallback>
         </mc:AlternateContent>
-        <mc:AlternateContent xmlns:mc="http://schemas.openxmlformats.org/markup-compatibility/2006">
-          <mc:Choice xmlns:a14="http://schemas.microsoft.com/office/drawing/2010/main" Requires="a14">
+        <mc:AlternateContent xmlns:mc="http://schemas.openxmlformats.org/markup-compatibility/2006" xmlns:a14="http://schemas.microsoft.com/office/drawing/2010/main">
+          <mc:Choice Requires="a14">
             <p:sp>
               <p:nvSpPr>
                 <p:cNvPr id="217" name="文本框 216">
@@ -11958,6 +12364,7 @@
                 </a:bodyPr>
                 <a:lstStyle/>
                 <a:p>
+                  <a:pPr/>
                   <a14:m>
                     <m:oMathPara xmlns:m="http://schemas.openxmlformats.org/officeDocument/2006/math">
                       <m:oMathParaPr>
@@ -11997,7 +12404,7 @@
               </p:txBody>
             </p:sp>
           </mc:Choice>
-          <mc:Fallback>
+          <mc:Fallback xmlns="">
             <p:sp>
               <p:nvSpPr>
                 <p:cNvPr id="217" name="文本框 216">
@@ -12042,8 +12449,8 @@
             </p:sp>
           </mc:Fallback>
         </mc:AlternateContent>
-        <mc:AlternateContent xmlns:mc="http://schemas.openxmlformats.org/markup-compatibility/2006">
-          <mc:Choice xmlns:a14="http://schemas.microsoft.com/office/drawing/2010/main" Requires="a14">
+        <mc:AlternateContent xmlns:mc="http://schemas.openxmlformats.org/markup-compatibility/2006" xmlns:a14="http://schemas.microsoft.com/office/drawing/2010/main">
+          <mc:Choice Requires="a14">
             <p:sp>
               <p:nvSpPr>
                 <p:cNvPr id="218" name="文本框 217">
@@ -12072,6 +12479,7 @@
                 </a:bodyPr>
                 <a:lstStyle/>
                 <a:p>
+                  <a:pPr/>
                   <a14:m>
                     <m:oMathPara xmlns:m="http://schemas.openxmlformats.org/officeDocument/2006/math">
                       <m:oMathParaPr>
@@ -12111,7 +12519,7 @@
               </p:txBody>
             </p:sp>
           </mc:Choice>
-          <mc:Fallback>
+          <mc:Fallback xmlns="">
             <p:sp>
               <p:nvSpPr>
                 <p:cNvPr id="218" name="文本框 217">
@@ -12156,8 +12564,8 @@
             </p:sp>
           </mc:Fallback>
         </mc:AlternateContent>
-        <mc:AlternateContent xmlns:mc="http://schemas.openxmlformats.org/markup-compatibility/2006">
-          <mc:Choice xmlns:a14="http://schemas.microsoft.com/office/drawing/2010/main" Requires="a14">
+        <mc:AlternateContent xmlns:mc="http://schemas.openxmlformats.org/markup-compatibility/2006" xmlns:a14="http://schemas.microsoft.com/office/drawing/2010/main">
+          <mc:Choice Requires="a14">
             <p:sp>
               <p:nvSpPr>
                 <p:cNvPr id="219" name="文本框 218">
@@ -12186,6 +12594,7 @@
                 </a:bodyPr>
                 <a:lstStyle/>
                 <a:p>
+                  <a:pPr/>
                   <a14:m>
                     <m:oMathPara xmlns:m="http://schemas.openxmlformats.org/officeDocument/2006/math">
                       <m:oMathParaPr>
@@ -12225,7 +12634,7 @@
               </p:txBody>
             </p:sp>
           </mc:Choice>
-          <mc:Fallback>
+          <mc:Fallback xmlns="">
             <p:sp>
               <p:nvSpPr>
                 <p:cNvPr id="219" name="文本框 218">
@@ -12270,8 +12679,8 @@
             </p:sp>
           </mc:Fallback>
         </mc:AlternateContent>
-        <mc:AlternateContent xmlns:mc="http://schemas.openxmlformats.org/markup-compatibility/2006">
-          <mc:Choice xmlns:a14="http://schemas.microsoft.com/office/drawing/2010/main" Requires="a14">
+        <mc:AlternateContent xmlns:mc="http://schemas.openxmlformats.org/markup-compatibility/2006" xmlns:a14="http://schemas.microsoft.com/office/drawing/2010/main">
+          <mc:Choice Requires="a14">
             <p:sp>
               <p:nvSpPr>
                 <p:cNvPr id="220" name="文本框 219">
@@ -12300,6 +12709,7 @@
                 </a:bodyPr>
                 <a:lstStyle/>
                 <a:p>
+                  <a:pPr/>
                   <a14:m>
                     <m:oMathPara xmlns:m="http://schemas.openxmlformats.org/officeDocument/2006/math">
                       <m:oMathParaPr>
@@ -12339,7 +12749,7 @@
               </p:txBody>
             </p:sp>
           </mc:Choice>
-          <mc:Fallback>
+          <mc:Fallback xmlns="">
             <p:sp>
               <p:nvSpPr>
                 <p:cNvPr id="220" name="文本框 219">
@@ -12384,8 +12794,8 @@
             </p:sp>
           </mc:Fallback>
         </mc:AlternateContent>
-        <mc:AlternateContent xmlns:mc="http://schemas.openxmlformats.org/markup-compatibility/2006">
-          <mc:Choice xmlns:a14="http://schemas.microsoft.com/office/drawing/2010/main" Requires="a14">
+        <mc:AlternateContent xmlns:mc="http://schemas.openxmlformats.org/markup-compatibility/2006" xmlns:a14="http://schemas.microsoft.com/office/drawing/2010/main">
+          <mc:Choice Requires="a14">
             <p:sp>
               <p:nvSpPr>
                 <p:cNvPr id="221" name="文本框 220">
@@ -12414,6 +12824,7 @@
                 </a:bodyPr>
                 <a:lstStyle/>
                 <a:p>
+                  <a:pPr/>
                   <a14:m>
                     <m:oMathPara xmlns:m="http://schemas.openxmlformats.org/officeDocument/2006/math">
                       <m:oMathParaPr>
@@ -12453,7 +12864,7 @@
               </p:txBody>
             </p:sp>
           </mc:Choice>
-          <mc:Fallback>
+          <mc:Fallback xmlns="">
             <p:sp>
               <p:nvSpPr>
                 <p:cNvPr id="221" name="文本框 220">
@@ -12498,8 +12909,8 @@
             </p:sp>
           </mc:Fallback>
         </mc:AlternateContent>
-        <mc:AlternateContent xmlns:mc="http://schemas.openxmlformats.org/markup-compatibility/2006">
-          <mc:Choice xmlns:a14="http://schemas.microsoft.com/office/drawing/2010/main" Requires="a14">
+        <mc:AlternateContent xmlns:mc="http://schemas.openxmlformats.org/markup-compatibility/2006" xmlns:a14="http://schemas.microsoft.com/office/drawing/2010/main">
+          <mc:Choice Requires="a14">
             <p:sp>
               <p:nvSpPr>
                 <p:cNvPr id="222" name="文本框 221">
@@ -12528,6 +12939,7 @@
                 </a:bodyPr>
                 <a:lstStyle/>
                 <a:p>
+                  <a:pPr/>
                   <a14:m>
                     <m:oMathPara xmlns:m="http://schemas.openxmlformats.org/officeDocument/2006/math">
                       <m:oMathParaPr>
@@ -12567,7 +12979,7 @@
               </p:txBody>
             </p:sp>
           </mc:Choice>
-          <mc:Fallback>
+          <mc:Fallback xmlns="">
             <p:sp>
               <p:nvSpPr>
                 <p:cNvPr id="222" name="文本框 221">
@@ -12612,8 +13024,8 @@
             </p:sp>
           </mc:Fallback>
         </mc:AlternateContent>
-        <mc:AlternateContent xmlns:mc="http://schemas.openxmlformats.org/markup-compatibility/2006">
-          <mc:Choice xmlns:a14="http://schemas.microsoft.com/office/drawing/2010/main" Requires="a14">
+        <mc:AlternateContent xmlns:mc="http://schemas.openxmlformats.org/markup-compatibility/2006" xmlns:a14="http://schemas.microsoft.com/office/drawing/2010/main">
+          <mc:Choice Requires="a14">
             <p:sp>
               <p:nvSpPr>
                 <p:cNvPr id="300" name="文本框 299">
@@ -12642,6 +13054,7 @@
                 </a:bodyPr>
                 <a:lstStyle/>
                 <a:p>
+                  <a:pPr/>
                   <a14:m>
                     <m:oMathPara xmlns:m="http://schemas.openxmlformats.org/officeDocument/2006/math">
                       <m:oMathParaPr>
@@ -12662,7 +13075,7 @@
               </p:txBody>
             </p:sp>
           </mc:Choice>
-          <mc:Fallback>
+          <mc:Fallback xmlns="">
             <p:sp>
               <p:nvSpPr>
                 <p:cNvPr id="300" name="文本框 299">
@@ -14372,8 +14785,8 @@
             </a:fontRef>
           </p:style>
         </p:cxnSp>
-        <mc:AlternateContent xmlns:mc="http://schemas.openxmlformats.org/markup-compatibility/2006">
-          <mc:Choice xmlns:a14="http://schemas.microsoft.com/office/drawing/2010/main" Requires="a14">
+        <mc:AlternateContent xmlns:mc="http://schemas.openxmlformats.org/markup-compatibility/2006" xmlns:a14="http://schemas.microsoft.com/office/drawing/2010/main">
+          <mc:Choice Requires="a14">
             <p:sp>
               <p:nvSpPr>
                 <p:cNvPr id="542" name="文本框 541">
@@ -14402,6 +14815,7 @@
                 </a:bodyPr>
                 <a:lstStyle/>
                 <a:p>
+                  <a:pPr/>
                   <a14:m>
                     <m:oMathPara xmlns:m="http://schemas.openxmlformats.org/officeDocument/2006/math">
                       <m:oMathParaPr>
@@ -14422,7 +14836,7 @@
               </p:txBody>
             </p:sp>
           </mc:Choice>
-          <mc:Fallback>
+          <mc:Fallback xmlns="">
             <p:sp>
               <p:nvSpPr>
                 <p:cNvPr id="542" name="文本框 541">
@@ -14618,8 +15032,8 @@
             </a:p>
           </p:txBody>
         </p:sp>
-        <mc:AlternateContent xmlns:mc="http://schemas.openxmlformats.org/markup-compatibility/2006">
-          <mc:Choice xmlns:a14="http://schemas.microsoft.com/office/drawing/2010/main" Requires="a14">
+        <mc:AlternateContent xmlns:mc="http://schemas.openxmlformats.org/markup-compatibility/2006" xmlns:a14="http://schemas.microsoft.com/office/drawing/2010/main">
+          <mc:Choice Requires="a14">
             <p:sp>
               <p:nvSpPr>
                 <p:cNvPr id="5" name="文本框 4">
@@ -14648,6 +15062,7 @@
                 </a:bodyPr>
                 <a:lstStyle/>
                 <a:p>
+                  <a:pPr/>
                   <a14:m>
                     <m:oMathPara xmlns:m="http://schemas.openxmlformats.org/officeDocument/2006/math">
                       <m:oMathParaPr>
@@ -14672,7 +15087,7 @@
               </p:txBody>
             </p:sp>
           </mc:Choice>
-          <mc:Fallback>
+          <mc:Fallback xmlns="">
             <p:sp>
               <p:nvSpPr>
                 <p:cNvPr id="5" name="文本框 4">
@@ -14717,8 +15132,8 @@
             </p:sp>
           </mc:Fallback>
         </mc:AlternateContent>
-        <mc:AlternateContent xmlns:mc="http://schemas.openxmlformats.org/markup-compatibility/2006">
-          <mc:Choice xmlns:a14="http://schemas.microsoft.com/office/drawing/2010/main" Requires="a14">
+        <mc:AlternateContent xmlns:mc="http://schemas.openxmlformats.org/markup-compatibility/2006" xmlns:a14="http://schemas.microsoft.com/office/drawing/2010/main">
+          <mc:Choice Requires="a14">
             <p:sp>
               <p:nvSpPr>
                 <p:cNvPr id="6" name="文本框 5">
@@ -14747,6 +15162,7 @@
                 </a:bodyPr>
                 <a:lstStyle/>
                 <a:p>
+                  <a:pPr/>
                   <a14:m>
                     <m:oMathPara xmlns:m="http://schemas.openxmlformats.org/officeDocument/2006/math">
                       <m:oMathParaPr>
@@ -14792,7 +15208,7 @@
               </p:txBody>
             </p:sp>
           </mc:Choice>
-          <mc:Fallback>
+          <mc:Fallback xmlns="">
             <p:sp>
               <p:nvSpPr>
                 <p:cNvPr id="6" name="文本框 5">
@@ -14837,8 +15253,8 @@
             </p:sp>
           </mc:Fallback>
         </mc:AlternateContent>
-        <mc:AlternateContent xmlns:mc="http://schemas.openxmlformats.org/markup-compatibility/2006">
-          <mc:Choice xmlns:a14="http://schemas.microsoft.com/office/drawing/2010/main" Requires="a14">
+        <mc:AlternateContent xmlns:mc="http://schemas.openxmlformats.org/markup-compatibility/2006" xmlns:a14="http://schemas.microsoft.com/office/drawing/2010/main">
+          <mc:Choice Requires="a14">
             <p:sp>
               <p:nvSpPr>
                 <p:cNvPr id="7" name="文本框 6">
@@ -14867,6 +15283,7 @@
                 </a:bodyPr>
                 <a:lstStyle/>
                 <a:p>
+                  <a:pPr/>
                   <a14:m>
                     <m:oMathPara xmlns:m="http://schemas.openxmlformats.org/officeDocument/2006/math">
                       <m:oMathParaPr>
@@ -14912,7 +15329,7 @@
               </p:txBody>
             </p:sp>
           </mc:Choice>
-          <mc:Fallback>
+          <mc:Fallback xmlns="">
             <p:sp>
               <p:nvSpPr>
                 <p:cNvPr id="7" name="文本框 6">
@@ -14957,8 +15374,8 @@
             </p:sp>
           </mc:Fallback>
         </mc:AlternateContent>
-        <mc:AlternateContent xmlns:mc="http://schemas.openxmlformats.org/markup-compatibility/2006">
-          <mc:Choice xmlns:a14="http://schemas.microsoft.com/office/drawing/2010/main" Requires="a14">
+        <mc:AlternateContent xmlns:mc="http://schemas.openxmlformats.org/markup-compatibility/2006" xmlns:a14="http://schemas.microsoft.com/office/drawing/2010/main">
+          <mc:Choice Requires="a14">
             <p:sp>
               <p:nvSpPr>
                 <p:cNvPr id="8" name="文本框 7">
@@ -14987,6 +15404,7 @@
                 </a:bodyPr>
                 <a:lstStyle/>
                 <a:p>
+                  <a:pPr/>
                   <a14:m>
                     <m:oMathPara xmlns:m="http://schemas.openxmlformats.org/officeDocument/2006/math">
                       <m:oMathParaPr>
@@ -15032,7 +15450,7 @@
               </p:txBody>
             </p:sp>
           </mc:Choice>
-          <mc:Fallback>
+          <mc:Fallback xmlns="">
             <p:sp>
               <p:nvSpPr>
                 <p:cNvPr id="8" name="文本框 7">
@@ -15560,8 +15978,8 @@
             </a:fontRef>
           </p:style>
         </p:cxnSp>
-        <mc:AlternateContent xmlns:mc="http://schemas.openxmlformats.org/markup-compatibility/2006">
-          <mc:Choice xmlns:a14="http://schemas.microsoft.com/office/drawing/2010/main" Requires="a14">
+        <mc:AlternateContent xmlns:mc="http://schemas.openxmlformats.org/markup-compatibility/2006" xmlns:a14="http://schemas.microsoft.com/office/drawing/2010/main">
+          <mc:Choice Requires="a14">
             <p:sp>
               <p:nvSpPr>
                 <p:cNvPr id="75" name="文本框 74">
@@ -15590,6 +16008,7 @@
                 </a:bodyPr>
                 <a:lstStyle/>
                 <a:p>
+                  <a:pPr/>
                   <a14:m>
                     <m:oMathPara xmlns:m="http://schemas.openxmlformats.org/officeDocument/2006/math">
                       <m:oMathParaPr>
@@ -15635,7 +16054,7 @@
               </p:txBody>
             </p:sp>
           </mc:Choice>
-          <mc:Fallback>
+          <mc:Fallback xmlns="">
             <p:sp>
               <p:nvSpPr>
                 <p:cNvPr id="75" name="文本框 74">
@@ -15826,8 +16245,8 @@
             </a:fontRef>
           </p:style>
         </p:cxnSp>
-        <mc:AlternateContent xmlns:mc="http://schemas.openxmlformats.org/markup-compatibility/2006">
-          <mc:Choice xmlns:a14="http://schemas.microsoft.com/office/drawing/2010/main" Requires="a14">
+        <mc:AlternateContent xmlns:mc="http://schemas.openxmlformats.org/markup-compatibility/2006" xmlns:a14="http://schemas.microsoft.com/office/drawing/2010/main">
+          <mc:Choice Requires="a14">
             <p:sp>
               <p:nvSpPr>
                 <p:cNvPr id="82" name="矩形 81">
@@ -15922,7 +16341,7 @@
               </p:txBody>
             </p:sp>
           </mc:Choice>
-          <mc:Fallback>
+          <mc:Fallback xmlns="">
             <p:sp>
               <p:nvSpPr>
                 <p:cNvPr id="82" name="矩形 81">
@@ -15975,8 +16394,8 @@
             </p:sp>
           </mc:Fallback>
         </mc:AlternateContent>
-        <mc:AlternateContent xmlns:mc="http://schemas.openxmlformats.org/markup-compatibility/2006">
-          <mc:Choice xmlns:a14="http://schemas.microsoft.com/office/drawing/2010/main" Requires="a14">
+        <mc:AlternateContent xmlns:mc="http://schemas.openxmlformats.org/markup-compatibility/2006" xmlns:a14="http://schemas.microsoft.com/office/drawing/2010/main">
+          <mc:Choice Requires="a14">
             <p:sp>
               <p:nvSpPr>
                 <p:cNvPr id="83" name="矩形 82">
@@ -16071,7 +16490,7 @@
               </p:txBody>
             </p:sp>
           </mc:Choice>
-          <mc:Fallback>
+          <mc:Fallback xmlns="">
             <p:sp>
               <p:nvSpPr>
                 <p:cNvPr id="83" name="矩形 82">
@@ -16124,8 +16543,8 @@
             </p:sp>
           </mc:Fallback>
         </mc:AlternateContent>
-        <mc:AlternateContent xmlns:mc="http://schemas.openxmlformats.org/markup-compatibility/2006">
-          <mc:Choice xmlns:a14="http://schemas.microsoft.com/office/drawing/2010/main" Requires="a14">
+        <mc:AlternateContent xmlns:mc="http://schemas.openxmlformats.org/markup-compatibility/2006" xmlns:a14="http://schemas.microsoft.com/office/drawing/2010/main">
+          <mc:Choice Requires="a14">
             <p:sp>
               <p:nvSpPr>
                 <p:cNvPr id="84" name="矩形 83">
@@ -16220,7 +16639,7 @@
               </p:txBody>
             </p:sp>
           </mc:Choice>
-          <mc:Fallback>
+          <mc:Fallback xmlns="">
             <p:sp>
               <p:nvSpPr>
                 <p:cNvPr id="84" name="矩形 83">
@@ -16413,6 +16832,2628 @@
     <p:extLst>
       <p:ext uri="{BB962C8B-B14F-4D97-AF65-F5344CB8AC3E}">
         <p14:creationId xmlns:p14="http://schemas.microsoft.com/office/powerpoint/2010/main" val="129288926"/>
+      </p:ext>
+    </p:extLst>
+  </p:cSld>
+  <p:clrMapOvr>
+    <a:masterClrMapping/>
+  </p:clrMapOvr>
+</p:sld>
+</file>
+
+<file path=ppt/slides/slide6.xml><?xml version="1.0" encoding="utf-8"?>
+<p:sld xmlns:a="http://schemas.openxmlformats.org/drawingml/2006/main" xmlns:r="http://schemas.openxmlformats.org/officeDocument/2006/relationships" xmlns:p="http://schemas.openxmlformats.org/presentationml/2006/main">
+  <p:cSld>
+    <p:spTree>
+      <p:nvGrpSpPr>
+        <p:cNvPr id="1" name=""/>
+        <p:cNvGrpSpPr/>
+        <p:nvPr/>
+      </p:nvGrpSpPr>
+      <p:grpSpPr>
+        <a:xfrm>
+          <a:off x="0" y="0"/>
+          <a:ext cx="0" cy="0"/>
+          <a:chOff x="0" y="0"/>
+          <a:chExt cx="0" cy="0"/>
+        </a:xfrm>
+      </p:grpSpPr>
+      <p:grpSp>
+        <p:nvGrpSpPr>
+          <p:cNvPr id="100" name="组合 99">
+            <a:extLst>
+              <a:ext uri="{FF2B5EF4-FFF2-40B4-BE49-F238E27FC236}">
+                <a16:creationId xmlns:a16="http://schemas.microsoft.com/office/drawing/2014/main" id="{B654B6B4-B35B-DEFC-0439-F20C114E840C}"/>
+              </a:ext>
+            </a:extLst>
+          </p:cNvPr>
+          <p:cNvGrpSpPr/>
+          <p:nvPr/>
+        </p:nvGrpSpPr>
+        <p:grpSpPr>
+          <a:xfrm>
+            <a:off x="2577432" y="754380"/>
+            <a:ext cx="3165223" cy="3652943"/>
+            <a:chOff x="2577432" y="754380"/>
+            <a:chExt cx="3165223" cy="3652943"/>
+          </a:xfrm>
+        </p:grpSpPr>
+        <p:sp>
+          <p:nvSpPr>
+            <p:cNvPr id="4" name="矩形 3">
+              <a:extLst>
+                <a:ext uri="{FF2B5EF4-FFF2-40B4-BE49-F238E27FC236}">
+                  <a16:creationId xmlns:a16="http://schemas.microsoft.com/office/drawing/2014/main" id="{6F6EE6D4-0380-7D88-7129-B9A557BABC72}"/>
+                </a:ext>
+              </a:extLst>
+            </p:cNvPr>
+            <p:cNvSpPr/>
+            <p:nvPr/>
+          </p:nvSpPr>
+          <p:spPr>
+            <a:xfrm>
+              <a:off x="2577432" y="754380"/>
+              <a:ext cx="3165223" cy="3649980"/>
+            </a:xfrm>
+            <a:prstGeom prst="rect">
+              <a:avLst/>
+            </a:prstGeom>
+            <a:solidFill>
+              <a:srgbClr val="C2E8F7"/>
+            </a:solidFill>
+            <a:ln w="19050" cap="flat" cmpd="sng" algn="ctr">
+              <a:solidFill>
+                <a:schemeClr val="tx1"/>
+              </a:solidFill>
+              <a:prstDash val="solid"/>
+              <a:miter lim="800000"/>
+            </a:ln>
+            <a:effectLst/>
+          </p:spPr>
+          <p:txBody>
+            <a:bodyPr rtlCol="0" anchor="t"/>
+            <a:lstStyle/>
+            <a:p>
+              <a:pPr algn="ctr" defTabSz="914511"/>
+              <a:r>
+                <a:rPr lang="en-US" altLang="zh-CN" sz="1400" kern="0" dirty="0">
+                  <a:latin typeface="Times New Roman"/>
+                  <a:ea typeface="宋体"/>
+                </a:rPr>
+                <a:t>Feedforward</a:t>
+              </a:r>
+              <a:endParaRPr lang="zh-CN" altLang="en-US" sz="1400" kern="0" dirty="0">
+                <a:latin typeface="Times New Roman"/>
+                <a:ea typeface="宋体"/>
+              </a:endParaRPr>
+            </a:p>
+          </p:txBody>
+        </p:sp>
+        <p:sp>
+          <p:nvSpPr>
+            <p:cNvPr id="5" name="矩形 4">
+              <a:extLst>
+                <a:ext uri="{FF2B5EF4-FFF2-40B4-BE49-F238E27FC236}">
+                  <a16:creationId xmlns:a16="http://schemas.microsoft.com/office/drawing/2014/main" id="{BBC19C23-1D93-7CD8-658D-A4A110B62598}"/>
+                </a:ext>
+              </a:extLst>
+            </p:cNvPr>
+            <p:cNvSpPr/>
+            <p:nvPr/>
+          </p:nvSpPr>
+          <p:spPr>
+            <a:xfrm>
+              <a:off x="2735580" y="1669114"/>
+              <a:ext cx="543466" cy="1931463"/>
+            </a:xfrm>
+            <a:prstGeom prst="rect">
+              <a:avLst/>
+            </a:prstGeom>
+            <a:solidFill>
+              <a:schemeClr val="accent5">
+                <a:lumMod val="40000"/>
+                <a:lumOff val="60000"/>
+              </a:schemeClr>
+            </a:solidFill>
+            <a:ln w="19050" cap="flat" cmpd="sng" algn="ctr">
+              <a:solidFill>
+                <a:schemeClr val="tx1"/>
+              </a:solidFill>
+              <a:prstDash val="solid"/>
+              <a:miter lim="800000"/>
+            </a:ln>
+            <a:effectLst/>
+          </p:spPr>
+          <p:txBody>
+            <a:bodyPr rtlCol="0" anchor="ctr"/>
+            <a:lstStyle/>
+            <a:p>
+              <a:pPr algn="ctr" defTabSz="914511"/>
+              <a:endParaRPr lang="zh-CN" altLang="en-US" sz="1400" kern="0" dirty="0">
+                <a:latin typeface="Times New Roman"/>
+                <a:ea typeface="宋体"/>
+              </a:endParaRPr>
+            </a:p>
+          </p:txBody>
+        </p:sp>
+        <p:sp>
+          <p:nvSpPr>
+            <p:cNvPr id="6" name="椭圆 5">
+              <a:extLst>
+                <a:ext uri="{FF2B5EF4-FFF2-40B4-BE49-F238E27FC236}">
+                  <a16:creationId xmlns:a16="http://schemas.microsoft.com/office/drawing/2014/main" id="{29BFEBBB-4879-770B-89BA-23E84A1E6AA0}"/>
+                </a:ext>
+              </a:extLst>
+            </p:cNvPr>
+            <p:cNvSpPr/>
+            <p:nvPr/>
+          </p:nvSpPr>
+          <p:spPr>
+            <a:xfrm>
+              <a:off x="2827313" y="2306216"/>
+              <a:ext cx="360000" cy="360000"/>
+            </a:xfrm>
+            <a:prstGeom prst="ellipse">
+              <a:avLst/>
+            </a:prstGeom>
+            <a:solidFill>
+              <a:schemeClr val="bg1"/>
+            </a:solidFill>
+            <a:ln>
+              <a:solidFill>
+                <a:schemeClr val="tx1"/>
+              </a:solidFill>
+            </a:ln>
+          </p:spPr>
+          <p:style>
+            <a:lnRef idx="2">
+              <a:schemeClr val="accent1">
+                <a:shade val="15000"/>
+              </a:schemeClr>
+            </a:lnRef>
+            <a:fillRef idx="1">
+              <a:schemeClr val="accent1"/>
+            </a:fillRef>
+            <a:effectRef idx="0">
+              <a:schemeClr val="accent1"/>
+            </a:effectRef>
+            <a:fontRef idx="minor">
+              <a:schemeClr val="lt1"/>
+            </a:fontRef>
+          </p:style>
+          <p:txBody>
+            <a:bodyPr rtlCol="0" anchor="ctr"/>
+            <a:lstStyle/>
+            <a:p>
+              <a:pPr algn="ctr"/>
+              <a:endParaRPr lang="zh-CN" altLang="en-US"/>
+            </a:p>
+          </p:txBody>
+        </p:sp>
+        <p:sp>
+          <p:nvSpPr>
+            <p:cNvPr id="7" name="椭圆 6">
+              <a:extLst>
+                <a:ext uri="{FF2B5EF4-FFF2-40B4-BE49-F238E27FC236}">
+                  <a16:creationId xmlns:a16="http://schemas.microsoft.com/office/drawing/2014/main" id="{D485D43B-5837-58E7-55E3-7794F629D04A}"/>
+                </a:ext>
+              </a:extLst>
+            </p:cNvPr>
+            <p:cNvSpPr/>
+            <p:nvPr/>
+          </p:nvSpPr>
+          <p:spPr>
+            <a:xfrm>
+              <a:off x="2827313" y="1807665"/>
+              <a:ext cx="360000" cy="360000"/>
+            </a:xfrm>
+            <a:prstGeom prst="ellipse">
+              <a:avLst/>
+            </a:prstGeom>
+            <a:solidFill>
+              <a:schemeClr val="bg1"/>
+            </a:solidFill>
+            <a:ln>
+              <a:solidFill>
+                <a:schemeClr val="tx1"/>
+              </a:solidFill>
+            </a:ln>
+          </p:spPr>
+          <p:style>
+            <a:lnRef idx="2">
+              <a:schemeClr val="accent1">
+                <a:shade val="15000"/>
+              </a:schemeClr>
+            </a:lnRef>
+            <a:fillRef idx="1">
+              <a:schemeClr val="accent1"/>
+            </a:fillRef>
+            <a:effectRef idx="0">
+              <a:schemeClr val="accent1"/>
+            </a:effectRef>
+            <a:fontRef idx="minor">
+              <a:schemeClr val="lt1"/>
+            </a:fontRef>
+          </p:style>
+          <p:txBody>
+            <a:bodyPr rtlCol="0" anchor="ctr"/>
+            <a:lstStyle/>
+            <a:p>
+              <a:pPr algn="ctr"/>
+              <a:endParaRPr lang="zh-CN" altLang="en-US"/>
+            </a:p>
+          </p:txBody>
+        </p:sp>
+        <p:sp>
+          <p:nvSpPr>
+            <p:cNvPr id="8" name="椭圆 7">
+              <a:extLst>
+                <a:ext uri="{FF2B5EF4-FFF2-40B4-BE49-F238E27FC236}">
+                  <a16:creationId xmlns:a16="http://schemas.microsoft.com/office/drawing/2014/main" id="{33F48F3C-F542-E770-FC3C-3D4C5BAEF48D}"/>
+                </a:ext>
+              </a:extLst>
+            </p:cNvPr>
+            <p:cNvSpPr/>
+            <p:nvPr/>
+          </p:nvSpPr>
+          <p:spPr>
+            <a:xfrm>
+              <a:off x="2827313" y="3124777"/>
+              <a:ext cx="360000" cy="360000"/>
+            </a:xfrm>
+            <a:prstGeom prst="ellipse">
+              <a:avLst/>
+            </a:prstGeom>
+            <a:solidFill>
+              <a:schemeClr val="bg1"/>
+            </a:solidFill>
+            <a:ln>
+              <a:solidFill>
+                <a:schemeClr val="tx1"/>
+              </a:solidFill>
+            </a:ln>
+          </p:spPr>
+          <p:style>
+            <a:lnRef idx="2">
+              <a:schemeClr val="accent1">
+                <a:shade val="15000"/>
+              </a:schemeClr>
+            </a:lnRef>
+            <a:fillRef idx="1">
+              <a:schemeClr val="accent1"/>
+            </a:fillRef>
+            <a:effectRef idx="0">
+              <a:schemeClr val="accent1"/>
+            </a:effectRef>
+            <a:fontRef idx="minor">
+              <a:schemeClr val="lt1"/>
+            </a:fontRef>
+          </p:style>
+          <p:txBody>
+            <a:bodyPr rtlCol="0" anchor="ctr"/>
+            <a:lstStyle/>
+            <a:p>
+              <a:pPr algn="ctr"/>
+              <a:endParaRPr lang="zh-CN" altLang="en-US"/>
+            </a:p>
+          </p:txBody>
+        </p:sp>
+        <mc:AlternateContent xmlns:mc="http://schemas.openxmlformats.org/markup-compatibility/2006">
+          <mc:Choice xmlns:a14="http://schemas.microsoft.com/office/drawing/2010/main" Requires="a14">
+            <p:sp>
+              <p:nvSpPr>
+                <p:cNvPr id="10" name="文本框 9">
+                  <a:extLst>
+                    <a:ext uri="{FF2B5EF4-FFF2-40B4-BE49-F238E27FC236}">
+                      <a16:creationId xmlns:a16="http://schemas.microsoft.com/office/drawing/2014/main" id="{AF4BD9E6-AC22-A91F-B664-7C17D9F91328}"/>
+                    </a:ext>
+                  </a:extLst>
+                </p:cNvPr>
+                <p:cNvSpPr txBox="1"/>
+                <p:nvPr/>
+              </p:nvSpPr>
+              <p:spPr>
+                <a:xfrm>
+                  <a:off x="2852463" y="2715328"/>
+                  <a:ext cx="309700" cy="369332"/>
+                </a:xfrm>
+                <a:prstGeom prst="rect">
+                  <a:avLst/>
+                </a:prstGeom>
+                <a:noFill/>
+              </p:spPr>
+              <p:txBody>
+                <a:bodyPr wrap="none" rtlCol="0">
+                  <a:spAutoFit/>
+                </a:bodyPr>
+                <a:lstStyle/>
+                <a:p>
+                  <a14:m>
+                    <m:oMathPara xmlns:m="http://schemas.openxmlformats.org/officeDocument/2006/math">
+                      <m:oMathParaPr>
+                        <m:jc m:val="centerGroup"/>
+                      </m:oMathParaPr>
+                      <m:oMath xmlns:m="http://schemas.openxmlformats.org/officeDocument/2006/math">
+                        <m:r>
+                          <a:rPr lang="en-US" altLang="zh-CN" b="0" i="1" smtClean="0">
+                            <a:latin typeface="Cambria Math" panose="02040503050406030204" pitchFamily="18" charset="0"/>
+                          </a:rPr>
+                          <m:t>⋮</m:t>
+                        </m:r>
+                      </m:oMath>
+                    </m:oMathPara>
+                  </a14:m>
+                  <a:endParaRPr lang="en-US" altLang="zh-CN" b="0" dirty="0"/>
+                </a:p>
+              </p:txBody>
+            </p:sp>
+          </mc:Choice>
+          <mc:Fallback>
+            <p:sp>
+              <p:nvSpPr>
+                <p:cNvPr id="10" name="文本框 9">
+                  <a:extLst>
+                    <a:ext uri="{FF2B5EF4-FFF2-40B4-BE49-F238E27FC236}">
+                      <a16:creationId xmlns:a16="http://schemas.microsoft.com/office/drawing/2014/main" id="{AF4BD9E6-AC22-A91F-B664-7C17D9F91328}"/>
+                    </a:ext>
+                  </a:extLst>
+                </p:cNvPr>
+                <p:cNvSpPr txBox="1">
+                  <a:spLocks noRot="1" noChangeAspect="1" noMove="1" noResize="1" noEditPoints="1" noAdjustHandles="1" noChangeArrowheads="1" noChangeShapeType="1" noTextEdit="1"/>
+                </p:cNvSpPr>
+                <p:nvPr/>
+              </p:nvSpPr>
+              <p:spPr>
+                <a:xfrm>
+                  <a:off x="2852463" y="2715328"/>
+                  <a:ext cx="309700" cy="369332"/>
+                </a:xfrm>
+                <a:prstGeom prst="rect">
+                  <a:avLst/>
+                </a:prstGeom>
+                <a:blipFill>
+                  <a:blip r:embed="rId2"/>
+                  <a:stretch>
+                    <a:fillRect/>
+                  </a:stretch>
+                </a:blipFill>
+              </p:spPr>
+              <p:txBody>
+                <a:bodyPr/>
+                <a:lstStyle/>
+                <a:p>
+                  <a:r>
+                    <a:rPr lang="zh-CN" altLang="en-US">
+                      <a:noFill/>
+                    </a:rPr>
+                    <a:t> </a:t>
+                  </a:r>
+                </a:p>
+              </p:txBody>
+            </p:sp>
+          </mc:Fallback>
+        </mc:AlternateContent>
+        <p:sp>
+          <p:nvSpPr>
+            <p:cNvPr id="11" name="矩形 10">
+              <a:extLst>
+                <a:ext uri="{FF2B5EF4-FFF2-40B4-BE49-F238E27FC236}">
+                  <a16:creationId xmlns:a16="http://schemas.microsoft.com/office/drawing/2014/main" id="{A814FD67-A7D6-187B-34FA-4552DC16BDFD}"/>
+                </a:ext>
+              </a:extLst>
+            </p:cNvPr>
+            <p:cNvSpPr/>
+            <p:nvPr/>
+          </p:nvSpPr>
+          <p:spPr>
+            <a:xfrm>
+              <a:off x="4985898" y="1669115"/>
+              <a:ext cx="543466" cy="1931462"/>
+            </a:xfrm>
+            <a:prstGeom prst="rect">
+              <a:avLst/>
+            </a:prstGeom>
+            <a:solidFill>
+              <a:schemeClr val="accent5">
+                <a:lumMod val="40000"/>
+                <a:lumOff val="60000"/>
+              </a:schemeClr>
+            </a:solidFill>
+            <a:ln w="19050" cap="flat" cmpd="sng" algn="ctr">
+              <a:solidFill>
+                <a:schemeClr val="tx1"/>
+              </a:solidFill>
+              <a:prstDash val="solid"/>
+              <a:miter lim="800000"/>
+            </a:ln>
+            <a:effectLst/>
+          </p:spPr>
+          <p:txBody>
+            <a:bodyPr rtlCol="0" anchor="ctr"/>
+            <a:lstStyle/>
+            <a:p>
+              <a:pPr algn="ctr" defTabSz="914511"/>
+              <a:endParaRPr lang="zh-CN" altLang="en-US" sz="1400" kern="0" dirty="0">
+                <a:latin typeface="Times New Roman"/>
+                <a:ea typeface="宋体"/>
+              </a:endParaRPr>
+            </a:p>
+          </p:txBody>
+        </p:sp>
+        <p:sp>
+          <p:nvSpPr>
+            <p:cNvPr id="12" name="椭圆 11">
+              <a:extLst>
+                <a:ext uri="{FF2B5EF4-FFF2-40B4-BE49-F238E27FC236}">
+                  <a16:creationId xmlns:a16="http://schemas.microsoft.com/office/drawing/2014/main" id="{69B8AAB8-FA4C-3239-F7A1-090C3027D493}"/>
+                </a:ext>
+              </a:extLst>
+            </p:cNvPr>
+            <p:cNvSpPr/>
+            <p:nvPr/>
+          </p:nvSpPr>
+          <p:spPr>
+            <a:xfrm>
+              <a:off x="5077631" y="2306216"/>
+              <a:ext cx="360000" cy="360000"/>
+            </a:xfrm>
+            <a:prstGeom prst="ellipse">
+              <a:avLst/>
+            </a:prstGeom>
+            <a:solidFill>
+              <a:schemeClr val="bg1"/>
+            </a:solidFill>
+            <a:ln>
+              <a:solidFill>
+                <a:schemeClr val="tx1"/>
+              </a:solidFill>
+            </a:ln>
+          </p:spPr>
+          <p:style>
+            <a:lnRef idx="2">
+              <a:schemeClr val="accent1">
+                <a:shade val="15000"/>
+              </a:schemeClr>
+            </a:lnRef>
+            <a:fillRef idx="1">
+              <a:schemeClr val="accent1"/>
+            </a:fillRef>
+            <a:effectRef idx="0">
+              <a:schemeClr val="accent1"/>
+            </a:effectRef>
+            <a:fontRef idx="minor">
+              <a:schemeClr val="lt1"/>
+            </a:fontRef>
+          </p:style>
+          <p:txBody>
+            <a:bodyPr rtlCol="0" anchor="ctr"/>
+            <a:lstStyle/>
+            <a:p>
+              <a:pPr algn="ctr"/>
+              <a:endParaRPr lang="zh-CN" altLang="en-US"/>
+            </a:p>
+          </p:txBody>
+        </p:sp>
+        <p:sp>
+          <p:nvSpPr>
+            <p:cNvPr id="13" name="椭圆 12">
+              <a:extLst>
+                <a:ext uri="{FF2B5EF4-FFF2-40B4-BE49-F238E27FC236}">
+                  <a16:creationId xmlns:a16="http://schemas.microsoft.com/office/drawing/2014/main" id="{799C4996-88B3-7779-B995-8057B6B85C97}"/>
+                </a:ext>
+              </a:extLst>
+            </p:cNvPr>
+            <p:cNvSpPr/>
+            <p:nvPr/>
+          </p:nvSpPr>
+          <p:spPr>
+            <a:xfrm>
+              <a:off x="5077631" y="1807665"/>
+              <a:ext cx="360000" cy="360000"/>
+            </a:xfrm>
+            <a:prstGeom prst="ellipse">
+              <a:avLst/>
+            </a:prstGeom>
+            <a:solidFill>
+              <a:schemeClr val="bg1"/>
+            </a:solidFill>
+            <a:ln>
+              <a:solidFill>
+                <a:schemeClr val="tx1"/>
+              </a:solidFill>
+            </a:ln>
+          </p:spPr>
+          <p:style>
+            <a:lnRef idx="2">
+              <a:schemeClr val="accent1">
+                <a:shade val="15000"/>
+              </a:schemeClr>
+            </a:lnRef>
+            <a:fillRef idx="1">
+              <a:schemeClr val="accent1"/>
+            </a:fillRef>
+            <a:effectRef idx="0">
+              <a:schemeClr val="accent1"/>
+            </a:effectRef>
+            <a:fontRef idx="minor">
+              <a:schemeClr val="lt1"/>
+            </a:fontRef>
+          </p:style>
+          <p:txBody>
+            <a:bodyPr rtlCol="0" anchor="ctr"/>
+            <a:lstStyle/>
+            <a:p>
+              <a:pPr algn="ctr"/>
+              <a:endParaRPr lang="zh-CN" altLang="en-US"/>
+            </a:p>
+          </p:txBody>
+        </p:sp>
+        <p:sp>
+          <p:nvSpPr>
+            <p:cNvPr id="14" name="椭圆 13">
+              <a:extLst>
+                <a:ext uri="{FF2B5EF4-FFF2-40B4-BE49-F238E27FC236}">
+                  <a16:creationId xmlns:a16="http://schemas.microsoft.com/office/drawing/2014/main" id="{6E9A285D-A84B-1A02-9430-C5188F20188E}"/>
+                </a:ext>
+              </a:extLst>
+            </p:cNvPr>
+            <p:cNvSpPr/>
+            <p:nvPr/>
+          </p:nvSpPr>
+          <p:spPr>
+            <a:xfrm>
+              <a:off x="5077631" y="3136206"/>
+              <a:ext cx="360000" cy="360000"/>
+            </a:xfrm>
+            <a:prstGeom prst="ellipse">
+              <a:avLst/>
+            </a:prstGeom>
+            <a:solidFill>
+              <a:schemeClr val="bg1"/>
+            </a:solidFill>
+            <a:ln>
+              <a:solidFill>
+                <a:schemeClr val="tx1"/>
+              </a:solidFill>
+            </a:ln>
+          </p:spPr>
+          <p:style>
+            <a:lnRef idx="2">
+              <a:schemeClr val="accent1">
+                <a:shade val="15000"/>
+              </a:schemeClr>
+            </a:lnRef>
+            <a:fillRef idx="1">
+              <a:schemeClr val="accent1"/>
+            </a:fillRef>
+            <a:effectRef idx="0">
+              <a:schemeClr val="accent1"/>
+            </a:effectRef>
+            <a:fontRef idx="minor">
+              <a:schemeClr val="lt1"/>
+            </a:fontRef>
+          </p:style>
+          <p:txBody>
+            <a:bodyPr rtlCol="0" anchor="ctr"/>
+            <a:lstStyle/>
+            <a:p>
+              <a:pPr algn="ctr"/>
+              <a:endParaRPr lang="zh-CN" altLang="en-US"/>
+            </a:p>
+          </p:txBody>
+        </p:sp>
+        <mc:AlternateContent xmlns:mc="http://schemas.openxmlformats.org/markup-compatibility/2006">
+          <mc:Choice xmlns:a14="http://schemas.microsoft.com/office/drawing/2010/main" Requires="a14">
+            <p:sp>
+              <p:nvSpPr>
+                <p:cNvPr id="15" name="文本框 14">
+                  <a:extLst>
+                    <a:ext uri="{FF2B5EF4-FFF2-40B4-BE49-F238E27FC236}">
+                      <a16:creationId xmlns:a16="http://schemas.microsoft.com/office/drawing/2014/main" id="{6838DF0C-9289-DA98-95A1-27F10E2CE219}"/>
+                    </a:ext>
+                  </a:extLst>
+                </p:cNvPr>
+                <p:cNvSpPr txBox="1"/>
+                <p:nvPr/>
+              </p:nvSpPr>
+              <p:spPr>
+                <a:xfrm>
+                  <a:off x="5102781" y="2726757"/>
+                  <a:ext cx="309700" cy="369332"/>
+                </a:xfrm>
+                <a:prstGeom prst="rect">
+                  <a:avLst/>
+                </a:prstGeom>
+                <a:noFill/>
+              </p:spPr>
+              <p:txBody>
+                <a:bodyPr wrap="none" rtlCol="0">
+                  <a:spAutoFit/>
+                </a:bodyPr>
+                <a:lstStyle/>
+                <a:p>
+                  <a14:m>
+                    <m:oMathPara xmlns:m="http://schemas.openxmlformats.org/officeDocument/2006/math">
+                      <m:oMathParaPr>
+                        <m:jc m:val="centerGroup"/>
+                      </m:oMathParaPr>
+                      <m:oMath xmlns:m="http://schemas.openxmlformats.org/officeDocument/2006/math">
+                        <m:r>
+                          <a:rPr lang="en-US" altLang="zh-CN" b="0" i="1" smtClean="0">
+                            <a:latin typeface="Cambria Math" panose="02040503050406030204" pitchFamily="18" charset="0"/>
+                          </a:rPr>
+                          <m:t>⋮</m:t>
+                        </m:r>
+                      </m:oMath>
+                    </m:oMathPara>
+                  </a14:m>
+                  <a:endParaRPr lang="en-US" altLang="zh-CN" b="0" dirty="0"/>
+                </a:p>
+              </p:txBody>
+            </p:sp>
+          </mc:Choice>
+          <mc:Fallback>
+            <p:sp>
+              <p:nvSpPr>
+                <p:cNvPr id="15" name="文本框 14">
+                  <a:extLst>
+                    <a:ext uri="{FF2B5EF4-FFF2-40B4-BE49-F238E27FC236}">
+                      <a16:creationId xmlns:a16="http://schemas.microsoft.com/office/drawing/2014/main" id="{6838DF0C-9289-DA98-95A1-27F10E2CE219}"/>
+                    </a:ext>
+                  </a:extLst>
+                </p:cNvPr>
+                <p:cNvSpPr txBox="1">
+                  <a:spLocks noRot="1" noChangeAspect="1" noMove="1" noResize="1" noEditPoints="1" noAdjustHandles="1" noChangeArrowheads="1" noChangeShapeType="1" noTextEdit="1"/>
+                </p:cNvSpPr>
+                <p:nvPr/>
+              </p:nvSpPr>
+              <p:spPr>
+                <a:xfrm>
+                  <a:off x="5102781" y="2726757"/>
+                  <a:ext cx="309700" cy="369332"/>
+                </a:xfrm>
+                <a:prstGeom prst="rect">
+                  <a:avLst/>
+                </a:prstGeom>
+                <a:blipFill>
+                  <a:blip r:embed="rId3"/>
+                  <a:stretch>
+                    <a:fillRect/>
+                  </a:stretch>
+                </a:blipFill>
+              </p:spPr>
+              <p:txBody>
+                <a:bodyPr/>
+                <a:lstStyle/>
+                <a:p>
+                  <a:r>
+                    <a:rPr lang="zh-CN" altLang="en-US">
+                      <a:noFill/>
+                    </a:rPr>
+                    <a:t> </a:t>
+                  </a:r>
+                </a:p>
+              </p:txBody>
+            </p:sp>
+          </mc:Fallback>
+        </mc:AlternateContent>
+        <p:sp>
+          <p:nvSpPr>
+            <p:cNvPr id="19" name="矩形 18">
+              <a:extLst>
+                <a:ext uri="{FF2B5EF4-FFF2-40B4-BE49-F238E27FC236}">
+                  <a16:creationId xmlns:a16="http://schemas.microsoft.com/office/drawing/2014/main" id="{69C3A00B-A012-E765-3F0D-A182173E9A07}"/>
+                </a:ext>
+              </a:extLst>
+            </p:cNvPr>
+            <p:cNvSpPr/>
+            <p:nvPr/>
+          </p:nvSpPr>
+          <p:spPr>
+            <a:xfrm>
+              <a:off x="3865772" y="1175638"/>
+              <a:ext cx="543466" cy="2898393"/>
+            </a:xfrm>
+            <a:prstGeom prst="rect">
+              <a:avLst/>
+            </a:prstGeom>
+            <a:solidFill>
+              <a:schemeClr val="accent4">
+                <a:lumMod val="40000"/>
+                <a:lumOff val="60000"/>
+              </a:schemeClr>
+            </a:solidFill>
+            <a:ln w="19050" cap="flat" cmpd="sng" algn="ctr">
+              <a:solidFill>
+                <a:schemeClr val="tx1"/>
+              </a:solidFill>
+              <a:prstDash val="solid"/>
+              <a:miter lim="800000"/>
+            </a:ln>
+            <a:effectLst/>
+          </p:spPr>
+          <p:txBody>
+            <a:bodyPr rtlCol="0" anchor="ctr"/>
+            <a:lstStyle/>
+            <a:p>
+              <a:pPr algn="ctr" defTabSz="914511"/>
+              <a:endParaRPr lang="zh-CN" altLang="en-US" sz="1400" kern="0" dirty="0">
+                <a:latin typeface="Times New Roman"/>
+                <a:ea typeface="宋体"/>
+              </a:endParaRPr>
+            </a:p>
+          </p:txBody>
+        </p:sp>
+        <p:sp>
+          <p:nvSpPr>
+            <p:cNvPr id="20" name="椭圆 19">
+              <a:extLst>
+                <a:ext uri="{FF2B5EF4-FFF2-40B4-BE49-F238E27FC236}">
+                  <a16:creationId xmlns:a16="http://schemas.microsoft.com/office/drawing/2014/main" id="{EF629439-818F-BE68-C044-250531F07D0F}"/>
+                </a:ext>
+              </a:extLst>
+            </p:cNvPr>
+            <p:cNvSpPr/>
+            <p:nvPr/>
+          </p:nvSpPr>
+          <p:spPr>
+            <a:xfrm>
+              <a:off x="3964647" y="1812740"/>
+              <a:ext cx="360000" cy="360000"/>
+            </a:xfrm>
+            <a:prstGeom prst="ellipse">
+              <a:avLst/>
+            </a:prstGeom>
+            <a:solidFill>
+              <a:schemeClr val="bg1"/>
+            </a:solidFill>
+            <a:ln>
+              <a:solidFill>
+                <a:schemeClr val="tx1"/>
+              </a:solidFill>
+            </a:ln>
+          </p:spPr>
+          <p:style>
+            <a:lnRef idx="2">
+              <a:schemeClr val="accent1">
+                <a:shade val="15000"/>
+              </a:schemeClr>
+            </a:lnRef>
+            <a:fillRef idx="1">
+              <a:schemeClr val="accent1"/>
+            </a:fillRef>
+            <a:effectRef idx="0">
+              <a:schemeClr val="accent1"/>
+            </a:effectRef>
+            <a:fontRef idx="minor">
+              <a:schemeClr val="lt1"/>
+            </a:fontRef>
+          </p:style>
+          <p:txBody>
+            <a:bodyPr rtlCol="0" anchor="ctr"/>
+            <a:lstStyle/>
+            <a:p>
+              <a:pPr algn="ctr"/>
+              <a:endParaRPr lang="zh-CN" altLang="en-US"/>
+            </a:p>
+          </p:txBody>
+        </p:sp>
+        <p:sp>
+          <p:nvSpPr>
+            <p:cNvPr id="21" name="椭圆 20">
+              <a:extLst>
+                <a:ext uri="{FF2B5EF4-FFF2-40B4-BE49-F238E27FC236}">
+                  <a16:creationId xmlns:a16="http://schemas.microsoft.com/office/drawing/2014/main" id="{58232955-CB8D-8044-EC09-32A0F99D13A6}"/>
+                </a:ext>
+              </a:extLst>
+            </p:cNvPr>
+            <p:cNvSpPr/>
+            <p:nvPr/>
+          </p:nvSpPr>
+          <p:spPr>
+            <a:xfrm>
+              <a:off x="3964647" y="1314189"/>
+              <a:ext cx="360000" cy="360000"/>
+            </a:xfrm>
+            <a:prstGeom prst="ellipse">
+              <a:avLst/>
+            </a:prstGeom>
+            <a:solidFill>
+              <a:schemeClr val="bg1"/>
+            </a:solidFill>
+            <a:ln>
+              <a:solidFill>
+                <a:schemeClr val="tx1"/>
+              </a:solidFill>
+            </a:ln>
+          </p:spPr>
+          <p:style>
+            <a:lnRef idx="2">
+              <a:schemeClr val="accent1">
+                <a:shade val="15000"/>
+              </a:schemeClr>
+            </a:lnRef>
+            <a:fillRef idx="1">
+              <a:schemeClr val="accent1"/>
+            </a:fillRef>
+            <a:effectRef idx="0">
+              <a:schemeClr val="accent1"/>
+            </a:effectRef>
+            <a:fontRef idx="minor">
+              <a:schemeClr val="lt1"/>
+            </a:fontRef>
+          </p:style>
+          <p:txBody>
+            <a:bodyPr rtlCol="0" anchor="ctr"/>
+            <a:lstStyle/>
+            <a:p>
+              <a:pPr algn="ctr"/>
+              <a:endParaRPr lang="zh-CN" altLang="en-US"/>
+            </a:p>
+          </p:txBody>
+        </p:sp>
+        <p:sp>
+          <p:nvSpPr>
+            <p:cNvPr id="22" name="椭圆 21">
+              <a:extLst>
+                <a:ext uri="{FF2B5EF4-FFF2-40B4-BE49-F238E27FC236}">
+                  <a16:creationId xmlns:a16="http://schemas.microsoft.com/office/drawing/2014/main" id="{12B74079-1AB3-D5AE-21C7-84C7F2F86704}"/>
+                </a:ext>
+              </a:extLst>
+            </p:cNvPr>
+            <p:cNvSpPr/>
+            <p:nvPr/>
+          </p:nvSpPr>
+          <p:spPr>
+            <a:xfrm>
+              <a:off x="3964647" y="2809842"/>
+              <a:ext cx="360000" cy="360000"/>
+            </a:xfrm>
+            <a:prstGeom prst="ellipse">
+              <a:avLst/>
+            </a:prstGeom>
+            <a:solidFill>
+              <a:schemeClr val="bg1"/>
+            </a:solidFill>
+            <a:ln>
+              <a:solidFill>
+                <a:schemeClr val="tx1"/>
+              </a:solidFill>
+            </a:ln>
+          </p:spPr>
+          <p:style>
+            <a:lnRef idx="2">
+              <a:schemeClr val="accent1">
+                <a:shade val="15000"/>
+              </a:schemeClr>
+            </a:lnRef>
+            <a:fillRef idx="1">
+              <a:schemeClr val="accent1"/>
+            </a:fillRef>
+            <a:effectRef idx="0">
+              <a:schemeClr val="accent1"/>
+            </a:effectRef>
+            <a:fontRef idx="minor">
+              <a:schemeClr val="lt1"/>
+            </a:fontRef>
+          </p:style>
+          <p:txBody>
+            <a:bodyPr rtlCol="0" anchor="ctr"/>
+            <a:lstStyle/>
+            <a:p>
+              <a:pPr algn="ctr"/>
+              <a:endParaRPr lang="zh-CN" altLang="en-US"/>
+            </a:p>
+          </p:txBody>
+        </p:sp>
+        <mc:AlternateContent xmlns:mc="http://schemas.openxmlformats.org/markup-compatibility/2006">
+          <mc:Choice xmlns:a14="http://schemas.microsoft.com/office/drawing/2010/main" Requires="a14">
+            <p:sp>
+              <p:nvSpPr>
+                <p:cNvPr id="23" name="文本框 22">
+                  <a:extLst>
+                    <a:ext uri="{FF2B5EF4-FFF2-40B4-BE49-F238E27FC236}">
+                      <a16:creationId xmlns:a16="http://schemas.microsoft.com/office/drawing/2014/main" id="{7511B645-B6E6-D09A-6313-123D11A48C77}"/>
+                    </a:ext>
+                  </a:extLst>
+                </p:cNvPr>
+                <p:cNvSpPr txBox="1"/>
+                <p:nvPr/>
+              </p:nvSpPr>
+              <p:spPr>
+                <a:xfrm>
+                  <a:off x="3982655" y="3221194"/>
+                  <a:ext cx="309700" cy="369332"/>
+                </a:xfrm>
+                <a:prstGeom prst="rect">
+                  <a:avLst/>
+                </a:prstGeom>
+                <a:noFill/>
+              </p:spPr>
+              <p:txBody>
+                <a:bodyPr wrap="none" rtlCol="0">
+                  <a:spAutoFit/>
+                </a:bodyPr>
+                <a:lstStyle/>
+                <a:p>
+                  <a14:m>
+                    <m:oMathPara xmlns:m="http://schemas.openxmlformats.org/officeDocument/2006/math">
+                      <m:oMathParaPr>
+                        <m:jc m:val="centerGroup"/>
+                      </m:oMathParaPr>
+                      <m:oMath xmlns:m="http://schemas.openxmlformats.org/officeDocument/2006/math">
+                        <m:r>
+                          <a:rPr lang="en-US" altLang="zh-CN" b="0" i="1" smtClean="0">
+                            <a:latin typeface="Cambria Math" panose="02040503050406030204" pitchFamily="18" charset="0"/>
+                          </a:rPr>
+                          <m:t>⋮</m:t>
+                        </m:r>
+                      </m:oMath>
+                    </m:oMathPara>
+                  </a14:m>
+                  <a:endParaRPr lang="en-US" altLang="zh-CN" b="0" dirty="0"/>
+                </a:p>
+              </p:txBody>
+            </p:sp>
+          </mc:Choice>
+          <mc:Fallback>
+            <p:sp>
+              <p:nvSpPr>
+                <p:cNvPr id="23" name="文本框 22">
+                  <a:extLst>
+                    <a:ext uri="{FF2B5EF4-FFF2-40B4-BE49-F238E27FC236}">
+                      <a16:creationId xmlns:a16="http://schemas.microsoft.com/office/drawing/2014/main" id="{7511B645-B6E6-D09A-6313-123D11A48C77}"/>
+                    </a:ext>
+                  </a:extLst>
+                </p:cNvPr>
+                <p:cNvSpPr txBox="1">
+                  <a:spLocks noRot="1" noChangeAspect="1" noMove="1" noResize="1" noEditPoints="1" noAdjustHandles="1" noChangeArrowheads="1" noChangeShapeType="1" noTextEdit="1"/>
+                </p:cNvSpPr>
+                <p:nvPr/>
+              </p:nvSpPr>
+              <p:spPr>
+                <a:xfrm>
+                  <a:off x="3982655" y="3221194"/>
+                  <a:ext cx="309700" cy="369332"/>
+                </a:xfrm>
+                <a:prstGeom prst="rect">
+                  <a:avLst/>
+                </a:prstGeom>
+                <a:blipFill>
+                  <a:blip r:embed="rId4"/>
+                  <a:stretch>
+                    <a:fillRect/>
+                  </a:stretch>
+                </a:blipFill>
+              </p:spPr>
+              <p:txBody>
+                <a:bodyPr/>
+                <a:lstStyle/>
+                <a:p>
+                  <a:r>
+                    <a:rPr lang="zh-CN" altLang="en-US">
+                      <a:noFill/>
+                    </a:rPr>
+                    <a:t> </a:t>
+                  </a:r>
+                </a:p>
+              </p:txBody>
+            </p:sp>
+          </mc:Fallback>
+        </mc:AlternateContent>
+        <p:sp>
+          <p:nvSpPr>
+            <p:cNvPr id="24" name="椭圆 23">
+              <a:extLst>
+                <a:ext uri="{FF2B5EF4-FFF2-40B4-BE49-F238E27FC236}">
+                  <a16:creationId xmlns:a16="http://schemas.microsoft.com/office/drawing/2014/main" id="{43F877FE-BDE8-3409-86EA-5C9268283586}"/>
+                </a:ext>
+              </a:extLst>
+            </p:cNvPr>
+            <p:cNvSpPr/>
+            <p:nvPr/>
+          </p:nvSpPr>
+          <p:spPr>
+            <a:xfrm>
+              <a:off x="3957505" y="3641879"/>
+              <a:ext cx="360000" cy="360000"/>
+            </a:xfrm>
+            <a:prstGeom prst="ellipse">
+              <a:avLst/>
+            </a:prstGeom>
+            <a:solidFill>
+              <a:schemeClr val="bg1"/>
+            </a:solidFill>
+            <a:ln>
+              <a:solidFill>
+                <a:schemeClr val="tx1"/>
+              </a:solidFill>
+            </a:ln>
+          </p:spPr>
+          <p:style>
+            <a:lnRef idx="2">
+              <a:schemeClr val="accent1">
+                <a:shade val="15000"/>
+              </a:schemeClr>
+            </a:lnRef>
+            <a:fillRef idx="1">
+              <a:schemeClr val="accent1"/>
+            </a:fillRef>
+            <a:effectRef idx="0">
+              <a:schemeClr val="accent1"/>
+            </a:effectRef>
+            <a:fontRef idx="minor">
+              <a:schemeClr val="lt1"/>
+            </a:fontRef>
+          </p:style>
+          <p:txBody>
+            <a:bodyPr rtlCol="0" anchor="ctr"/>
+            <a:lstStyle/>
+            <a:p>
+              <a:pPr algn="ctr"/>
+              <a:endParaRPr lang="zh-CN" altLang="en-US"/>
+            </a:p>
+          </p:txBody>
+        </p:sp>
+        <p:sp>
+          <p:nvSpPr>
+            <p:cNvPr id="25" name="椭圆 24">
+              <a:extLst>
+                <a:ext uri="{FF2B5EF4-FFF2-40B4-BE49-F238E27FC236}">
+                  <a16:creationId xmlns:a16="http://schemas.microsoft.com/office/drawing/2014/main" id="{5C57472C-1EA0-ED2B-7BB5-C3CCEEFC7A5F}"/>
+                </a:ext>
+              </a:extLst>
+            </p:cNvPr>
+            <p:cNvSpPr/>
+            <p:nvPr/>
+          </p:nvSpPr>
+          <p:spPr>
+            <a:xfrm>
+              <a:off x="3964647" y="2311291"/>
+              <a:ext cx="360000" cy="360000"/>
+            </a:xfrm>
+            <a:prstGeom prst="ellipse">
+              <a:avLst/>
+            </a:prstGeom>
+            <a:solidFill>
+              <a:schemeClr val="bg1"/>
+            </a:solidFill>
+            <a:ln>
+              <a:solidFill>
+                <a:schemeClr val="tx1"/>
+              </a:solidFill>
+            </a:ln>
+          </p:spPr>
+          <p:style>
+            <a:lnRef idx="2">
+              <a:schemeClr val="accent1">
+                <a:shade val="15000"/>
+              </a:schemeClr>
+            </a:lnRef>
+            <a:fillRef idx="1">
+              <a:schemeClr val="accent1"/>
+            </a:fillRef>
+            <a:effectRef idx="0">
+              <a:schemeClr val="accent1"/>
+            </a:effectRef>
+            <a:fontRef idx="minor">
+              <a:schemeClr val="lt1"/>
+            </a:fontRef>
+          </p:style>
+          <p:txBody>
+            <a:bodyPr rtlCol="0" anchor="ctr"/>
+            <a:lstStyle/>
+            <a:p>
+              <a:pPr algn="ctr"/>
+              <a:endParaRPr lang="zh-CN" altLang="en-US"/>
+            </a:p>
+          </p:txBody>
+        </p:sp>
+        <p:cxnSp>
+          <p:nvCxnSpPr>
+            <p:cNvPr id="27" name="直接连接符 26">
+              <a:extLst>
+                <a:ext uri="{FF2B5EF4-FFF2-40B4-BE49-F238E27FC236}">
+                  <a16:creationId xmlns:a16="http://schemas.microsoft.com/office/drawing/2014/main" id="{153ADA2A-E7FC-E51A-ADA3-48A4D661238B}"/>
+                </a:ext>
+              </a:extLst>
+            </p:cNvPr>
+            <p:cNvCxnSpPr>
+              <a:stCxn id="7" idx="6"/>
+              <a:endCxn id="21" idx="2"/>
+            </p:cNvCxnSpPr>
+            <p:nvPr/>
+          </p:nvCxnSpPr>
+          <p:spPr>
+            <a:xfrm flipV="1">
+              <a:off x="3187313" y="1494189"/>
+              <a:ext cx="777334" cy="493476"/>
+            </a:xfrm>
+            <a:prstGeom prst="line">
+              <a:avLst/>
+            </a:prstGeom>
+            <a:ln w="19050">
+              <a:solidFill>
+                <a:schemeClr val="tx1"/>
+              </a:solidFill>
+              <a:headEnd type="none" w="med" len="med"/>
+              <a:tailEnd type="none" w="med" len="med"/>
+            </a:ln>
+          </p:spPr>
+          <p:style>
+            <a:lnRef idx="1">
+              <a:schemeClr val="accent1"/>
+            </a:lnRef>
+            <a:fillRef idx="0">
+              <a:schemeClr val="accent1"/>
+            </a:fillRef>
+            <a:effectRef idx="0">
+              <a:schemeClr val="accent1"/>
+            </a:effectRef>
+            <a:fontRef idx="minor">
+              <a:schemeClr val="tx1"/>
+            </a:fontRef>
+          </p:style>
+        </p:cxnSp>
+        <p:cxnSp>
+          <p:nvCxnSpPr>
+            <p:cNvPr id="29" name="直接连接符 28">
+              <a:extLst>
+                <a:ext uri="{FF2B5EF4-FFF2-40B4-BE49-F238E27FC236}">
+                  <a16:creationId xmlns:a16="http://schemas.microsoft.com/office/drawing/2014/main" id="{F6994F9E-63A7-1B70-A783-ECB1DA294AC7}"/>
+                </a:ext>
+              </a:extLst>
+            </p:cNvPr>
+            <p:cNvCxnSpPr>
+              <a:stCxn id="7" idx="6"/>
+              <a:endCxn id="20" idx="2"/>
+            </p:cNvCxnSpPr>
+            <p:nvPr/>
+          </p:nvCxnSpPr>
+          <p:spPr>
+            <a:xfrm>
+              <a:off x="3187313" y="1987665"/>
+              <a:ext cx="777334" cy="5075"/>
+            </a:xfrm>
+            <a:prstGeom prst="line">
+              <a:avLst/>
+            </a:prstGeom>
+            <a:ln w="19050">
+              <a:solidFill>
+                <a:schemeClr val="tx1"/>
+              </a:solidFill>
+              <a:headEnd type="none" w="med" len="med"/>
+              <a:tailEnd type="none" w="med" len="med"/>
+            </a:ln>
+          </p:spPr>
+          <p:style>
+            <a:lnRef idx="1">
+              <a:schemeClr val="accent1"/>
+            </a:lnRef>
+            <a:fillRef idx="0">
+              <a:schemeClr val="accent1"/>
+            </a:fillRef>
+            <a:effectRef idx="0">
+              <a:schemeClr val="accent1"/>
+            </a:effectRef>
+            <a:fontRef idx="minor">
+              <a:schemeClr val="tx1"/>
+            </a:fontRef>
+          </p:style>
+        </p:cxnSp>
+        <p:cxnSp>
+          <p:nvCxnSpPr>
+            <p:cNvPr id="31" name="直接连接符 30">
+              <a:extLst>
+                <a:ext uri="{FF2B5EF4-FFF2-40B4-BE49-F238E27FC236}">
+                  <a16:creationId xmlns:a16="http://schemas.microsoft.com/office/drawing/2014/main" id="{BE7E2088-70A5-08F5-0889-86C340FF3FB1}"/>
+                </a:ext>
+              </a:extLst>
+            </p:cNvPr>
+            <p:cNvCxnSpPr>
+              <a:stCxn id="7" idx="6"/>
+              <a:endCxn id="25" idx="2"/>
+            </p:cNvCxnSpPr>
+            <p:nvPr/>
+          </p:nvCxnSpPr>
+          <p:spPr>
+            <a:xfrm>
+              <a:off x="3187313" y="1987665"/>
+              <a:ext cx="777334" cy="503626"/>
+            </a:xfrm>
+            <a:prstGeom prst="line">
+              <a:avLst/>
+            </a:prstGeom>
+            <a:ln w="19050">
+              <a:solidFill>
+                <a:schemeClr val="tx1"/>
+              </a:solidFill>
+              <a:headEnd type="none" w="med" len="med"/>
+              <a:tailEnd type="none" w="med" len="med"/>
+            </a:ln>
+          </p:spPr>
+          <p:style>
+            <a:lnRef idx="1">
+              <a:schemeClr val="accent1"/>
+            </a:lnRef>
+            <a:fillRef idx="0">
+              <a:schemeClr val="accent1"/>
+            </a:fillRef>
+            <a:effectRef idx="0">
+              <a:schemeClr val="accent1"/>
+            </a:effectRef>
+            <a:fontRef idx="minor">
+              <a:schemeClr val="tx1"/>
+            </a:fontRef>
+          </p:style>
+        </p:cxnSp>
+        <p:cxnSp>
+          <p:nvCxnSpPr>
+            <p:cNvPr id="33" name="直接连接符 32">
+              <a:extLst>
+                <a:ext uri="{FF2B5EF4-FFF2-40B4-BE49-F238E27FC236}">
+                  <a16:creationId xmlns:a16="http://schemas.microsoft.com/office/drawing/2014/main" id="{0B5E7EA8-C00C-1B2E-E0BD-1605BC7591FC}"/>
+                </a:ext>
+              </a:extLst>
+            </p:cNvPr>
+            <p:cNvCxnSpPr>
+              <a:stCxn id="7" idx="6"/>
+              <a:endCxn id="22" idx="2"/>
+            </p:cNvCxnSpPr>
+            <p:nvPr/>
+          </p:nvCxnSpPr>
+          <p:spPr>
+            <a:xfrm>
+              <a:off x="3187313" y="1987665"/>
+              <a:ext cx="777334" cy="1002177"/>
+            </a:xfrm>
+            <a:prstGeom prst="line">
+              <a:avLst/>
+            </a:prstGeom>
+            <a:ln w="19050">
+              <a:solidFill>
+                <a:schemeClr val="tx1"/>
+              </a:solidFill>
+              <a:headEnd type="none" w="med" len="med"/>
+              <a:tailEnd type="none" w="med" len="med"/>
+            </a:ln>
+          </p:spPr>
+          <p:style>
+            <a:lnRef idx="1">
+              <a:schemeClr val="accent1"/>
+            </a:lnRef>
+            <a:fillRef idx="0">
+              <a:schemeClr val="accent1"/>
+            </a:fillRef>
+            <a:effectRef idx="0">
+              <a:schemeClr val="accent1"/>
+            </a:effectRef>
+            <a:fontRef idx="minor">
+              <a:schemeClr val="tx1"/>
+            </a:fontRef>
+          </p:style>
+        </p:cxnSp>
+        <p:cxnSp>
+          <p:nvCxnSpPr>
+            <p:cNvPr id="35" name="直接连接符 34">
+              <a:extLst>
+                <a:ext uri="{FF2B5EF4-FFF2-40B4-BE49-F238E27FC236}">
+                  <a16:creationId xmlns:a16="http://schemas.microsoft.com/office/drawing/2014/main" id="{3EECA3BC-5B74-06D8-CA4B-70A1CDED16E7}"/>
+                </a:ext>
+              </a:extLst>
+            </p:cNvPr>
+            <p:cNvCxnSpPr>
+              <a:cxnSpLocks/>
+              <a:stCxn id="7" idx="6"/>
+              <a:endCxn id="24" idx="2"/>
+            </p:cNvCxnSpPr>
+            <p:nvPr/>
+          </p:nvCxnSpPr>
+          <p:spPr>
+            <a:xfrm>
+              <a:off x="3187313" y="1987665"/>
+              <a:ext cx="770192" cy="1834214"/>
+            </a:xfrm>
+            <a:prstGeom prst="line">
+              <a:avLst/>
+            </a:prstGeom>
+            <a:ln w="19050">
+              <a:solidFill>
+                <a:schemeClr val="tx1"/>
+              </a:solidFill>
+              <a:headEnd type="none" w="med" len="med"/>
+              <a:tailEnd type="none" w="med" len="med"/>
+            </a:ln>
+          </p:spPr>
+          <p:style>
+            <a:lnRef idx="1">
+              <a:schemeClr val="accent1"/>
+            </a:lnRef>
+            <a:fillRef idx="0">
+              <a:schemeClr val="accent1"/>
+            </a:fillRef>
+            <a:effectRef idx="0">
+              <a:schemeClr val="accent1"/>
+            </a:effectRef>
+            <a:fontRef idx="minor">
+              <a:schemeClr val="tx1"/>
+            </a:fontRef>
+          </p:style>
+        </p:cxnSp>
+        <p:cxnSp>
+          <p:nvCxnSpPr>
+            <p:cNvPr id="37" name="直接连接符 36">
+              <a:extLst>
+                <a:ext uri="{FF2B5EF4-FFF2-40B4-BE49-F238E27FC236}">
+                  <a16:creationId xmlns:a16="http://schemas.microsoft.com/office/drawing/2014/main" id="{33320C4F-AE95-4625-5EC7-6D94EA85E1E4}"/>
+                </a:ext>
+              </a:extLst>
+            </p:cNvPr>
+            <p:cNvCxnSpPr>
+              <a:cxnSpLocks/>
+              <a:stCxn id="6" idx="6"/>
+              <a:endCxn id="21" idx="2"/>
+            </p:cNvCxnSpPr>
+            <p:nvPr/>
+          </p:nvCxnSpPr>
+          <p:spPr>
+            <a:xfrm flipV="1">
+              <a:off x="3187313" y="1494189"/>
+              <a:ext cx="777334" cy="992027"/>
+            </a:xfrm>
+            <a:prstGeom prst="line">
+              <a:avLst/>
+            </a:prstGeom>
+            <a:ln w="19050">
+              <a:solidFill>
+                <a:schemeClr val="tx1"/>
+              </a:solidFill>
+              <a:headEnd type="none" w="med" len="med"/>
+              <a:tailEnd type="none" w="med" len="med"/>
+            </a:ln>
+          </p:spPr>
+          <p:style>
+            <a:lnRef idx="1">
+              <a:schemeClr val="accent1"/>
+            </a:lnRef>
+            <a:fillRef idx="0">
+              <a:schemeClr val="accent1"/>
+            </a:fillRef>
+            <a:effectRef idx="0">
+              <a:schemeClr val="accent1"/>
+            </a:effectRef>
+            <a:fontRef idx="minor">
+              <a:schemeClr val="tx1"/>
+            </a:fontRef>
+          </p:style>
+        </p:cxnSp>
+        <p:cxnSp>
+          <p:nvCxnSpPr>
+            <p:cNvPr id="39" name="直接连接符 38">
+              <a:extLst>
+                <a:ext uri="{FF2B5EF4-FFF2-40B4-BE49-F238E27FC236}">
+                  <a16:creationId xmlns:a16="http://schemas.microsoft.com/office/drawing/2014/main" id="{F64C0F8C-AAB4-9ED8-F900-18CC85002AB2}"/>
+                </a:ext>
+              </a:extLst>
+            </p:cNvPr>
+            <p:cNvCxnSpPr>
+              <a:stCxn id="6" idx="6"/>
+              <a:endCxn id="20" idx="2"/>
+            </p:cNvCxnSpPr>
+            <p:nvPr/>
+          </p:nvCxnSpPr>
+          <p:spPr>
+            <a:xfrm flipV="1">
+              <a:off x="3187313" y="1992740"/>
+              <a:ext cx="777334" cy="493476"/>
+            </a:xfrm>
+            <a:prstGeom prst="line">
+              <a:avLst/>
+            </a:prstGeom>
+            <a:ln w="19050">
+              <a:solidFill>
+                <a:schemeClr val="tx1"/>
+              </a:solidFill>
+              <a:headEnd type="none" w="med" len="med"/>
+              <a:tailEnd type="none" w="med" len="med"/>
+            </a:ln>
+          </p:spPr>
+          <p:style>
+            <a:lnRef idx="1">
+              <a:schemeClr val="accent1"/>
+            </a:lnRef>
+            <a:fillRef idx="0">
+              <a:schemeClr val="accent1"/>
+            </a:fillRef>
+            <a:effectRef idx="0">
+              <a:schemeClr val="accent1"/>
+            </a:effectRef>
+            <a:fontRef idx="minor">
+              <a:schemeClr val="tx1"/>
+            </a:fontRef>
+          </p:style>
+        </p:cxnSp>
+        <p:cxnSp>
+          <p:nvCxnSpPr>
+            <p:cNvPr id="41" name="直接连接符 40">
+              <a:extLst>
+                <a:ext uri="{FF2B5EF4-FFF2-40B4-BE49-F238E27FC236}">
+                  <a16:creationId xmlns:a16="http://schemas.microsoft.com/office/drawing/2014/main" id="{CB565261-6EE1-A955-AADF-F781A0A20CC3}"/>
+                </a:ext>
+              </a:extLst>
+            </p:cNvPr>
+            <p:cNvCxnSpPr>
+              <a:cxnSpLocks/>
+              <a:stCxn id="6" idx="6"/>
+              <a:endCxn id="25" idx="2"/>
+            </p:cNvCxnSpPr>
+            <p:nvPr/>
+          </p:nvCxnSpPr>
+          <p:spPr>
+            <a:xfrm>
+              <a:off x="3187313" y="2486216"/>
+              <a:ext cx="777334" cy="5075"/>
+            </a:xfrm>
+            <a:prstGeom prst="line">
+              <a:avLst/>
+            </a:prstGeom>
+            <a:ln w="19050">
+              <a:solidFill>
+                <a:schemeClr val="tx1"/>
+              </a:solidFill>
+              <a:headEnd type="none" w="med" len="med"/>
+              <a:tailEnd type="none" w="med" len="med"/>
+            </a:ln>
+          </p:spPr>
+          <p:style>
+            <a:lnRef idx="1">
+              <a:schemeClr val="accent1"/>
+            </a:lnRef>
+            <a:fillRef idx="0">
+              <a:schemeClr val="accent1"/>
+            </a:fillRef>
+            <a:effectRef idx="0">
+              <a:schemeClr val="accent1"/>
+            </a:effectRef>
+            <a:fontRef idx="minor">
+              <a:schemeClr val="tx1"/>
+            </a:fontRef>
+          </p:style>
+        </p:cxnSp>
+        <p:cxnSp>
+          <p:nvCxnSpPr>
+            <p:cNvPr id="43" name="直接连接符 42">
+              <a:extLst>
+                <a:ext uri="{FF2B5EF4-FFF2-40B4-BE49-F238E27FC236}">
+                  <a16:creationId xmlns:a16="http://schemas.microsoft.com/office/drawing/2014/main" id="{4156A754-9E77-CE2E-C4FB-053737AC0744}"/>
+                </a:ext>
+              </a:extLst>
+            </p:cNvPr>
+            <p:cNvCxnSpPr>
+              <a:stCxn id="6" idx="6"/>
+              <a:endCxn id="22" idx="2"/>
+            </p:cNvCxnSpPr>
+            <p:nvPr/>
+          </p:nvCxnSpPr>
+          <p:spPr>
+            <a:xfrm>
+              <a:off x="3187313" y="2486216"/>
+              <a:ext cx="777334" cy="503626"/>
+            </a:xfrm>
+            <a:prstGeom prst="line">
+              <a:avLst/>
+            </a:prstGeom>
+            <a:ln w="19050">
+              <a:solidFill>
+                <a:schemeClr val="tx1"/>
+              </a:solidFill>
+              <a:headEnd type="none" w="med" len="med"/>
+              <a:tailEnd type="none" w="med" len="med"/>
+            </a:ln>
+          </p:spPr>
+          <p:style>
+            <a:lnRef idx="1">
+              <a:schemeClr val="accent1"/>
+            </a:lnRef>
+            <a:fillRef idx="0">
+              <a:schemeClr val="accent1"/>
+            </a:fillRef>
+            <a:effectRef idx="0">
+              <a:schemeClr val="accent1"/>
+            </a:effectRef>
+            <a:fontRef idx="minor">
+              <a:schemeClr val="tx1"/>
+            </a:fontRef>
+          </p:style>
+        </p:cxnSp>
+        <p:cxnSp>
+          <p:nvCxnSpPr>
+            <p:cNvPr id="45" name="直接连接符 44">
+              <a:extLst>
+                <a:ext uri="{FF2B5EF4-FFF2-40B4-BE49-F238E27FC236}">
+                  <a16:creationId xmlns:a16="http://schemas.microsoft.com/office/drawing/2014/main" id="{5CFD5A8C-9383-CDBB-ED9E-3600BE92CA0D}"/>
+                </a:ext>
+              </a:extLst>
+            </p:cNvPr>
+            <p:cNvCxnSpPr>
+              <a:cxnSpLocks/>
+              <a:stCxn id="6" idx="6"/>
+              <a:endCxn id="24" idx="2"/>
+            </p:cNvCxnSpPr>
+            <p:nvPr/>
+          </p:nvCxnSpPr>
+          <p:spPr>
+            <a:xfrm>
+              <a:off x="3187313" y="2486216"/>
+              <a:ext cx="770192" cy="1335663"/>
+            </a:xfrm>
+            <a:prstGeom prst="line">
+              <a:avLst/>
+            </a:prstGeom>
+            <a:ln w="19050">
+              <a:solidFill>
+                <a:schemeClr val="tx1"/>
+              </a:solidFill>
+              <a:headEnd type="none" w="med" len="med"/>
+              <a:tailEnd type="none" w="med" len="med"/>
+            </a:ln>
+          </p:spPr>
+          <p:style>
+            <a:lnRef idx="1">
+              <a:schemeClr val="accent1"/>
+            </a:lnRef>
+            <a:fillRef idx="0">
+              <a:schemeClr val="accent1"/>
+            </a:fillRef>
+            <a:effectRef idx="0">
+              <a:schemeClr val="accent1"/>
+            </a:effectRef>
+            <a:fontRef idx="minor">
+              <a:schemeClr val="tx1"/>
+            </a:fontRef>
+          </p:style>
+        </p:cxnSp>
+        <p:cxnSp>
+          <p:nvCxnSpPr>
+            <p:cNvPr id="47" name="直接连接符 46">
+              <a:extLst>
+                <a:ext uri="{FF2B5EF4-FFF2-40B4-BE49-F238E27FC236}">
+                  <a16:creationId xmlns:a16="http://schemas.microsoft.com/office/drawing/2014/main" id="{5962BA17-FF41-4D18-2ABD-268C6390384E}"/>
+                </a:ext>
+              </a:extLst>
+            </p:cNvPr>
+            <p:cNvCxnSpPr>
+              <a:stCxn id="8" idx="6"/>
+              <a:endCxn id="21" idx="2"/>
+            </p:cNvCxnSpPr>
+            <p:nvPr/>
+          </p:nvCxnSpPr>
+          <p:spPr>
+            <a:xfrm flipV="1">
+              <a:off x="3187313" y="1494189"/>
+              <a:ext cx="777334" cy="1810588"/>
+            </a:xfrm>
+            <a:prstGeom prst="line">
+              <a:avLst/>
+            </a:prstGeom>
+            <a:ln w="19050">
+              <a:solidFill>
+                <a:schemeClr val="tx1"/>
+              </a:solidFill>
+              <a:headEnd type="none" w="med" len="med"/>
+              <a:tailEnd type="none" w="med" len="med"/>
+            </a:ln>
+          </p:spPr>
+          <p:style>
+            <a:lnRef idx="1">
+              <a:schemeClr val="accent1"/>
+            </a:lnRef>
+            <a:fillRef idx="0">
+              <a:schemeClr val="accent1"/>
+            </a:fillRef>
+            <a:effectRef idx="0">
+              <a:schemeClr val="accent1"/>
+            </a:effectRef>
+            <a:fontRef idx="minor">
+              <a:schemeClr val="tx1"/>
+            </a:fontRef>
+          </p:style>
+        </p:cxnSp>
+        <p:cxnSp>
+          <p:nvCxnSpPr>
+            <p:cNvPr id="49" name="直接连接符 48">
+              <a:extLst>
+                <a:ext uri="{FF2B5EF4-FFF2-40B4-BE49-F238E27FC236}">
+                  <a16:creationId xmlns:a16="http://schemas.microsoft.com/office/drawing/2014/main" id="{D2365FB2-30CF-DA73-CFD4-A47685A5FB98}"/>
+                </a:ext>
+              </a:extLst>
+            </p:cNvPr>
+            <p:cNvCxnSpPr>
+              <a:stCxn id="8" idx="6"/>
+              <a:endCxn id="20" idx="2"/>
+            </p:cNvCxnSpPr>
+            <p:nvPr/>
+          </p:nvCxnSpPr>
+          <p:spPr>
+            <a:xfrm flipV="1">
+              <a:off x="3187313" y="1992740"/>
+              <a:ext cx="777334" cy="1312037"/>
+            </a:xfrm>
+            <a:prstGeom prst="line">
+              <a:avLst/>
+            </a:prstGeom>
+            <a:ln w="19050">
+              <a:solidFill>
+                <a:schemeClr val="tx1"/>
+              </a:solidFill>
+              <a:headEnd type="none" w="med" len="med"/>
+              <a:tailEnd type="none" w="med" len="med"/>
+            </a:ln>
+          </p:spPr>
+          <p:style>
+            <a:lnRef idx="1">
+              <a:schemeClr val="accent1"/>
+            </a:lnRef>
+            <a:fillRef idx="0">
+              <a:schemeClr val="accent1"/>
+            </a:fillRef>
+            <a:effectRef idx="0">
+              <a:schemeClr val="accent1"/>
+            </a:effectRef>
+            <a:fontRef idx="minor">
+              <a:schemeClr val="tx1"/>
+            </a:fontRef>
+          </p:style>
+        </p:cxnSp>
+        <p:cxnSp>
+          <p:nvCxnSpPr>
+            <p:cNvPr id="51" name="直接连接符 50">
+              <a:extLst>
+                <a:ext uri="{FF2B5EF4-FFF2-40B4-BE49-F238E27FC236}">
+                  <a16:creationId xmlns:a16="http://schemas.microsoft.com/office/drawing/2014/main" id="{55DE02A4-312E-595B-661D-01C26E1104DB}"/>
+                </a:ext>
+              </a:extLst>
+            </p:cNvPr>
+            <p:cNvCxnSpPr>
+              <a:cxnSpLocks/>
+              <a:stCxn id="8" idx="6"/>
+              <a:endCxn id="25" idx="2"/>
+            </p:cNvCxnSpPr>
+            <p:nvPr/>
+          </p:nvCxnSpPr>
+          <p:spPr>
+            <a:xfrm flipV="1">
+              <a:off x="3187313" y="2491291"/>
+              <a:ext cx="777334" cy="813486"/>
+            </a:xfrm>
+            <a:prstGeom prst="line">
+              <a:avLst/>
+            </a:prstGeom>
+            <a:ln w="19050">
+              <a:solidFill>
+                <a:schemeClr val="tx1"/>
+              </a:solidFill>
+              <a:headEnd type="none" w="med" len="med"/>
+              <a:tailEnd type="none" w="med" len="med"/>
+            </a:ln>
+          </p:spPr>
+          <p:style>
+            <a:lnRef idx="1">
+              <a:schemeClr val="accent1"/>
+            </a:lnRef>
+            <a:fillRef idx="0">
+              <a:schemeClr val="accent1"/>
+            </a:fillRef>
+            <a:effectRef idx="0">
+              <a:schemeClr val="accent1"/>
+            </a:effectRef>
+            <a:fontRef idx="minor">
+              <a:schemeClr val="tx1"/>
+            </a:fontRef>
+          </p:style>
+        </p:cxnSp>
+        <p:cxnSp>
+          <p:nvCxnSpPr>
+            <p:cNvPr id="53" name="直接连接符 52">
+              <a:extLst>
+                <a:ext uri="{FF2B5EF4-FFF2-40B4-BE49-F238E27FC236}">
+                  <a16:creationId xmlns:a16="http://schemas.microsoft.com/office/drawing/2014/main" id="{BC26EEF5-5DAD-9D4E-F3FE-4A871903557A}"/>
+                </a:ext>
+              </a:extLst>
+            </p:cNvPr>
+            <p:cNvCxnSpPr>
+              <a:cxnSpLocks/>
+              <a:stCxn id="8" idx="6"/>
+              <a:endCxn id="24" idx="2"/>
+            </p:cNvCxnSpPr>
+            <p:nvPr/>
+          </p:nvCxnSpPr>
+          <p:spPr>
+            <a:xfrm>
+              <a:off x="3187313" y="3304777"/>
+              <a:ext cx="770192" cy="517102"/>
+            </a:xfrm>
+            <a:prstGeom prst="line">
+              <a:avLst/>
+            </a:prstGeom>
+            <a:ln w="19050">
+              <a:solidFill>
+                <a:schemeClr val="tx1"/>
+              </a:solidFill>
+              <a:headEnd type="none" w="med" len="med"/>
+              <a:tailEnd type="none" w="med" len="med"/>
+            </a:ln>
+          </p:spPr>
+          <p:style>
+            <a:lnRef idx="1">
+              <a:schemeClr val="accent1"/>
+            </a:lnRef>
+            <a:fillRef idx="0">
+              <a:schemeClr val="accent1"/>
+            </a:fillRef>
+            <a:effectRef idx="0">
+              <a:schemeClr val="accent1"/>
+            </a:effectRef>
+            <a:fontRef idx="minor">
+              <a:schemeClr val="tx1"/>
+            </a:fontRef>
+          </p:style>
+        </p:cxnSp>
+        <p:cxnSp>
+          <p:nvCxnSpPr>
+            <p:cNvPr id="55" name="直接连接符 54">
+              <a:extLst>
+                <a:ext uri="{FF2B5EF4-FFF2-40B4-BE49-F238E27FC236}">
+                  <a16:creationId xmlns:a16="http://schemas.microsoft.com/office/drawing/2014/main" id="{19AC6D3A-F2DA-CBC8-D4FF-369C658DB102}"/>
+                </a:ext>
+              </a:extLst>
+            </p:cNvPr>
+            <p:cNvCxnSpPr>
+              <a:stCxn id="21" idx="6"/>
+              <a:endCxn id="13" idx="2"/>
+            </p:cNvCxnSpPr>
+            <p:nvPr/>
+          </p:nvCxnSpPr>
+          <p:spPr>
+            <a:xfrm>
+              <a:off x="4324647" y="1494189"/>
+              <a:ext cx="752984" cy="493476"/>
+            </a:xfrm>
+            <a:prstGeom prst="line">
+              <a:avLst/>
+            </a:prstGeom>
+            <a:ln w="19050">
+              <a:solidFill>
+                <a:schemeClr val="tx1"/>
+              </a:solidFill>
+              <a:headEnd type="none" w="med" len="med"/>
+              <a:tailEnd type="none" w="med" len="med"/>
+            </a:ln>
+          </p:spPr>
+          <p:style>
+            <a:lnRef idx="1">
+              <a:schemeClr val="accent1"/>
+            </a:lnRef>
+            <a:fillRef idx="0">
+              <a:schemeClr val="accent1"/>
+            </a:fillRef>
+            <a:effectRef idx="0">
+              <a:schemeClr val="accent1"/>
+            </a:effectRef>
+            <a:fontRef idx="minor">
+              <a:schemeClr val="tx1"/>
+            </a:fontRef>
+          </p:style>
+        </p:cxnSp>
+        <p:cxnSp>
+          <p:nvCxnSpPr>
+            <p:cNvPr id="57" name="直接连接符 56">
+              <a:extLst>
+                <a:ext uri="{FF2B5EF4-FFF2-40B4-BE49-F238E27FC236}">
+                  <a16:creationId xmlns:a16="http://schemas.microsoft.com/office/drawing/2014/main" id="{5CB10270-1B20-F328-C749-602E7DFE2859}"/>
+                </a:ext>
+              </a:extLst>
+            </p:cNvPr>
+            <p:cNvCxnSpPr>
+              <a:cxnSpLocks/>
+              <a:stCxn id="21" idx="6"/>
+              <a:endCxn id="12" idx="2"/>
+            </p:cNvCxnSpPr>
+            <p:nvPr/>
+          </p:nvCxnSpPr>
+          <p:spPr>
+            <a:xfrm>
+              <a:off x="4324647" y="1494189"/>
+              <a:ext cx="752984" cy="992027"/>
+            </a:xfrm>
+            <a:prstGeom prst="line">
+              <a:avLst/>
+            </a:prstGeom>
+            <a:ln w="19050">
+              <a:solidFill>
+                <a:schemeClr val="tx1"/>
+              </a:solidFill>
+              <a:headEnd type="none" w="med" len="med"/>
+              <a:tailEnd type="none" w="med" len="med"/>
+            </a:ln>
+          </p:spPr>
+          <p:style>
+            <a:lnRef idx="1">
+              <a:schemeClr val="accent1"/>
+            </a:lnRef>
+            <a:fillRef idx="0">
+              <a:schemeClr val="accent1"/>
+            </a:fillRef>
+            <a:effectRef idx="0">
+              <a:schemeClr val="accent1"/>
+            </a:effectRef>
+            <a:fontRef idx="minor">
+              <a:schemeClr val="tx1"/>
+            </a:fontRef>
+          </p:style>
+        </p:cxnSp>
+        <p:cxnSp>
+          <p:nvCxnSpPr>
+            <p:cNvPr id="59" name="直接连接符 58">
+              <a:extLst>
+                <a:ext uri="{FF2B5EF4-FFF2-40B4-BE49-F238E27FC236}">
+                  <a16:creationId xmlns:a16="http://schemas.microsoft.com/office/drawing/2014/main" id="{887D04D4-D6BA-0263-033F-C807F315781A}"/>
+                </a:ext>
+              </a:extLst>
+            </p:cNvPr>
+            <p:cNvCxnSpPr>
+              <a:stCxn id="21" idx="6"/>
+              <a:endCxn id="14" idx="2"/>
+            </p:cNvCxnSpPr>
+            <p:nvPr/>
+          </p:nvCxnSpPr>
+          <p:spPr>
+            <a:xfrm>
+              <a:off x="4324647" y="1494189"/>
+              <a:ext cx="752984" cy="1822017"/>
+            </a:xfrm>
+            <a:prstGeom prst="line">
+              <a:avLst/>
+            </a:prstGeom>
+            <a:ln w="19050">
+              <a:solidFill>
+                <a:schemeClr val="tx1"/>
+              </a:solidFill>
+              <a:headEnd type="none" w="med" len="med"/>
+              <a:tailEnd type="none" w="med" len="med"/>
+            </a:ln>
+          </p:spPr>
+          <p:style>
+            <a:lnRef idx="1">
+              <a:schemeClr val="accent1"/>
+            </a:lnRef>
+            <a:fillRef idx="0">
+              <a:schemeClr val="accent1"/>
+            </a:fillRef>
+            <a:effectRef idx="0">
+              <a:schemeClr val="accent1"/>
+            </a:effectRef>
+            <a:fontRef idx="minor">
+              <a:schemeClr val="tx1"/>
+            </a:fontRef>
+          </p:style>
+        </p:cxnSp>
+        <p:cxnSp>
+          <p:nvCxnSpPr>
+            <p:cNvPr id="61" name="直接连接符 60">
+              <a:extLst>
+                <a:ext uri="{FF2B5EF4-FFF2-40B4-BE49-F238E27FC236}">
+                  <a16:creationId xmlns:a16="http://schemas.microsoft.com/office/drawing/2014/main" id="{19927763-1526-51D0-FBBB-E0DF97471205}"/>
+                </a:ext>
+              </a:extLst>
+            </p:cNvPr>
+            <p:cNvCxnSpPr>
+              <a:stCxn id="20" idx="6"/>
+              <a:endCxn id="13" idx="2"/>
+            </p:cNvCxnSpPr>
+            <p:nvPr/>
+          </p:nvCxnSpPr>
+          <p:spPr>
+            <a:xfrm flipV="1">
+              <a:off x="4324647" y="1987665"/>
+              <a:ext cx="752984" cy="5075"/>
+            </a:xfrm>
+            <a:prstGeom prst="line">
+              <a:avLst/>
+            </a:prstGeom>
+            <a:ln w="19050">
+              <a:solidFill>
+                <a:schemeClr val="tx1"/>
+              </a:solidFill>
+              <a:headEnd type="none" w="med" len="med"/>
+              <a:tailEnd type="none" w="med" len="med"/>
+            </a:ln>
+          </p:spPr>
+          <p:style>
+            <a:lnRef idx="1">
+              <a:schemeClr val="accent1"/>
+            </a:lnRef>
+            <a:fillRef idx="0">
+              <a:schemeClr val="accent1"/>
+            </a:fillRef>
+            <a:effectRef idx="0">
+              <a:schemeClr val="accent1"/>
+            </a:effectRef>
+            <a:fontRef idx="minor">
+              <a:schemeClr val="tx1"/>
+            </a:fontRef>
+          </p:style>
+        </p:cxnSp>
+        <p:cxnSp>
+          <p:nvCxnSpPr>
+            <p:cNvPr id="63" name="直接连接符 62">
+              <a:extLst>
+                <a:ext uri="{FF2B5EF4-FFF2-40B4-BE49-F238E27FC236}">
+                  <a16:creationId xmlns:a16="http://schemas.microsoft.com/office/drawing/2014/main" id="{CF754879-3E55-0ED2-E26C-D8D035475273}"/>
+                </a:ext>
+              </a:extLst>
+            </p:cNvPr>
+            <p:cNvCxnSpPr>
+              <a:stCxn id="20" idx="6"/>
+              <a:endCxn id="12" idx="3"/>
+            </p:cNvCxnSpPr>
+            <p:nvPr/>
+          </p:nvCxnSpPr>
+          <p:spPr>
+            <a:xfrm>
+              <a:off x="4324647" y="1992740"/>
+              <a:ext cx="752984" cy="493476"/>
+            </a:xfrm>
+            <a:prstGeom prst="line">
+              <a:avLst/>
+            </a:prstGeom>
+            <a:ln w="19050">
+              <a:solidFill>
+                <a:schemeClr val="tx1"/>
+              </a:solidFill>
+              <a:headEnd type="none" w="med" len="med"/>
+              <a:tailEnd type="none" w="med" len="med"/>
+            </a:ln>
+          </p:spPr>
+          <p:style>
+            <a:lnRef idx="1">
+              <a:schemeClr val="accent1"/>
+            </a:lnRef>
+            <a:fillRef idx="0">
+              <a:schemeClr val="accent1"/>
+            </a:fillRef>
+            <a:effectRef idx="0">
+              <a:schemeClr val="accent1"/>
+            </a:effectRef>
+            <a:fontRef idx="minor">
+              <a:schemeClr val="tx1"/>
+            </a:fontRef>
+          </p:style>
+        </p:cxnSp>
+        <p:cxnSp>
+          <p:nvCxnSpPr>
+            <p:cNvPr id="65" name="直接连接符 64">
+              <a:extLst>
+                <a:ext uri="{FF2B5EF4-FFF2-40B4-BE49-F238E27FC236}">
+                  <a16:creationId xmlns:a16="http://schemas.microsoft.com/office/drawing/2014/main" id="{9660A81D-0830-8441-8D80-C2DB99E99BC4}"/>
+                </a:ext>
+              </a:extLst>
+            </p:cNvPr>
+            <p:cNvCxnSpPr>
+              <a:stCxn id="20" idx="6"/>
+              <a:endCxn id="14" idx="2"/>
+            </p:cNvCxnSpPr>
+            <p:nvPr/>
+          </p:nvCxnSpPr>
+          <p:spPr>
+            <a:xfrm>
+              <a:off x="4324647" y="1992740"/>
+              <a:ext cx="752984" cy="1323466"/>
+            </a:xfrm>
+            <a:prstGeom prst="line">
+              <a:avLst/>
+            </a:prstGeom>
+            <a:ln w="19050">
+              <a:solidFill>
+                <a:schemeClr val="tx1"/>
+              </a:solidFill>
+              <a:headEnd type="none" w="med" len="med"/>
+              <a:tailEnd type="none" w="med" len="med"/>
+            </a:ln>
+          </p:spPr>
+          <p:style>
+            <a:lnRef idx="1">
+              <a:schemeClr val="accent1"/>
+            </a:lnRef>
+            <a:fillRef idx="0">
+              <a:schemeClr val="accent1"/>
+            </a:fillRef>
+            <a:effectRef idx="0">
+              <a:schemeClr val="accent1"/>
+            </a:effectRef>
+            <a:fontRef idx="minor">
+              <a:schemeClr val="tx1"/>
+            </a:fontRef>
+          </p:style>
+        </p:cxnSp>
+        <p:cxnSp>
+          <p:nvCxnSpPr>
+            <p:cNvPr id="67" name="直接连接符 66">
+              <a:extLst>
+                <a:ext uri="{FF2B5EF4-FFF2-40B4-BE49-F238E27FC236}">
+                  <a16:creationId xmlns:a16="http://schemas.microsoft.com/office/drawing/2014/main" id="{C3EF2630-3E40-FFAB-9B93-81E3505AD6C0}"/>
+                </a:ext>
+              </a:extLst>
+            </p:cNvPr>
+            <p:cNvCxnSpPr>
+              <a:stCxn id="25" idx="6"/>
+              <a:endCxn id="13" idx="2"/>
+            </p:cNvCxnSpPr>
+            <p:nvPr/>
+          </p:nvCxnSpPr>
+          <p:spPr>
+            <a:xfrm flipV="1">
+              <a:off x="4324647" y="1987665"/>
+              <a:ext cx="752984" cy="503626"/>
+            </a:xfrm>
+            <a:prstGeom prst="line">
+              <a:avLst/>
+            </a:prstGeom>
+            <a:ln w="19050">
+              <a:solidFill>
+                <a:schemeClr val="tx1"/>
+              </a:solidFill>
+              <a:headEnd type="none" w="med" len="med"/>
+              <a:tailEnd type="none" w="med" len="med"/>
+            </a:ln>
+          </p:spPr>
+          <p:style>
+            <a:lnRef idx="1">
+              <a:schemeClr val="accent1"/>
+            </a:lnRef>
+            <a:fillRef idx="0">
+              <a:schemeClr val="accent1"/>
+            </a:fillRef>
+            <a:effectRef idx="0">
+              <a:schemeClr val="accent1"/>
+            </a:effectRef>
+            <a:fontRef idx="minor">
+              <a:schemeClr val="tx1"/>
+            </a:fontRef>
+          </p:style>
+        </p:cxnSp>
+        <p:cxnSp>
+          <p:nvCxnSpPr>
+            <p:cNvPr id="69" name="直接连接符 68">
+              <a:extLst>
+                <a:ext uri="{FF2B5EF4-FFF2-40B4-BE49-F238E27FC236}">
+                  <a16:creationId xmlns:a16="http://schemas.microsoft.com/office/drawing/2014/main" id="{955D53EF-BD55-A761-3A54-0B788EF4572B}"/>
+                </a:ext>
+              </a:extLst>
+            </p:cNvPr>
+            <p:cNvCxnSpPr>
+              <a:cxnSpLocks/>
+              <a:stCxn id="25" idx="6"/>
+              <a:endCxn id="12" idx="2"/>
+            </p:cNvCxnSpPr>
+            <p:nvPr/>
+          </p:nvCxnSpPr>
+          <p:spPr>
+            <a:xfrm flipV="1">
+              <a:off x="4324647" y="2486216"/>
+              <a:ext cx="752984" cy="5075"/>
+            </a:xfrm>
+            <a:prstGeom prst="line">
+              <a:avLst/>
+            </a:prstGeom>
+            <a:ln w="19050">
+              <a:solidFill>
+                <a:schemeClr val="tx1"/>
+              </a:solidFill>
+              <a:headEnd type="none" w="med" len="med"/>
+              <a:tailEnd type="none" w="med" len="med"/>
+            </a:ln>
+          </p:spPr>
+          <p:style>
+            <a:lnRef idx="1">
+              <a:schemeClr val="accent1"/>
+            </a:lnRef>
+            <a:fillRef idx="0">
+              <a:schemeClr val="accent1"/>
+            </a:fillRef>
+            <a:effectRef idx="0">
+              <a:schemeClr val="accent1"/>
+            </a:effectRef>
+            <a:fontRef idx="minor">
+              <a:schemeClr val="tx1"/>
+            </a:fontRef>
+          </p:style>
+        </p:cxnSp>
+        <p:cxnSp>
+          <p:nvCxnSpPr>
+            <p:cNvPr id="71" name="直接连接符 70">
+              <a:extLst>
+                <a:ext uri="{FF2B5EF4-FFF2-40B4-BE49-F238E27FC236}">
+                  <a16:creationId xmlns:a16="http://schemas.microsoft.com/office/drawing/2014/main" id="{50EE1990-805E-190D-BDFD-EBAD91ED2354}"/>
+                </a:ext>
+              </a:extLst>
+            </p:cNvPr>
+            <p:cNvCxnSpPr>
+              <a:stCxn id="25" idx="6"/>
+              <a:endCxn id="14" idx="2"/>
+            </p:cNvCxnSpPr>
+            <p:nvPr/>
+          </p:nvCxnSpPr>
+          <p:spPr>
+            <a:xfrm>
+              <a:off x="4324647" y="2491291"/>
+              <a:ext cx="752984" cy="824915"/>
+            </a:xfrm>
+            <a:prstGeom prst="line">
+              <a:avLst/>
+            </a:prstGeom>
+            <a:ln w="19050">
+              <a:solidFill>
+                <a:schemeClr val="tx1"/>
+              </a:solidFill>
+              <a:headEnd type="none" w="med" len="med"/>
+              <a:tailEnd type="none" w="med" len="med"/>
+            </a:ln>
+          </p:spPr>
+          <p:style>
+            <a:lnRef idx="1">
+              <a:schemeClr val="accent1"/>
+            </a:lnRef>
+            <a:fillRef idx="0">
+              <a:schemeClr val="accent1"/>
+            </a:fillRef>
+            <a:effectRef idx="0">
+              <a:schemeClr val="accent1"/>
+            </a:effectRef>
+            <a:fontRef idx="minor">
+              <a:schemeClr val="tx1"/>
+            </a:fontRef>
+          </p:style>
+        </p:cxnSp>
+        <p:cxnSp>
+          <p:nvCxnSpPr>
+            <p:cNvPr id="73" name="直接连接符 72">
+              <a:extLst>
+                <a:ext uri="{FF2B5EF4-FFF2-40B4-BE49-F238E27FC236}">
+                  <a16:creationId xmlns:a16="http://schemas.microsoft.com/office/drawing/2014/main" id="{E101A311-E7BB-605A-8F7D-B2618C5B9648}"/>
+                </a:ext>
+              </a:extLst>
+            </p:cNvPr>
+            <p:cNvCxnSpPr>
+              <a:stCxn id="22" idx="6"/>
+            </p:cNvCxnSpPr>
+            <p:nvPr/>
+          </p:nvCxnSpPr>
+          <p:spPr>
+            <a:xfrm flipV="1">
+              <a:off x="4324647" y="1982590"/>
+              <a:ext cx="752984" cy="1007252"/>
+            </a:xfrm>
+            <a:prstGeom prst="line">
+              <a:avLst/>
+            </a:prstGeom>
+            <a:ln w="19050">
+              <a:solidFill>
+                <a:schemeClr val="tx1"/>
+              </a:solidFill>
+              <a:headEnd type="none" w="med" len="med"/>
+              <a:tailEnd type="none" w="med" len="med"/>
+            </a:ln>
+          </p:spPr>
+          <p:style>
+            <a:lnRef idx="1">
+              <a:schemeClr val="accent1"/>
+            </a:lnRef>
+            <a:fillRef idx="0">
+              <a:schemeClr val="accent1"/>
+            </a:fillRef>
+            <a:effectRef idx="0">
+              <a:schemeClr val="accent1"/>
+            </a:effectRef>
+            <a:fontRef idx="minor">
+              <a:schemeClr val="tx1"/>
+            </a:fontRef>
+          </p:style>
+        </p:cxnSp>
+        <p:cxnSp>
+          <p:nvCxnSpPr>
+            <p:cNvPr id="75" name="直接连接符 74">
+              <a:extLst>
+                <a:ext uri="{FF2B5EF4-FFF2-40B4-BE49-F238E27FC236}">
+                  <a16:creationId xmlns:a16="http://schemas.microsoft.com/office/drawing/2014/main" id="{7B0474AE-03F9-6B19-81DC-6DA620972630}"/>
+                </a:ext>
+              </a:extLst>
+            </p:cNvPr>
+            <p:cNvCxnSpPr>
+              <a:cxnSpLocks/>
+              <a:stCxn id="22" idx="6"/>
+              <a:endCxn id="12" idx="2"/>
+            </p:cNvCxnSpPr>
+            <p:nvPr/>
+          </p:nvCxnSpPr>
+          <p:spPr>
+            <a:xfrm flipV="1">
+              <a:off x="4324647" y="2486216"/>
+              <a:ext cx="752984" cy="503626"/>
+            </a:xfrm>
+            <a:prstGeom prst="line">
+              <a:avLst/>
+            </a:prstGeom>
+            <a:ln w="19050">
+              <a:solidFill>
+                <a:schemeClr val="tx1"/>
+              </a:solidFill>
+              <a:headEnd type="none" w="med" len="med"/>
+              <a:tailEnd type="none" w="med" len="med"/>
+            </a:ln>
+          </p:spPr>
+          <p:style>
+            <a:lnRef idx="1">
+              <a:schemeClr val="accent1"/>
+            </a:lnRef>
+            <a:fillRef idx="0">
+              <a:schemeClr val="accent1"/>
+            </a:fillRef>
+            <a:effectRef idx="0">
+              <a:schemeClr val="accent1"/>
+            </a:effectRef>
+            <a:fontRef idx="minor">
+              <a:schemeClr val="tx1"/>
+            </a:fontRef>
+          </p:style>
+        </p:cxnSp>
+        <p:cxnSp>
+          <p:nvCxnSpPr>
+            <p:cNvPr id="77" name="直接连接符 76">
+              <a:extLst>
+                <a:ext uri="{FF2B5EF4-FFF2-40B4-BE49-F238E27FC236}">
+                  <a16:creationId xmlns:a16="http://schemas.microsoft.com/office/drawing/2014/main" id="{4A84CCC5-0D46-0FD0-DE2F-1DF7FD8676A3}"/>
+                </a:ext>
+              </a:extLst>
+            </p:cNvPr>
+            <p:cNvCxnSpPr>
+              <a:stCxn id="22" idx="6"/>
+              <a:endCxn id="14" idx="2"/>
+            </p:cNvCxnSpPr>
+            <p:nvPr/>
+          </p:nvCxnSpPr>
+          <p:spPr>
+            <a:xfrm>
+              <a:off x="4324647" y="2989842"/>
+              <a:ext cx="752984" cy="326364"/>
+            </a:xfrm>
+            <a:prstGeom prst="line">
+              <a:avLst/>
+            </a:prstGeom>
+            <a:ln w="19050">
+              <a:solidFill>
+                <a:schemeClr val="tx1"/>
+              </a:solidFill>
+              <a:headEnd type="none" w="med" len="med"/>
+              <a:tailEnd type="none" w="med" len="med"/>
+            </a:ln>
+          </p:spPr>
+          <p:style>
+            <a:lnRef idx="1">
+              <a:schemeClr val="accent1"/>
+            </a:lnRef>
+            <a:fillRef idx="0">
+              <a:schemeClr val="accent1"/>
+            </a:fillRef>
+            <a:effectRef idx="0">
+              <a:schemeClr val="accent1"/>
+            </a:effectRef>
+            <a:fontRef idx="minor">
+              <a:schemeClr val="tx1"/>
+            </a:fontRef>
+          </p:style>
+        </p:cxnSp>
+        <p:cxnSp>
+          <p:nvCxnSpPr>
+            <p:cNvPr id="79" name="直接连接符 78">
+              <a:extLst>
+                <a:ext uri="{FF2B5EF4-FFF2-40B4-BE49-F238E27FC236}">
+                  <a16:creationId xmlns:a16="http://schemas.microsoft.com/office/drawing/2014/main" id="{99FE909E-2B8E-5E17-204B-100FE2699FB7}"/>
+                </a:ext>
+              </a:extLst>
+            </p:cNvPr>
+            <p:cNvCxnSpPr>
+              <a:stCxn id="24" idx="6"/>
+              <a:endCxn id="13" idx="2"/>
+            </p:cNvCxnSpPr>
+            <p:nvPr/>
+          </p:nvCxnSpPr>
+          <p:spPr>
+            <a:xfrm flipV="1">
+              <a:off x="4317505" y="1987665"/>
+              <a:ext cx="760126" cy="1834214"/>
+            </a:xfrm>
+            <a:prstGeom prst="line">
+              <a:avLst/>
+            </a:prstGeom>
+            <a:ln w="19050">
+              <a:solidFill>
+                <a:schemeClr val="tx1"/>
+              </a:solidFill>
+              <a:headEnd type="none" w="med" len="med"/>
+              <a:tailEnd type="none" w="med" len="med"/>
+            </a:ln>
+          </p:spPr>
+          <p:style>
+            <a:lnRef idx="1">
+              <a:schemeClr val="accent1"/>
+            </a:lnRef>
+            <a:fillRef idx="0">
+              <a:schemeClr val="accent1"/>
+            </a:fillRef>
+            <a:effectRef idx="0">
+              <a:schemeClr val="accent1"/>
+            </a:effectRef>
+            <a:fontRef idx="minor">
+              <a:schemeClr val="tx1"/>
+            </a:fontRef>
+          </p:style>
+        </p:cxnSp>
+        <p:cxnSp>
+          <p:nvCxnSpPr>
+            <p:cNvPr id="81" name="直接连接符 80">
+              <a:extLst>
+                <a:ext uri="{FF2B5EF4-FFF2-40B4-BE49-F238E27FC236}">
+                  <a16:creationId xmlns:a16="http://schemas.microsoft.com/office/drawing/2014/main" id="{9FD50512-532E-FCB3-EDB2-B33C48FD1759}"/>
+                </a:ext>
+              </a:extLst>
+            </p:cNvPr>
+            <p:cNvCxnSpPr>
+              <a:stCxn id="24" idx="6"/>
+              <a:endCxn id="12" idx="2"/>
+            </p:cNvCxnSpPr>
+            <p:nvPr/>
+          </p:nvCxnSpPr>
+          <p:spPr>
+            <a:xfrm flipV="1">
+              <a:off x="4317505" y="2486216"/>
+              <a:ext cx="760126" cy="1335663"/>
+            </a:xfrm>
+            <a:prstGeom prst="line">
+              <a:avLst/>
+            </a:prstGeom>
+            <a:ln w="19050">
+              <a:solidFill>
+                <a:schemeClr val="tx1"/>
+              </a:solidFill>
+              <a:headEnd type="none" w="med" len="med"/>
+              <a:tailEnd type="none" w="med" len="med"/>
+            </a:ln>
+          </p:spPr>
+          <p:style>
+            <a:lnRef idx="1">
+              <a:schemeClr val="accent1"/>
+            </a:lnRef>
+            <a:fillRef idx="0">
+              <a:schemeClr val="accent1"/>
+            </a:fillRef>
+            <a:effectRef idx="0">
+              <a:schemeClr val="accent1"/>
+            </a:effectRef>
+            <a:fontRef idx="minor">
+              <a:schemeClr val="tx1"/>
+            </a:fontRef>
+          </p:style>
+        </p:cxnSp>
+        <p:cxnSp>
+          <p:nvCxnSpPr>
+            <p:cNvPr id="83" name="直接连接符 82">
+              <a:extLst>
+                <a:ext uri="{FF2B5EF4-FFF2-40B4-BE49-F238E27FC236}">
+                  <a16:creationId xmlns:a16="http://schemas.microsoft.com/office/drawing/2014/main" id="{7AA98E6C-115A-8BDB-E5F2-495EC1DF7EB2}"/>
+                </a:ext>
+              </a:extLst>
+            </p:cNvPr>
+            <p:cNvCxnSpPr>
+              <a:cxnSpLocks/>
+              <a:stCxn id="24" idx="6"/>
+              <a:endCxn id="14" idx="2"/>
+            </p:cNvCxnSpPr>
+            <p:nvPr/>
+          </p:nvCxnSpPr>
+          <p:spPr>
+            <a:xfrm flipV="1">
+              <a:off x="4317505" y="3316206"/>
+              <a:ext cx="760126" cy="505673"/>
+            </a:xfrm>
+            <a:prstGeom prst="line">
+              <a:avLst/>
+            </a:prstGeom>
+            <a:ln w="19050">
+              <a:solidFill>
+                <a:schemeClr val="tx1"/>
+              </a:solidFill>
+              <a:headEnd type="none" w="med" len="med"/>
+              <a:tailEnd type="none" w="med" len="med"/>
+            </a:ln>
+          </p:spPr>
+          <p:style>
+            <a:lnRef idx="1">
+              <a:schemeClr val="accent1"/>
+            </a:lnRef>
+            <a:fillRef idx="0">
+              <a:schemeClr val="accent1"/>
+            </a:fillRef>
+            <a:effectRef idx="0">
+              <a:schemeClr val="accent1"/>
+            </a:effectRef>
+            <a:fontRef idx="minor">
+              <a:schemeClr val="tx1"/>
+            </a:fontRef>
+          </p:style>
+        </p:cxnSp>
+        <p:cxnSp>
+          <p:nvCxnSpPr>
+            <p:cNvPr id="93" name="直接箭头连接符 92">
+              <a:extLst>
+                <a:ext uri="{FF2B5EF4-FFF2-40B4-BE49-F238E27FC236}">
+                  <a16:creationId xmlns:a16="http://schemas.microsoft.com/office/drawing/2014/main" id="{432456A3-9423-4C4E-1AC3-2389641746E0}"/>
+                </a:ext>
+              </a:extLst>
+            </p:cNvPr>
+            <p:cNvCxnSpPr>
+              <a:stCxn id="8" idx="6"/>
+              <a:endCxn id="22" idx="2"/>
+            </p:cNvCxnSpPr>
+            <p:nvPr/>
+          </p:nvCxnSpPr>
+          <p:spPr>
+            <a:xfrm flipV="1">
+              <a:off x="3187313" y="2989842"/>
+              <a:ext cx="777334" cy="314935"/>
+            </a:xfrm>
+            <a:prstGeom prst="straightConnector1">
+              <a:avLst/>
+            </a:prstGeom>
+            <a:ln w="19050">
+              <a:solidFill>
+                <a:schemeClr val="tx1"/>
+              </a:solidFill>
+              <a:headEnd type="none" w="med" len="med"/>
+              <a:tailEnd type="none" w="med" len="med"/>
+            </a:ln>
+          </p:spPr>
+          <p:style>
+            <a:lnRef idx="1">
+              <a:schemeClr val="accent1"/>
+            </a:lnRef>
+            <a:fillRef idx="0">
+              <a:schemeClr val="accent1"/>
+            </a:fillRef>
+            <a:effectRef idx="0">
+              <a:schemeClr val="accent1"/>
+            </a:effectRef>
+            <a:fontRef idx="minor">
+              <a:schemeClr val="tx1"/>
+            </a:fontRef>
+          </p:style>
+        </p:cxnSp>
+        <p:sp>
+          <p:nvSpPr>
+            <p:cNvPr id="97" name="文本框 96">
+              <a:extLst>
+                <a:ext uri="{FF2B5EF4-FFF2-40B4-BE49-F238E27FC236}">
+                  <a16:creationId xmlns:a16="http://schemas.microsoft.com/office/drawing/2014/main" id="{202C2512-4BF9-6F68-7094-A1D3F9D031F6}"/>
+                </a:ext>
+              </a:extLst>
+            </p:cNvPr>
+            <p:cNvSpPr txBox="1"/>
+            <p:nvPr/>
+          </p:nvSpPr>
+          <p:spPr>
+            <a:xfrm>
+              <a:off x="2797159" y="3658046"/>
+              <a:ext cx="420308" cy="276999"/>
+            </a:xfrm>
+            <a:prstGeom prst="rect">
+              <a:avLst/>
+            </a:prstGeom>
+            <a:noFill/>
+          </p:spPr>
+          <p:txBody>
+            <a:bodyPr wrap="none" rtlCol="0">
+              <a:spAutoFit/>
+            </a:bodyPr>
+            <a:lstStyle/>
+            <a:p>
+              <a:pPr algn="ctr"/>
+              <a:r>
+                <a:rPr lang="en-US" altLang="zh-CN" sz="1200" dirty="0"/>
+                <a:t>512</a:t>
+              </a:r>
+              <a:endParaRPr lang="zh-CN" altLang="en-US" sz="1200" dirty="0"/>
+            </a:p>
+          </p:txBody>
+        </p:sp>
+        <p:sp>
+          <p:nvSpPr>
+            <p:cNvPr id="98" name="文本框 97">
+              <a:extLst>
+                <a:ext uri="{FF2B5EF4-FFF2-40B4-BE49-F238E27FC236}">
+                  <a16:creationId xmlns:a16="http://schemas.microsoft.com/office/drawing/2014/main" id="{5C9733BE-DAD4-BBD4-CB04-9728D0D7965C}"/>
+                </a:ext>
+              </a:extLst>
+            </p:cNvPr>
+            <p:cNvSpPr txBox="1"/>
+            <p:nvPr/>
+          </p:nvSpPr>
+          <p:spPr>
+            <a:xfrm>
+              <a:off x="3888077" y="4130324"/>
+              <a:ext cx="498855" cy="276999"/>
+            </a:xfrm>
+            <a:prstGeom prst="rect">
+              <a:avLst/>
+            </a:prstGeom>
+            <a:noFill/>
+          </p:spPr>
+          <p:txBody>
+            <a:bodyPr wrap="none" rtlCol="0">
+              <a:spAutoFit/>
+            </a:bodyPr>
+            <a:lstStyle/>
+            <a:p>
+              <a:pPr algn="ctr"/>
+              <a:r>
+                <a:rPr lang="en-US" altLang="zh-CN" sz="1200" dirty="0"/>
+                <a:t>2048</a:t>
+              </a:r>
+              <a:endParaRPr lang="zh-CN" altLang="en-US" sz="1200" dirty="0"/>
+            </a:p>
+          </p:txBody>
+        </p:sp>
+        <p:sp>
+          <p:nvSpPr>
+            <p:cNvPr id="99" name="文本框 98">
+              <a:extLst>
+                <a:ext uri="{FF2B5EF4-FFF2-40B4-BE49-F238E27FC236}">
+                  <a16:creationId xmlns:a16="http://schemas.microsoft.com/office/drawing/2014/main" id="{F1299CF2-53C2-4099-E3B9-809A18BC398E}"/>
+                </a:ext>
+              </a:extLst>
+            </p:cNvPr>
+            <p:cNvSpPr txBox="1"/>
+            <p:nvPr/>
+          </p:nvSpPr>
+          <p:spPr>
+            <a:xfrm>
+              <a:off x="5049923" y="3658046"/>
+              <a:ext cx="420308" cy="276999"/>
+            </a:xfrm>
+            <a:prstGeom prst="rect">
+              <a:avLst/>
+            </a:prstGeom>
+            <a:noFill/>
+          </p:spPr>
+          <p:txBody>
+            <a:bodyPr wrap="none" rtlCol="0">
+              <a:spAutoFit/>
+            </a:bodyPr>
+            <a:lstStyle/>
+            <a:p>
+              <a:pPr algn="ctr"/>
+              <a:r>
+                <a:rPr lang="en-US" altLang="zh-CN" sz="1200" dirty="0"/>
+                <a:t>512</a:t>
+              </a:r>
+              <a:endParaRPr lang="zh-CN" altLang="en-US" sz="1200" dirty="0"/>
+            </a:p>
+          </p:txBody>
+        </p:sp>
+      </p:grpSp>
+    </p:spTree>
+    <p:extLst>
+      <p:ext uri="{BB962C8B-B14F-4D97-AF65-F5344CB8AC3E}">
+        <p14:creationId xmlns:p14="http://schemas.microsoft.com/office/powerpoint/2010/main" val="3746209840"/>
       </p:ext>
     </p:extLst>
   </p:cSld>
